--- a/Jane_Eyre_PPT.pptx
+++ b/Jane_Eyre_PPT.pptx
@@ -2,10 +2,11 @@
 <file path=ppt/presentation.xml><?xml version="1.0" encoding="utf-8"?>
 <p:presentation xmlns:a="http://schemas.openxmlformats.org/drawingml/2006/main" xmlns:r="http://schemas.openxmlformats.org/officeDocument/2006/relationships" xmlns:p="http://schemas.openxmlformats.org/presentationml/2006/main" saveSubsetFonts="1">
   <p:sldMasterIdLst>
-    <p:sldMasterId id="2147483648" r:id="rId1"/>
+    <p:sldMasterId id="2147483660" r:id="rId1"/>
   </p:sldMasterIdLst>
   <p:sldIdLst>
     <p:sldId id="256" r:id="rId2"/>
+    <p:sldId id="257" r:id="rId3"/>
   </p:sldIdLst>
   <p:sldSz cx="12192000" cy="6858000"/>
   <p:notesSz cx="6858000" cy="9144000"/>
@@ -13,7 +14,7 @@
     <a:defPPr>
       <a:defRPr lang="en-US"/>
     </a:defPPr>
-    <a:lvl1pPr marL="0" algn="l" defTabSz="914400" rtl="0" eaLnBrk="1" latinLnBrk="0" hangingPunct="1">
+    <a:lvl1pPr marL="0" algn="l" defTabSz="457200" rtl="0" eaLnBrk="1" latinLnBrk="0" hangingPunct="1">
       <a:defRPr sz="1800" kern="1200">
         <a:solidFill>
           <a:schemeClr val="tx1"/>
@@ -23,7 +24,7 @@
         <a:cs typeface="+mn-cs"/>
       </a:defRPr>
     </a:lvl1pPr>
-    <a:lvl2pPr marL="457200" algn="l" defTabSz="914400" rtl="0" eaLnBrk="1" latinLnBrk="0" hangingPunct="1">
+    <a:lvl2pPr marL="457200" algn="l" defTabSz="457200" rtl="0" eaLnBrk="1" latinLnBrk="0" hangingPunct="1">
       <a:defRPr sz="1800" kern="1200">
         <a:solidFill>
           <a:schemeClr val="tx1"/>
@@ -33,7 +34,7 @@
         <a:cs typeface="+mn-cs"/>
       </a:defRPr>
     </a:lvl2pPr>
-    <a:lvl3pPr marL="914400" algn="l" defTabSz="914400" rtl="0" eaLnBrk="1" latinLnBrk="0" hangingPunct="1">
+    <a:lvl3pPr marL="914400" algn="l" defTabSz="457200" rtl="0" eaLnBrk="1" latinLnBrk="0" hangingPunct="1">
       <a:defRPr sz="1800" kern="1200">
         <a:solidFill>
           <a:schemeClr val="tx1"/>
@@ -43,7 +44,7 @@
         <a:cs typeface="+mn-cs"/>
       </a:defRPr>
     </a:lvl3pPr>
-    <a:lvl4pPr marL="1371600" algn="l" defTabSz="914400" rtl="0" eaLnBrk="1" latinLnBrk="0" hangingPunct="1">
+    <a:lvl4pPr marL="1371600" algn="l" defTabSz="457200" rtl="0" eaLnBrk="1" latinLnBrk="0" hangingPunct="1">
       <a:defRPr sz="1800" kern="1200">
         <a:solidFill>
           <a:schemeClr val="tx1"/>
@@ -53,7 +54,7 @@
         <a:cs typeface="+mn-cs"/>
       </a:defRPr>
     </a:lvl4pPr>
-    <a:lvl5pPr marL="1828800" algn="l" defTabSz="914400" rtl="0" eaLnBrk="1" latinLnBrk="0" hangingPunct="1">
+    <a:lvl5pPr marL="1828800" algn="l" defTabSz="457200" rtl="0" eaLnBrk="1" latinLnBrk="0" hangingPunct="1">
       <a:defRPr sz="1800" kern="1200">
         <a:solidFill>
           <a:schemeClr val="tx1"/>
@@ -63,7 +64,7 @@
         <a:cs typeface="+mn-cs"/>
       </a:defRPr>
     </a:lvl5pPr>
-    <a:lvl6pPr marL="2286000" algn="l" defTabSz="914400" rtl="0" eaLnBrk="1" latinLnBrk="0" hangingPunct="1">
+    <a:lvl6pPr marL="2286000" algn="l" defTabSz="457200" rtl="0" eaLnBrk="1" latinLnBrk="0" hangingPunct="1">
       <a:defRPr sz="1800" kern="1200">
         <a:solidFill>
           <a:schemeClr val="tx1"/>
@@ -73,7 +74,7 @@
         <a:cs typeface="+mn-cs"/>
       </a:defRPr>
     </a:lvl6pPr>
-    <a:lvl7pPr marL="2743200" algn="l" defTabSz="914400" rtl="0" eaLnBrk="1" latinLnBrk="0" hangingPunct="1">
+    <a:lvl7pPr marL="2743200" algn="l" defTabSz="457200" rtl="0" eaLnBrk="1" latinLnBrk="0" hangingPunct="1">
       <a:defRPr sz="1800" kern="1200">
         <a:solidFill>
           <a:schemeClr val="tx1"/>
@@ -83,7 +84,7 @@
         <a:cs typeface="+mn-cs"/>
       </a:defRPr>
     </a:lvl7pPr>
-    <a:lvl8pPr marL="3200400" algn="l" defTabSz="914400" rtl="0" eaLnBrk="1" latinLnBrk="0" hangingPunct="1">
+    <a:lvl8pPr marL="3200400" algn="l" defTabSz="457200" rtl="0" eaLnBrk="1" latinLnBrk="0" hangingPunct="1">
       <a:defRPr sz="1800" kern="1200">
         <a:solidFill>
           <a:schemeClr val="tx1"/>
@@ -93,7 +94,7 @@
         <a:cs typeface="+mn-cs"/>
       </a:defRPr>
     </a:lvl8pPr>
-    <a:lvl9pPr marL="3657600" algn="l" defTabSz="914400" rtl="0" eaLnBrk="1" latinLnBrk="0" hangingPunct="1">
+    <a:lvl9pPr marL="3657600" algn="l" defTabSz="457200" rtl="0" eaLnBrk="1" latinLnBrk="0" hangingPunct="1">
       <a:defRPr sz="1800" kern="1200">
         <a:solidFill>
           <a:schemeClr val="tx1"/>
@@ -104,6 +105,11 @@
       </a:defRPr>
     </a:lvl9pPr>
   </p:defaultTextStyle>
+  <p:extLst>
+    <p:ext uri="{EFAFB233-063F-42B5-8137-9DF3F51BA10A}">
+      <p15:sldGuideLst xmlns:p15="http://schemas.microsoft.com/office/powerpoint/2012/main"/>
+    </p:ext>
+  </p:extLst>
 </p:presentation>
 </file>
 
@@ -126,13 +132,7 @@
       </p:grpSpPr>
       <p:sp>
         <p:nvSpPr>
-          <p:cNvPr id="2" name="Titre 1">
-            <a:extLst>
-              <a:ext uri="{FF2B5EF4-FFF2-40B4-BE49-F238E27FC236}">
-                <a16:creationId xmlns:a16="http://schemas.microsoft.com/office/drawing/2014/main" id="{C35FA719-C628-40C0-A798-DC640A278AF0}"/>
-              </a:ext>
-            </a:extLst>
-          </p:cNvPr>
+          <p:cNvPr id="2" name="Title 1"/>
           <p:cNvSpPr>
             <a:spLocks noGrp="1"/>
           </p:cNvSpPr>
@@ -142,15 +142,17 @@
         </p:nvSpPr>
         <p:spPr>
           <a:xfrm>
-            <a:off x="1524000" y="1122363"/>
-            <a:ext cx="9144000" cy="2387600"/>
+            <a:off x="1370693" y="1769540"/>
+            <a:ext cx="9440034" cy="1828801"/>
           </a:xfrm>
         </p:spPr>
         <p:txBody>
-          <a:bodyPr anchor="b"/>
+          <a:bodyPr anchor="b">
+            <a:normAutofit/>
+          </a:bodyPr>
           <a:lstStyle>
             <a:lvl1pPr algn="ctr">
-              <a:defRPr sz="6000"/>
+              <a:defRPr sz="5400"/>
             </a:lvl1pPr>
           </a:lstStyle>
           <a:p>
@@ -158,19 +160,13 @@
               <a:rPr lang="fr-FR"/>
               <a:t>Modifiez le style du titre</a:t>
             </a:r>
-            <a:endParaRPr lang="en-US"/>
-          </a:p>
-        </p:txBody>
-      </p:sp>
-      <p:sp>
-        <p:nvSpPr>
-          <p:cNvPr id="3" name="Sous-titre 2">
-            <a:extLst>
-              <a:ext uri="{FF2B5EF4-FFF2-40B4-BE49-F238E27FC236}">
-                <a16:creationId xmlns:a16="http://schemas.microsoft.com/office/drawing/2014/main" id="{B6A77FE3-AE66-4B28-BF40-B1859B41C168}"/>
-              </a:ext>
-            </a:extLst>
-          </p:cNvPr>
+            <a:endParaRPr lang="en-US" dirty="0"/>
+          </a:p>
+        </p:txBody>
+      </p:sp>
+      <p:sp>
+        <p:nvSpPr>
+          <p:cNvPr id="3" name="Subtitle 2"/>
           <p:cNvSpPr>
             <a:spLocks noGrp="1"/>
           </p:cNvSpPr>
@@ -180,48 +176,100 @@
         </p:nvSpPr>
         <p:spPr>
           <a:xfrm>
-            <a:off x="1524000" y="3602038"/>
-            <a:ext cx="9144000" cy="1655762"/>
+            <a:off x="1370693" y="3598339"/>
+            <a:ext cx="9440034" cy="1049867"/>
           </a:xfrm>
         </p:spPr>
         <p:txBody>
-          <a:bodyPr/>
+          <a:bodyPr anchor="t"/>
           <a:lstStyle>
             <a:lvl1pPr marL="0" indent="0" algn="ctr">
               <a:buNone/>
-              <a:defRPr sz="2400"/>
+              <a:defRPr>
+                <a:solidFill>
+                  <a:schemeClr val="tx1"/>
+                </a:solidFill>
+              </a:defRPr>
             </a:lvl1pPr>
             <a:lvl2pPr marL="457200" indent="0" algn="ctr">
               <a:buNone/>
-              <a:defRPr sz="2000"/>
+              <a:defRPr>
+                <a:solidFill>
+                  <a:schemeClr val="tx1">
+                    <a:tint val="75000"/>
+                  </a:schemeClr>
+                </a:solidFill>
+              </a:defRPr>
             </a:lvl2pPr>
             <a:lvl3pPr marL="914400" indent="0" algn="ctr">
               <a:buNone/>
-              <a:defRPr sz="1800"/>
+              <a:defRPr>
+                <a:solidFill>
+                  <a:schemeClr val="tx1">
+                    <a:tint val="75000"/>
+                  </a:schemeClr>
+                </a:solidFill>
+              </a:defRPr>
             </a:lvl3pPr>
             <a:lvl4pPr marL="1371600" indent="0" algn="ctr">
               <a:buNone/>
-              <a:defRPr sz="1600"/>
+              <a:defRPr>
+                <a:solidFill>
+                  <a:schemeClr val="tx1">
+                    <a:tint val="75000"/>
+                  </a:schemeClr>
+                </a:solidFill>
+              </a:defRPr>
             </a:lvl4pPr>
             <a:lvl5pPr marL="1828800" indent="0" algn="ctr">
               <a:buNone/>
-              <a:defRPr sz="1600"/>
+              <a:defRPr>
+                <a:solidFill>
+                  <a:schemeClr val="tx1">
+                    <a:tint val="75000"/>
+                  </a:schemeClr>
+                </a:solidFill>
+              </a:defRPr>
             </a:lvl5pPr>
             <a:lvl6pPr marL="2286000" indent="0" algn="ctr">
               <a:buNone/>
-              <a:defRPr sz="1600"/>
+              <a:defRPr>
+                <a:solidFill>
+                  <a:schemeClr val="tx1">
+                    <a:tint val="75000"/>
+                  </a:schemeClr>
+                </a:solidFill>
+              </a:defRPr>
             </a:lvl6pPr>
             <a:lvl7pPr marL="2743200" indent="0" algn="ctr">
               <a:buNone/>
-              <a:defRPr sz="1600"/>
+              <a:defRPr>
+                <a:solidFill>
+                  <a:schemeClr val="tx1">
+                    <a:tint val="75000"/>
+                  </a:schemeClr>
+                </a:solidFill>
+              </a:defRPr>
             </a:lvl7pPr>
             <a:lvl8pPr marL="3200400" indent="0" algn="ctr">
               <a:buNone/>
-              <a:defRPr sz="1600"/>
+              <a:defRPr>
+                <a:solidFill>
+                  <a:schemeClr val="tx1">
+                    <a:tint val="75000"/>
+                  </a:schemeClr>
+                </a:solidFill>
+              </a:defRPr>
             </a:lvl8pPr>
             <a:lvl9pPr marL="3657600" indent="0" algn="ctr">
               <a:buNone/>
-              <a:defRPr sz="1600"/>
+              <a:defRPr>
+                <a:solidFill>
+                  <a:schemeClr val="tx1">
+                    <a:tint val="75000"/>
+                  </a:schemeClr>
+                </a:solidFill>
+              </a:defRPr>
             </a:lvl9pPr>
           </a:lstStyle>
           <a:p>
@@ -229,19 +277,13 @@
               <a:rPr lang="fr-FR"/>
               <a:t>Modifiez le style des sous-titres du masque</a:t>
             </a:r>
-            <a:endParaRPr lang="en-US"/>
-          </a:p>
-        </p:txBody>
-      </p:sp>
-      <p:sp>
-        <p:nvSpPr>
-          <p:cNvPr id="4" name="Espace réservé de la date 3">
-            <a:extLst>
-              <a:ext uri="{FF2B5EF4-FFF2-40B4-BE49-F238E27FC236}">
-                <a16:creationId xmlns:a16="http://schemas.microsoft.com/office/drawing/2014/main" id="{630B72C0-D356-4701-8216-62994B5EC401}"/>
-              </a:ext>
-            </a:extLst>
-          </p:cNvPr>
+            <a:endParaRPr lang="en-US" dirty="0"/>
+          </a:p>
+        </p:txBody>
+      </p:sp>
+      <p:sp>
+        <p:nvSpPr>
+          <p:cNvPr id="4" name="Date Placeholder 3"/>
           <p:cNvSpPr>
             <a:spLocks noGrp="1"/>
           </p:cNvSpPr>
@@ -256,7 +298,7 @@
           <a:p>
             <a:fld id="{5DEBCE38-401C-4D22-BACF-253FC7924B21}" type="datetimeFigureOut">
               <a:rPr lang="en-US" smtClean="0"/>
-              <a:t>3/4/2021</a:t>
+              <a:t>3/5/2021</a:t>
             </a:fld>
             <a:endParaRPr lang="en-US"/>
           </a:p>
@@ -264,13 +306,7 @@
       </p:sp>
       <p:sp>
         <p:nvSpPr>
-          <p:cNvPr id="5" name="Espace réservé du pied de page 4">
-            <a:extLst>
-              <a:ext uri="{FF2B5EF4-FFF2-40B4-BE49-F238E27FC236}">
-                <a16:creationId xmlns:a16="http://schemas.microsoft.com/office/drawing/2014/main" id="{D49C6C15-6D7F-4B2E-A853-BCAA51050051}"/>
-              </a:ext>
-            </a:extLst>
-          </p:cNvPr>
+          <p:cNvPr id="5" name="Footer Placeholder 4"/>
           <p:cNvSpPr>
             <a:spLocks noGrp="1"/>
           </p:cNvSpPr>
@@ -289,13 +325,7 @@
       </p:sp>
       <p:sp>
         <p:nvSpPr>
-          <p:cNvPr id="6" name="Espace réservé du numéro de diapositive 5">
-            <a:extLst>
-              <a:ext uri="{FF2B5EF4-FFF2-40B4-BE49-F238E27FC236}">
-                <a16:creationId xmlns:a16="http://schemas.microsoft.com/office/drawing/2014/main" id="{1FFAE447-5ED7-4295-A151-EC9EF3224884}"/>
-              </a:ext>
-            </a:extLst>
-          </p:cNvPr>
+          <p:cNvPr id="6" name="Slide Number Placeholder 5"/>
           <p:cNvSpPr>
             <a:spLocks noGrp="1"/>
           </p:cNvSpPr>
@@ -319,7 +349,7 @@
     </p:spTree>
     <p:extLst>
       <p:ext uri="{BB962C8B-B14F-4D97-AF65-F5344CB8AC3E}">
-        <p14:creationId xmlns:p14="http://schemas.microsoft.com/office/powerpoint/2010/main" val="698806712"/>
+        <p14:creationId xmlns:p14="http://schemas.microsoft.com/office/powerpoint/2010/main" val="3004531421"/>
       </p:ext>
     </p:extLst>
   </p:cSld>
@@ -330,6 +360,2582 @@
 </file>
 
 <file path=ppt/slideLayouts/slideLayout10.xml><?xml version="1.0" encoding="utf-8"?>
+<p:sldLayout xmlns:a="http://schemas.openxmlformats.org/drawingml/2006/main" xmlns:r="http://schemas.openxmlformats.org/officeDocument/2006/relationships" xmlns:p="http://schemas.openxmlformats.org/presentationml/2006/main" preserve="1">
+  <p:cSld name="Image panoramique avec légende">
+    <p:spTree>
+      <p:nvGrpSpPr>
+        <p:cNvPr id="1" name=""/>
+        <p:cNvGrpSpPr/>
+        <p:nvPr/>
+      </p:nvGrpSpPr>
+      <p:grpSpPr>
+        <a:xfrm>
+          <a:off x="0" y="0"/>
+          <a:ext cx="0" cy="0"/>
+          <a:chOff x="0" y="0"/>
+          <a:chExt cx="0" cy="0"/>
+        </a:xfrm>
+      </p:grpSpPr>
+      <p:pic>
+        <p:nvPicPr>
+          <p:cNvPr id="16" name="Picture 15" descr="Slate-V2-HD-panoPhotoInset.png"/>
+          <p:cNvPicPr>
+            <a:picLocks noChangeAspect="1"/>
+          </p:cNvPicPr>
+          <p:nvPr/>
+        </p:nvPicPr>
+        <p:blipFill>
+          <a:blip r:embed="rId2">
+            <a:extLst>
+              <a:ext uri="{28A0092B-C50C-407E-A947-70E740481C1C}">
+                <a14:useLocalDpi xmlns:a14="http://schemas.microsoft.com/office/drawing/2010/main" val="0"/>
+              </a:ext>
+            </a:extLst>
+          </a:blip>
+          <a:stretch>
+            <a:fillRect/>
+          </a:stretch>
+        </p:blipFill>
+        <p:spPr>
+          <a:xfrm>
+            <a:off x="1013883" y="547807"/>
+            <a:ext cx="10141799" cy="3816806"/>
+          </a:xfrm>
+          <a:prstGeom prst="rect">
+            <a:avLst/>
+          </a:prstGeom>
+        </p:spPr>
+      </p:pic>
+      <p:sp>
+        <p:nvSpPr>
+          <p:cNvPr id="2" name="Title 1"/>
+          <p:cNvSpPr>
+            <a:spLocks noGrp="1"/>
+          </p:cNvSpPr>
+          <p:nvPr>
+            <p:ph type="title"/>
+          </p:nvPr>
+        </p:nvSpPr>
+        <p:spPr>
+          <a:xfrm>
+            <a:off x="913806" y="4565255"/>
+            <a:ext cx="10355326" cy="543472"/>
+          </a:xfrm>
+        </p:spPr>
+        <p:txBody>
+          <a:bodyPr anchor="b">
+            <a:normAutofit/>
+          </a:bodyPr>
+          <a:lstStyle>
+            <a:lvl1pPr algn="ctr">
+              <a:defRPr sz="2800"/>
+            </a:lvl1pPr>
+          </a:lstStyle>
+          <a:p>
+            <a:r>
+              <a:rPr lang="fr-FR"/>
+              <a:t>Modifiez le style du titre</a:t>
+            </a:r>
+            <a:endParaRPr lang="en-US" dirty="0"/>
+          </a:p>
+        </p:txBody>
+      </p:sp>
+      <p:sp>
+        <p:nvSpPr>
+          <p:cNvPr id="3" name="Picture Placeholder 2"/>
+          <p:cNvSpPr>
+            <a:spLocks noGrp="1" noChangeAspect="1"/>
+          </p:cNvSpPr>
+          <p:nvPr>
+            <p:ph type="pic" idx="1"/>
+          </p:nvPr>
+        </p:nvSpPr>
+        <p:spPr>
+          <a:xfrm>
+            <a:off x="1169349" y="695009"/>
+            <a:ext cx="9845346" cy="3525671"/>
+          </a:xfrm>
+          <a:effectLst>
+            <a:outerShdw blurRad="38100" dist="25400" dir="4440000">
+              <a:srgbClr val="000000">
+                <a:alpha val="36000"/>
+              </a:srgbClr>
+            </a:outerShdw>
+          </a:effectLst>
+        </p:spPr>
+        <p:txBody>
+          <a:bodyPr anchor="t">
+            <a:normAutofit/>
+          </a:bodyPr>
+          <a:lstStyle>
+            <a:lvl1pPr marL="0" indent="0" algn="ctr">
+              <a:buNone/>
+              <a:defRPr sz="2000"/>
+            </a:lvl1pPr>
+            <a:lvl2pPr marL="457200" indent="0">
+              <a:buNone/>
+              <a:defRPr sz="2000"/>
+            </a:lvl2pPr>
+            <a:lvl3pPr marL="914400" indent="0">
+              <a:buNone/>
+              <a:defRPr sz="2000"/>
+            </a:lvl3pPr>
+            <a:lvl4pPr marL="1371600" indent="0">
+              <a:buNone/>
+              <a:defRPr sz="2000"/>
+            </a:lvl4pPr>
+            <a:lvl5pPr marL="1828800" indent="0">
+              <a:buNone/>
+              <a:defRPr sz="2000"/>
+            </a:lvl5pPr>
+            <a:lvl6pPr marL="2286000" indent="0">
+              <a:buNone/>
+              <a:defRPr sz="2000"/>
+            </a:lvl6pPr>
+            <a:lvl7pPr marL="2743200" indent="0">
+              <a:buNone/>
+              <a:defRPr sz="2000"/>
+            </a:lvl7pPr>
+            <a:lvl8pPr marL="3200400" indent="0">
+              <a:buNone/>
+              <a:defRPr sz="2000"/>
+            </a:lvl8pPr>
+            <a:lvl9pPr marL="3657600" indent="0">
+              <a:buNone/>
+              <a:defRPr sz="2000"/>
+            </a:lvl9pPr>
+          </a:lstStyle>
+          <a:p>
+            <a:r>
+              <a:rPr lang="fr-FR"/>
+              <a:t>Cliquez sur l'icône pour ajouter une image</a:t>
+            </a:r>
+            <a:endParaRPr lang="en-US" dirty="0"/>
+          </a:p>
+        </p:txBody>
+      </p:sp>
+      <p:sp>
+        <p:nvSpPr>
+          <p:cNvPr id="4" name="Text Placeholder 3"/>
+          <p:cNvSpPr>
+            <a:spLocks noGrp="1"/>
+          </p:cNvSpPr>
+          <p:nvPr>
+            <p:ph type="body" sz="half" idx="2"/>
+          </p:nvPr>
+        </p:nvSpPr>
+        <p:spPr>
+          <a:xfrm>
+            <a:off x="913795" y="5108728"/>
+            <a:ext cx="10353762" cy="682472"/>
+          </a:xfrm>
+        </p:spPr>
+        <p:txBody>
+          <a:bodyPr anchor="t"/>
+          <a:lstStyle>
+            <a:lvl1pPr marL="0" indent="0" algn="ctr">
+              <a:buNone/>
+              <a:defRPr sz="1600"/>
+            </a:lvl1pPr>
+            <a:lvl2pPr marL="457200" indent="0">
+              <a:buNone/>
+              <a:defRPr sz="1400"/>
+            </a:lvl2pPr>
+            <a:lvl3pPr marL="914400" indent="0">
+              <a:buNone/>
+              <a:defRPr sz="1200"/>
+            </a:lvl3pPr>
+            <a:lvl4pPr marL="1371600" indent="0">
+              <a:buNone/>
+              <a:defRPr sz="1000"/>
+            </a:lvl4pPr>
+            <a:lvl5pPr marL="1828800" indent="0">
+              <a:buNone/>
+              <a:defRPr sz="1000"/>
+            </a:lvl5pPr>
+            <a:lvl6pPr marL="2286000" indent="0">
+              <a:buNone/>
+              <a:defRPr sz="1000"/>
+            </a:lvl6pPr>
+            <a:lvl7pPr marL="2743200" indent="0">
+              <a:buNone/>
+              <a:defRPr sz="1000"/>
+            </a:lvl7pPr>
+            <a:lvl8pPr marL="3200400" indent="0">
+              <a:buNone/>
+              <a:defRPr sz="1000"/>
+            </a:lvl8pPr>
+            <a:lvl9pPr marL="3657600" indent="0">
+              <a:buNone/>
+              <a:defRPr sz="1000"/>
+            </a:lvl9pPr>
+          </a:lstStyle>
+          <a:p>
+            <a:pPr lvl="0"/>
+            <a:r>
+              <a:rPr lang="fr-FR"/>
+              <a:t>Cliquez pour modifier les styles du texte du masque</a:t>
+            </a:r>
+          </a:p>
+        </p:txBody>
+      </p:sp>
+      <p:sp>
+        <p:nvSpPr>
+          <p:cNvPr id="5" name="Date Placeholder 4"/>
+          <p:cNvSpPr>
+            <a:spLocks noGrp="1"/>
+          </p:cNvSpPr>
+          <p:nvPr>
+            <p:ph type="dt" sz="half" idx="10"/>
+          </p:nvPr>
+        </p:nvSpPr>
+        <p:spPr/>
+        <p:txBody>
+          <a:bodyPr/>
+          <a:lstStyle/>
+          <a:p>
+            <a:fld id="{5DEBCE38-401C-4D22-BACF-253FC7924B21}" type="datetimeFigureOut">
+              <a:rPr lang="en-US" smtClean="0"/>
+              <a:t>3/5/2021</a:t>
+            </a:fld>
+            <a:endParaRPr lang="en-US"/>
+          </a:p>
+        </p:txBody>
+      </p:sp>
+      <p:sp>
+        <p:nvSpPr>
+          <p:cNvPr id="6" name="Footer Placeholder 5"/>
+          <p:cNvSpPr>
+            <a:spLocks noGrp="1"/>
+          </p:cNvSpPr>
+          <p:nvPr>
+            <p:ph type="ftr" sz="quarter" idx="11"/>
+          </p:nvPr>
+        </p:nvSpPr>
+        <p:spPr/>
+        <p:txBody>
+          <a:bodyPr/>
+          <a:lstStyle/>
+          <a:p>
+            <a:endParaRPr lang="en-US"/>
+          </a:p>
+        </p:txBody>
+      </p:sp>
+      <p:sp>
+        <p:nvSpPr>
+          <p:cNvPr id="7" name="Slide Number Placeholder 6"/>
+          <p:cNvSpPr>
+            <a:spLocks noGrp="1"/>
+          </p:cNvSpPr>
+          <p:nvPr>
+            <p:ph type="sldNum" sz="quarter" idx="12"/>
+          </p:nvPr>
+        </p:nvSpPr>
+        <p:spPr/>
+        <p:txBody>
+          <a:bodyPr/>
+          <a:lstStyle/>
+          <a:p>
+            <a:fld id="{B9A7BFF8-ED9B-4CF5-9E37-9ADE749C3705}" type="slidenum">
+              <a:rPr lang="en-US" smtClean="0"/>
+              <a:t>‹N°›</a:t>
+            </a:fld>
+            <a:endParaRPr lang="en-US"/>
+          </a:p>
+        </p:txBody>
+      </p:sp>
+    </p:spTree>
+    <p:extLst>
+      <p:ext uri="{BB962C8B-B14F-4D97-AF65-F5344CB8AC3E}">
+        <p14:creationId xmlns:p14="http://schemas.microsoft.com/office/powerpoint/2010/main" val="61698845"/>
+      </p:ext>
+    </p:extLst>
+  </p:cSld>
+  <p:clrMapOvr>
+    <a:masterClrMapping/>
+  </p:clrMapOvr>
+</p:sldLayout>
+</file>
+
+<file path=ppt/slideLayouts/slideLayout11.xml><?xml version="1.0" encoding="utf-8"?>
+<p:sldLayout xmlns:a="http://schemas.openxmlformats.org/drawingml/2006/main" xmlns:r="http://schemas.openxmlformats.org/officeDocument/2006/relationships" xmlns:p="http://schemas.openxmlformats.org/presentationml/2006/main" preserve="1">
+  <p:cSld name="Titre et légende">
+    <p:spTree>
+      <p:nvGrpSpPr>
+        <p:cNvPr id="1" name=""/>
+        <p:cNvGrpSpPr/>
+        <p:nvPr/>
+      </p:nvGrpSpPr>
+      <p:grpSpPr>
+        <a:xfrm>
+          <a:off x="0" y="0"/>
+          <a:ext cx="0" cy="0"/>
+          <a:chOff x="0" y="0"/>
+          <a:chExt cx="0" cy="0"/>
+        </a:xfrm>
+      </p:grpSpPr>
+      <p:sp>
+        <p:nvSpPr>
+          <p:cNvPr id="2" name="Title 1"/>
+          <p:cNvSpPr>
+            <a:spLocks noGrp="1"/>
+          </p:cNvSpPr>
+          <p:nvPr>
+            <p:ph type="title"/>
+          </p:nvPr>
+        </p:nvSpPr>
+        <p:spPr>
+          <a:xfrm>
+            <a:off x="913795" y="608437"/>
+            <a:ext cx="10353762" cy="3534344"/>
+          </a:xfrm>
+        </p:spPr>
+        <p:txBody>
+          <a:bodyPr anchor="ctr"/>
+          <a:lstStyle>
+            <a:lvl1pPr>
+              <a:defRPr sz="3200"/>
+            </a:lvl1pPr>
+          </a:lstStyle>
+          <a:p>
+            <a:r>
+              <a:rPr lang="fr-FR"/>
+              <a:t>Modifiez le style du titre</a:t>
+            </a:r>
+            <a:endParaRPr lang="en-US" dirty="0"/>
+          </a:p>
+        </p:txBody>
+      </p:sp>
+      <p:sp>
+        <p:nvSpPr>
+          <p:cNvPr id="4" name="Text Placeholder 3"/>
+          <p:cNvSpPr>
+            <a:spLocks noGrp="1"/>
+          </p:cNvSpPr>
+          <p:nvPr>
+            <p:ph type="body" sz="half" idx="2"/>
+          </p:nvPr>
+        </p:nvSpPr>
+        <p:spPr>
+          <a:xfrm>
+            <a:off x="913794" y="4295180"/>
+            <a:ext cx="10353763" cy="1501826"/>
+          </a:xfrm>
+        </p:spPr>
+        <p:txBody>
+          <a:bodyPr anchor="ctr"/>
+          <a:lstStyle>
+            <a:lvl1pPr marL="0" indent="0" algn="ctr">
+              <a:buNone/>
+              <a:defRPr sz="1600"/>
+            </a:lvl1pPr>
+            <a:lvl2pPr marL="457200" indent="0">
+              <a:buNone/>
+              <a:defRPr sz="1400"/>
+            </a:lvl2pPr>
+            <a:lvl3pPr marL="914400" indent="0">
+              <a:buNone/>
+              <a:defRPr sz="1200"/>
+            </a:lvl3pPr>
+            <a:lvl4pPr marL="1371600" indent="0">
+              <a:buNone/>
+              <a:defRPr sz="1000"/>
+            </a:lvl4pPr>
+            <a:lvl5pPr marL="1828800" indent="0">
+              <a:buNone/>
+              <a:defRPr sz="1000"/>
+            </a:lvl5pPr>
+            <a:lvl6pPr marL="2286000" indent="0">
+              <a:buNone/>
+              <a:defRPr sz="1000"/>
+            </a:lvl6pPr>
+            <a:lvl7pPr marL="2743200" indent="0">
+              <a:buNone/>
+              <a:defRPr sz="1000"/>
+            </a:lvl7pPr>
+            <a:lvl8pPr marL="3200400" indent="0">
+              <a:buNone/>
+              <a:defRPr sz="1000"/>
+            </a:lvl8pPr>
+            <a:lvl9pPr marL="3657600" indent="0">
+              <a:buNone/>
+              <a:defRPr sz="1000"/>
+            </a:lvl9pPr>
+          </a:lstStyle>
+          <a:p>
+            <a:pPr lvl="0"/>
+            <a:r>
+              <a:rPr lang="fr-FR"/>
+              <a:t>Cliquez pour modifier les styles du texte du masque</a:t>
+            </a:r>
+          </a:p>
+        </p:txBody>
+      </p:sp>
+      <p:sp>
+        <p:nvSpPr>
+          <p:cNvPr id="5" name="Date Placeholder 4"/>
+          <p:cNvSpPr>
+            <a:spLocks noGrp="1"/>
+          </p:cNvSpPr>
+          <p:nvPr>
+            <p:ph type="dt" sz="half" idx="10"/>
+          </p:nvPr>
+        </p:nvSpPr>
+        <p:spPr/>
+        <p:txBody>
+          <a:bodyPr/>
+          <a:lstStyle/>
+          <a:p>
+            <a:fld id="{5DEBCE38-401C-4D22-BACF-253FC7924B21}" type="datetimeFigureOut">
+              <a:rPr lang="en-US" smtClean="0"/>
+              <a:t>3/5/2021</a:t>
+            </a:fld>
+            <a:endParaRPr lang="en-US"/>
+          </a:p>
+        </p:txBody>
+      </p:sp>
+      <p:sp>
+        <p:nvSpPr>
+          <p:cNvPr id="6" name="Footer Placeholder 5"/>
+          <p:cNvSpPr>
+            <a:spLocks noGrp="1"/>
+          </p:cNvSpPr>
+          <p:nvPr>
+            <p:ph type="ftr" sz="quarter" idx="11"/>
+          </p:nvPr>
+        </p:nvSpPr>
+        <p:spPr/>
+        <p:txBody>
+          <a:bodyPr/>
+          <a:lstStyle/>
+          <a:p>
+            <a:endParaRPr lang="en-US"/>
+          </a:p>
+        </p:txBody>
+      </p:sp>
+      <p:sp>
+        <p:nvSpPr>
+          <p:cNvPr id="7" name="Slide Number Placeholder 6"/>
+          <p:cNvSpPr>
+            <a:spLocks noGrp="1"/>
+          </p:cNvSpPr>
+          <p:nvPr>
+            <p:ph type="sldNum" sz="quarter" idx="12"/>
+          </p:nvPr>
+        </p:nvSpPr>
+        <p:spPr/>
+        <p:txBody>
+          <a:bodyPr/>
+          <a:lstStyle/>
+          <a:p>
+            <a:fld id="{B9A7BFF8-ED9B-4CF5-9E37-9ADE749C3705}" type="slidenum">
+              <a:rPr lang="en-US" smtClean="0"/>
+              <a:t>‹N°›</a:t>
+            </a:fld>
+            <a:endParaRPr lang="en-US"/>
+          </a:p>
+        </p:txBody>
+      </p:sp>
+    </p:spTree>
+    <p:extLst>
+      <p:ext uri="{BB962C8B-B14F-4D97-AF65-F5344CB8AC3E}">
+        <p14:creationId xmlns:p14="http://schemas.microsoft.com/office/powerpoint/2010/main" val="1289876830"/>
+      </p:ext>
+    </p:extLst>
+  </p:cSld>
+  <p:clrMapOvr>
+    <a:masterClrMapping/>
+  </p:clrMapOvr>
+</p:sldLayout>
+</file>
+
+<file path=ppt/slideLayouts/slideLayout12.xml><?xml version="1.0" encoding="utf-8"?>
+<p:sldLayout xmlns:a="http://schemas.openxmlformats.org/drawingml/2006/main" xmlns:r="http://schemas.openxmlformats.org/officeDocument/2006/relationships" xmlns:p="http://schemas.openxmlformats.org/presentationml/2006/main" preserve="1">
+  <p:cSld name="Citation avec légende">
+    <p:spTree>
+      <p:nvGrpSpPr>
+        <p:cNvPr id="1" name=""/>
+        <p:cNvGrpSpPr/>
+        <p:nvPr/>
+      </p:nvGrpSpPr>
+      <p:grpSpPr>
+        <a:xfrm>
+          <a:off x="0" y="0"/>
+          <a:ext cx="0" cy="0"/>
+          <a:chOff x="0" y="0"/>
+          <a:chExt cx="0" cy="0"/>
+        </a:xfrm>
+      </p:grpSpPr>
+      <p:sp>
+        <p:nvSpPr>
+          <p:cNvPr id="2" name="Title 1"/>
+          <p:cNvSpPr>
+            <a:spLocks noGrp="1"/>
+          </p:cNvSpPr>
+          <p:nvPr>
+            <p:ph type="title"/>
+          </p:nvPr>
+        </p:nvSpPr>
+        <p:spPr>
+          <a:xfrm>
+            <a:off x="1446212" y="609600"/>
+            <a:ext cx="9302752" cy="2992904"/>
+          </a:xfrm>
+        </p:spPr>
+        <p:txBody>
+          <a:bodyPr anchor="ctr"/>
+          <a:lstStyle>
+            <a:lvl1pPr>
+              <a:defRPr sz="3200"/>
+            </a:lvl1pPr>
+          </a:lstStyle>
+          <a:p>
+            <a:r>
+              <a:rPr lang="fr-FR"/>
+              <a:t>Modifiez le style du titre</a:t>
+            </a:r>
+            <a:endParaRPr lang="en-US" dirty="0"/>
+          </a:p>
+        </p:txBody>
+      </p:sp>
+      <p:sp>
+        <p:nvSpPr>
+          <p:cNvPr id="12" name="Text Placeholder 3"/>
+          <p:cNvSpPr>
+            <a:spLocks noGrp="1"/>
+          </p:cNvSpPr>
+          <p:nvPr>
+            <p:ph type="body" sz="half" idx="13"/>
+          </p:nvPr>
+        </p:nvSpPr>
+        <p:spPr>
+          <a:xfrm>
+            <a:off x="1720644" y="3610032"/>
+            <a:ext cx="8752299" cy="532749"/>
+          </a:xfrm>
+        </p:spPr>
+        <p:txBody>
+          <a:bodyPr anchor="t">
+            <a:normAutofit/>
+          </a:bodyPr>
+          <a:lstStyle>
+            <a:lvl1pPr marL="0" indent="0" algn="r">
+              <a:buNone/>
+              <a:defRPr sz="1400"/>
+            </a:lvl1pPr>
+            <a:lvl2pPr marL="457200" indent="0">
+              <a:buNone/>
+              <a:defRPr sz="1400"/>
+            </a:lvl2pPr>
+            <a:lvl3pPr marL="914400" indent="0">
+              <a:buNone/>
+              <a:defRPr sz="1200"/>
+            </a:lvl3pPr>
+            <a:lvl4pPr marL="1371600" indent="0">
+              <a:buNone/>
+              <a:defRPr sz="1000"/>
+            </a:lvl4pPr>
+            <a:lvl5pPr marL="1828800" indent="0">
+              <a:buNone/>
+              <a:defRPr sz="1000"/>
+            </a:lvl5pPr>
+            <a:lvl6pPr marL="2286000" indent="0">
+              <a:buNone/>
+              <a:defRPr sz="1000"/>
+            </a:lvl6pPr>
+            <a:lvl7pPr marL="2743200" indent="0">
+              <a:buNone/>
+              <a:defRPr sz="1000"/>
+            </a:lvl7pPr>
+            <a:lvl8pPr marL="3200400" indent="0">
+              <a:buNone/>
+              <a:defRPr sz="1000"/>
+            </a:lvl8pPr>
+            <a:lvl9pPr marL="3657600" indent="0">
+              <a:buNone/>
+              <a:defRPr sz="1000"/>
+            </a:lvl9pPr>
+          </a:lstStyle>
+          <a:p>
+            <a:pPr lvl="0"/>
+            <a:r>
+              <a:rPr lang="fr-FR"/>
+              <a:t>Cliquez pour modifier les styles du texte du masque</a:t>
+            </a:r>
+          </a:p>
+        </p:txBody>
+      </p:sp>
+      <p:sp>
+        <p:nvSpPr>
+          <p:cNvPr id="4" name="Text Placeholder 3"/>
+          <p:cNvSpPr>
+            <a:spLocks noGrp="1"/>
+          </p:cNvSpPr>
+          <p:nvPr>
+            <p:ph type="body" sz="half" idx="2"/>
+          </p:nvPr>
+        </p:nvSpPr>
+        <p:spPr>
+          <a:xfrm>
+            <a:off x="913794" y="4304353"/>
+            <a:ext cx="10353763" cy="1489496"/>
+          </a:xfrm>
+        </p:spPr>
+        <p:txBody>
+          <a:bodyPr anchor="ctr">
+            <a:normAutofit/>
+          </a:bodyPr>
+          <a:lstStyle>
+            <a:lvl1pPr marL="0" indent="0" algn="ctr">
+              <a:buNone/>
+              <a:defRPr sz="1600"/>
+            </a:lvl1pPr>
+            <a:lvl2pPr marL="457200" indent="0">
+              <a:buNone/>
+              <a:defRPr sz="1400"/>
+            </a:lvl2pPr>
+            <a:lvl3pPr marL="914400" indent="0">
+              <a:buNone/>
+              <a:defRPr sz="1200"/>
+            </a:lvl3pPr>
+            <a:lvl4pPr marL="1371600" indent="0">
+              <a:buNone/>
+              <a:defRPr sz="1000"/>
+            </a:lvl4pPr>
+            <a:lvl5pPr marL="1828800" indent="0">
+              <a:buNone/>
+              <a:defRPr sz="1000"/>
+            </a:lvl5pPr>
+            <a:lvl6pPr marL="2286000" indent="0">
+              <a:buNone/>
+              <a:defRPr sz="1000"/>
+            </a:lvl6pPr>
+            <a:lvl7pPr marL="2743200" indent="0">
+              <a:buNone/>
+              <a:defRPr sz="1000"/>
+            </a:lvl7pPr>
+            <a:lvl8pPr marL="3200400" indent="0">
+              <a:buNone/>
+              <a:defRPr sz="1000"/>
+            </a:lvl8pPr>
+            <a:lvl9pPr marL="3657600" indent="0">
+              <a:buNone/>
+              <a:defRPr sz="1000"/>
+            </a:lvl9pPr>
+          </a:lstStyle>
+          <a:p>
+            <a:pPr lvl="0"/>
+            <a:r>
+              <a:rPr lang="fr-FR"/>
+              <a:t>Cliquez pour modifier les styles du texte du masque</a:t>
+            </a:r>
+          </a:p>
+        </p:txBody>
+      </p:sp>
+      <p:sp>
+        <p:nvSpPr>
+          <p:cNvPr id="5" name="Date Placeholder 4"/>
+          <p:cNvSpPr>
+            <a:spLocks noGrp="1"/>
+          </p:cNvSpPr>
+          <p:nvPr>
+            <p:ph type="dt" sz="half" idx="10"/>
+          </p:nvPr>
+        </p:nvSpPr>
+        <p:spPr/>
+        <p:txBody>
+          <a:bodyPr/>
+          <a:lstStyle/>
+          <a:p>
+            <a:fld id="{5DEBCE38-401C-4D22-BACF-253FC7924B21}" type="datetimeFigureOut">
+              <a:rPr lang="en-US" smtClean="0"/>
+              <a:t>3/5/2021</a:t>
+            </a:fld>
+            <a:endParaRPr lang="en-US"/>
+          </a:p>
+        </p:txBody>
+      </p:sp>
+      <p:sp>
+        <p:nvSpPr>
+          <p:cNvPr id="6" name="Footer Placeholder 5"/>
+          <p:cNvSpPr>
+            <a:spLocks noGrp="1"/>
+          </p:cNvSpPr>
+          <p:nvPr>
+            <p:ph type="ftr" sz="quarter" idx="11"/>
+          </p:nvPr>
+        </p:nvSpPr>
+        <p:spPr/>
+        <p:txBody>
+          <a:bodyPr/>
+          <a:lstStyle/>
+          <a:p>
+            <a:endParaRPr lang="en-US"/>
+          </a:p>
+        </p:txBody>
+      </p:sp>
+      <p:sp>
+        <p:nvSpPr>
+          <p:cNvPr id="7" name="Slide Number Placeholder 6"/>
+          <p:cNvSpPr>
+            <a:spLocks noGrp="1"/>
+          </p:cNvSpPr>
+          <p:nvPr>
+            <p:ph type="sldNum" sz="quarter" idx="12"/>
+          </p:nvPr>
+        </p:nvSpPr>
+        <p:spPr/>
+        <p:txBody>
+          <a:bodyPr/>
+          <a:lstStyle/>
+          <a:p>
+            <a:fld id="{B9A7BFF8-ED9B-4CF5-9E37-9ADE749C3705}" type="slidenum">
+              <a:rPr lang="en-US" smtClean="0"/>
+              <a:t>‹N°›</a:t>
+            </a:fld>
+            <a:endParaRPr lang="en-US"/>
+          </a:p>
+        </p:txBody>
+      </p:sp>
+      <p:sp>
+        <p:nvSpPr>
+          <p:cNvPr id="11" name="TextBox 10"/>
+          <p:cNvSpPr txBox="1"/>
+          <p:nvPr/>
+        </p:nvSpPr>
+        <p:spPr>
+          <a:xfrm>
+            <a:off x="990600" y="884796"/>
+            <a:ext cx="609600" cy="584776"/>
+          </a:xfrm>
+          <a:prstGeom prst="rect">
+            <a:avLst/>
+          </a:prstGeom>
+        </p:spPr>
+        <p:txBody>
+          <a:bodyPr vert="horz" lIns="91440" tIns="45720" rIns="91440" bIns="45720" rtlCol="0" anchor="ctr">
+            <a:noAutofit/>
+          </a:bodyPr>
+          <a:lstStyle>
+            <a:lvl1pPr>
+              <a:spcBef>
+                <a:spcPct val="0"/>
+              </a:spcBef>
+              <a:buNone/>
+              <a:defRPr sz="3200" b="0" cap="all">
+                <a:ln w="3175" cmpd="sng">
+                  <a:noFill/>
+                </a:ln>
+                <a:effectLst>
+                  <a:glow rad="38100">
+                    <a:schemeClr val="bg1">
+                      <a:lumMod val="65000"/>
+                      <a:lumOff val="35000"/>
+                      <a:alpha val="40000"/>
+                    </a:schemeClr>
+                  </a:glow>
+                  <a:outerShdw blurRad="28575" dist="38100" dir="14040000" algn="tl" rotWithShape="0">
+                    <a:srgbClr val="000000">
+                      <a:alpha val="25000"/>
+                    </a:srgbClr>
+                  </a:outerShdw>
+                </a:effectLst>
+              </a:defRPr>
+            </a:lvl1pPr>
+            <a:lvl2pPr>
+              <a:defRPr>
+                <a:solidFill>
+                  <a:schemeClr val="tx2"/>
+                </a:solidFill>
+              </a:defRPr>
+            </a:lvl2pPr>
+            <a:lvl3pPr>
+              <a:defRPr>
+                <a:solidFill>
+                  <a:schemeClr val="tx2"/>
+                </a:solidFill>
+              </a:defRPr>
+            </a:lvl3pPr>
+            <a:lvl4pPr>
+              <a:defRPr>
+                <a:solidFill>
+                  <a:schemeClr val="tx2"/>
+                </a:solidFill>
+              </a:defRPr>
+            </a:lvl4pPr>
+            <a:lvl5pPr>
+              <a:defRPr>
+                <a:solidFill>
+                  <a:schemeClr val="tx2"/>
+                </a:solidFill>
+              </a:defRPr>
+            </a:lvl5pPr>
+            <a:lvl6pPr>
+              <a:defRPr>
+                <a:solidFill>
+                  <a:schemeClr val="tx2"/>
+                </a:solidFill>
+              </a:defRPr>
+            </a:lvl6pPr>
+            <a:lvl7pPr>
+              <a:defRPr>
+                <a:solidFill>
+                  <a:schemeClr val="tx2"/>
+                </a:solidFill>
+              </a:defRPr>
+            </a:lvl7pPr>
+            <a:lvl8pPr>
+              <a:defRPr>
+                <a:solidFill>
+                  <a:schemeClr val="tx2"/>
+                </a:solidFill>
+              </a:defRPr>
+            </a:lvl8pPr>
+            <a:lvl9pPr>
+              <a:defRPr>
+                <a:solidFill>
+                  <a:schemeClr val="tx2"/>
+                </a:solidFill>
+              </a:defRPr>
+            </a:lvl9pPr>
+          </a:lstStyle>
+          <a:p>
+            <a:pPr lvl="0"/>
+            <a:r>
+              <a:rPr lang="en-US" sz="8000" dirty="0">
+                <a:solidFill>
+                  <a:schemeClr val="tx1"/>
+                </a:solidFill>
+                <a:effectLst/>
+              </a:rPr>
+              <a:t>“</a:t>
+            </a:r>
+          </a:p>
+        </p:txBody>
+      </p:sp>
+      <p:sp>
+        <p:nvSpPr>
+          <p:cNvPr id="13" name="TextBox 12"/>
+          <p:cNvSpPr txBox="1"/>
+          <p:nvPr/>
+        </p:nvSpPr>
+        <p:spPr>
+          <a:xfrm>
+            <a:off x="10504716" y="2928258"/>
+            <a:ext cx="609600" cy="584776"/>
+          </a:xfrm>
+          <a:prstGeom prst="rect">
+            <a:avLst/>
+          </a:prstGeom>
+        </p:spPr>
+        <p:txBody>
+          <a:bodyPr vert="horz" lIns="91440" tIns="45720" rIns="91440" bIns="45720" rtlCol="0" anchor="ctr">
+            <a:noAutofit/>
+          </a:bodyPr>
+          <a:lstStyle>
+            <a:lvl1pPr>
+              <a:spcBef>
+                <a:spcPct val="0"/>
+              </a:spcBef>
+              <a:buNone/>
+              <a:defRPr sz="3200" b="0" cap="all">
+                <a:ln w="3175" cmpd="sng">
+                  <a:noFill/>
+                </a:ln>
+                <a:effectLst>
+                  <a:glow rad="38100">
+                    <a:schemeClr val="bg1">
+                      <a:lumMod val="65000"/>
+                      <a:lumOff val="35000"/>
+                      <a:alpha val="40000"/>
+                    </a:schemeClr>
+                  </a:glow>
+                  <a:outerShdw blurRad="28575" dist="38100" dir="14040000" algn="tl" rotWithShape="0">
+                    <a:srgbClr val="000000">
+                      <a:alpha val="25000"/>
+                    </a:srgbClr>
+                  </a:outerShdw>
+                </a:effectLst>
+              </a:defRPr>
+            </a:lvl1pPr>
+            <a:lvl2pPr>
+              <a:defRPr>
+                <a:solidFill>
+                  <a:schemeClr val="tx2"/>
+                </a:solidFill>
+              </a:defRPr>
+            </a:lvl2pPr>
+            <a:lvl3pPr>
+              <a:defRPr>
+                <a:solidFill>
+                  <a:schemeClr val="tx2"/>
+                </a:solidFill>
+              </a:defRPr>
+            </a:lvl3pPr>
+            <a:lvl4pPr>
+              <a:defRPr>
+                <a:solidFill>
+                  <a:schemeClr val="tx2"/>
+                </a:solidFill>
+              </a:defRPr>
+            </a:lvl4pPr>
+            <a:lvl5pPr>
+              <a:defRPr>
+                <a:solidFill>
+                  <a:schemeClr val="tx2"/>
+                </a:solidFill>
+              </a:defRPr>
+            </a:lvl5pPr>
+            <a:lvl6pPr>
+              <a:defRPr>
+                <a:solidFill>
+                  <a:schemeClr val="tx2"/>
+                </a:solidFill>
+              </a:defRPr>
+            </a:lvl6pPr>
+            <a:lvl7pPr>
+              <a:defRPr>
+                <a:solidFill>
+                  <a:schemeClr val="tx2"/>
+                </a:solidFill>
+              </a:defRPr>
+            </a:lvl7pPr>
+            <a:lvl8pPr>
+              <a:defRPr>
+                <a:solidFill>
+                  <a:schemeClr val="tx2"/>
+                </a:solidFill>
+              </a:defRPr>
+            </a:lvl8pPr>
+            <a:lvl9pPr>
+              <a:defRPr>
+                <a:solidFill>
+                  <a:schemeClr val="tx2"/>
+                </a:solidFill>
+              </a:defRPr>
+            </a:lvl9pPr>
+          </a:lstStyle>
+          <a:p>
+            <a:pPr lvl="0" algn="r"/>
+            <a:r>
+              <a:rPr lang="en-US" sz="8000" dirty="0">
+                <a:solidFill>
+                  <a:schemeClr val="tx1"/>
+                </a:solidFill>
+                <a:effectLst/>
+              </a:rPr>
+              <a:t>”</a:t>
+            </a:r>
+          </a:p>
+        </p:txBody>
+      </p:sp>
+    </p:spTree>
+    <p:extLst>
+      <p:ext uri="{BB962C8B-B14F-4D97-AF65-F5344CB8AC3E}">
+        <p14:creationId xmlns:p14="http://schemas.microsoft.com/office/powerpoint/2010/main" val="3010932211"/>
+      </p:ext>
+    </p:extLst>
+  </p:cSld>
+  <p:clrMapOvr>
+    <a:masterClrMapping/>
+  </p:clrMapOvr>
+</p:sldLayout>
+</file>
+
+<file path=ppt/slideLayouts/slideLayout13.xml><?xml version="1.0" encoding="utf-8"?>
+<p:sldLayout xmlns:a="http://schemas.openxmlformats.org/drawingml/2006/main" xmlns:r="http://schemas.openxmlformats.org/officeDocument/2006/relationships" xmlns:p="http://schemas.openxmlformats.org/presentationml/2006/main" preserve="1">
+  <p:cSld name="Carte nom">
+    <p:spTree>
+      <p:nvGrpSpPr>
+        <p:cNvPr id="1" name=""/>
+        <p:cNvGrpSpPr/>
+        <p:nvPr/>
+      </p:nvGrpSpPr>
+      <p:grpSpPr>
+        <a:xfrm>
+          <a:off x="0" y="0"/>
+          <a:ext cx="0" cy="0"/>
+          <a:chOff x="0" y="0"/>
+          <a:chExt cx="0" cy="0"/>
+        </a:xfrm>
+      </p:grpSpPr>
+      <p:sp>
+        <p:nvSpPr>
+          <p:cNvPr id="2" name="Title 1"/>
+          <p:cNvSpPr>
+            <a:spLocks noGrp="1"/>
+          </p:cNvSpPr>
+          <p:nvPr>
+            <p:ph type="title"/>
+          </p:nvPr>
+        </p:nvSpPr>
+        <p:spPr>
+          <a:xfrm>
+            <a:off x="913794" y="2126942"/>
+            <a:ext cx="10353763" cy="2511835"/>
+          </a:xfrm>
+        </p:spPr>
+        <p:txBody>
+          <a:bodyPr anchor="b"/>
+          <a:lstStyle>
+            <a:lvl1pPr>
+              <a:defRPr sz="3200"/>
+            </a:lvl1pPr>
+          </a:lstStyle>
+          <a:p>
+            <a:r>
+              <a:rPr lang="fr-FR"/>
+              <a:t>Modifiez le style du titre</a:t>
+            </a:r>
+            <a:endParaRPr lang="en-US" dirty="0"/>
+          </a:p>
+        </p:txBody>
+      </p:sp>
+      <p:sp>
+        <p:nvSpPr>
+          <p:cNvPr id="4" name="Text Placeholder 3"/>
+          <p:cNvSpPr>
+            <a:spLocks noGrp="1"/>
+          </p:cNvSpPr>
+          <p:nvPr>
+            <p:ph type="body" sz="half" idx="2"/>
+          </p:nvPr>
+        </p:nvSpPr>
+        <p:spPr>
+          <a:xfrm>
+            <a:off x="913784" y="4650556"/>
+            <a:ext cx="10352199" cy="1140644"/>
+          </a:xfrm>
+        </p:spPr>
+        <p:txBody>
+          <a:bodyPr anchor="t"/>
+          <a:lstStyle>
+            <a:lvl1pPr marL="0" indent="0" algn="ctr">
+              <a:buNone/>
+              <a:defRPr sz="1600"/>
+            </a:lvl1pPr>
+            <a:lvl2pPr marL="457200" indent="0">
+              <a:buNone/>
+              <a:defRPr sz="1400"/>
+            </a:lvl2pPr>
+            <a:lvl3pPr marL="914400" indent="0">
+              <a:buNone/>
+              <a:defRPr sz="1200"/>
+            </a:lvl3pPr>
+            <a:lvl4pPr marL="1371600" indent="0">
+              <a:buNone/>
+              <a:defRPr sz="1000"/>
+            </a:lvl4pPr>
+            <a:lvl5pPr marL="1828800" indent="0">
+              <a:buNone/>
+              <a:defRPr sz="1000"/>
+            </a:lvl5pPr>
+            <a:lvl6pPr marL="2286000" indent="0">
+              <a:buNone/>
+              <a:defRPr sz="1000"/>
+            </a:lvl6pPr>
+            <a:lvl7pPr marL="2743200" indent="0">
+              <a:buNone/>
+              <a:defRPr sz="1000"/>
+            </a:lvl7pPr>
+            <a:lvl8pPr marL="3200400" indent="0">
+              <a:buNone/>
+              <a:defRPr sz="1000"/>
+            </a:lvl8pPr>
+            <a:lvl9pPr marL="3657600" indent="0">
+              <a:buNone/>
+              <a:defRPr sz="1000"/>
+            </a:lvl9pPr>
+          </a:lstStyle>
+          <a:p>
+            <a:pPr lvl="0"/>
+            <a:r>
+              <a:rPr lang="fr-FR"/>
+              <a:t>Cliquez pour modifier les styles du texte du masque</a:t>
+            </a:r>
+          </a:p>
+        </p:txBody>
+      </p:sp>
+      <p:sp>
+        <p:nvSpPr>
+          <p:cNvPr id="5" name="Date Placeholder 4"/>
+          <p:cNvSpPr>
+            <a:spLocks noGrp="1"/>
+          </p:cNvSpPr>
+          <p:nvPr>
+            <p:ph type="dt" sz="half" idx="10"/>
+          </p:nvPr>
+        </p:nvSpPr>
+        <p:spPr/>
+        <p:txBody>
+          <a:bodyPr/>
+          <a:lstStyle/>
+          <a:p>
+            <a:fld id="{5DEBCE38-401C-4D22-BACF-253FC7924B21}" type="datetimeFigureOut">
+              <a:rPr lang="en-US" smtClean="0"/>
+              <a:t>3/5/2021</a:t>
+            </a:fld>
+            <a:endParaRPr lang="en-US"/>
+          </a:p>
+        </p:txBody>
+      </p:sp>
+      <p:sp>
+        <p:nvSpPr>
+          <p:cNvPr id="6" name="Footer Placeholder 5"/>
+          <p:cNvSpPr>
+            <a:spLocks noGrp="1"/>
+          </p:cNvSpPr>
+          <p:nvPr>
+            <p:ph type="ftr" sz="quarter" idx="11"/>
+          </p:nvPr>
+        </p:nvSpPr>
+        <p:spPr/>
+        <p:txBody>
+          <a:bodyPr/>
+          <a:lstStyle/>
+          <a:p>
+            <a:endParaRPr lang="en-US"/>
+          </a:p>
+        </p:txBody>
+      </p:sp>
+      <p:sp>
+        <p:nvSpPr>
+          <p:cNvPr id="7" name="Slide Number Placeholder 6"/>
+          <p:cNvSpPr>
+            <a:spLocks noGrp="1"/>
+          </p:cNvSpPr>
+          <p:nvPr>
+            <p:ph type="sldNum" sz="quarter" idx="12"/>
+          </p:nvPr>
+        </p:nvSpPr>
+        <p:spPr/>
+        <p:txBody>
+          <a:bodyPr/>
+          <a:lstStyle/>
+          <a:p>
+            <a:fld id="{B9A7BFF8-ED9B-4CF5-9E37-9ADE749C3705}" type="slidenum">
+              <a:rPr lang="en-US" smtClean="0"/>
+              <a:t>‹N°›</a:t>
+            </a:fld>
+            <a:endParaRPr lang="en-US"/>
+          </a:p>
+        </p:txBody>
+      </p:sp>
+    </p:spTree>
+    <p:extLst>
+      <p:ext uri="{BB962C8B-B14F-4D97-AF65-F5344CB8AC3E}">
+        <p14:creationId xmlns:p14="http://schemas.microsoft.com/office/powerpoint/2010/main" val="287552529"/>
+      </p:ext>
+    </p:extLst>
+  </p:cSld>
+  <p:clrMapOvr>
+    <a:masterClrMapping/>
+  </p:clrMapOvr>
+</p:sldLayout>
+</file>
+
+<file path=ppt/slideLayouts/slideLayout14.xml><?xml version="1.0" encoding="utf-8"?>
+<p:sldLayout xmlns:a="http://schemas.openxmlformats.org/drawingml/2006/main" xmlns:r="http://schemas.openxmlformats.org/officeDocument/2006/relationships" xmlns:p="http://schemas.openxmlformats.org/presentationml/2006/main" preserve="1">
+  <p:cSld name="3 colonnes">
+    <p:spTree>
+      <p:nvGrpSpPr>
+        <p:cNvPr id="1" name=""/>
+        <p:cNvGrpSpPr/>
+        <p:nvPr/>
+      </p:nvGrpSpPr>
+      <p:grpSpPr>
+        <a:xfrm>
+          <a:off x="0" y="0"/>
+          <a:ext cx="0" cy="0"/>
+          <a:chOff x="0" y="0"/>
+          <a:chExt cx="0" cy="0"/>
+        </a:xfrm>
+      </p:grpSpPr>
+      <p:sp>
+        <p:nvSpPr>
+          <p:cNvPr id="15" name="Title 1"/>
+          <p:cNvSpPr>
+            <a:spLocks noGrp="1"/>
+          </p:cNvSpPr>
+          <p:nvPr>
+            <p:ph type="title"/>
+          </p:nvPr>
+        </p:nvSpPr>
+        <p:spPr>
+          <a:xfrm>
+            <a:off x="913795" y="609600"/>
+            <a:ext cx="10353762" cy="970450"/>
+          </a:xfrm>
+        </p:spPr>
+        <p:txBody>
+          <a:bodyPr/>
+          <a:lstStyle/>
+          <a:p>
+            <a:r>
+              <a:rPr lang="fr-FR"/>
+              <a:t>Modifiez le style du titre</a:t>
+            </a:r>
+            <a:endParaRPr lang="en-US" dirty="0"/>
+          </a:p>
+        </p:txBody>
+      </p:sp>
+      <p:sp>
+        <p:nvSpPr>
+          <p:cNvPr id="7" name="Text Placeholder 2"/>
+          <p:cNvSpPr>
+            <a:spLocks noGrp="1"/>
+          </p:cNvSpPr>
+          <p:nvPr>
+            <p:ph type="body" idx="1"/>
+          </p:nvPr>
+        </p:nvSpPr>
+        <p:spPr>
+          <a:xfrm>
+            <a:off x="913795" y="1885950"/>
+            <a:ext cx="3300984" cy="576262"/>
+          </a:xfrm>
+        </p:spPr>
+        <p:txBody>
+          <a:bodyPr anchor="b">
+            <a:noAutofit/>
+          </a:bodyPr>
+          <a:lstStyle>
+            <a:lvl1pPr marL="0" indent="0" algn="ctr">
+              <a:buNone/>
+              <a:defRPr sz="2400" b="0">
+                <a:solidFill>
+                  <a:schemeClr val="tx1"/>
+                </a:solidFill>
+              </a:defRPr>
+            </a:lvl1pPr>
+            <a:lvl2pPr marL="457200" indent="0">
+              <a:buNone/>
+              <a:defRPr sz="2000" b="1"/>
+            </a:lvl2pPr>
+            <a:lvl3pPr marL="914400" indent="0">
+              <a:buNone/>
+              <a:defRPr sz="1800" b="1"/>
+            </a:lvl3pPr>
+            <a:lvl4pPr marL="1371600" indent="0">
+              <a:buNone/>
+              <a:defRPr sz="1600" b="1"/>
+            </a:lvl4pPr>
+            <a:lvl5pPr marL="1828800" indent="0">
+              <a:buNone/>
+              <a:defRPr sz="1600" b="1"/>
+            </a:lvl5pPr>
+            <a:lvl6pPr marL="2286000" indent="0">
+              <a:buNone/>
+              <a:defRPr sz="1600" b="1"/>
+            </a:lvl6pPr>
+            <a:lvl7pPr marL="2743200" indent="0">
+              <a:buNone/>
+              <a:defRPr sz="1600" b="1"/>
+            </a:lvl7pPr>
+            <a:lvl8pPr marL="3200400" indent="0">
+              <a:buNone/>
+              <a:defRPr sz="1600" b="1"/>
+            </a:lvl8pPr>
+            <a:lvl9pPr marL="3657600" indent="0">
+              <a:buNone/>
+              <a:defRPr sz="1600" b="1"/>
+            </a:lvl9pPr>
+          </a:lstStyle>
+          <a:p>
+            <a:pPr lvl="0"/>
+            <a:r>
+              <a:rPr lang="fr-FR"/>
+              <a:t>Cliquez pour modifier les styles du texte du masque</a:t>
+            </a:r>
+          </a:p>
+        </p:txBody>
+      </p:sp>
+      <p:sp>
+        <p:nvSpPr>
+          <p:cNvPr id="8" name="Text Placeholder 3"/>
+          <p:cNvSpPr>
+            <a:spLocks noGrp="1"/>
+          </p:cNvSpPr>
+          <p:nvPr>
+            <p:ph type="body" sz="half" idx="15"/>
+          </p:nvPr>
+        </p:nvSpPr>
+        <p:spPr>
+          <a:xfrm>
+            <a:off x="913795" y="2571750"/>
+            <a:ext cx="3300984" cy="3219450"/>
+          </a:xfrm>
+        </p:spPr>
+        <p:txBody>
+          <a:bodyPr anchor="t">
+            <a:normAutofit/>
+          </a:bodyPr>
+          <a:lstStyle>
+            <a:lvl1pPr marL="0" indent="0" algn="ctr">
+              <a:buNone/>
+              <a:defRPr sz="1400"/>
+            </a:lvl1pPr>
+            <a:lvl2pPr marL="457200" indent="0">
+              <a:buNone/>
+              <a:defRPr sz="1200"/>
+            </a:lvl2pPr>
+            <a:lvl3pPr marL="914400" indent="0">
+              <a:buNone/>
+              <a:defRPr sz="1000"/>
+            </a:lvl3pPr>
+            <a:lvl4pPr marL="1371600" indent="0">
+              <a:buNone/>
+              <a:defRPr sz="900"/>
+            </a:lvl4pPr>
+            <a:lvl5pPr marL="1828800" indent="0">
+              <a:buNone/>
+              <a:defRPr sz="900"/>
+            </a:lvl5pPr>
+            <a:lvl6pPr marL="2286000" indent="0">
+              <a:buNone/>
+              <a:defRPr sz="900"/>
+            </a:lvl6pPr>
+            <a:lvl7pPr marL="2743200" indent="0">
+              <a:buNone/>
+              <a:defRPr sz="900"/>
+            </a:lvl7pPr>
+            <a:lvl8pPr marL="3200400" indent="0">
+              <a:buNone/>
+              <a:defRPr sz="900"/>
+            </a:lvl8pPr>
+            <a:lvl9pPr marL="3657600" indent="0">
+              <a:buNone/>
+              <a:defRPr sz="900"/>
+            </a:lvl9pPr>
+          </a:lstStyle>
+          <a:p>
+            <a:pPr lvl="0"/>
+            <a:r>
+              <a:rPr lang="fr-FR"/>
+              <a:t>Cliquez pour modifier les styles du texte du masque</a:t>
+            </a:r>
+          </a:p>
+        </p:txBody>
+      </p:sp>
+      <p:sp>
+        <p:nvSpPr>
+          <p:cNvPr id="9" name="Text Placeholder 4"/>
+          <p:cNvSpPr>
+            <a:spLocks noGrp="1"/>
+          </p:cNvSpPr>
+          <p:nvPr>
+            <p:ph type="body" sz="quarter" idx="3"/>
+          </p:nvPr>
+        </p:nvSpPr>
+        <p:spPr>
+          <a:xfrm>
+            <a:off x="4446711" y="1885950"/>
+            <a:ext cx="3300984" cy="576262"/>
+          </a:xfrm>
+        </p:spPr>
+        <p:txBody>
+          <a:bodyPr anchor="b">
+            <a:noAutofit/>
+          </a:bodyPr>
+          <a:lstStyle>
+            <a:lvl1pPr marL="0" indent="0" algn="ctr">
+              <a:buNone/>
+              <a:defRPr sz="2400" b="0">
+                <a:solidFill>
+                  <a:schemeClr val="tx1"/>
+                </a:solidFill>
+              </a:defRPr>
+            </a:lvl1pPr>
+            <a:lvl2pPr marL="457200" indent="0">
+              <a:buNone/>
+              <a:defRPr sz="2000" b="1"/>
+            </a:lvl2pPr>
+            <a:lvl3pPr marL="914400" indent="0">
+              <a:buNone/>
+              <a:defRPr sz="1800" b="1"/>
+            </a:lvl3pPr>
+            <a:lvl4pPr marL="1371600" indent="0">
+              <a:buNone/>
+              <a:defRPr sz="1600" b="1"/>
+            </a:lvl4pPr>
+            <a:lvl5pPr marL="1828800" indent="0">
+              <a:buNone/>
+              <a:defRPr sz="1600" b="1"/>
+            </a:lvl5pPr>
+            <a:lvl6pPr marL="2286000" indent="0">
+              <a:buNone/>
+              <a:defRPr sz="1600" b="1"/>
+            </a:lvl6pPr>
+            <a:lvl7pPr marL="2743200" indent="0">
+              <a:buNone/>
+              <a:defRPr sz="1600" b="1"/>
+            </a:lvl7pPr>
+            <a:lvl8pPr marL="3200400" indent="0">
+              <a:buNone/>
+              <a:defRPr sz="1600" b="1"/>
+            </a:lvl8pPr>
+            <a:lvl9pPr marL="3657600" indent="0">
+              <a:buNone/>
+              <a:defRPr sz="1600" b="1"/>
+            </a:lvl9pPr>
+          </a:lstStyle>
+          <a:p>
+            <a:pPr lvl="0"/>
+            <a:r>
+              <a:rPr lang="fr-FR"/>
+              <a:t>Cliquez pour modifier les styles du texte du masque</a:t>
+            </a:r>
+          </a:p>
+        </p:txBody>
+      </p:sp>
+      <p:sp>
+        <p:nvSpPr>
+          <p:cNvPr id="10" name="Text Placeholder 3"/>
+          <p:cNvSpPr>
+            <a:spLocks noGrp="1"/>
+          </p:cNvSpPr>
+          <p:nvPr>
+            <p:ph type="body" sz="half" idx="16"/>
+          </p:nvPr>
+        </p:nvSpPr>
+        <p:spPr>
+          <a:xfrm>
+            <a:off x="4441435" y="2571750"/>
+            <a:ext cx="3300984" cy="3219450"/>
+          </a:xfrm>
+        </p:spPr>
+        <p:txBody>
+          <a:bodyPr anchor="t">
+            <a:normAutofit/>
+          </a:bodyPr>
+          <a:lstStyle>
+            <a:lvl1pPr marL="0" indent="0" algn="ctr">
+              <a:buNone/>
+              <a:defRPr sz="1400"/>
+            </a:lvl1pPr>
+            <a:lvl2pPr marL="457200" indent="0">
+              <a:buNone/>
+              <a:defRPr sz="1200"/>
+            </a:lvl2pPr>
+            <a:lvl3pPr marL="914400" indent="0">
+              <a:buNone/>
+              <a:defRPr sz="1000"/>
+            </a:lvl3pPr>
+            <a:lvl4pPr marL="1371600" indent="0">
+              <a:buNone/>
+              <a:defRPr sz="900"/>
+            </a:lvl4pPr>
+            <a:lvl5pPr marL="1828800" indent="0">
+              <a:buNone/>
+              <a:defRPr sz="900"/>
+            </a:lvl5pPr>
+            <a:lvl6pPr marL="2286000" indent="0">
+              <a:buNone/>
+              <a:defRPr sz="900"/>
+            </a:lvl6pPr>
+            <a:lvl7pPr marL="2743200" indent="0">
+              <a:buNone/>
+              <a:defRPr sz="900"/>
+            </a:lvl7pPr>
+            <a:lvl8pPr marL="3200400" indent="0">
+              <a:buNone/>
+              <a:defRPr sz="900"/>
+            </a:lvl8pPr>
+            <a:lvl9pPr marL="3657600" indent="0">
+              <a:buNone/>
+              <a:defRPr sz="900"/>
+            </a:lvl9pPr>
+          </a:lstStyle>
+          <a:p>
+            <a:pPr lvl="0"/>
+            <a:r>
+              <a:rPr lang="fr-FR"/>
+              <a:t>Cliquez pour modifier les styles du texte du masque</a:t>
+            </a:r>
+          </a:p>
+        </p:txBody>
+      </p:sp>
+      <p:sp>
+        <p:nvSpPr>
+          <p:cNvPr id="11" name="Text Placeholder 4"/>
+          <p:cNvSpPr>
+            <a:spLocks noGrp="1"/>
+          </p:cNvSpPr>
+          <p:nvPr>
+            <p:ph type="body" sz="quarter" idx="13"/>
+          </p:nvPr>
+        </p:nvSpPr>
+        <p:spPr>
+          <a:xfrm>
+            <a:off x="7966572" y="1885950"/>
+            <a:ext cx="3300984" cy="576262"/>
+          </a:xfrm>
+        </p:spPr>
+        <p:txBody>
+          <a:bodyPr anchor="b">
+            <a:noAutofit/>
+          </a:bodyPr>
+          <a:lstStyle>
+            <a:lvl1pPr marL="0" indent="0" algn="ctr">
+              <a:buNone/>
+              <a:defRPr sz="2400" b="0">
+                <a:solidFill>
+                  <a:schemeClr val="tx1"/>
+                </a:solidFill>
+              </a:defRPr>
+            </a:lvl1pPr>
+            <a:lvl2pPr marL="457200" indent="0">
+              <a:buNone/>
+              <a:defRPr sz="2000" b="1"/>
+            </a:lvl2pPr>
+            <a:lvl3pPr marL="914400" indent="0">
+              <a:buNone/>
+              <a:defRPr sz="1800" b="1"/>
+            </a:lvl3pPr>
+            <a:lvl4pPr marL="1371600" indent="0">
+              <a:buNone/>
+              <a:defRPr sz="1600" b="1"/>
+            </a:lvl4pPr>
+            <a:lvl5pPr marL="1828800" indent="0">
+              <a:buNone/>
+              <a:defRPr sz="1600" b="1"/>
+            </a:lvl5pPr>
+            <a:lvl6pPr marL="2286000" indent="0">
+              <a:buNone/>
+              <a:defRPr sz="1600" b="1"/>
+            </a:lvl6pPr>
+            <a:lvl7pPr marL="2743200" indent="0">
+              <a:buNone/>
+              <a:defRPr sz="1600" b="1"/>
+            </a:lvl7pPr>
+            <a:lvl8pPr marL="3200400" indent="0">
+              <a:buNone/>
+              <a:defRPr sz="1600" b="1"/>
+            </a:lvl8pPr>
+            <a:lvl9pPr marL="3657600" indent="0">
+              <a:buNone/>
+              <a:defRPr sz="1600" b="1"/>
+            </a:lvl9pPr>
+          </a:lstStyle>
+          <a:p>
+            <a:pPr lvl="0"/>
+            <a:r>
+              <a:rPr lang="fr-FR"/>
+              <a:t>Cliquez pour modifier les styles du texte du masque</a:t>
+            </a:r>
+          </a:p>
+        </p:txBody>
+      </p:sp>
+      <p:sp>
+        <p:nvSpPr>
+          <p:cNvPr id="12" name="Text Placeholder 3"/>
+          <p:cNvSpPr>
+            <a:spLocks noGrp="1"/>
+          </p:cNvSpPr>
+          <p:nvPr>
+            <p:ph type="body" sz="half" idx="17"/>
+          </p:nvPr>
+        </p:nvSpPr>
+        <p:spPr>
+          <a:xfrm>
+            <a:off x="7966572" y="2571750"/>
+            <a:ext cx="3300984" cy="3219450"/>
+          </a:xfrm>
+        </p:spPr>
+        <p:txBody>
+          <a:bodyPr anchor="t">
+            <a:normAutofit/>
+          </a:bodyPr>
+          <a:lstStyle>
+            <a:lvl1pPr marL="0" indent="0" algn="ctr">
+              <a:buNone/>
+              <a:defRPr sz="1400"/>
+            </a:lvl1pPr>
+            <a:lvl2pPr marL="457200" indent="0">
+              <a:buNone/>
+              <a:defRPr sz="1200"/>
+            </a:lvl2pPr>
+            <a:lvl3pPr marL="914400" indent="0">
+              <a:buNone/>
+              <a:defRPr sz="1000"/>
+            </a:lvl3pPr>
+            <a:lvl4pPr marL="1371600" indent="0">
+              <a:buNone/>
+              <a:defRPr sz="900"/>
+            </a:lvl4pPr>
+            <a:lvl5pPr marL="1828800" indent="0">
+              <a:buNone/>
+              <a:defRPr sz="900"/>
+            </a:lvl5pPr>
+            <a:lvl6pPr marL="2286000" indent="0">
+              <a:buNone/>
+              <a:defRPr sz="900"/>
+            </a:lvl6pPr>
+            <a:lvl7pPr marL="2743200" indent="0">
+              <a:buNone/>
+              <a:defRPr sz="900"/>
+            </a:lvl7pPr>
+            <a:lvl8pPr marL="3200400" indent="0">
+              <a:buNone/>
+              <a:defRPr sz="900"/>
+            </a:lvl8pPr>
+            <a:lvl9pPr marL="3657600" indent="0">
+              <a:buNone/>
+              <a:defRPr sz="900"/>
+            </a:lvl9pPr>
+          </a:lstStyle>
+          <a:p>
+            <a:pPr lvl="0"/>
+            <a:r>
+              <a:rPr lang="fr-FR"/>
+              <a:t>Cliquez pour modifier les styles du texte du masque</a:t>
+            </a:r>
+          </a:p>
+        </p:txBody>
+      </p:sp>
+      <p:sp>
+        <p:nvSpPr>
+          <p:cNvPr id="3" name="Date Placeholder 2"/>
+          <p:cNvSpPr>
+            <a:spLocks noGrp="1"/>
+          </p:cNvSpPr>
+          <p:nvPr>
+            <p:ph type="dt" sz="half" idx="10"/>
+          </p:nvPr>
+        </p:nvSpPr>
+        <p:spPr/>
+        <p:txBody>
+          <a:bodyPr/>
+          <a:lstStyle/>
+          <a:p>
+            <a:fld id="{5DEBCE38-401C-4D22-BACF-253FC7924B21}" type="datetimeFigureOut">
+              <a:rPr lang="en-US" smtClean="0"/>
+              <a:t>3/5/2021</a:t>
+            </a:fld>
+            <a:endParaRPr lang="en-US"/>
+          </a:p>
+        </p:txBody>
+      </p:sp>
+      <p:sp>
+        <p:nvSpPr>
+          <p:cNvPr id="4" name="Footer Placeholder 3"/>
+          <p:cNvSpPr>
+            <a:spLocks noGrp="1"/>
+          </p:cNvSpPr>
+          <p:nvPr>
+            <p:ph type="ftr" sz="quarter" idx="11"/>
+          </p:nvPr>
+        </p:nvSpPr>
+        <p:spPr/>
+        <p:txBody>
+          <a:bodyPr/>
+          <a:lstStyle/>
+          <a:p>
+            <a:endParaRPr lang="en-US"/>
+          </a:p>
+        </p:txBody>
+      </p:sp>
+      <p:sp>
+        <p:nvSpPr>
+          <p:cNvPr id="5" name="Slide Number Placeholder 4"/>
+          <p:cNvSpPr>
+            <a:spLocks noGrp="1"/>
+          </p:cNvSpPr>
+          <p:nvPr>
+            <p:ph type="sldNum" sz="quarter" idx="12"/>
+          </p:nvPr>
+        </p:nvSpPr>
+        <p:spPr/>
+        <p:txBody>
+          <a:bodyPr/>
+          <a:lstStyle/>
+          <a:p>
+            <a:fld id="{B9A7BFF8-ED9B-4CF5-9E37-9ADE749C3705}" type="slidenum">
+              <a:rPr lang="en-US" smtClean="0"/>
+              <a:t>‹N°›</a:t>
+            </a:fld>
+            <a:endParaRPr lang="en-US"/>
+          </a:p>
+        </p:txBody>
+      </p:sp>
+    </p:spTree>
+    <p:extLst>
+      <p:ext uri="{BB962C8B-B14F-4D97-AF65-F5344CB8AC3E}">
+        <p14:creationId xmlns:p14="http://schemas.microsoft.com/office/powerpoint/2010/main" val="3750594119"/>
+      </p:ext>
+    </p:extLst>
+  </p:cSld>
+  <p:clrMapOvr>
+    <a:masterClrMapping/>
+  </p:clrMapOvr>
+</p:sldLayout>
+</file>
+
+<file path=ppt/slideLayouts/slideLayout15.xml><?xml version="1.0" encoding="utf-8"?>
+<p:sldLayout xmlns:a="http://schemas.openxmlformats.org/drawingml/2006/main" xmlns:r="http://schemas.openxmlformats.org/officeDocument/2006/relationships" xmlns:p="http://schemas.openxmlformats.org/presentationml/2006/main" preserve="1">
+  <p:cSld name="3 colonnes d’image">
+    <p:spTree>
+      <p:nvGrpSpPr>
+        <p:cNvPr id="1" name=""/>
+        <p:cNvGrpSpPr/>
+        <p:nvPr/>
+      </p:nvGrpSpPr>
+      <p:grpSpPr>
+        <a:xfrm>
+          <a:off x="0" y="0"/>
+          <a:ext cx="0" cy="0"/>
+          <a:chOff x="0" y="0"/>
+          <a:chExt cx="0" cy="0"/>
+        </a:xfrm>
+      </p:grpSpPr>
+      <p:pic>
+        <p:nvPicPr>
+          <p:cNvPr id="2" name="Picture 1" descr="Slate-V2-HD-3colPhotoInset.png"/>
+          <p:cNvPicPr>
+            <a:picLocks noChangeAspect="1"/>
+          </p:cNvPicPr>
+          <p:nvPr/>
+        </p:nvPicPr>
+        <p:blipFill>
+          <a:blip r:embed="rId2">
+            <a:extLst>
+              <a:ext uri="{28A0092B-C50C-407E-A947-70E740481C1C}">
+                <a14:useLocalDpi xmlns:a14="http://schemas.microsoft.com/office/drawing/2010/main" val="0"/>
+              </a:ext>
+            </a:extLst>
+          </a:blip>
+          <a:stretch>
+            <a:fillRect/>
+          </a:stretch>
+        </p:blipFill>
+        <p:spPr>
+          <a:xfrm>
+            <a:off x="897962" y="1818214"/>
+            <a:ext cx="3339972" cy="1847851"/>
+          </a:xfrm>
+          <a:prstGeom prst="rect">
+            <a:avLst/>
+          </a:prstGeom>
+        </p:spPr>
+      </p:pic>
+      <p:pic>
+        <p:nvPicPr>
+          <p:cNvPr id="36" name="Picture 35" descr="Slate-V2-HD-3colPhotoInset.png"/>
+          <p:cNvPicPr>
+            <a:picLocks noChangeAspect="1"/>
+          </p:cNvPicPr>
+          <p:nvPr/>
+        </p:nvPicPr>
+        <p:blipFill>
+          <a:blip r:embed="rId2">
+            <a:extLst>
+              <a:ext uri="{28A0092B-C50C-407E-A947-70E740481C1C}">
+                <a14:useLocalDpi xmlns:a14="http://schemas.microsoft.com/office/drawing/2010/main" val="0"/>
+              </a:ext>
+            </a:extLst>
+          </a:blip>
+          <a:stretch>
+            <a:fillRect/>
+          </a:stretch>
+        </p:blipFill>
+        <p:spPr>
+          <a:xfrm>
+            <a:off x="4403800" y="1818214"/>
+            <a:ext cx="3339972" cy="1847851"/>
+          </a:xfrm>
+          <a:prstGeom prst="rect">
+            <a:avLst/>
+          </a:prstGeom>
+        </p:spPr>
+      </p:pic>
+      <p:pic>
+        <p:nvPicPr>
+          <p:cNvPr id="37" name="Picture 36" descr="Slate-V2-HD-3colPhotoInset.png"/>
+          <p:cNvPicPr>
+            <a:picLocks noChangeAspect="1"/>
+          </p:cNvPicPr>
+          <p:nvPr/>
+        </p:nvPicPr>
+        <p:blipFill>
+          <a:blip r:embed="rId2">
+            <a:extLst>
+              <a:ext uri="{28A0092B-C50C-407E-A947-70E740481C1C}">
+                <a14:useLocalDpi xmlns:a14="http://schemas.microsoft.com/office/drawing/2010/main" val="0"/>
+              </a:ext>
+            </a:extLst>
+          </a:blip>
+          <a:stretch>
+            <a:fillRect/>
+          </a:stretch>
+        </p:blipFill>
+        <p:spPr>
+          <a:xfrm>
+            <a:off x="7936051" y="1818214"/>
+            <a:ext cx="3339972" cy="1847851"/>
+          </a:xfrm>
+          <a:prstGeom prst="rect">
+            <a:avLst/>
+          </a:prstGeom>
+        </p:spPr>
+      </p:pic>
+      <p:sp>
+        <p:nvSpPr>
+          <p:cNvPr id="30" name="Title 1"/>
+          <p:cNvSpPr>
+            <a:spLocks noGrp="1"/>
+          </p:cNvSpPr>
+          <p:nvPr>
+            <p:ph type="title"/>
+          </p:nvPr>
+        </p:nvSpPr>
+        <p:spPr>
+          <a:xfrm>
+            <a:off x="913794" y="609600"/>
+            <a:ext cx="10353763" cy="970450"/>
+          </a:xfrm>
+        </p:spPr>
+        <p:txBody>
+          <a:bodyPr/>
+          <a:lstStyle/>
+          <a:p>
+            <a:r>
+              <a:rPr lang="fr-FR"/>
+              <a:t>Modifiez le style du titre</a:t>
+            </a:r>
+            <a:endParaRPr lang="en-US" dirty="0"/>
+          </a:p>
+        </p:txBody>
+      </p:sp>
+      <p:sp>
+        <p:nvSpPr>
+          <p:cNvPr id="19" name="Text Placeholder 2"/>
+          <p:cNvSpPr>
+            <a:spLocks noGrp="1"/>
+          </p:cNvSpPr>
+          <p:nvPr>
+            <p:ph type="body" idx="1"/>
+          </p:nvPr>
+        </p:nvSpPr>
+        <p:spPr>
+          <a:xfrm>
+            <a:off x="913795" y="3904106"/>
+            <a:ext cx="3300984" cy="576262"/>
+          </a:xfrm>
+        </p:spPr>
+        <p:txBody>
+          <a:bodyPr anchor="b">
+            <a:noAutofit/>
+          </a:bodyPr>
+          <a:lstStyle>
+            <a:lvl1pPr marL="0" indent="0" algn="ctr">
+              <a:buNone/>
+              <a:defRPr sz="2000" b="0">
+                <a:solidFill>
+                  <a:schemeClr val="tx1"/>
+                </a:solidFill>
+              </a:defRPr>
+            </a:lvl1pPr>
+            <a:lvl2pPr marL="457200" indent="0">
+              <a:buNone/>
+              <a:defRPr sz="2000" b="1"/>
+            </a:lvl2pPr>
+            <a:lvl3pPr marL="914400" indent="0">
+              <a:buNone/>
+              <a:defRPr sz="1800" b="1"/>
+            </a:lvl3pPr>
+            <a:lvl4pPr marL="1371600" indent="0">
+              <a:buNone/>
+              <a:defRPr sz="1600" b="1"/>
+            </a:lvl4pPr>
+            <a:lvl5pPr marL="1828800" indent="0">
+              <a:buNone/>
+              <a:defRPr sz="1600" b="1"/>
+            </a:lvl5pPr>
+            <a:lvl6pPr marL="2286000" indent="0">
+              <a:buNone/>
+              <a:defRPr sz="1600" b="1"/>
+            </a:lvl6pPr>
+            <a:lvl7pPr marL="2743200" indent="0">
+              <a:buNone/>
+              <a:defRPr sz="1600" b="1"/>
+            </a:lvl7pPr>
+            <a:lvl8pPr marL="3200400" indent="0">
+              <a:buNone/>
+              <a:defRPr sz="1600" b="1"/>
+            </a:lvl8pPr>
+            <a:lvl9pPr marL="3657600" indent="0">
+              <a:buNone/>
+              <a:defRPr sz="1600" b="1"/>
+            </a:lvl9pPr>
+          </a:lstStyle>
+          <a:p>
+            <a:pPr lvl="0"/>
+            <a:r>
+              <a:rPr lang="fr-FR"/>
+              <a:t>Cliquez pour modifier les styles du texte du masque</a:t>
+            </a:r>
+          </a:p>
+        </p:txBody>
+      </p:sp>
+      <p:sp>
+        <p:nvSpPr>
+          <p:cNvPr id="20" name="Picture Placeholder 2"/>
+          <p:cNvSpPr>
+            <a:spLocks noGrp="1" noChangeAspect="1"/>
+          </p:cNvSpPr>
+          <p:nvPr>
+            <p:ph type="pic" idx="15"/>
+          </p:nvPr>
+        </p:nvSpPr>
+        <p:spPr>
+          <a:xfrm>
+            <a:off x="1018102" y="1938918"/>
+            <a:ext cx="3092368" cy="1602954"/>
+          </a:xfrm>
+          <a:prstGeom prst="roundRect">
+            <a:avLst>
+              <a:gd name="adj" fmla="val 1858"/>
+            </a:avLst>
+          </a:prstGeom>
+          <a:effectLst>
+            <a:outerShdw blurRad="38100" dist="25400" dir="4440000">
+              <a:srgbClr val="000000">
+                <a:alpha val="36000"/>
+              </a:srgbClr>
+            </a:outerShdw>
+          </a:effectLst>
+        </p:spPr>
+        <p:txBody>
+          <a:bodyPr anchor="t">
+            <a:normAutofit/>
+          </a:bodyPr>
+          <a:lstStyle>
+            <a:lvl1pPr marL="0" indent="0" algn="ctr">
+              <a:buNone/>
+              <a:defRPr sz="1600"/>
+            </a:lvl1pPr>
+            <a:lvl2pPr marL="457200" indent="0">
+              <a:buNone/>
+              <a:defRPr sz="1600"/>
+            </a:lvl2pPr>
+            <a:lvl3pPr marL="914400" indent="0">
+              <a:buNone/>
+              <a:defRPr sz="1600"/>
+            </a:lvl3pPr>
+            <a:lvl4pPr marL="1371600" indent="0">
+              <a:buNone/>
+              <a:defRPr sz="1600"/>
+            </a:lvl4pPr>
+            <a:lvl5pPr marL="1828800" indent="0">
+              <a:buNone/>
+              <a:defRPr sz="1600"/>
+            </a:lvl5pPr>
+            <a:lvl6pPr marL="2286000" indent="0">
+              <a:buNone/>
+              <a:defRPr sz="1600"/>
+            </a:lvl6pPr>
+            <a:lvl7pPr marL="2743200" indent="0">
+              <a:buNone/>
+              <a:defRPr sz="1600"/>
+            </a:lvl7pPr>
+            <a:lvl8pPr marL="3200400" indent="0">
+              <a:buNone/>
+              <a:defRPr sz="1600"/>
+            </a:lvl8pPr>
+            <a:lvl9pPr marL="3657600" indent="0">
+              <a:buNone/>
+              <a:defRPr sz="1600"/>
+            </a:lvl9pPr>
+          </a:lstStyle>
+          <a:p>
+            <a:r>
+              <a:rPr lang="fr-FR"/>
+              <a:t>Cliquez sur l'icône pour ajouter une image</a:t>
+            </a:r>
+            <a:endParaRPr lang="en-US" dirty="0"/>
+          </a:p>
+        </p:txBody>
+      </p:sp>
+      <p:sp>
+        <p:nvSpPr>
+          <p:cNvPr id="21" name="Text Placeholder 3"/>
+          <p:cNvSpPr>
+            <a:spLocks noGrp="1"/>
+          </p:cNvSpPr>
+          <p:nvPr>
+            <p:ph type="body" sz="half" idx="18"/>
+          </p:nvPr>
+        </p:nvSpPr>
+        <p:spPr>
+          <a:xfrm>
+            <a:off x="913795" y="4480368"/>
+            <a:ext cx="3300984" cy="1310833"/>
+          </a:xfrm>
+        </p:spPr>
+        <p:txBody>
+          <a:bodyPr anchor="t">
+            <a:normAutofit/>
+          </a:bodyPr>
+          <a:lstStyle>
+            <a:lvl1pPr marL="0" indent="0" algn="ctr">
+              <a:buNone/>
+              <a:defRPr sz="1400"/>
+            </a:lvl1pPr>
+            <a:lvl2pPr marL="457200" indent="0">
+              <a:buNone/>
+              <a:defRPr sz="1200"/>
+            </a:lvl2pPr>
+            <a:lvl3pPr marL="914400" indent="0">
+              <a:buNone/>
+              <a:defRPr sz="1000"/>
+            </a:lvl3pPr>
+            <a:lvl4pPr marL="1371600" indent="0">
+              <a:buNone/>
+              <a:defRPr sz="900"/>
+            </a:lvl4pPr>
+            <a:lvl5pPr marL="1828800" indent="0">
+              <a:buNone/>
+              <a:defRPr sz="900"/>
+            </a:lvl5pPr>
+            <a:lvl6pPr marL="2286000" indent="0">
+              <a:buNone/>
+              <a:defRPr sz="900"/>
+            </a:lvl6pPr>
+            <a:lvl7pPr marL="2743200" indent="0">
+              <a:buNone/>
+              <a:defRPr sz="900"/>
+            </a:lvl7pPr>
+            <a:lvl8pPr marL="3200400" indent="0">
+              <a:buNone/>
+              <a:defRPr sz="900"/>
+            </a:lvl8pPr>
+            <a:lvl9pPr marL="3657600" indent="0">
+              <a:buNone/>
+              <a:defRPr sz="900"/>
+            </a:lvl9pPr>
+          </a:lstStyle>
+          <a:p>
+            <a:pPr lvl="0"/>
+            <a:r>
+              <a:rPr lang="fr-FR"/>
+              <a:t>Cliquez pour modifier les styles du texte du masque</a:t>
+            </a:r>
+          </a:p>
+        </p:txBody>
+      </p:sp>
+      <p:sp>
+        <p:nvSpPr>
+          <p:cNvPr id="22" name="Text Placeholder 4"/>
+          <p:cNvSpPr>
+            <a:spLocks noGrp="1"/>
+          </p:cNvSpPr>
+          <p:nvPr>
+            <p:ph type="body" sz="quarter" idx="3"/>
+          </p:nvPr>
+        </p:nvSpPr>
+        <p:spPr>
+          <a:xfrm>
+            <a:off x="4442788" y="3904106"/>
+            <a:ext cx="3300984" cy="576262"/>
+          </a:xfrm>
+        </p:spPr>
+        <p:txBody>
+          <a:bodyPr anchor="b">
+            <a:noAutofit/>
+          </a:bodyPr>
+          <a:lstStyle>
+            <a:lvl1pPr marL="0" indent="0" algn="ctr">
+              <a:buNone/>
+              <a:defRPr sz="2000" b="0">
+                <a:solidFill>
+                  <a:schemeClr val="tx1"/>
+                </a:solidFill>
+              </a:defRPr>
+            </a:lvl1pPr>
+            <a:lvl2pPr marL="457200" indent="0">
+              <a:buNone/>
+              <a:defRPr sz="2000" b="1"/>
+            </a:lvl2pPr>
+            <a:lvl3pPr marL="914400" indent="0">
+              <a:buNone/>
+              <a:defRPr sz="1800" b="1"/>
+            </a:lvl3pPr>
+            <a:lvl4pPr marL="1371600" indent="0">
+              <a:buNone/>
+              <a:defRPr sz="1600" b="1"/>
+            </a:lvl4pPr>
+            <a:lvl5pPr marL="1828800" indent="0">
+              <a:buNone/>
+              <a:defRPr sz="1600" b="1"/>
+            </a:lvl5pPr>
+            <a:lvl6pPr marL="2286000" indent="0">
+              <a:buNone/>
+              <a:defRPr sz="1600" b="1"/>
+            </a:lvl6pPr>
+            <a:lvl7pPr marL="2743200" indent="0">
+              <a:buNone/>
+              <a:defRPr sz="1600" b="1"/>
+            </a:lvl7pPr>
+            <a:lvl8pPr marL="3200400" indent="0">
+              <a:buNone/>
+              <a:defRPr sz="1600" b="1"/>
+            </a:lvl8pPr>
+            <a:lvl9pPr marL="3657600" indent="0">
+              <a:buNone/>
+              <a:defRPr sz="1600" b="1"/>
+            </a:lvl9pPr>
+          </a:lstStyle>
+          <a:p>
+            <a:pPr lvl="0"/>
+            <a:r>
+              <a:rPr lang="fr-FR"/>
+              <a:t>Cliquez pour modifier les styles du texte du masque</a:t>
+            </a:r>
+          </a:p>
+        </p:txBody>
+      </p:sp>
+      <p:sp>
+        <p:nvSpPr>
+          <p:cNvPr id="23" name="Picture Placeholder 2"/>
+          <p:cNvSpPr>
+            <a:spLocks noGrp="1" noChangeAspect="1"/>
+          </p:cNvSpPr>
+          <p:nvPr>
+            <p:ph type="pic" idx="21"/>
+          </p:nvPr>
+        </p:nvSpPr>
+        <p:spPr>
+          <a:xfrm>
+            <a:off x="4545743" y="1939094"/>
+            <a:ext cx="3092368" cy="1608164"/>
+          </a:xfrm>
+          <a:prstGeom prst="roundRect">
+            <a:avLst>
+              <a:gd name="adj" fmla="val 1858"/>
+            </a:avLst>
+          </a:prstGeom>
+          <a:effectLst>
+            <a:outerShdw blurRad="38100" dist="25400" dir="4440000">
+              <a:srgbClr val="000000">
+                <a:alpha val="36000"/>
+              </a:srgbClr>
+            </a:outerShdw>
+          </a:effectLst>
+        </p:spPr>
+        <p:txBody>
+          <a:bodyPr anchor="t">
+            <a:normAutofit/>
+          </a:bodyPr>
+          <a:lstStyle>
+            <a:lvl1pPr marL="0" indent="0" algn="ctr">
+              <a:buNone/>
+              <a:defRPr sz="1600"/>
+            </a:lvl1pPr>
+            <a:lvl2pPr marL="457200" indent="0">
+              <a:buNone/>
+              <a:defRPr sz="1600"/>
+            </a:lvl2pPr>
+            <a:lvl3pPr marL="914400" indent="0">
+              <a:buNone/>
+              <a:defRPr sz="1600"/>
+            </a:lvl3pPr>
+            <a:lvl4pPr marL="1371600" indent="0">
+              <a:buNone/>
+              <a:defRPr sz="1600"/>
+            </a:lvl4pPr>
+            <a:lvl5pPr marL="1828800" indent="0">
+              <a:buNone/>
+              <a:defRPr sz="1600"/>
+            </a:lvl5pPr>
+            <a:lvl6pPr marL="2286000" indent="0">
+              <a:buNone/>
+              <a:defRPr sz="1600"/>
+            </a:lvl6pPr>
+            <a:lvl7pPr marL="2743200" indent="0">
+              <a:buNone/>
+              <a:defRPr sz="1600"/>
+            </a:lvl7pPr>
+            <a:lvl8pPr marL="3200400" indent="0">
+              <a:buNone/>
+              <a:defRPr sz="1600"/>
+            </a:lvl8pPr>
+            <a:lvl9pPr marL="3657600" indent="0">
+              <a:buNone/>
+              <a:defRPr sz="1600"/>
+            </a:lvl9pPr>
+          </a:lstStyle>
+          <a:p>
+            <a:r>
+              <a:rPr lang="fr-FR"/>
+              <a:t>Cliquez sur l'icône pour ajouter une image</a:t>
+            </a:r>
+            <a:endParaRPr lang="en-US" dirty="0"/>
+          </a:p>
+        </p:txBody>
+      </p:sp>
+      <p:sp>
+        <p:nvSpPr>
+          <p:cNvPr id="24" name="Text Placeholder 3"/>
+          <p:cNvSpPr>
+            <a:spLocks noGrp="1"/>
+          </p:cNvSpPr>
+          <p:nvPr>
+            <p:ph type="body" sz="half" idx="19"/>
+          </p:nvPr>
+        </p:nvSpPr>
+        <p:spPr>
+          <a:xfrm>
+            <a:off x="4441435" y="4480367"/>
+            <a:ext cx="3300984" cy="1310833"/>
+          </a:xfrm>
+        </p:spPr>
+        <p:txBody>
+          <a:bodyPr anchor="t">
+            <a:normAutofit/>
+          </a:bodyPr>
+          <a:lstStyle>
+            <a:lvl1pPr marL="0" indent="0" algn="ctr">
+              <a:buNone/>
+              <a:defRPr sz="1400"/>
+            </a:lvl1pPr>
+            <a:lvl2pPr marL="457200" indent="0">
+              <a:buNone/>
+              <a:defRPr sz="1200"/>
+            </a:lvl2pPr>
+            <a:lvl3pPr marL="914400" indent="0">
+              <a:buNone/>
+              <a:defRPr sz="1000"/>
+            </a:lvl3pPr>
+            <a:lvl4pPr marL="1371600" indent="0">
+              <a:buNone/>
+              <a:defRPr sz="900"/>
+            </a:lvl4pPr>
+            <a:lvl5pPr marL="1828800" indent="0">
+              <a:buNone/>
+              <a:defRPr sz="900"/>
+            </a:lvl5pPr>
+            <a:lvl6pPr marL="2286000" indent="0">
+              <a:buNone/>
+              <a:defRPr sz="900"/>
+            </a:lvl6pPr>
+            <a:lvl7pPr marL="2743200" indent="0">
+              <a:buNone/>
+              <a:defRPr sz="900"/>
+            </a:lvl7pPr>
+            <a:lvl8pPr marL="3200400" indent="0">
+              <a:buNone/>
+              <a:defRPr sz="900"/>
+            </a:lvl8pPr>
+            <a:lvl9pPr marL="3657600" indent="0">
+              <a:buNone/>
+              <a:defRPr sz="900"/>
+            </a:lvl9pPr>
+          </a:lstStyle>
+          <a:p>
+            <a:pPr lvl="0"/>
+            <a:r>
+              <a:rPr lang="fr-FR"/>
+              <a:t>Cliquez pour modifier les styles du texte du masque</a:t>
+            </a:r>
+          </a:p>
+        </p:txBody>
+      </p:sp>
+      <p:sp>
+        <p:nvSpPr>
+          <p:cNvPr id="25" name="Text Placeholder 4"/>
+          <p:cNvSpPr>
+            <a:spLocks noGrp="1"/>
+          </p:cNvSpPr>
+          <p:nvPr>
+            <p:ph type="body" sz="quarter" idx="13"/>
+          </p:nvPr>
+        </p:nvSpPr>
+        <p:spPr>
+          <a:xfrm>
+            <a:off x="7966697" y="3904106"/>
+            <a:ext cx="3300984" cy="576262"/>
+          </a:xfrm>
+        </p:spPr>
+        <p:txBody>
+          <a:bodyPr anchor="b">
+            <a:noAutofit/>
+          </a:bodyPr>
+          <a:lstStyle>
+            <a:lvl1pPr marL="0" indent="0" algn="ctr">
+              <a:buNone/>
+              <a:defRPr sz="2000" b="0">
+                <a:solidFill>
+                  <a:schemeClr val="tx1"/>
+                </a:solidFill>
+              </a:defRPr>
+            </a:lvl1pPr>
+            <a:lvl2pPr marL="457200" indent="0">
+              <a:buNone/>
+              <a:defRPr sz="2000" b="1"/>
+            </a:lvl2pPr>
+            <a:lvl3pPr marL="914400" indent="0">
+              <a:buNone/>
+              <a:defRPr sz="1800" b="1"/>
+            </a:lvl3pPr>
+            <a:lvl4pPr marL="1371600" indent="0">
+              <a:buNone/>
+              <a:defRPr sz="1600" b="1"/>
+            </a:lvl4pPr>
+            <a:lvl5pPr marL="1828800" indent="0">
+              <a:buNone/>
+              <a:defRPr sz="1600" b="1"/>
+            </a:lvl5pPr>
+            <a:lvl6pPr marL="2286000" indent="0">
+              <a:buNone/>
+              <a:defRPr sz="1600" b="1"/>
+            </a:lvl6pPr>
+            <a:lvl7pPr marL="2743200" indent="0">
+              <a:buNone/>
+              <a:defRPr sz="1600" b="1"/>
+            </a:lvl7pPr>
+            <a:lvl8pPr marL="3200400" indent="0">
+              <a:buNone/>
+              <a:defRPr sz="1600" b="1"/>
+            </a:lvl8pPr>
+            <a:lvl9pPr marL="3657600" indent="0">
+              <a:buNone/>
+              <a:defRPr sz="1600" b="1"/>
+            </a:lvl9pPr>
+          </a:lstStyle>
+          <a:p>
+            <a:pPr lvl="0"/>
+            <a:r>
+              <a:rPr lang="fr-FR"/>
+              <a:t>Cliquez pour modifier les styles du texte du masque</a:t>
+            </a:r>
+          </a:p>
+        </p:txBody>
+      </p:sp>
+      <p:sp>
+        <p:nvSpPr>
+          <p:cNvPr id="26" name="Picture Placeholder 2"/>
+          <p:cNvSpPr>
+            <a:spLocks noGrp="1" noChangeAspect="1"/>
+          </p:cNvSpPr>
+          <p:nvPr>
+            <p:ph type="pic" idx="22"/>
+          </p:nvPr>
+        </p:nvSpPr>
+        <p:spPr>
+          <a:xfrm>
+            <a:off x="8075698" y="1934432"/>
+            <a:ext cx="3092368" cy="1607294"/>
+          </a:xfrm>
+          <a:prstGeom prst="roundRect">
+            <a:avLst>
+              <a:gd name="adj" fmla="val 1858"/>
+            </a:avLst>
+          </a:prstGeom>
+          <a:effectLst>
+            <a:outerShdw blurRad="38100" dist="25400" dir="4440000">
+              <a:srgbClr val="000000">
+                <a:alpha val="36000"/>
+              </a:srgbClr>
+            </a:outerShdw>
+          </a:effectLst>
+        </p:spPr>
+        <p:txBody>
+          <a:bodyPr anchor="t">
+            <a:normAutofit/>
+          </a:bodyPr>
+          <a:lstStyle>
+            <a:lvl1pPr marL="0" indent="0" algn="ctr">
+              <a:buNone/>
+              <a:defRPr sz="1600"/>
+            </a:lvl1pPr>
+            <a:lvl2pPr marL="457200" indent="0">
+              <a:buNone/>
+              <a:defRPr sz="1600"/>
+            </a:lvl2pPr>
+            <a:lvl3pPr marL="914400" indent="0">
+              <a:buNone/>
+              <a:defRPr sz="1600"/>
+            </a:lvl3pPr>
+            <a:lvl4pPr marL="1371600" indent="0">
+              <a:buNone/>
+              <a:defRPr sz="1600"/>
+            </a:lvl4pPr>
+            <a:lvl5pPr marL="1828800" indent="0">
+              <a:buNone/>
+              <a:defRPr sz="1600"/>
+            </a:lvl5pPr>
+            <a:lvl6pPr marL="2286000" indent="0">
+              <a:buNone/>
+              <a:defRPr sz="1600"/>
+            </a:lvl6pPr>
+            <a:lvl7pPr marL="2743200" indent="0">
+              <a:buNone/>
+              <a:defRPr sz="1600"/>
+            </a:lvl7pPr>
+            <a:lvl8pPr marL="3200400" indent="0">
+              <a:buNone/>
+              <a:defRPr sz="1600"/>
+            </a:lvl8pPr>
+            <a:lvl9pPr marL="3657600" indent="0">
+              <a:buNone/>
+              <a:defRPr sz="1600"/>
+            </a:lvl9pPr>
+          </a:lstStyle>
+          <a:p>
+            <a:r>
+              <a:rPr lang="fr-FR"/>
+              <a:t>Cliquez sur l'icône pour ajouter une image</a:t>
+            </a:r>
+            <a:endParaRPr lang="en-US" dirty="0"/>
+          </a:p>
+        </p:txBody>
+      </p:sp>
+      <p:sp>
+        <p:nvSpPr>
+          <p:cNvPr id="27" name="Text Placeholder 3"/>
+          <p:cNvSpPr>
+            <a:spLocks noGrp="1"/>
+          </p:cNvSpPr>
+          <p:nvPr>
+            <p:ph type="body" sz="half" idx="20"/>
+          </p:nvPr>
+        </p:nvSpPr>
+        <p:spPr>
+          <a:xfrm>
+            <a:off x="7966572" y="4480365"/>
+            <a:ext cx="3300984" cy="1310835"/>
+          </a:xfrm>
+        </p:spPr>
+        <p:txBody>
+          <a:bodyPr anchor="t">
+            <a:normAutofit/>
+          </a:bodyPr>
+          <a:lstStyle>
+            <a:lvl1pPr marL="0" indent="0" algn="ctr">
+              <a:buNone/>
+              <a:defRPr sz="1400"/>
+            </a:lvl1pPr>
+            <a:lvl2pPr marL="457200" indent="0">
+              <a:buNone/>
+              <a:defRPr sz="1200"/>
+            </a:lvl2pPr>
+            <a:lvl3pPr marL="914400" indent="0">
+              <a:buNone/>
+              <a:defRPr sz="1000"/>
+            </a:lvl3pPr>
+            <a:lvl4pPr marL="1371600" indent="0">
+              <a:buNone/>
+              <a:defRPr sz="900"/>
+            </a:lvl4pPr>
+            <a:lvl5pPr marL="1828800" indent="0">
+              <a:buNone/>
+              <a:defRPr sz="900"/>
+            </a:lvl5pPr>
+            <a:lvl6pPr marL="2286000" indent="0">
+              <a:buNone/>
+              <a:defRPr sz="900"/>
+            </a:lvl6pPr>
+            <a:lvl7pPr marL="2743200" indent="0">
+              <a:buNone/>
+              <a:defRPr sz="900"/>
+            </a:lvl7pPr>
+            <a:lvl8pPr marL="3200400" indent="0">
+              <a:buNone/>
+              <a:defRPr sz="900"/>
+            </a:lvl8pPr>
+            <a:lvl9pPr marL="3657600" indent="0">
+              <a:buNone/>
+              <a:defRPr sz="900"/>
+            </a:lvl9pPr>
+          </a:lstStyle>
+          <a:p>
+            <a:pPr lvl="0"/>
+            <a:r>
+              <a:rPr lang="fr-FR"/>
+              <a:t>Cliquez pour modifier les styles du texte du masque</a:t>
+            </a:r>
+          </a:p>
+        </p:txBody>
+      </p:sp>
+      <p:sp>
+        <p:nvSpPr>
+          <p:cNvPr id="3" name="Date Placeholder 2"/>
+          <p:cNvSpPr>
+            <a:spLocks noGrp="1"/>
+          </p:cNvSpPr>
+          <p:nvPr>
+            <p:ph type="dt" sz="half" idx="10"/>
+          </p:nvPr>
+        </p:nvSpPr>
+        <p:spPr/>
+        <p:txBody>
+          <a:bodyPr/>
+          <a:lstStyle/>
+          <a:p>
+            <a:fld id="{5DEBCE38-401C-4D22-BACF-253FC7924B21}" type="datetimeFigureOut">
+              <a:rPr lang="en-US" smtClean="0"/>
+              <a:t>3/5/2021</a:t>
+            </a:fld>
+            <a:endParaRPr lang="en-US"/>
+          </a:p>
+        </p:txBody>
+      </p:sp>
+      <p:sp>
+        <p:nvSpPr>
+          <p:cNvPr id="4" name="Footer Placeholder 3"/>
+          <p:cNvSpPr>
+            <a:spLocks noGrp="1"/>
+          </p:cNvSpPr>
+          <p:nvPr>
+            <p:ph type="ftr" sz="quarter" idx="11"/>
+          </p:nvPr>
+        </p:nvSpPr>
+        <p:spPr/>
+        <p:txBody>
+          <a:bodyPr/>
+          <a:lstStyle/>
+          <a:p>
+            <a:endParaRPr lang="en-US"/>
+          </a:p>
+        </p:txBody>
+      </p:sp>
+      <p:sp>
+        <p:nvSpPr>
+          <p:cNvPr id="5" name="Slide Number Placeholder 4"/>
+          <p:cNvSpPr>
+            <a:spLocks noGrp="1"/>
+          </p:cNvSpPr>
+          <p:nvPr>
+            <p:ph type="sldNum" sz="quarter" idx="12"/>
+          </p:nvPr>
+        </p:nvSpPr>
+        <p:spPr/>
+        <p:txBody>
+          <a:bodyPr/>
+          <a:lstStyle/>
+          <a:p>
+            <a:fld id="{B9A7BFF8-ED9B-4CF5-9E37-9ADE749C3705}" type="slidenum">
+              <a:rPr lang="en-US" smtClean="0"/>
+              <a:t>‹N°›</a:t>
+            </a:fld>
+            <a:endParaRPr lang="en-US"/>
+          </a:p>
+        </p:txBody>
+      </p:sp>
+    </p:spTree>
+    <p:extLst>
+      <p:ext uri="{BB962C8B-B14F-4D97-AF65-F5344CB8AC3E}">
+        <p14:creationId xmlns:p14="http://schemas.microsoft.com/office/powerpoint/2010/main" val="604195616"/>
+      </p:ext>
+    </p:extLst>
+  </p:cSld>
+  <p:clrMapOvr>
+    <a:masterClrMapping/>
+  </p:clrMapOvr>
+</p:sldLayout>
+</file>
+
+<file path=ppt/slideLayouts/slideLayout16.xml><?xml version="1.0" encoding="utf-8"?>
 <p:sldLayout xmlns:a="http://schemas.openxmlformats.org/drawingml/2006/main" xmlns:r="http://schemas.openxmlformats.org/officeDocument/2006/relationships" xmlns:p="http://schemas.openxmlformats.org/presentationml/2006/main" type="vertTx" preserve="1">
   <p:cSld name="Titre et texte vertical">
     <p:spTree>
@@ -348,13 +2954,7 @@
       </p:grpSpPr>
       <p:sp>
         <p:nvSpPr>
-          <p:cNvPr id="2" name="Titre 1">
-            <a:extLst>
-              <a:ext uri="{FF2B5EF4-FFF2-40B4-BE49-F238E27FC236}">
-                <a16:creationId xmlns:a16="http://schemas.microsoft.com/office/drawing/2014/main" id="{07A0720B-F091-4B02-8176-0871E1B2683A}"/>
-              </a:ext>
-            </a:extLst>
-          </p:cNvPr>
+          <p:cNvPr id="2" name="Title 1"/>
           <p:cNvSpPr>
             <a:spLocks noGrp="1"/>
           </p:cNvSpPr>
@@ -371,19 +2971,13 @@
               <a:rPr lang="fr-FR"/>
               <a:t>Modifiez le style du titre</a:t>
             </a:r>
-            <a:endParaRPr lang="en-US"/>
-          </a:p>
-        </p:txBody>
-      </p:sp>
-      <p:sp>
-        <p:nvSpPr>
-          <p:cNvPr id="3" name="Espace réservé du texte vertical 2">
-            <a:extLst>
-              <a:ext uri="{FF2B5EF4-FFF2-40B4-BE49-F238E27FC236}">
-                <a16:creationId xmlns:a16="http://schemas.microsoft.com/office/drawing/2014/main" id="{EB0788DF-1B71-44B5-AF94-FB6DC8732974}"/>
-              </a:ext>
-            </a:extLst>
-          </p:cNvPr>
+            <a:endParaRPr lang="en-US" dirty="0"/>
+          </a:p>
+        </p:txBody>
+      </p:sp>
+      <p:sp>
+        <p:nvSpPr>
+          <p:cNvPr id="3" name="Vertical Text Placeholder 2"/>
           <p:cNvSpPr>
             <a:spLocks noGrp="1"/>
           </p:cNvSpPr>
@@ -393,7 +2987,7 @@
         </p:nvSpPr>
         <p:spPr/>
         <p:txBody>
-          <a:bodyPr vert="eaVert"/>
+          <a:bodyPr vert="eaVert" anchor="t"/>
           <a:lstStyle/>
           <a:p>
             <a:pPr lvl="0"/>
@@ -429,19 +3023,13 @@
               <a:rPr lang="fr-FR"/>
               <a:t>Cinquième niveau</a:t>
             </a:r>
-            <a:endParaRPr lang="en-US"/>
-          </a:p>
-        </p:txBody>
-      </p:sp>
-      <p:sp>
-        <p:nvSpPr>
-          <p:cNvPr id="4" name="Espace réservé de la date 3">
-            <a:extLst>
-              <a:ext uri="{FF2B5EF4-FFF2-40B4-BE49-F238E27FC236}">
-                <a16:creationId xmlns:a16="http://schemas.microsoft.com/office/drawing/2014/main" id="{269646F3-54D4-44DD-A7BF-8ED3EF7A1BFF}"/>
-              </a:ext>
-            </a:extLst>
-          </p:cNvPr>
+            <a:endParaRPr lang="en-US" dirty="0"/>
+          </a:p>
+        </p:txBody>
+      </p:sp>
+      <p:sp>
+        <p:nvSpPr>
+          <p:cNvPr id="4" name="Date Placeholder 3"/>
           <p:cNvSpPr>
             <a:spLocks noGrp="1"/>
           </p:cNvSpPr>
@@ -456,7 +3044,7 @@
           <a:p>
             <a:fld id="{5DEBCE38-401C-4D22-BACF-253FC7924B21}" type="datetimeFigureOut">
               <a:rPr lang="en-US" smtClean="0"/>
-              <a:t>3/4/2021</a:t>
+              <a:t>3/5/2021</a:t>
             </a:fld>
             <a:endParaRPr lang="en-US"/>
           </a:p>
@@ -464,13 +3052,7 @@
       </p:sp>
       <p:sp>
         <p:nvSpPr>
-          <p:cNvPr id="5" name="Espace réservé du pied de page 4">
-            <a:extLst>
-              <a:ext uri="{FF2B5EF4-FFF2-40B4-BE49-F238E27FC236}">
-                <a16:creationId xmlns:a16="http://schemas.microsoft.com/office/drawing/2014/main" id="{414A527A-2F7A-406D-BBC0-9DC22FCEB19D}"/>
-              </a:ext>
-            </a:extLst>
-          </p:cNvPr>
+          <p:cNvPr id="5" name="Footer Placeholder 4"/>
           <p:cNvSpPr>
             <a:spLocks noGrp="1"/>
           </p:cNvSpPr>
@@ -489,13 +3071,7 @@
       </p:sp>
       <p:sp>
         <p:nvSpPr>
-          <p:cNvPr id="6" name="Espace réservé du numéro de diapositive 5">
-            <a:extLst>
-              <a:ext uri="{FF2B5EF4-FFF2-40B4-BE49-F238E27FC236}">
-                <a16:creationId xmlns:a16="http://schemas.microsoft.com/office/drawing/2014/main" id="{255C1324-D144-4FDA-B55F-883FADB205D1}"/>
-              </a:ext>
-            </a:extLst>
-          </p:cNvPr>
+          <p:cNvPr id="6" name="Slide Number Placeholder 5"/>
           <p:cNvSpPr>
             <a:spLocks noGrp="1"/>
           </p:cNvSpPr>
@@ -519,7 +3095,7 @@
     </p:spTree>
     <p:extLst>
       <p:ext uri="{BB962C8B-B14F-4D97-AF65-F5344CB8AC3E}">
-        <p14:creationId xmlns:p14="http://schemas.microsoft.com/office/powerpoint/2010/main" val="1914066275"/>
+        <p14:creationId xmlns:p14="http://schemas.microsoft.com/office/powerpoint/2010/main" val="1508307232"/>
       </p:ext>
     </p:extLst>
   </p:cSld>
@@ -529,7 +3105,7 @@
 </p:sldLayout>
 </file>
 
-<file path=ppt/slideLayouts/slideLayout11.xml><?xml version="1.0" encoding="utf-8"?>
+<file path=ppt/slideLayouts/slideLayout17.xml><?xml version="1.0" encoding="utf-8"?>
 <p:sldLayout xmlns:a="http://schemas.openxmlformats.org/drawingml/2006/main" xmlns:r="http://schemas.openxmlformats.org/officeDocument/2006/relationships" xmlns:p="http://schemas.openxmlformats.org/presentationml/2006/main" type="vertTitleAndTx" preserve="1">
   <p:cSld name="Titre vertical et texte">
     <p:spTree>
@@ -548,13 +3124,7 @@
       </p:grpSpPr>
       <p:sp>
         <p:nvSpPr>
-          <p:cNvPr id="2" name="Titre vertical 1">
-            <a:extLst>
-              <a:ext uri="{FF2B5EF4-FFF2-40B4-BE49-F238E27FC236}">
-                <a16:creationId xmlns:a16="http://schemas.microsoft.com/office/drawing/2014/main" id="{CC558E77-5B06-471C-9FC9-75102915F5EE}"/>
-              </a:ext>
-            </a:extLst>
-          </p:cNvPr>
+          <p:cNvPr id="2" name="Vertical Title 1"/>
           <p:cNvSpPr>
             <a:spLocks noGrp="1"/>
           </p:cNvSpPr>
@@ -564,31 +3134,29 @@
         </p:nvSpPr>
         <p:spPr>
           <a:xfrm>
-            <a:off x="8724900" y="365125"/>
-            <a:ext cx="2628900" cy="5811838"/>
+            <a:off x="8983068" y="609599"/>
+            <a:ext cx="2284487" cy="5181601"/>
           </a:xfrm>
         </p:spPr>
         <p:txBody>
           <a:bodyPr vert="eaVert"/>
-          <a:lstStyle/>
+          <a:lstStyle>
+            <a:lvl1pPr algn="l">
+              <a:defRPr/>
+            </a:lvl1pPr>
+          </a:lstStyle>
           <a:p>
             <a:r>
               <a:rPr lang="fr-FR"/>
               <a:t>Modifiez le style du titre</a:t>
             </a:r>
-            <a:endParaRPr lang="en-US"/>
-          </a:p>
-        </p:txBody>
-      </p:sp>
-      <p:sp>
-        <p:nvSpPr>
-          <p:cNvPr id="3" name="Espace réservé du texte vertical 2">
-            <a:extLst>
-              <a:ext uri="{FF2B5EF4-FFF2-40B4-BE49-F238E27FC236}">
-                <a16:creationId xmlns:a16="http://schemas.microsoft.com/office/drawing/2014/main" id="{BD47CBBB-39B3-4D71-A5AF-3ECE0C608C0C}"/>
-              </a:ext>
-            </a:extLst>
-          </p:cNvPr>
+            <a:endParaRPr lang="en-US" dirty="0"/>
+          </a:p>
+        </p:txBody>
+      </p:sp>
+      <p:sp>
+        <p:nvSpPr>
+          <p:cNvPr id="3" name="Vertical Text Placeholder 2"/>
           <p:cNvSpPr>
             <a:spLocks noGrp="1"/>
           </p:cNvSpPr>
@@ -598,12 +3166,12 @@
         </p:nvSpPr>
         <p:spPr>
           <a:xfrm>
-            <a:off x="838200" y="365125"/>
-            <a:ext cx="7734300" cy="5811838"/>
+            <a:off x="913796" y="609599"/>
+            <a:ext cx="7916872" cy="5181601"/>
           </a:xfrm>
         </p:spPr>
         <p:txBody>
-          <a:bodyPr vert="eaVert"/>
+          <a:bodyPr vert="eaVert" anchor="t"/>
           <a:lstStyle/>
           <a:p>
             <a:pPr lvl="0"/>
@@ -639,19 +3207,13 @@
               <a:rPr lang="fr-FR"/>
               <a:t>Cinquième niveau</a:t>
             </a:r>
-            <a:endParaRPr lang="en-US"/>
-          </a:p>
-        </p:txBody>
-      </p:sp>
-      <p:sp>
-        <p:nvSpPr>
-          <p:cNvPr id="4" name="Espace réservé de la date 3">
-            <a:extLst>
-              <a:ext uri="{FF2B5EF4-FFF2-40B4-BE49-F238E27FC236}">
-                <a16:creationId xmlns:a16="http://schemas.microsoft.com/office/drawing/2014/main" id="{89275D31-FD33-4094-A44D-8586476430A1}"/>
-              </a:ext>
-            </a:extLst>
-          </p:cNvPr>
+            <a:endParaRPr lang="en-US" dirty="0"/>
+          </a:p>
+        </p:txBody>
+      </p:sp>
+      <p:sp>
+        <p:nvSpPr>
+          <p:cNvPr id="4" name="Date Placeholder 3"/>
           <p:cNvSpPr>
             <a:spLocks noGrp="1"/>
           </p:cNvSpPr>
@@ -666,7 +3228,7 @@
           <a:p>
             <a:fld id="{5DEBCE38-401C-4D22-BACF-253FC7924B21}" type="datetimeFigureOut">
               <a:rPr lang="en-US" smtClean="0"/>
-              <a:t>3/4/2021</a:t>
+              <a:t>3/5/2021</a:t>
             </a:fld>
             <a:endParaRPr lang="en-US"/>
           </a:p>
@@ -674,13 +3236,7 @@
       </p:sp>
       <p:sp>
         <p:nvSpPr>
-          <p:cNvPr id="5" name="Espace réservé du pied de page 4">
-            <a:extLst>
-              <a:ext uri="{FF2B5EF4-FFF2-40B4-BE49-F238E27FC236}">
-                <a16:creationId xmlns:a16="http://schemas.microsoft.com/office/drawing/2014/main" id="{090109B6-CF0D-4992-A5B2-6425B65CC49E}"/>
-              </a:ext>
-            </a:extLst>
-          </p:cNvPr>
+          <p:cNvPr id="5" name="Footer Placeholder 4"/>
           <p:cNvSpPr>
             <a:spLocks noGrp="1"/>
           </p:cNvSpPr>
@@ -699,13 +3255,7 @@
       </p:sp>
       <p:sp>
         <p:nvSpPr>
-          <p:cNvPr id="6" name="Espace réservé du numéro de diapositive 5">
-            <a:extLst>
-              <a:ext uri="{FF2B5EF4-FFF2-40B4-BE49-F238E27FC236}">
-                <a16:creationId xmlns:a16="http://schemas.microsoft.com/office/drawing/2014/main" id="{DCBF9BDA-B6E8-4B98-9533-D1DF2D178519}"/>
-              </a:ext>
-            </a:extLst>
-          </p:cNvPr>
+          <p:cNvPr id="6" name="Slide Number Placeholder 5"/>
           <p:cNvSpPr>
             <a:spLocks noGrp="1"/>
           </p:cNvSpPr>
@@ -729,7 +3279,7 @@
     </p:spTree>
     <p:extLst>
       <p:ext uri="{BB962C8B-B14F-4D97-AF65-F5344CB8AC3E}">
-        <p14:creationId xmlns:p14="http://schemas.microsoft.com/office/powerpoint/2010/main" val="4132132877"/>
+        <p14:creationId xmlns:p14="http://schemas.microsoft.com/office/powerpoint/2010/main" val="3113319982"/>
       </p:ext>
     </p:extLst>
   </p:cSld>
@@ -758,13 +3308,7 @@
       </p:grpSpPr>
       <p:sp>
         <p:nvSpPr>
-          <p:cNvPr id="2" name="Titre 1">
-            <a:extLst>
-              <a:ext uri="{FF2B5EF4-FFF2-40B4-BE49-F238E27FC236}">
-                <a16:creationId xmlns:a16="http://schemas.microsoft.com/office/drawing/2014/main" id="{77D68580-C352-4572-B0EE-7C6A7292B5A4}"/>
-              </a:ext>
-            </a:extLst>
-          </p:cNvPr>
+          <p:cNvPr id="2" name="Title 1"/>
           <p:cNvSpPr>
             <a:spLocks noGrp="1"/>
           </p:cNvSpPr>
@@ -781,19 +3325,13 @@
               <a:rPr lang="fr-FR"/>
               <a:t>Modifiez le style du titre</a:t>
             </a:r>
-            <a:endParaRPr lang="en-US"/>
-          </a:p>
-        </p:txBody>
-      </p:sp>
-      <p:sp>
-        <p:nvSpPr>
-          <p:cNvPr id="3" name="Espace réservé du contenu 2">
-            <a:extLst>
-              <a:ext uri="{FF2B5EF4-FFF2-40B4-BE49-F238E27FC236}">
-                <a16:creationId xmlns:a16="http://schemas.microsoft.com/office/drawing/2014/main" id="{55B0472B-3A40-4B74-9B75-CEE2F34F7F4A}"/>
-              </a:ext>
-            </a:extLst>
-          </p:cNvPr>
+            <a:endParaRPr lang="en-US" dirty="0"/>
+          </a:p>
+        </p:txBody>
+      </p:sp>
+      <p:sp>
+        <p:nvSpPr>
+          <p:cNvPr id="3" name="Content Placeholder 2"/>
           <p:cNvSpPr>
             <a:spLocks noGrp="1"/>
           </p:cNvSpPr>
@@ -839,19 +3377,13 @@
               <a:rPr lang="fr-FR"/>
               <a:t>Cinquième niveau</a:t>
             </a:r>
-            <a:endParaRPr lang="en-US"/>
-          </a:p>
-        </p:txBody>
-      </p:sp>
-      <p:sp>
-        <p:nvSpPr>
-          <p:cNvPr id="4" name="Espace réservé de la date 3">
-            <a:extLst>
-              <a:ext uri="{FF2B5EF4-FFF2-40B4-BE49-F238E27FC236}">
-                <a16:creationId xmlns:a16="http://schemas.microsoft.com/office/drawing/2014/main" id="{BD5F1ACB-7FD4-4C01-9D40-7433DE9D4FF2}"/>
-              </a:ext>
-            </a:extLst>
-          </p:cNvPr>
+            <a:endParaRPr lang="en-US" dirty="0"/>
+          </a:p>
+        </p:txBody>
+      </p:sp>
+      <p:sp>
+        <p:nvSpPr>
+          <p:cNvPr id="4" name="Date Placeholder 3"/>
           <p:cNvSpPr>
             <a:spLocks noGrp="1"/>
           </p:cNvSpPr>
@@ -866,7 +3398,7 @@
           <a:p>
             <a:fld id="{5DEBCE38-401C-4D22-BACF-253FC7924B21}" type="datetimeFigureOut">
               <a:rPr lang="en-US" smtClean="0"/>
-              <a:t>3/4/2021</a:t>
+              <a:t>3/5/2021</a:t>
             </a:fld>
             <a:endParaRPr lang="en-US"/>
           </a:p>
@@ -874,13 +3406,7 @@
       </p:sp>
       <p:sp>
         <p:nvSpPr>
-          <p:cNvPr id="5" name="Espace réservé du pied de page 4">
-            <a:extLst>
-              <a:ext uri="{FF2B5EF4-FFF2-40B4-BE49-F238E27FC236}">
-                <a16:creationId xmlns:a16="http://schemas.microsoft.com/office/drawing/2014/main" id="{BBCE1E52-1F0A-4081-A2B8-63C80F5061E6}"/>
-              </a:ext>
-            </a:extLst>
-          </p:cNvPr>
+          <p:cNvPr id="5" name="Footer Placeholder 4"/>
           <p:cNvSpPr>
             <a:spLocks noGrp="1"/>
           </p:cNvSpPr>
@@ -899,13 +3425,7 @@
       </p:sp>
       <p:sp>
         <p:nvSpPr>
-          <p:cNvPr id="6" name="Espace réservé du numéro de diapositive 5">
-            <a:extLst>
-              <a:ext uri="{FF2B5EF4-FFF2-40B4-BE49-F238E27FC236}">
-                <a16:creationId xmlns:a16="http://schemas.microsoft.com/office/drawing/2014/main" id="{BD9B4BE8-9CB4-4B97-AE92-9064C10AEBA3}"/>
-              </a:ext>
-            </a:extLst>
-          </p:cNvPr>
+          <p:cNvPr id="6" name="Slide Number Placeholder 5"/>
           <p:cNvSpPr>
             <a:spLocks noGrp="1"/>
           </p:cNvSpPr>
@@ -929,7 +3449,7 @@
     </p:spTree>
     <p:extLst>
       <p:ext uri="{BB962C8B-B14F-4D97-AF65-F5344CB8AC3E}">
-        <p14:creationId xmlns:p14="http://schemas.microsoft.com/office/powerpoint/2010/main" val="3748842143"/>
+        <p14:creationId xmlns:p14="http://schemas.microsoft.com/office/powerpoint/2010/main" val="1145707287"/>
       </p:ext>
     </p:extLst>
   </p:cSld>
@@ -958,13 +3478,7 @@
       </p:grpSpPr>
       <p:sp>
         <p:nvSpPr>
-          <p:cNvPr id="2" name="Titre 1">
-            <a:extLst>
-              <a:ext uri="{FF2B5EF4-FFF2-40B4-BE49-F238E27FC236}">
-                <a16:creationId xmlns:a16="http://schemas.microsoft.com/office/drawing/2014/main" id="{CA0A4628-1400-4AF8-9CD4-CDF0DD1BB29C}"/>
-              </a:ext>
-            </a:extLst>
-          </p:cNvPr>
+          <p:cNvPr id="2" name="Title 1"/>
           <p:cNvSpPr>
             <a:spLocks noGrp="1"/>
           </p:cNvSpPr>
@@ -974,15 +3488,15 @@
         </p:nvSpPr>
         <p:spPr>
           <a:xfrm>
-            <a:off x="831850" y="1709738"/>
-            <a:ext cx="10515600" cy="2852737"/>
+            <a:off x="1295401" y="1761067"/>
+            <a:ext cx="9590550" cy="1828813"/>
           </a:xfrm>
         </p:spPr>
         <p:txBody>
           <a:bodyPr anchor="b"/>
           <a:lstStyle>
-            <a:lvl1pPr>
-              <a:defRPr sz="6000"/>
+            <a:lvl1pPr algn="ctr">
+              <a:defRPr sz="4000" b="0" cap="none"/>
             </a:lvl1pPr>
           </a:lstStyle>
           <a:p>
@@ -990,19 +3504,13 @@
               <a:rPr lang="fr-FR"/>
               <a:t>Modifiez le style du titre</a:t>
             </a:r>
-            <a:endParaRPr lang="en-US"/>
-          </a:p>
-        </p:txBody>
-      </p:sp>
-      <p:sp>
-        <p:nvSpPr>
-          <p:cNvPr id="3" name="Espace réservé du texte 2">
-            <a:extLst>
-              <a:ext uri="{FF2B5EF4-FFF2-40B4-BE49-F238E27FC236}">
-                <a16:creationId xmlns:a16="http://schemas.microsoft.com/office/drawing/2014/main" id="{8E1DEBC8-B709-45E4-85E2-3432FF3F72DD}"/>
-              </a:ext>
-            </a:extLst>
-          </p:cNvPr>
+            <a:endParaRPr lang="en-US" dirty="0"/>
+          </a:p>
+        </p:txBody>
+      </p:sp>
+      <p:sp>
+        <p:nvSpPr>
+          <p:cNvPr id="3" name="Text Placeholder 2"/>
           <p:cNvSpPr>
             <a:spLocks noGrp="1"/>
           </p:cNvSpPr>
@@ -1012,26 +3520,24 @@
         </p:nvSpPr>
         <p:spPr>
           <a:xfrm>
-            <a:off x="831850" y="4589463"/>
-            <a:ext cx="10515600" cy="1500187"/>
+            <a:off x="1295401" y="3589879"/>
+            <a:ext cx="9590550" cy="1507054"/>
           </a:xfrm>
         </p:spPr>
         <p:txBody>
-          <a:bodyPr/>
+          <a:bodyPr anchor="t"/>
           <a:lstStyle>
-            <a:lvl1pPr marL="0" indent="0">
-              <a:buNone/>
-              <a:defRPr sz="2400">
+            <a:lvl1pPr marL="0" indent="0" algn="ctr">
+              <a:buNone/>
+              <a:defRPr sz="2000">
                 <a:solidFill>
-                  <a:schemeClr val="tx1">
-                    <a:tint val="75000"/>
-                  </a:schemeClr>
+                  <a:schemeClr val="tx1"/>
                 </a:solidFill>
               </a:defRPr>
             </a:lvl1pPr>
             <a:lvl2pPr marL="457200" indent="0">
               <a:buNone/>
-              <a:defRPr sz="2000">
+              <a:defRPr sz="1800">
                 <a:solidFill>
                   <a:schemeClr val="tx1">
                     <a:tint val="75000"/>
@@ -1041,7 +3547,7 @@
             </a:lvl2pPr>
             <a:lvl3pPr marL="914400" indent="0">
               <a:buNone/>
-              <a:defRPr sz="1800">
+              <a:defRPr sz="1600">
                 <a:solidFill>
                   <a:schemeClr val="tx1">
                     <a:tint val="75000"/>
@@ -1051,7 +3557,7 @@
             </a:lvl3pPr>
             <a:lvl4pPr marL="1371600" indent="0">
               <a:buNone/>
-              <a:defRPr sz="1600">
+              <a:defRPr sz="1400">
                 <a:solidFill>
                   <a:schemeClr val="tx1">
                     <a:tint val="75000"/>
@@ -1061,7 +3567,7 @@
             </a:lvl4pPr>
             <a:lvl5pPr marL="1828800" indent="0">
               <a:buNone/>
-              <a:defRPr sz="1600">
+              <a:defRPr sz="1400">
                 <a:solidFill>
                   <a:schemeClr val="tx1">
                     <a:tint val="75000"/>
@@ -1071,7 +3577,7 @@
             </a:lvl5pPr>
             <a:lvl6pPr marL="2286000" indent="0">
               <a:buNone/>
-              <a:defRPr sz="1600">
+              <a:defRPr sz="1400">
                 <a:solidFill>
                   <a:schemeClr val="tx1">
                     <a:tint val="75000"/>
@@ -1081,7 +3587,7 @@
             </a:lvl6pPr>
             <a:lvl7pPr marL="2743200" indent="0">
               <a:buNone/>
-              <a:defRPr sz="1600">
+              <a:defRPr sz="1400">
                 <a:solidFill>
                   <a:schemeClr val="tx1">
                     <a:tint val="75000"/>
@@ -1091,7 +3597,7 @@
             </a:lvl7pPr>
             <a:lvl8pPr marL="3200400" indent="0">
               <a:buNone/>
-              <a:defRPr sz="1600">
+              <a:defRPr sz="1400">
                 <a:solidFill>
                   <a:schemeClr val="tx1">
                     <a:tint val="75000"/>
@@ -1101,7 +3607,7 @@
             </a:lvl8pPr>
             <a:lvl9pPr marL="3657600" indent="0">
               <a:buNone/>
-              <a:defRPr sz="1600">
+              <a:defRPr sz="1400">
                 <a:solidFill>
                   <a:schemeClr val="tx1">
                     <a:tint val="75000"/>
@@ -1121,13 +3627,7 @@
       </p:sp>
       <p:sp>
         <p:nvSpPr>
-          <p:cNvPr id="4" name="Espace réservé de la date 3">
-            <a:extLst>
-              <a:ext uri="{FF2B5EF4-FFF2-40B4-BE49-F238E27FC236}">
-                <a16:creationId xmlns:a16="http://schemas.microsoft.com/office/drawing/2014/main" id="{47A459C6-B830-4FF9-BEF7-7E3E6A0B8AEC}"/>
-              </a:ext>
-            </a:extLst>
-          </p:cNvPr>
+          <p:cNvPr id="4" name="Date Placeholder 3"/>
           <p:cNvSpPr>
             <a:spLocks noGrp="1"/>
           </p:cNvSpPr>
@@ -1142,7 +3642,7 @@
           <a:p>
             <a:fld id="{5DEBCE38-401C-4D22-BACF-253FC7924B21}" type="datetimeFigureOut">
               <a:rPr lang="en-US" smtClean="0"/>
-              <a:t>3/4/2021</a:t>
+              <a:t>3/5/2021</a:t>
             </a:fld>
             <a:endParaRPr lang="en-US"/>
           </a:p>
@@ -1150,13 +3650,7 @@
       </p:sp>
       <p:sp>
         <p:nvSpPr>
-          <p:cNvPr id="5" name="Espace réservé du pied de page 4">
-            <a:extLst>
-              <a:ext uri="{FF2B5EF4-FFF2-40B4-BE49-F238E27FC236}">
-                <a16:creationId xmlns:a16="http://schemas.microsoft.com/office/drawing/2014/main" id="{C362AC58-F860-4E26-8128-052D4A5E6F72}"/>
-              </a:ext>
-            </a:extLst>
-          </p:cNvPr>
+          <p:cNvPr id="5" name="Footer Placeholder 4"/>
           <p:cNvSpPr>
             <a:spLocks noGrp="1"/>
           </p:cNvSpPr>
@@ -1175,13 +3669,7 @@
       </p:sp>
       <p:sp>
         <p:nvSpPr>
-          <p:cNvPr id="6" name="Espace réservé du numéro de diapositive 5">
-            <a:extLst>
-              <a:ext uri="{FF2B5EF4-FFF2-40B4-BE49-F238E27FC236}">
-                <a16:creationId xmlns:a16="http://schemas.microsoft.com/office/drawing/2014/main" id="{669FABE9-A111-4B05-BE7A-DFE8936E2220}"/>
-              </a:ext>
-            </a:extLst>
-          </p:cNvPr>
+          <p:cNvPr id="6" name="Slide Number Placeholder 5"/>
           <p:cNvSpPr>
             <a:spLocks noGrp="1"/>
           </p:cNvSpPr>
@@ -1205,7 +3693,7 @@
     </p:spTree>
     <p:extLst>
       <p:ext uri="{BB962C8B-B14F-4D97-AF65-F5344CB8AC3E}">
-        <p14:creationId xmlns:p14="http://schemas.microsoft.com/office/powerpoint/2010/main" val="520618705"/>
+        <p14:creationId xmlns:p14="http://schemas.microsoft.com/office/powerpoint/2010/main" val="3768018557"/>
       </p:ext>
     </p:extLst>
   </p:cSld>
@@ -1234,13 +3722,7 @@
       </p:grpSpPr>
       <p:sp>
         <p:nvSpPr>
-          <p:cNvPr id="2" name="Titre 1">
-            <a:extLst>
-              <a:ext uri="{FF2B5EF4-FFF2-40B4-BE49-F238E27FC236}">
-                <a16:creationId xmlns:a16="http://schemas.microsoft.com/office/drawing/2014/main" id="{405B7DC7-D990-4A19-B0D4-BBF44577867F}"/>
-              </a:ext>
-            </a:extLst>
-          </p:cNvPr>
+          <p:cNvPr id="2" name="Title 1"/>
           <p:cNvSpPr>
             <a:spLocks noGrp="1"/>
           </p:cNvSpPr>
@@ -1257,19 +3739,13 @@
               <a:rPr lang="fr-FR"/>
               <a:t>Modifiez le style du titre</a:t>
             </a:r>
-            <a:endParaRPr lang="en-US"/>
-          </a:p>
-        </p:txBody>
-      </p:sp>
-      <p:sp>
-        <p:nvSpPr>
-          <p:cNvPr id="3" name="Espace réservé du contenu 2">
-            <a:extLst>
-              <a:ext uri="{FF2B5EF4-FFF2-40B4-BE49-F238E27FC236}">
-                <a16:creationId xmlns:a16="http://schemas.microsoft.com/office/drawing/2014/main" id="{7FDC7561-9812-4949-8F23-DDCA23216889}"/>
-              </a:ext>
-            </a:extLst>
-          </p:cNvPr>
+            <a:endParaRPr lang="en-US" dirty="0"/>
+          </a:p>
+        </p:txBody>
+      </p:sp>
+      <p:sp>
+        <p:nvSpPr>
+          <p:cNvPr id="3" name="Content Placeholder 2"/>
           <p:cNvSpPr>
             <a:spLocks noGrp="1"/>
           </p:cNvSpPr>
@@ -1279,177 +3755,157 @@
         </p:nvSpPr>
         <p:spPr>
           <a:xfrm>
-            <a:off x="838200" y="1825625"/>
-            <a:ext cx="5181600" cy="4351338"/>
+            <a:off x="913795" y="1732449"/>
+            <a:ext cx="5060497" cy="4058750"/>
           </a:xfrm>
         </p:spPr>
         <p:txBody>
+          <a:bodyPr anchor="t">
+            <a:normAutofit/>
+          </a:bodyPr>
+          <a:lstStyle/>
+          <a:p>
+            <a:pPr lvl="0"/>
+            <a:r>
+              <a:rPr lang="fr-FR"/>
+              <a:t>Cliquez pour modifier les styles du texte du masque</a:t>
+            </a:r>
+          </a:p>
+          <a:p>
+            <a:pPr lvl="1"/>
+            <a:r>
+              <a:rPr lang="fr-FR"/>
+              <a:t>Deuxième niveau</a:t>
+            </a:r>
+          </a:p>
+          <a:p>
+            <a:pPr lvl="2"/>
+            <a:r>
+              <a:rPr lang="fr-FR"/>
+              <a:t>Troisième niveau</a:t>
+            </a:r>
+          </a:p>
+          <a:p>
+            <a:pPr lvl="3"/>
+            <a:r>
+              <a:rPr lang="fr-FR"/>
+              <a:t>Quatrième niveau</a:t>
+            </a:r>
+          </a:p>
+          <a:p>
+            <a:pPr lvl="4"/>
+            <a:r>
+              <a:rPr lang="fr-FR"/>
+              <a:t>Cinquième niveau</a:t>
+            </a:r>
+            <a:endParaRPr lang="en-US" dirty="0"/>
+          </a:p>
+        </p:txBody>
+      </p:sp>
+      <p:sp>
+        <p:nvSpPr>
+          <p:cNvPr id="4" name="Content Placeholder 3"/>
+          <p:cNvSpPr>
+            <a:spLocks noGrp="1"/>
+          </p:cNvSpPr>
+          <p:nvPr>
+            <p:ph sz="half" idx="2"/>
+          </p:nvPr>
+        </p:nvSpPr>
+        <p:spPr>
+          <a:xfrm>
+            <a:off x="6202892" y="1732449"/>
+            <a:ext cx="5064665" cy="4058751"/>
+          </a:xfrm>
+        </p:spPr>
+        <p:txBody>
+          <a:bodyPr anchor="t">
+            <a:normAutofit/>
+          </a:bodyPr>
+          <a:lstStyle/>
+          <a:p>
+            <a:pPr lvl="0"/>
+            <a:r>
+              <a:rPr lang="fr-FR"/>
+              <a:t>Cliquez pour modifier les styles du texte du masque</a:t>
+            </a:r>
+          </a:p>
+          <a:p>
+            <a:pPr lvl="1"/>
+            <a:r>
+              <a:rPr lang="fr-FR"/>
+              <a:t>Deuxième niveau</a:t>
+            </a:r>
+          </a:p>
+          <a:p>
+            <a:pPr lvl="2"/>
+            <a:r>
+              <a:rPr lang="fr-FR"/>
+              <a:t>Troisième niveau</a:t>
+            </a:r>
+          </a:p>
+          <a:p>
+            <a:pPr lvl="3"/>
+            <a:r>
+              <a:rPr lang="fr-FR"/>
+              <a:t>Quatrième niveau</a:t>
+            </a:r>
+          </a:p>
+          <a:p>
+            <a:pPr lvl="4"/>
+            <a:r>
+              <a:rPr lang="fr-FR"/>
+              <a:t>Cinquième niveau</a:t>
+            </a:r>
+            <a:endParaRPr lang="en-US" dirty="0"/>
+          </a:p>
+        </p:txBody>
+      </p:sp>
+      <p:sp>
+        <p:nvSpPr>
+          <p:cNvPr id="5" name="Date Placeholder 4"/>
+          <p:cNvSpPr>
+            <a:spLocks noGrp="1"/>
+          </p:cNvSpPr>
+          <p:nvPr>
+            <p:ph type="dt" sz="half" idx="10"/>
+          </p:nvPr>
+        </p:nvSpPr>
+        <p:spPr/>
+        <p:txBody>
           <a:bodyPr/>
           <a:lstStyle/>
           <a:p>
-            <a:pPr lvl="0"/>
-            <a:r>
-              <a:rPr lang="fr-FR"/>
-              <a:t>Cliquez pour modifier les styles du texte du masque</a:t>
-            </a:r>
-          </a:p>
-          <a:p>
-            <a:pPr lvl="1"/>
-            <a:r>
-              <a:rPr lang="fr-FR"/>
-              <a:t>Deuxième niveau</a:t>
-            </a:r>
-          </a:p>
-          <a:p>
-            <a:pPr lvl="2"/>
-            <a:r>
-              <a:rPr lang="fr-FR"/>
-              <a:t>Troisième niveau</a:t>
-            </a:r>
-          </a:p>
-          <a:p>
-            <a:pPr lvl="3"/>
-            <a:r>
-              <a:rPr lang="fr-FR"/>
-              <a:t>Quatrième niveau</a:t>
-            </a:r>
-          </a:p>
-          <a:p>
-            <a:pPr lvl="4"/>
-            <a:r>
-              <a:rPr lang="fr-FR"/>
-              <a:t>Cinquième niveau</a:t>
-            </a:r>
+            <a:fld id="{5DEBCE38-401C-4D22-BACF-253FC7924B21}" type="datetimeFigureOut">
+              <a:rPr lang="en-US" smtClean="0"/>
+              <a:t>3/5/2021</a:t>
+            </a:fld>
             <a:endParaRPr lang="en-US"/>
           </a:p>
         </p:txBody>
       </p:sp>
       <p:sp>
         <p:nvSpPr>
-          <p:cNvPr id="4" name="Espace réservé du contenu 3">
-            <a:extLst>
-              <a:ext uri="{FF2B5EF4-FFF2-40B4-BE49-F238E27FC236}">
-                <a16:creationId xmlns:a16="http://schemas.microsoft.com/office/drawing/2014/main" id="{AE369704-0E39-4D51-A59F-595C8D4D5C07}"/>
-              </a:ext>
-            </a:extLst>
-          </p:cNvPr>
-          <p:cNvSpPr>
-            <a:spLocks noGrp="1"/>
-          </p:cNvSpPr>
-          <p:nvPr>
-            <p:ph sz="half" idx="2"/>
-          </p:nvPr>
-        </p:nvSpPr>
-        <p:spPr>
-          <a:xfrm>
-            <a:off x="6172200" y="1825625"/>
-            <a:ext cx="5181600" cy="4351338"/>
-          </a:xfrm>
-        </p:spPr>
+          <p:cNvPr id="6" name="Footer Placeholder 5"/>
+          <p:cNvSpPr>
+            <a:spLocks noGrp="1"/>
+          </p:cNvSpPr>
+          <p:nvPr>
+            <p:ph type="ftr" sz="quarter" idx="11"/>
+          </p:nvPr>
+        </p:nvSpPr>
+        <p:spPr/>
         <p:txBody>
           <a:bodyPr/>
           <a:lstStyle/>
           <a:p>
-            <a:pPr lvl="0"/>
-            <a:r>
-              <a:rPr lang="fr-FR"/>
-              <a:t>Cliquez pour modifier les styles du texte du masque</a:t>
-            </a:r>
-          </a:p>
-          <a:p>
-            <a:pPr lvl="1"/>
-            <a:r>
-              <a:rPr lang="fr-FR"/>
-              <a:t>Deuxième niveau</a:t>
-            </a:r>
-          </a:p>
-          <a:p>
-            <a:pPr lvl="2"/>
-            <a:r>
-              <a:rPr lang="fr-FR"/>
-              <a:t>Troisième niveau</a:t>
-            </a:r>
-          </a:p>
-          <a:p>
-            <a:pPr lvl="3"/>
-            <a:r>
-              <a:rPr lang="fr-FR"/>
-              <a:t>Quatrième niveau</a:t>
-            </a:r>
-          </a:p>
-          <a:p>
-            <a:pPr lvl="4"/>
-            <a:r>
-              <a:rPr lang="fr-FR"/>
-              <a:t>Cinquième niveau</a:t>
-            </a:r>
             <a:endParaRPr lang="en-US"/>
           </a:p>
         </p:txBody>
       </p:sp>
       <p:sp>
         <p:nvSpPr>
-          <p:cNvPr id="5" name="Espace réservé de la date 4">
-            <a:extLst>
-              <a:ext uri="{FF2B5EF4-FFF2-40B4-BE49-F238E27FC236}">
-                <a16:creationId xmlns:a16="http://schemas.microsoft.com/office/drawing/2014/main" id="{4E7E4724-5371-4B54-A0B8-18231D0BFB7C}"/>
-              </a:ext>
-            </a:extLst>
-          </p:cNvPr>
-          <p:cNvSpPr>
-            <a:spLocks noGrp="1"/>
-          </p:cNvSpPr>
-          <p:nvPr>
-            <p:ph type="dt" sz="half" idx="10"/>
-          </p:nvPr>
-        </p:nvSpPr>
-        <p:spPr/>
-        <p:txBody>
-          <a:bodyPr/>
-          <a:lstStyle/>
-          <a:p>
-            <a:fld id="{5DEBCE38-401C-4D22-BACF-253FC7924B21}" type="datetimeFigureOut">
-              <a:rPr lang="en-US" smtClean="0"/>
-              <a:t>3/4/2021</a:t>
-            </a:fld>
-            <a:endParaRPr lang="en-US"/>
-          </a:p>
-        </p:txBody>
-      </p:sp>
-      <p:sp>
-        <p:nvSpPr>
-          <p:cNvPr id="6" name="Espace réservé du pied de page 5">
-            <a:extLst>
-              <a:ext uri="{FF2B5EF4-FFF2-40B4-BE49-F238E27FC236}">
-                <a16:creationId xmlns:a16="http://schemas.microsoft.com/office/drawing/2014/main" id="{AB18EE35-3254-4188-BCBA-61206BAF8AA9}"/>
-              </a:ext>
-            </a:extLst>
-          </p:cNvPr>
-          <p:cNvSpPr>
-            <a:spLocks noGrp="1"/>
-          </p:cNvSpPr>
-          <p:nvPr>
-            <p:ph type="ftr" sz="quarter" idx="11"/>
-          </p:nvPr>
-        </p:nvSpPr>
-        <p:spPr/>
-        <p:txBody>
-          <a:bodyPr/>
-          <a:lstStyle/>
-          <a:p>
-            <a:endParaRPr lang="en-US"/>
-          </a:p>
-        </p:txBody>
-      </p:sp>
-      <p:sp>
-        <p:nvSpPr>
-          <p:cNvPr id="7" name="Espace réservé du numéro de diapositive 6">
-            <a:extLst>
-              <a:ext uri="{FF2B5EF4-FFF2-40B4-BE49-F238E27FC236}">
-                <a16:creationId xmlns:a16="http://schemas.microsoft.com/office/drawing/2014/main" id="{DD1B58B6-B707-47B1-8043-A8141B21D483}"/>
-              </a:ext>
-            </a:extLst>
-          </p:cNvPr>
+          <p:cNvPr id="7" name="Slide Number Placeholder 6"/>
           <p:cNvSpPr>
             <a:spLocks noGrp="1"/>
           </p:cNvSpPr>
@@ -1473,7 +3929,7 @@
     </p:spTree>
     <p:extLst>
       <p:ext uri="{BB962C8B-B14F-4D97-AF65-F5344CB8AC3E}">
-        <p14:creationId xmlns:p14="http://schemas.microsoft.com/office/powerpoint/2010/main" val="235100738"/>
+        <p14:creationId xmlns:p14="http://schemas.microsoft.com/office/powerpoint/2010/main" val="1392765959"/>
       </p:ext>
     </p:extLst>
   </p:cSld>
@@ -1500,68 +3956,117 @@
           <a:chExt cx="0" cy="0"/>
         </a:xfrm>
       </p:grpSpPr>
-      <p:sp>
-        <p:nvSpPr>
-          <p:cNvPr id="2" name="Titre 1">
+      <p:pic>
+        <p:nvPicPr>
+          <p:cNvPr id="20" name="Picture 19" descr="Slate-V2-HD-compPhotoInset.png"/>
+          <p:cNvPicPr>
+            <a:picLocks noChangeAspect="1"/>
+          </p:cNvPicPr>
+          <p:nvPr/>
+        </p:nvPicPr>
+        <p:blipFill>
+          <a:blip r:embed="rId2">
             <a:extLst>
-              <a:ext uri="{FF2B5EF4-FFF2-40B4-BE49-F238E27FC236}">
-                <a16:creationId xmlns:a16="http://schemas.microsoft.com/office/drawing/2014/main" id="{8030F225-ED03-47C9-BEA6-36565F0EA88F}"/>
+              <a:ext uri="{28A0092B-C50C-407E-A947-70E740481C1C}">
+                <a14:useLocalDpi xmlns:a14="http://schemas.microsoft.com/office/drawing/2010/main" val="0"/>
               </a:ext>
             </a:extLst>
-          </p:cNvPr>
-          <p:cNvSpPr>
-            <a:spLocks noGrp="1"/>
-          </p:cNvSpPr>
-          <p:nvPr>
-            <p:ph type="title"/>
-          </p:nvPr>
-        </p:nvSpPr>
+          </a:blip>
+          <a:stretch>
+            <a:fillRect/>
+          </a:stretch>
+        </p:blipFill>
         <p:spPr>
           <a:xfrm>
-            <a:off x="839788" y="365125"/>
-            <a:ext cx="10515600" cy="1325563"/>
+            <a:off x="913795" y="1734506"/>
+            <a:ext cx="5089072" cy="4148769"/>
+          </a:xfrm>
+          <a:prstGeom prst="rect">
+            <a:avLst/>
+          </a:prstGeom>
+        </p:spPr>
+      </p:pic>
+      <p:pic>
+        <p:nvPicPr>
+          <p:cNvPr id="21" name="Picture 20" descr="Slate-V2-HD-compPhotoInset.png"/>
+          <p:cNvPicPr>
+            <a:picLocks noChangeAspect="1"/>
+          </p:cNvPicPr>
+          <p:nvPr/>
+        </p:nvPicPr>
+        <p:blipFill>
+          <a:blip r:embed="rId2">
+            <a:extLst>
+              <a:ext uri="{28A0092B-C50C-407E-A947-70E740481C1C}">
+                <a14:useLocalDpi xmlns:a14="http://schemas.microsoft.com/office/drawing/2010/main" val="0"/>
+              </a:ext>
+            </a:extLst>
+          </a:blip>
+          <a:stretch>
+            <a:fillRect/>
+          </a:stretch>
+        </p:blipFill>
+        <p:spPr>
+          <a:xfrm>
+            <a:off x="6178485" y="1734506"/>
+            <a:ext cx="5089072" cy="4148769"/>
+          </a:xfrm>
+          <a:prstGeom prst="rect">
+            <a:avLst/>
+          </a:prstGeom>
+        </p:spPr>
+      </p:pic>
+      <p:sp>
+        <p:nvSpPr>
+          <p:cNvPr id="2" name="Title 1"/>
+          <p:cNvSpPr>
+            <a:spLocks noGrp="1"/>
+          </p:cNvSpPr>
+          <p:nvPr>
+            <p:ph type="title"/>
+          </p:nvPr>
+        </p:nvSpPr>
+        <p:spPr/>
+        <p:txBody>
+          <a:bodyPr/>
+          <a:lstStyle>
+            <a:lvl1pPr>
+              <a:defRPr/>
+            </a:lvl1pPr>
+          </a:lstStyle>
+          <a:p>
+            <a:r>
+              <a:rPr lang="fr-FR"/>
+              <a:t>Modifiez le style du titre</a:t>
+            </a:r>
+            <a:endParaRPr lang="en-US" dirty="0"/>
+          </a:p>
+        </p:txBody>
+      </p:sp>
+      <p:sp>
+        <p:nvSpPr>
+          <p:cNvPr id="3" name="Text Placeholder 2"/>
+          <p:cNvSpPr>
+            <a:spLocks noGrp="1"/>
+          </p:cNvSpPr>
+          <p:nvPr>
+            <p:ph type="body" idx="1"/>
+          </p:nvPr>
+        </p:nvSpPr>
+        <p:spPr>
+          <a:xfrm>
+            <a:off x="1005872" y="1835254"/>
+            <a:ext cx="4876344" cy="544884"/>
           </a:xfrm>
         </p:spPr>
         <p:txBody>
-          <a:bodyPr/>
-          <a:lstStyle/>
-          <a:p>
-            <a:r>
-              <a:rPr lang="fr-FR"/>
-              <a:t>Modifiez le style du titre</a:t>
-            </a:r>
-            <a:endParaRPr lang="en-US"/>
-          </a:p>
-        </p:txBody>
-      </p:sp>
-      <p:sp>
-        <p:nvSpPr>
-          <p:cNvPr id="3" name="Espace réservé du texte 2">
-            <a:extLst>
-              <a:ext uri="{FF2B5EF4-FFF2-40B4-BE49-F238E27FC236}">
-                <a16:creationId xmlns:a16="http://schemas.microsoft.com/office/drawing/2014/main" id="{044B5305-3779-4BA2-AAA4-86DEAB4C611E}"/>
-              </a:ext>
-            </a:extLst>
-          </p:cNvPr>
-          <p:cNvSpPr>
-            <a:spLocks noGrp="1"/>
-          </p:cNvSpPr>
-          <p:nvPr>
-            <p:ph type="body" idx="1"/>
-          </p:nvPr>
-        </p:nvSpPr>
-        <p:spPr>
-          <a:xfrm>
-            <a:off x="839788" y="1681163"/>
-            <a:ext cx="5157787" cy="823912"/>
-          </a:xfrm>
-        </p:spPr>
-        <p:txBody>
-          <a:bodyPr anchor="b"/>
+          <a:bodyPr anchor="b">
+            <a:noAutofit/>
+          </a:bodyPr>
           <a:lstStyle>
-            <a:lvl1pPr marL="0" indent="0">
-              <a:buNone/>
-              <a:defRPr sz="2400" b="1"/>
+            <a:lvl1pPr marL="0" indent="0" algn="ctr">
+              <a:buNone/>
+              <a:defRPr sz="2400" b="0"/>
             </a:lvl1pPr>
             <a:lvl2pPr marL="457200" indent="0">
               <a:buNone/>
@@ -1607,13 +4112,7 @@
       </p:sp>
       <p:sp>
         <p:nvSpPr>
-          <p:cNvPr id="4" name="Espace réservé du contenu 3">
-            <a:extLst>
-              <a:ext uri="{FF2B5EF4-FFF2-40B4-BE49-F238E27FC236}">
-                <a16:creationId xmlns:a16="http://schemas.microsoft.com/office/drawing/2014/main" id="{96C61A35-3BDF-4F70-920C-29F81069D252}"/>
-              </a:ext>
-            </a:extLst>
-          </p:cNvPr>
+          <p:cNvPr id="4" name="Content Placeholder 3"/>
           <p:cNvSpPr>
             <a:spLocks noGrp="1"/>
           </p:cNvSpPr>
@@ -1623,13 +4122,31 @@
         </p:nvSpPr>
         <p:spPr>
           <a:xfrm>
-            <a:off x="839788" y="2505075"/>
-            <a:ext cx="5157787" cy="3684588"/>
+            <a:off x="1005872" y="2380137"/>
+            <a:ext cx="4876344" cy="3411063"/>
           </a:xfrm>
         </p:spPr>
         <p:txBody>
-          <a:bodyPr/>
-          <a:lstStyle/>
+          <a:bodyPr anchor="t">
+            <a:normAutofit/>
+          </a:bodyPr>
+          <a:lstStyle>
+            <a:lvl1pPr>
+              <a:defRPr sz="1800"/>
+            </a:lvl1pPr>
+            <a:lvl2pPr>
+              <a:defRPr sz="1600"/>
+            </a:lvl2pPr>
+            <a:lvl3pPr>
+              <a:defRPr sz="1400"/>
+            </a:lvl3pPr>
+            <a:lvl4pPr>
+              <a:defRPr sz="1200"/>
+            </a:lvl4pPr>
+            <a:lvl5pPr>
+              <a:defRPr sz="1200"/>
+            </a:lvl5pPr>
+          </a:lstStyle>
           <a:p>
             <a:pPr lvl="0"/>
             <a:r>
@@ -1664,19 +4181,13 @@
               <a:rPr lang="fr-FR"/>
               <a:t>Cinquième niveau</a:t>
             </a:r>
-            <a:endParaRPr lang="en-US"/>
-          </a:p>
-        </p:txBody>
-      </p:sp>
-      <p:sp>
-        <p:nvSpPr>
-          <p:cNvPr id="5" name="Espace réservé du texte 4">
-            <a:extLst>
-              <a:ext uri="{FF2B5EF4-FFF2-40B4-BE49-F238E27FC236}">
-                <a16:creationId xmlns:a16="http://schemas.microsoft.com/office/drawing/2014/main" id="{2C9073A0-5F01-433C-8DBD-A83636C1DF72}"/>
-              </a:ext>
-            </a:extLst>
-          </p:cNvPr>
+            <a:endParaRPr lang="en-US" dirty="0"/>
+          </a:p>
+        </p:txBody>
+      </p:sp>
+      <p:sp>
+        <p:nvSpPr>
+          <p:cNvPr id="5" name="Text Placeholder 4"/>
           <p:cNvSpPr>
             <a:spLocks noGrp="1"/>
           </p:cNvSpPr>
@@ -1686,16 +4197,18 @@
         </p:nvSpPr>
         <p:spPr>
           <a:xfrm>
-            <a:off x="6172200" y="1681163"/>
-            <a:ext cx="5183188" cy="823912"/>
+            <a:off x="6294967" y="1835254"/>
+            <a:ext cx="4895330" cy="544883"/>
           </a:xfrm>
         </p:spPr>
         <p:txBody>
-          <a:bodyPr anchor="b"/>
+          <a:bodyPr anchor="b">
+            <a:noAutofit/>
+          </a:bodyPr>
           <a:lstStyle>
-            <a:lvl1pPr marL="0" indent="0">
-              <a:buNone/>
-              <a:defRPr sz="2400" b="1"/>
+            <a:lvl1pPr marL="0" indent="0" algn="ctr">
+              <a:buNone/>
+              <a:defRPr sz="2400" b="0"/>
             </a:lvl1pPr>
             <a:lvl2pPr marL="457200" indent="0">
               <a:buNone/>
@@ -1741,13 +4254,7 @@
       </p:sp>
       <p:sp>
         <p:nvSpPr>
-          <p:cNvPr id="6" name="Espace réservé du contenu 5">
-            <a:extLst>
-              <a:ext uri="{FF2B5EF4-FFF2-40B4-BE49-F238E27FC236}">
-                <a16:creationId xmlns:a16="http://schemas.microsoft.com/office/drawing/2014/main" id="{8884F2B4-4EBE-4BB0-A2E8-53EDA929E416}"/>
-              </a:ext>
-            </a:extLst>
-          </p:cNvPr>
+          <p:cNvPr id="6" name="Content Placeholder 5"/>
           <p:cNvSpPr>
             <a:spLocks noGrp="1"/>
           </p:cNvSpPr>
@@ -1757,65 +4264,100 @@
         </p:nvSpPr>
         <p:spPr>
           <a:xfrm>
-            <a:off x="6172200" y="2505075"/>
-            <a:ext cx="5183188" cy="3684588"/>
+            <a:off x="6294967" y="2380137"/>
+            <a:ext cx="4895330" cy="3411063"/>
           </a:xfrm>
         </p:spPr>
         <p:txBody>
+          <a:bodyPr anchor="t">
+            <a:normAutofit/>
+          </a:bodyPr>
+          <a:lstStyle>
+            <a:lvl1pPr>
+              <a:defRPr sz="1800"/>
+            </a:lvl1pPr>
+            <a:lvl2pPr>
+              <a:defRPr sz="1600"/>
+            </a:lvl2pPr>
+            <a:lvl3pPr>
+              <a:defRPr sz="1400"/>
+            </a:lvl3pPr>
+            <a:lvl4pPr>
+              <a:defRPr sz="1200"/>
+            </a:lvl4pPr>
+            <a:lvl5pPr>
+              <a:defRPr sz="1200"/>
+            </a:lvl5pPr>
+          </a:lstStyle>
+          <a:p>
+            <a:pPr lvl="0"/>
+            <a:r>
+              <a:rPr lang="fr-FR"/>
+              <a:t>Cliquez pour modifier les styles du texte du masque</a:t>
+            </a:r>
+          </a:p>
+          <a:p>
+            <a:pPr lvl="1"/>
+            <a:r>
+              <a:rPr lang="fr-FR"/>
+              <a:t>Deuxième niveau</a:t>
+            </a:r>
+          </a:p>
+          <a:p>
+            <a:pPr lvl="2"/>
+            <a:r>
+              <a:rPr lang="fr-FR"/>
+              <a:t>Troisième niveau</a:t>
+            </a:r>
+          </a:p>
+          <a:p>
+            <a:pPr lvl="3"/>
+            <a:r>
+              <a:rPr lang="fr-FR"/>
+              <a:t>Quatrième niveau</a:t>
+            </a:r>
+          </a:p>
+          <a:p>
+            <a:pPr lvl="4"/>
+            <a:r>
+              <a:rPr lang="fr-FR"/>
+              <a:t>Cinquième niveau</a:t>
+            </a:r>
+            <a:endParaRPr lang="en-US" dirty="0"/>
+          </a:p>
+        </p:txBody>
+      </p:sp>
+      <p:sp>
+        <p:nvSpPr>
+          <p:cNvPr id="7" name="Date Placeholder 6"/>
+          <p:cNvSpPr>
+            <a:spLocks noGrp="1"/>
+          </p:cNvSpPr>
+          <p:nvPr>
+            <p:ph type="dt" sz="half" idx="10"/>
+          </p:nvPr>
+        </p:nvSpPr>
+        <p:spPr/>
+        <p:txBody>
           <a:bodyPr/>
           <a:lstStyle/>
           <a:p>
-            <a:pPr lvl="0"/>
-            <a:r>
-              <a:rPr lang="fr-FR"/>
-              <a:t>Cliquez pour modifier les styles du texte du masque</a:t>
-            </a:r>
-          </a:p>
-          <a:p>
-            <a:pPr lvl="1"/>
-            <a:r>
-              <a:rPr lang="fr-FR"/>
-              <a:t>Deuxième niveau</a:t>
-            </a:r>
-          </a:p>
-          <a:p>
-            <a:pPr lvl="2"/>
-            <a:r>
-              <a:rPr lang="fr-FR"/>
-              <a:t>Troisième niveau</a:t>
-            </a:r>
-          </a:p>
-          <a:p>
-            <a:pPr lvl="3"/>
-            <a:r>
-              <a:rPr lang="fr-FR"/>
-              <a:t>Quatrième niveau</a:t>
-            </a:r>
-          </a:p>
-          <a:p>
-            <a:pPr lvl="4"/>
-            <a:r>
-              <a:rPr lang="fr-FR"/>
-              <a:t>Cinquième niveau</a:t>
-            </a:r>
+            <a:fld id="{5DEBCE38-401C-4D22-BACF-253FC7924B21}" type="datetimeFigureOut">
+              <a:rPr lang="en-US" smtClean="0"/>
+              <a:t>3/5/2021</a:t>
+            </a:fld>
             <a:endParaRPr lang="en-US"/>
           </a:p>
         </p:txBody>
       </p:sp>
       <p:sp>
         <p:nvSpPr>
-          <p:cNvPr id="7" name="Espace réservé de la date 6">
-            <a:extLst>
-              <a:ext uri="{FF2B5EF4-FFF2-40B4-BE49-F238E27FC236}">
-                <a16:creationId xmlns:a16="http://schemas.microsoft.com/office/drawing/2014/main" id="{5CAD03A8-D9C5-4FF9-AB49-0D893801C201}"/>
-              </a:ext>
-            </a:extLst>
-          </p:cNvPr>
-          <p:cNvSpPr>
-            <a:spLocks noGrp="1"/>
-          </p:cNvSpPr>
-          <p:nvPr>
-            <p:ph type="dt" sz="half" idx="10"/>
+          <p:cNvPr id="8" name="Footer Placeholder 7"/>
+          <p:cNvSpPr>
+            <a:spLocks noGrp="1"/>
+          </p:cNvSpPr>
+          <p:nvPr>
+            <p:ph type="ftr" sz="quarter" idx="11"/>
           </p:nvPr>
         </p:nvSpPr>
         <p:spPr/>
@@ -1823,48 +4365,13 @@
           <a:bodyPr/>
           <a:lstStyle/>
           <a:p>
-            <a:fld id="{5DEBCE38-401C-4D22-BACF-253FC7924B21}" type="datetimeFigureOut">
-              <a:rPr lang="en-US" smtClean="0"/>
-              <a:t>3/4/2021</a:t>
-            </a:fld>
             <a:endParaRPr lang="en-US"/>
           </a:p>
         </p:txBody>
       </p:sp>
       <p:sp>
         <p:nvSpPr>
-          <p:cNvPr id="8" name="Espace réservé du pied de page 7">
-            <a:extLst>
-              <a:ext uri="{FF2B5EF4-FFF2-40B4-BE49-F238E27FC236}">
-                <a16:creationId xmlns:a16="http://schemas.microsoft.com/office/drawing/2014/main" id="{B03BFC26-43D5-4538-86B8-4CE817C72FFA}"/>
-              </a:ext>
-            </a:extLst>
-          </p:cNvPr>
-          <p:cNvSpPr>
-            <a:spLocks noGrp="1"/>
-          </p:cNvSpPr>
-          <p:nvPr>
-            <p:ph type="ftr" sz="quarter" idx="11"/>
-          </p:nvPr>
-        </p:nvSpPr>
-        <p:spPr/>
-        <p:txBody>
-          <a:bodyPr/>
-          <a:lstStyle/>
-          <a:p>
-            <a:endParaRPr lang="en-US"/>
-          </a:p>
-        </p:txBody>
-      </p:sp>
-      <p:sp>
-        <p:nvSpPr>
-          <p:cNvPr id="9" name="Espace réservé du numéro de diapositive 8">
-            <a:extLst>
-              <a:ext uri="{FF2B5EF4-FFF2-40B4-BE49-F238E27FC236}">
-                <a16:creationId xmlns:a16="http://schemas.microsoft.com/office/drawing/2014/main" id="{507F40E1-B0A8-49BB-89ED-45981EA34136}"/>
-              </a:ext>
-            </a:extLst>
-          </p:cNvPr>
+          <p:cNvPr id="9" name="Slide Number Placeholder 8"/>
           <p:cNvSpPr>
             <a:spLocks noGrp="1"/>
           </p:cNvSpPr>
@@ -1888,7 +4395,7 @@
     </p:spTree>
     <p:extLst>
       <p:ext uri="{BB962C8B-B14F-4D97-AF65-F5344CB8AC3E}">
-        <p14:creationId xmlns:p14="http://schemas.microsoft.com/office/powerpoint/2010/main" val="798511961"/>
+        <p14:creationId xmlns:p14="http://schemas.microsoft.com/office/powerpoint/2010/main" val="4026897390"/>
       </p:ext>
     </p:extLst>
   </p:cSld>
@@ -1917,13 +4424,7 @@
       </p:grpSpPr>
       <p:sp>
         <p:nvSpPr>
-          <p:cNvPr id="2" name="Titre 1">
-            <a:extLst>
-              <a:ext uri="{FF2B5EF4-FFF2-40B4-BE49-F238E27FC236}">
-                <a16:creationId xmlns:a16="http://schemas.microsoft.com/office/drawing/2014/main" id="{6F02C769-6B73-4B0B-9C5C-46FA370A7916}"/>
-              </a:ext>
-            </a:extLst>
-          </p:cNvPr>
+          <p:cNvPr id="2" name="Title 1"/>
           <p:cNvSpPr>
             <a:spLocks noGrp="1"/>
           </p:cNvSpPr>
@@ -1940,19 +4441,13 @@
               <a:rPr lang="fr-FR"/>
               <a:t>Modifiez le style du titre</a:t>
             </a:r>
-            <a:endParaRPr lang="en-US"/>
-          </a:p>
-        </p:txBody>
-      </p:sp>
-      <p:sp>
-        <p:nvSpPr>
-          <p:cNvPr id="3" name="Espace réservé de la date 2">
-            <a:extLst>
-              <a:ext uri="{FF2B5EF4-FFF2-40B4-BE49-F238E27FC236}">
-                <a16:creationId xmlns:a16="http://schemas.microsoft.com/office/drawing/2014/main" id="{6735DC71-7D71-4263-B926-6725D830F884}"/>
-              </a:ext>
-            </a:extLst>
-          </p:cNvPr>
+            <a:endParaRPr lang="en-US" dirty="0"/>
+          </a:p>
+        </p:txBody>
+      </p:sp>
+      <p:sp>
+        <p:nvSpPr>
+          <p:cNvPr id="3" name="Date Placeholder 2"/>
           <p:cNvSpPr>
             <a:spLocks noGrp="1"/>
           </p:cNvSpPr>
@@ -1967,7 +4462,7 @@
           <a:p>
             <a:fld id="{5DEBCE38-401C-4D22-BACF-253FC7924B21}" type="datetimeFigureOut">
               <a:rPr lang="en-US" smtClean="0"/>
-              <a:t>3/4/2021</a:t>
+              <a:t>3/5/2021</a:t>
             </a:fld>
             <a:endParaRPr lang="en-US"/>
           </a:p>
@@ -1975,13 +4470,7 @@
       </p:sp>
       <p:sp>
         <p:nvSpPr>
-          <p:cNvPr id="4" name="Espace réservé du pied de page 3">
-            <a:extLst>
-              <a:ext uri="{FF2B5EF4-FFF2-40B4-BE49-F238E27FC236}">
-                <a16:creationId xmlns:a16="http://schemas.microsoft.com/office/drawing/2014/main" id="{4FCBF1AA-F900-44E8-A613-73782AC7F92E}"/>
-              </a:ext>
-            </a:extLst>
-          </p:cNvPr>
+          <p:cNvPr id="4" name="Footer Placeholder 3"/>
           <p:cNvSpPr>
             <a:spLocks noGrp="1"/>
           </p:cNvSpPr>
@@ -2000,13 +4489,7 @@
       </p:sp>
       <p:sp>
         <p:nvSpPr>
-          <p:cNvPr id="5" name="Espace réservé du numéro de diapositive 4">
-            <a:extLst>
-              <a:ext uri="{FF2B5EF4-FFF2-40B4-BE49-F238E27FC236}">
-                <a16:creationId xmlns:a16="http://schemas.microsoft.com/office/drawing/2014/main" id="{3A256BDD-C37A-450D-84D6-8F68E78E533A}"/>
-              </a:ext>
-            </a:extLst>
-          </p:cNvPr>
+          <p:cNvPr id="5" name="Slide Number Placeholder 4"/>
           <p:cNvSpPr>
             <a:spLocks noGrp="1"/>
           </p:cNvSpPr>
@@ -2030,7 +4513,7 @@
     </p:spTree>
     <p:extLst>
       <p:ext uri="{BB962C8B-B14F-4D97-AF65-F5344CB8AC3E}">
-        <p14:creationId xmlns:p14="http://schemas.microsoft.com/office/powerpoint/2010/main" val="4105022531"/>
+        <p14:creationId xmlns:p14="http://schemas.microsoft.com/office/powerpoint/2010/main" val="1399082479"/>
       </p:ext>
     </p:extLst>
   </p:cSld>
@@ -2059,13 +4542,7 @@
       </p:grpSpPr>
       <p:sp>
         <p:nvSpPr>
-          <p:cNvPr id="2" name="Espace réservé de la date 1">
-            <a:extLst>
-              <a:ext uri="{FF2B5EF4-FFF2-40B4-BE49-F238E27FC236}">
-                <a16:creationId xmlns:a16="http://schemas.microsoft.com/office/drawing/2014/main" id="{DE06D0F1-C166-4307-8018-A2AF2E7519FD}"/>
-              </a:ext>
-            </a:extLst>
-          </p:cNvPr>
+          <p:cNvPr id="2" name="Date Placeholder 1"/>
           <p:cNvSpPr>
             <a:spLocks noGrp="1"/>
           </p:cNvSpPr>
@@ -2080,7 +4557,7 @@
           <a:p>
             <a:fld id="{5DEBCE38-401C-4D22-BACF-253FC7924B21}" type="datetimeFigureOut">
               <a:rPr lang="en-US" smtClean="0"/>
-              <a:t>3/4/2021</a:t>
+              <a:t>3/5/2021</a:t>
             </a:fld>
             <a:endParaRPr lang="en-US"/>
           </a:p>
@@ -2088,13 +4565,7 @@
       </p:sp>
       <p:sp>
         <p:nvSpPr>
-          <p:cNvPr id="3" name="Espace réservé du pied de page 2">
-            <a:extLst>
-              <a:ext uri="{FF2B5EF4-FFF2-40B4-BE49-F238E27FC236}">
-                <a16:creationId xmlns:a16="http://schemas.microsoft.com/office/drawing/2014/main" id="{2905882D-1984-4372-94C8-EEB84E2165CC}"/>
-              </a:ext>
-            </a:extLst>
-          </p:cNvPr>
+          <p:cNvPr id="3" name="Footer Placeholder 2"/>
           <p:cNvSpPr>
             <a:spLocks noGrp="1"/>
           </p:cNvSpPr>
@@ -2113,13 +4584,7 @@
       </p:sp>
       <p:sp>
         <p:nvSpPr>
-          <p:cNvPr id="4" name="Espace réservé du numéro de diapositive 3">
-            <a:extLst>
-              <a:ext uri="{FF2B5EF4-FFF2-40B4-BE49-F238E27FC236}">
-                <a16:creationId xmlns:a16="http://schemas.microsoft.com/office/drawing/2014/main" id="{D3CE973C-E05B-45A9-A15F-60C2A18FC40E}"/>
-              </a:ext>
-            </a:extLst>
-          </p:cNvPr>
+          <p:cNvPr id="4" name="Slide Number Placeholder 3"/>
           <p:cNvSpPr>
             <a:spLocks noGrp="1"/>
           </p:cNvSpPr>
@@ -2143,7 +4608,7 @@
     </p:spTree>
     <p:extLst>
       <p:ext uri="{BB962C8B-B14F-4D97-AF65-F5344CB8AC3E}">
-        <p14:creationId xmlns:p14="http://schemas.microsoft.com/office/powerpoint/2010/main" val="157506626"/>
+        <p14:creationId xmlns:p14="http://schemas.microsoft.com/office/powerpoint/2010/main" val="3484757264"/>
       </p:ext>
     </p:extLst>
   </p:cSld>
@@ -2172,13 +4637,7 @@
       </p:grpSpPr>
       <p:sp>
         <p:nvSpPr>
-          <p:cNvPr id="2" name="Titre 1">
-            <a:extLst>
-              <a:ext uri="{FF2B5EF4-FFF2-40B4-BE49-F238E27FC236}">
-                <a16:creationId xmlns:a16="http://schemas.microsoft.com/office/drawing/2014/main" id="{26E1BBFC-1EC5-47A8-AF3B-A716F073345F}"/>
-              </a:ext>
-            </a:extLst>
-          </p:cNvPr>
+          <p:cNvPr id="2" name="Title 1"/>
           <p:cNvSpPr>
             <a:spLocks noGrp="1"/>
           </p:cNvSpPr>
@@ -2188,15 +4647,17 @@
         </p:nvSpPr>
         <p:spPr>
           <a:xfrm>
-            <a:off x="839788" y="457200"/>
-            <a:ext cx="3932237" cy="1600200"/>
+            <a:off x="913795" y="609600"/>
+            <a:ext cx="3706889" cy="1821918"/>
           </a:xfrm>
         </p:spPr>
         <p:txBody>
-          <a:bodyPr anchor="b"/>
+          <a:bodyPr anchor="b">
+            <a:normAutofit/>
+          </a:bodyPr>
           <a:lstStyle>
-            <a:lvl1pPr>
-              <a:defRPr sz="3200"/>
+            <a:lvl1pPr algn="ctr">
+              <a:defRPr sz="2400" b="0"/>
             </a:lvl1pPr>
           </a:lstStyle>
           <a:p>
@@ -2204,19 +4665,13 @@
               <a:rPr lang="fr-FR"/>
               <a:t>Modifiez le style du titre</a:t>
             </a:r>
-            <a:endParaRPr lang="en-US"/>
-          </a:p>
-        </p:txBody>
-      </p:sp>
-      <p:sp>
-        <p:nvSpPr>
-          <p:cNvPr id="3" name="Espace réservé du contenu 2">
-            <a:extLst>
-              <a:ext uri="{FF2B5EF4-FFF2-40B4-BE49-F238E27FC236}">
-                <a16:creationId xmlns:a16="http://schemas.microsoft.com/office/drawing/2014/main" id="{84944953-56EE-4646-9213-D6BBEF898EFA}"/>
-              </a:ext>
-            </a:extLst>
-          </p:cNvPr>
+            <a:endParaRPr lang="en-US" dirty="0"/>
+          </a:p>
+        </p:txBody>
+      </p:sp>
+      <p:sp>
+        <p:nvSpPr>
+          <p:cNvPr id="3" name="Content Placeholder 2"/>
           <p:cNvSpPr>
             <a:spLocks noGrp="1"/>
           </p:cNvSpPr>
@@ -2226,41 +4681,15 @@
         </p:nvSpPr>
         <p:spPr>
           <a:xfrm>
-            <a:off x="5183188" y="987425"/>
-            <a:ext cx="6172200" cy="4873625"/>
+            <a:off x="4855633" y="609600"/>
+            <a:ext cx="6411924" cy="5181600"/>
           </a:xfrm>
         </p:spPr>
         <p:txBody>
-          <a:bodyPr/>
-          <a:lstStyle>
-            <a:lvl1pPr>
-              <a:defRPr sz="3200"/>
-            </a:lvl1pPr>
-            <a:lvl2pPr>
-              <a:defRPr sz="2800"/>
-            </a:lvl2pPr>
-            <a:lvl3pPr>
-              <a:defRPr sz="2400"/>
-            </a:lvl3pPr>
-            <a:lvl4pPr>
-              <a:defRPr sz="2000"/>
-            </a:lvl4pPr>
-            <a:lvl5pPr>
-              <a:defRPr sz="2000"/>
-            </a:lvl5pPr>
-            <a:lvl6pPr>
-              <a:defRPr sz="2000"/>
-            </a:lvl6pPr>
-            <a:lvl7pPr>
-              <a:defRPr sz="2000"/>
-            </a:lvl7pPr>
-            <a:lvl8pPr>
-              <a:defRPr sz="2000"/>
-            </a:lvl8pPr>
-            <a:lvl9pPr>
-              <a:defRPr sz="2000"/>
-            </a:lvl9pPr>
-          </a:lstStyle>
+          <a:bodyPr>
+            <a:normAutofit/>
+          </a:bodyPr>
+          <a:lstStyle/>
           <a:p>
             <a:pPr lvl="0"/>
             <a:r>
@@ -2295,19 +4724,13 @@
               <a:rPr lang="fr-FR"/>
               <a:t>Cinquième niveau</a:t>
             </a:r>
-            <a:endParaRPr lang="en-US"/>
-          </a:p>
-        </p:txBody>
-      </p:sp>
-      <p:sp>
-        <p:nvSpPr>
-          <p:cNvPr id="4" name="Espace réservé du texte 3">
-            <a:extLst>
-              <a:ext uri="{FF2B5EF4-FFF2-40B4-BE49-F238E27FC236}">
-                <a16:creationId xmlns:a16="http://schemas.microsoft.com/office/drawing/2014/main" id="{3547893E-5F3E-46BC-A0F9-C232E29B8780}"/>
-              </a:ext>
-            </a:extLst>
-          </p:cNvPr>
+            <a:endParaRPr lang="en-US" dirty="0"/>
+          </a:p>
+        </p:txBody>
+      </p:sp>
+      <p:sp>
+        <p:nvSpPr>
+          <p:cNvPr id="4" name="Text Placeholder 3"/>
           <p:cNvSpPr>
             <a:spLocks noGrp="1"/>
           </p:cNvSpPr>
@@ -2317,48 +4740,50 @@
         </p:nvSpPr>
         <p:spPr>
           <a:xfrm>
-            <a:off x="839788" y="2057400"/>
-            <a:ext cx="3932237" cy="3811588"/>
+            <a:off x="913795" y="2431518"/>
+            <a:ext cx="3706889" cy="3359681"/>
           </a:xfrm>
         </p:spPr>
         <p:txBody>
-          <a:bodyPr/>
+          <a:bodyPr anchor="t">
+            <a:normAutofit/>
+          </a:bodyPr>
           <a:lstStyle>
-            <a:lvl1pPr marL="0" indent="0">
+            <a:lvl1pPr marL="0" indent="0" algn="ctr">
               <a:buNone/>
               <a:defRPr sz="1600"/>
             </a:lvl1pPr>
             <a:lvl2pPr marL="457200" indent="0">
               <a:buNone/>
-              <a:defRPr sz="1400"/>
+              <a:defRPr sz="1200"/>
             </a:lvl2pPr>
             <a:lvl3pPr marL="914400" indent="0">
               <a:buNone/>
-              <a:defRPr sz="1200"/>
+              <a:defRPr sz="1000"/>
             </a:lvl3pPr>
             <a:lvl4pPr marL="1371600" indent="0">
               <a:buNone/>
-              <a:defRPr sz="1000"/>
+              <a:defRPr sz="900"/>
             </a:lvl4pPr>
             <a:lvl5pPr marL="1828800" indent="0">
               <a:buNone/>
-              <a:defRPr sz="1000"/>
+              <a:defRPr sz="900"/>
             </a:lvl5pPr>
             <a:lvl6pPr marL="2286000" indent="0">
               <a:buNone/>
-              <a:defRPr sz="1000"/>
+              <a:defRPr sz="900"/>
             </a:lvl6pPr>
             <a:lvl7pPr marL="2743200" indent="0">
               <a:buNone/>
-              <a:defRPr sz="1000"/>
+              <a:defRPr sz="900"/>
             </a:lvl7pPr>
             <a:lvl8pPr marL="3200400" indent="0">
               <a:buNone/>
-              <a:defRPr sz="1000"/>
+              <a:defRPr sz="900"/>
             </a:lvl8pPr>
             <a:lvl9pPr marL="3657600" indent="0">
               <a:buNone/>
-              <a:defRPr sz="1000"/>
+              <a:defRPr sz="900"/>
             </a:lvl9pPr>
           </a:lstStyle>
           <a:p>
@@ -2372,13 +4797,7 @@
       </p:sp>
       <p:sp>
         <p:nvSpPr>
-          <p:cNvPr id="5" name="Espace réservé de la date 4">
-            <a:extLst>
-              <a:ext uri="{FF2B5EF4-FFF2-40B4-BE49-F238E27FC236}">
-                <a16:creationId xmlns:a16="http://schemas.microsoft.com/office/drawing/2014/main" id="{E080EFE1-E617-4833-B674-BCC9EF63889C}"/>
-              </a:ext>
-            </a:extLst>
-          </p:cNvPr>
+          <p:cNvPr id="5" name="Date Placeholder 4"/>
           <p:cNvSpPr>
             <a:spLocks noGrp="1"/>
           </p:cNvSpPr>
@@ -2393,7 +4812,7 @@
           <a:p>
             <a:fld id="{5DEBCE38-401C-4D22-BACF-253FC7924B21}" type="datetimeFigureOut">
               <a:rPr lang="en-US" smtClean="0"/>
-              <a:t>3/4/2021</a:t>
+              <a:t>3/5/2021</a:t>
             </a:fld>
             <a:endParaRPr lang="en-US"/>
           </a:p>
@@ -2401,13 +4820,7 @@
       </p:sp>
       <p:sp>
         <p:nvSpPr>
-          <p:cNvPr id="6" name="Espace réservé du pied de page 5">
-            <a:extLst>
-              <a:ext uri="{FF2B5EF4-FFF2-40B4-BE49-F238E27FC236}">
-                <a16:creationId xmlns:a16="http://schemas.microsoft.com/office/drawing/2014/main" id="{5BEE1856-4AC8-4C6E-8B56-05C6267D910B}"/>
-              </a:ext>
-            </a:extLst>
-          </p:cNvPr>
+          <p:cNvPr id="6" name="Footer Placeholder 5"/>
           <p:cNvSpPr>
             <a:spLocks noGrp="1"/>
           </p:cNvSpPr>
@@ -2426,13 +4839,7 @@
       </p:sp>
       <p:sp>
         <p:nvSpPr>
-          <p:cNvPr id="7" name="Espace réservé du numéro de diapositive 6">
-            <a:extLst>
-              <a:ext uri="{FF2B5EF4-FFF2-40B4-BE49-F238E27FC236}">
-                <a16:creationId xmlns:a16="http://schemas.microsoft.com/office/drawing/2014/main" id="{D34AD5F1-9335-49B4-BBB2-07C3F44F1991}"/>
-              </a:ext>
-            </a:extLst>
-          </p:cNvPr>
+          <p:cNvPr id="7" name="Slide Number Placeholder 6"/>
           <p:cNvSpPr>
             <a:spLocks noGrp="1"/>
           </p:cNvSpPr>
@@ -2456,7 +4863,7 @@
     </p:spTree>
     <p:extLst>
       <p:ext uri="{BB962C8B-B14F-4D97-AF65-F5344CB8AC3E}">
-        <p14:creationId xmlns:p14="http://schemas.microsoft.com/office/powerpoint/2010/main" val="1657040410"/>
+        <p14:creationId xmlns:p14="http://schemas.microsoft.com/office/powerpoint/2010/main" val="1254419812"/>
       </p:ext>
     </p:extLst>
   </p:cSld>
@@ -2483,33 +4890,59 @@
           <a:chExt cx="0" cy="0"/>
         </a:xfrm>
       </p:grpSpPr>
-      <p:sp>
-        <p:nvSpPr>
-          <p:cNvPr id="2" name="Titre 1">
+      <p:pic>
+        <p:nvPicPr>
+          <p:cNvPr id="22" name="Picture 21" descr="Slate-V2-HD-vertPhotoInset.png"/>
+          <p:cNvPicPr>
+            <a:picLocks noChangeAspect="1"/>
+          </p:cNvPicPr>
+          <p:nvPr/>
+        </p:nvPicPr>
+        <p:blipFill>
+          <a:blip r:embed="rId2">
             <a:extLst>
-              <a:ext uri="{FF2B5EF4-FFF2-40B4-BE49-F238E27FC236}">
-                <a16:creationId xmlns:a16="http://schemas.microsoft.com/office/drawing/2014/main" id="{8429C22C-69AC-4EC7-BCEF-60B23212EA9E}"/>
+              <a:ext uri="{28A0092B-C50C-407E-A947-70E740481C1C}">
+                <a14:useLocalDpi xmlns:a14="http://schemas.microsoft.com/office/drawing/2010/main" val="0"/>
               </a:ext>
             </a:extLst>
-          </p:cNvPr>
-          <p:cNvSpPr>
-            <a:spLocks noGrp="1"/>
-          </p:cNvSpPr>
-          <p:nvPr>
-            <p:ph type="title"/>
-          </p:nvPr>
-        </p:nvSpPr>
+          </a:blip>
+          <a:stretch>
+            <a:fillRect/>
+          </a:stretch>
+        </p:blipFill>
         <p:spPr>
           <a:xfrm>
-            <a:off x="839788" y="457200"/>
-            <a:ext cx="3932237" cy="1600200"/>
+            <a:off x="7293665" y="609600"/>
+            <a:ext cx="3584166" cy="5204832"/>
+          </a:xfrm>
+          <a:prstGeom prst="rect">
+            <a:avLst/>
+          </a:prstGeom>
+        </p:spPr>
+      </p:pic>
+      <p:sp>
+        <p:nvSpPr>
+          <p:cNvPr id="2" name="Title 1"/>
+          <p:cNvSpPr>
+            <a:spLocks noGrp="1"/>
+          </p:cNvSpPr>
+          <p:nvPr>
+            <p:ph type="title"/>
+          </p:nvPr>
+        </p:nvSpPr>
+        <p:spPr>
+          <a:xfrm>
+            <a:off x="913795" y="609923"/>
+            <a:ext cx="5934949" cy="1829338"/>
           </a:xfrm>
         </p:spPr>
         <p:txBody>
-          <a:bodyPr anchor="b"/>
+          <a:bodyPr anchor="b">
+            <a:noAutofit/>
+          </a:bodyPr>
           <a:lstStyle>
-            <a:lvl1pPr>
-              <a:defRPr sz="3200"/>
+            <a:lvl1pPr algn="ctr">
+              <a:defRPr sz="3200" b="0"/>
             </a:lvl1pPr>
           </a:lstStyle>
           <a:p>
@@ -2517,21 +4950,15 @@
               <a:rPr lang="fr-FR"/>
               <a:t>Modifiez le style du titre</a:t>
             </a:r>
-            <a:endParaRPr lang="en-US"/>
-          </a:p>
-        </p:txBody>
-      </p:sp>
-      <p:sp>
-        <p:nvSpPr>
-          <p:cNvPr id="3" name="Espace réservé pour une image  2">
-            <a:extLst>
-              <a:ext uri="{FF2B5EF4-FFF2-40B4-BE49-F238E27FC236}">
-                <a16:creationId xmlns:a16="http://schemas.microsoft.com/office/drawing/2014/main" id="{254D7333-6C5D-42CA-BC34-B50D48128845}"/>
-              </a:ext>
-            </a:extLst>
-          </p:cNvPr>
-          <p:cNvSpPr>
-            <a:spLocks noGrp="1"/>
+            <a:endParaRPr lang="en-US" dirty="0"/>
+          </a:p>
+        </p:txBody>
+      </p:sp>
+      <p:sp>
+        <p:nvSpPr>
+          <p:cNvPr id="3" name="Picture Placeholder 2"/>
+          <p:cNvSpPr>
+            <a:spLocks noGrp="1" noChangeAspect="1"/>
           </p:cNvSpPr>
           <p:nvPr>
             <p:ph type="pic" idx="1"/>
@@ -2539,118 +4966,127 @@
         </p:nvSpPr>
         <p:spPr>
           <a:xfrm>
-            <a:off x="5183188" y="987425"/>
-            <a:ext cx="6172200" cy="4873625"/>
+            <a:off x="7442551" y="763702"/>
+            <a:ext cx="3275751" cy="4912822"/>
           </a:xfrm>
+          <a:effectLst>
+            <a:outerShdw blurRad="38100" dist="25400" dir="4440000">
+              <a:srgbClr val="000000">
+                <a:alpha val="36000"/>
+              </a:srgbClr>
+            </a:outerShdw>
+          </a:effectLst>
         </p:spPr>
         <p:txBody>
-          <a:bodyPr/>
+          <a:bodyPr anchor="t">
+            <a:normAutofit/>
+          </a:bodyPr>
           <a:lstStyle>
-            <a:lvl1pPr marL="0" indent="0">
-              <a:buNone/>
-              <a:defRPr sz="3200"/>
-            </a:lvl1pPr>
-            <a:lvl2pPr marL="457200" indent="0">
-              <a:buNone/>
-              <a:defRPr sz="2800"/>
-            </a:lvl2pPr>
-            <a:lvl3pPr marL="914400" indent="0">
-              <a:buNone/>
-              <a:defRPr sz="2400"/>
-            </a:lvl3pPr>
-            <a:lvl4pPr marL="1371600" indent="0">
-              <a:buNone/>
-              <a:defRPr sz="2000"/>
-            </a:lvl4pPr>
-            <a:lvl5pPr marL="1828800" indent="0">
-              <a:buNone/>
-              <a:defRPr sz="2000"/>
-            </a:lvl5pPr>
-            <a:lvl6pPr marL="2286000" indent="0">
-              <a:buNone/>
-              <a:defRPr sz="2000"/>
-            </a:lvl6pPr>
-            <a:lvl7pPr marL="2743200" indent="0">
-              <a:buNone/>
-              <a:defRPr sz="2000"/>
-            </a:lvl7pPr>
-            <a:lvl8pPr marL="3200400" indent="0">
-              <a:buNone/>
-              <a:defRPr sz="2000"/>
-            </a:lvl8pPr>
-            <a:lvl9pPr marL="3657600" indent="0">
-              <a:buNone/>
-              <a:defRPr sz="2000"/>
-            </a:lvl9pPr>
-          </a:lstStyle>
-          <a:p>
-            <a:endParaRPr lang="en-US"/>
-          </a:p>
-        </p:txBody>
-      </p:sp>
-      <p:sp>
-        <p:nvSpPr>
-          <p:cNvPr id="4" name="Espace réservé du texte 3">
-            <a:extLst>
-              <a:ext uri="{FF2B5EF4-FFF2-40B4-BE49-F238E27FC236}">
-                <a16:creationId xmlns:a16="http://schemas.microsoft.com/office/drawing/2014/main" id="{98524802-B596-410B-84B5-F5C2C86AFB8B}"/>
-              </a:ext>
-            </a:extLst>
-          </p:cNvPr>
-          <p:cNvSpPr>
-            <a:spLocks noGrp="1"/>
-          </p:cNvSpPr>
-          <p:nvPr>
-            <p:ph type="body" sz="half" idx="2"/>
-          </p:nvPr>
-        </p:nvSpPr>
-        <p:spPr>
-          <a:xfrm>
-            <a:off x="839788" y="2057400"/>
-            <a:ext cx="3932237" cy="3811588"/>
-          </a:xfrm>
-        </p:spPr>
-        <p:txBody>
-          <a:bodyPr/>
-          <a:lstStyle>
-            <a:lvl1pPr marL="0" indent="0">
+            <a:lvl1pPr marL="0" indent="0" algn="ctr">
               <a:buNone/>
               <a:defRPr sz="1600"/>
             </a:lvl1pPr>
             <a:lvl2pPr marL="457200" indent="0">
               <a:buNone/>
-              <a:defRPr sz="1400"/>
+              <a:defRPr sz="1600"/>
             </a:lvl2pPr>
             <a:lvl3pPr marL="914400" indent="0">
               <a:buNone/>
-              <a:defRPr sz="1200"/>
+              <a:defRPr sz="1600"/>
             </a:lvl3pPr>
             <a:lvl4pPr marL="1371600" indent="0">
               <a:buNone/>
-              <a:defRPr sz="1000"/>
+              <a:defRPr sz="1600"/>
             </a:lvl4pPr>
             <a:lvl5pPr marL="1828800" indent="0">
               <a:buNone/>
-              <a:defRPr sz="1000"/>
+              <a:defRPr sz="1600"/>
             </a:lvl5pPr>
             <a:lvl6pPr marL="2286000" indent="0">
               <a:buNone/>
-              <a:defRPr sz="1000"/>
+              <a:defRPr sz="1600"/>
             </a:lvl6pPr>
             <a:lvl7pPr marL="2743200" indent="0">
               <a:buNone/>
-              <a:defRPr sz="1000"/>
+              <a:defRPr sz="1600"/>
             </a:lvl7pPr>
             <a:lvl8pPr marL="3200400" indent="0">
               <a:buNone/>
-              <a:defRPr sz="1000"/>
+              <a:defRPr sz="1600"/>
             </a:lvl8pPr>
             <a:lvl9pPr marL="3657600" indent="0">
               <a:buNone/>
-              <a:defRPr sz="1000"/>
+              <a:defRPr sz="1600"/>
             </a:lvl9pPr>
           </a:lstStyle>
           <a:p>
+            <a:r>
+              <a:rPr lang="fr-FR"/>
+              <a:t>Cliquez sur l'icône pour ajouter une image</a:t>
+            </a:r>
+            <a:endParaRPr lang="en-US" dirty="0"/>
+          </a:p>
+        </p:txBody>
+      </p:sp>
+      <p:sp>
+        <p:nvSpPr>
+          <p:cNvPr id="4" name="Text Placeholder 3"/>
+          <p:cNvSpPr>
+            <a:spLocks noGrp="1"/>
+          </p:cNvSpPr>
+          <p:nvPr>
+            <p:ph type="body" sz="half" idx="2"/>
+          </p:nvPr>
+        </p:nvSpPr>
+        <p:spPr>
+          <a:xfrm>
+            <a:off x="913795" y="2439261"/>
+            <a:ext cx="5934949" cy="3376134"/>
+          </a:xfrm>
+        </p:spPr>
+        <p:txBody>
+          <a:bodyPr anchor="t">
+            <a:normAutofit/>
+          </a:bodyPr>
+          <a:lstStyle>
+            <a:lvl1pPr marL="0" indent="0" algn="ctr">
+              <a:buNone/>
+              <a:defRPr sz="1600"/>
+            </a:lvl1pPr>
+            <a:lvl2pPr marL="457200" indent="0">
+              <a:buNone/>
+              <a:defRPr sz="1200"/>
+            </a:lvl2pPr>
+            <a:lvl3pPr marL="914400" indent="0">
+              <a:buNone/>
+              <a:defRPr sz="1000"/>
+            </a:lvl3pPr>
+            <a:lvl4pPr marL="1371600" indent="0">
+              <a:buNone/>
+              <a:defRPr sz="900"/>
+            </a:lvl4pPr>
+            <a:lvl5pPr marL="1828800" indent="0">
+              <a:buNone/>
+              <a:defRPr sz="900"/>
+            </a:lvl5pPr>
+            <a:lvl6pPr marL="2286000" indent="0">
+              <a:buNone/>
+              <a:defRPr sz="900"/>
+            </a:lvl6pPr>
+            <a:lvl7pPr marL="2743200" indent="0">
+              <a:buNone/>
+              <a:defRPr sz="900"/>
+            </a:lvl7pPr>
+            <a:lvl8pPr marL="3200400" indent="0">
+              <a:buNone/>
+              <a:defRPr sz="900"/>
+            </a:lvl8pPr>
+            <a:lvl9pPr marL="3657600" indent="0">
+              <a:buNone/>
+              <a:defRPr sz="900"/>
+            </a:lvl9pPr>
+          </a:lstStyle>
+          <a:p>
             <a:pPr lvl="0"/>
             <a:r>
               <a:rPr lang="fr-FR"/>
@@ -2661,13 +5097,7 @@
       </p:sp>
       <p:sp>
         <p:nvSpPr>
-          <p:cNvPr id="5" name="Espace réservé de la date 4">
-            <a:extLst>
-              <a:ext uri="{FF2B5EF4-FFF2-40B4-BE49-F238E27FC236}">
-                <a16:creationId xmlns:a16="http://schemas.microsoft.com/office/drawing/2014/main" id="{A389D692-8CA8-417D-A7DA-67CD80C9E207}"/>
-              </a:ext>
-            </a:extLst>
-          </p:cNvPr>
+          <p:cNvPr id="5" name="Date Placeholder 4"/>
           <p:cNvSpPr>
             <a:spLocks noGrp="1"/>
           </p:cNvSpPr>
@@ -2682,7 +5112,7 @@
           <a:p>
             <a:fld id="{5DEBCE38-401C-4D22-BACF-253FC7924B21}" type="datetimeFigureOut">
               <a:rPr lang="en-US" smtClean="0"/>
-              <a:t>3/4/2021</a:t>
+              <a:t>3/5/2021</a:t>
             </a:fld>
             <a:endParaRPr lang="en-US"/>
           </a:p>
@@ -2690,13 +5120,7 @@
       </p:sp>
       <p:sp>
         <p:nvSpPr>
-          <p:cNvPr id="6" name="Espace réservé du pied de page 5">
-            <a:extLst>
-              <a:ext uri="{FF2B5EF4-FFF2-40B4-BE49-F238E27FC236}">
-                <a16:creationId xmlns:a16="http://schemas.microsoft.com/office/drawing/2014/main" id="{F2011616-0253-4036-B55C-BF07ACCFE209}"/>
-              </a:ext>
-            </a:extLst>
-          </p:cNvPr>
+          <p:cNvPr id="6" name="Footer Placeholder 5"/>
           <p:cNvSpPr>
             <a:spLocks noGrp="1"/>
           </p:cNvSpPr>
@@ -2715,13 +5139,7 @@
       </p:sp>
       <p:sp>
         <p:nvSpPr>
-          <p:cNvPr id="7" name="Espace réservé du numéro de diapositive 6">
-            <a:extLst>
-              <a:ext uri="{FF2B5EF4-FFF2-40B4-BE49-F238E27FC236}">
-                <a16:creationId xmlns:a16="http://schemas.microsoft.com/office/drawing/2014/main" id="{B2FA6855-5162-47BA-87C3-26BE38D5ABE1}"/>
-              </a:ext>
-            </a:extLst>
-          </p:cNvPr>
+          <p:cNvPr id="7" name="Slide Number Placeholder 6"/>
           <p:cNvSpPr>
             <a:spLocks noGrp="1"/>
           </p:cNvSpPr>
@@ -2745,7 +5163,7 @@
     </p:spTree>
     <p:extLst>
       <p:ext uri="{BB962C8B-B14F-4D97-AF65-F5344CB8AC3E}">
-        <p14:creationId xmlns:p14="http://schemas.microsoft.com/office/powerpoint/2010/main" val="1892922810"/>
+        <p14:creationId xmlns:p14="http://schemas.microsoft.com/office/powerpoint/2010/main" val="1570683512"/>
       </p:ext>
     </p:extLst>
   </p:cSld>
@@ -2759,8 +5177,8 @@
 <p:sldMaster xmlns:a="http://schemas.openxmlformats.org/drawingml/2006/main" xmlns:r="http://schemas.openxmlformats.org/officeDocument/2006/relationships" xmlns:p="http://schemas.openxmlformats.org/presentationml/2006/main">
   <p:cSld>
     <p:bg>
-      <p:bgRef idx="1001">
-        <a:schemeClr val="bg1"/>
+      <p:bgRef idx="1003">
+        <a:schemeClr val="bg2"/>
       </p:bgRef>
     </p:bg>
     <p:spTree>
@@ -2779,13 +5197,7 @@
       </p:grpSpPr>
       <p:sp>
         <p:nvSpPr>
-          <p:cNvPr id="2" name="Espace réservé du titre 1">
-            <a:extLst>
-              <a:ext uri="{FF2B5EF4-FFF2-40B4-BE49-F238E27FC236}">
-                <a16:creationId xmlns:a16="http://schemas.microsoft.com/office/drawing/2014/main" id="{5BD3E69F-DBCB-4FC7-A533-C7917BC38FA4}"/>
-              </a:ext>
-            </a:extLst>
-          </p:cNvPr>
+          <p:cNvPr id="2" name="Title Placeholder 1"/>
           <p:cNvSpPr>
             <a:spLocks noGrp="1"/>
           </p:cNvSpPr>
@@ -2795,12 +5207,19 @@
         </p:nvSpPr>
         <p:spPr>
           <a:xfrm>
-            <a:off x="838200" y="365125"/>
-            <a:ext cx="10515600" cy="1325563"/>
+            <a:off x="913795" y="609600"/>
+            <a:ext cx="10353762" cy="970450"/>
           </a:xfrm>
           <a:prstGeom prst="rect">
             <a:avLst/>
           </a:prstGeom>
+          <a:effectLst>
+            <a:outerShdw blurRad="25400" dir="17880000">
+              <a:srgbClr val="000000">
+                <a:alpha val="46000"/>
+              </a:srgbClr>
+            </a:outerShdw>
+          </a:effectLst>
         </p:spPr>
         <p:txBody>
           <a:bodyPr vert="horz" lIns="91440" tIns="45720" rIns="91440" bIns="45720" rtlCol="0" anchor="ctr">
@@ -2812,19 +5231,13 @@
               <a:rPr lang="fr-FR"/>
               <a:t>Modifiez le style du titre</a:t>
             </a:r>
-            <a:endParaRPr lang="en-US"/>
-          </a:p>
-        </p:txBody>
-      </p:sp>
-      <p:sp>
-        <p:nvSpPr>
-          <p:cNvPr id="3" name="Espace réservé du texte 2">
-            <a:extLst>
-              <a:ext uri="{FF2B5EF4-FFF2-40B4-BE49-F238E27FC236}">
-                <a16:creationId xmlns:a16="http://schemas.microsoft.com/office/drawing/2014/main" id="{0913E318-088E-4D44-ACC3-99F2E42A784C}"/>
-              </a:ext>
-            </a:extLst>
-          </p:cNvPr>
+            <a:endParaRPr lang="en-US" dirty="0"/>
+          </a:p>
+        </p:txBody>
+      </p:sp>
+      <p:sp>
+        <p:nvSpPr>
+          <p:cNvPr id="3" name="Text Placeholder 2"/>
           <p:cNvSpPr>
             <a:spLocks noGrp="1"/>
           </p:cNvSpPr>
@@ -2834,15 +5247,22 @@
         </p:nvSpPr>
         <p:spPr>
           <a:xfrm>
-            <a:off x="838200" y="1825625"/>
-            <a:ext cx="10515600" cy="4351338"/>
+            <a:off x="913795" y="1732449"/>
+            <a:ext cx="10353762" cy="4058751"/>
           </a:xfrm>
           <a:prstGeom prst="rect">
             <a:avLst/>
           </a:prstGeom>
+          <a:effectLst>
+            <a:outerShdw blurRad="25400" dir="17880000">
+              <a:srgbClr val="000000">
+                <a:alpha val="46000"/>
+              </a:srgbClr>
+            </a:outerShdw>
+          </a:effectLst>
         </p:spPr>
         <p:txBody>
-          <a:bodyPr vert="horz" lIns="91440" tIns="45720" rIns="91440" bIns="45720" rtlCol="0">
+          <a:bodyPr vert="horz" lIns="91440" tIns="45720" rIns="91440" bIns="45720" rtlCol="0" anchor="t">
             <a:normAutofit/>
           </a:bodyPr>
           <a:lstStyle/>
@@ -2880,19 +5300,13 @@
               <a:rPr lang="fr-FR"/>
               <a:t>Cinquième niveau</a:t>
             </a:r>
-            <a:endParaRPr lang="en-US"/>
-          </a:p>
-        </p:txBody>
-      </p:sp>
-      <p:sp>
-        <p:nvSpPr>
-          <p:cNvPr id="4" name="Espace réservé de la date 3">
-            <a:extLst>
-              <a:ext uri="{FF2B5EF4-FFF2-40B4-BE49-F238E27FC236}">
-                <a16:creationId xmlns:a16="http://schemas.microsoft.com/office/drawing/2014/main" id="{8C5DDF50-D40E-4A21-BC88-49E0B1B31FD7}"/>
-              </a:ext>
-            </a:extLst>
-          </p:cNvPr>
+            <a:endParaRPr lang="en-US" dirty="0"/>
+          </a:p>
+        </p:txBody>
+      </p:sp>
+      <p:sp>
+        <p:nvSpPr>
+          <p:cNvPr id="4" name="Date Placeholder 3"/>
           <p:cNvSpPr>
             <a:spLocks noGrp="1"/>
           </p:cNvSpPr>
@@ -2902,7 +5316,7 @@
         </p:nvSpPr>
         <p:spPr>
           <a:xfrm>
-            <a:off x="838200" y="6356350"/>
+            <a:off x="7678736" y="5883275"/>
             <a:ext cx="2743200" cy="365125"/>
           </a:xfrm>
           <a:prstGeom prst="rect">
@@ -2912,20 +5326,27 @@
         <p:txBody>
           <a:bodyPr vert="horz" lIns="91440" tIns="45720" rIns="91440" bIns="45720" rtlCol="0" anchor="ctr"/>
           <a:lstStyle>
-            <a:lvl1pPr algn="l">
-              <a:defRPr sz="1200">
+            <a:lvl1pPr algn="r">
+              <a:defRPr sz="1000">
                 <a:solidFill>
                   <a:schemeClr val="tx1">
-                    <a:tint val="75000"/>
+                    <a:lumMod val="95000"/>
                   </a:schemeClr>
                 </a:solidFill>
+                <a:effectLst>
+                  <a:outerShdw blurRad="50800" dist="38100" dir="2700000" algn="tl" rotWithShape="0">
+                    <a:schemeClr val="bg1">
+                      <a:alpha val="43000"/>
+                    </a:schemeClr>
+                  </a:outerShdw>
+                </a:effectLst>
               </a:defRPr>
             </a:lvl1pPr>
           </a:lstStyle>
           <a:p>
             <a:fld id="{5DEBCE38-401C-4D22-BACF-253FC7924B21}" type="datetimeFigureOut">
               <a:rPr lang="en-US" smtClean="0"/>
-              <a:t>3/4/2021</a:t>
+              <a:t>3/5/2021</a:t>
             </a:fld>
             <a:endParaRPr lang="en-US"/>
           </a:p>
@@ -2933,13 +5354,7 @@
       </p:sp>
       <p:sp>
         <p:nvSpPr>
-          <p:cNvPr id="5" name="Espace réservé du pied de page 4">
-            <a:extLst>
-              <a:ext uri="{FF2B5EF4-FFF2-40B4-BE49-F238E27FC236}">
-                <a16:creationId xmlns:a16="http://schemas.microsoft.com/office/drawing/2014/main" id="{C8BFC8AB-96D1-4327-A6EE-9C2AB59C37F5}"/>
-              </a:ext>
-            </a:extLst>
-          </p:cNvPr>
+          <p:cNvPr id="5" name="Footer Placeholder 4"/>
           <p:cNvSpPr>
             <a:spLocks noGrp="1"/>
           </p:cNvSpPr>
@@ -2949,8 +5364,8 @@
         </p:nvSpPr>
         <p:spPr>
           <a:xfrm>
-            <a:off x="4038600" y="6356350"/>
-            <a:ext cx="4114800" cy="365125"/>
+            <a:off x="913795" y="5883275"/>
+            <a:ext cx="6672865" cy="365125"/>
           </a:xfrm>
           <a:prstGeom prst="rect">
             <a:avLst/>
@@ -2959,13 +5374,20 @@
         <p:txBody>
           <a:bodyPr vert="horz" lIns="91440" tIns="45720" rIns="91440" bIns="45720" rtlCol="0" anchor="ctr"/>
           <a:lstStyle>
-            <a:lvl1pPr algn="ctr">
-              <a:defRPr sz="1200">
+            <a:lvl1pPr algn="l">
+              <a:defRPr sz="1000">
                 <a:solidFill>
                   <a:schemeClr val="tx1">
-                    <a:tint val="75000"/>
+                    <a:lumMod val="95000"/>
                   </a:schemeClr>
                 </a:solidFill>
+                <a:effectLst>
+                  <a:outerShdw blurRad="50800" dist="38100" dir="2700000" algn="tl" rotWithShape="0">
+                    <a:schemeClr val="bg1">
+                      <a:alpha val="43000"/>
+                    </a:schemeClr>
+                  </a:outerShdw>
+                </a:effectLst>
               </a:defRPr>
             </a:lvl1pPr>
           </a:lstStyle>
@@ -2976,13 +5398,7 @@
       </p:sp>
       <p:sp>
         <p:nvSpPr>
-          <p:cNvPr id="6" name="Espace réservé du numéro de diapositive 5">
-            <a:extLst>
-              <a:ext uri="{FF2B5EF4-FFF2-40B4-BE49-F238E27FC236}">
-                <a16:creationId xmlns:a16="http://schemas.microsoft.com/office/drawing/2014/main" id="{CE28F290-1F8E-4908-99EF-BD51369D1EFA}"/>
-              </a:ext>
-            </a:extLst>
-          </p:cNvPr>
+          <p:cNvPr id="6" name="Slide Number Placeholder 5"/>
           <p:cNvSpPr>
             <a:spLocks noGrp="1"/>
           </p:cNvSpPr>
@@ -2992,8 +5408,8 @@
         </p:nvSpPr>
         <p:spPr>
           <a:xfrm>
-            <a:off x="8610600" y="6356350"/>
-            <a:ext cx="2743200" cy="365125"/>
+            <a:off x="10514011" y="5883275"/>
+            <a:ext cx="753545" cy="365125"/>
           </a:xfrm>
           <a:prstGeom prst="rect">
             <a:avLst/>
@@ -3003,12 +5419,19 @@
           <a:bodyPr vert="horz" lIns="91440" tIns="45720" rIns="91440" bIns="45720" rtlCol="0" anchor="ctr"/>
           <a:lstStyle>
             <a:lvl1pPr algn="r">
-              <a:defRPr sz="1200">
+              <a:defRPr sz="1000">
                 <a:solidFill>
                   <a:schemeClr val="tx1">
-                    <a:tint val="75000"/>
+                    <a:lumMod val="95000"/>
                   </a:schemeClr>
                 </a:solidFill>
+                <a:effectLst>
+                  <a:outerShdw blurRad="50800" dist="38100" dir="2700000" algn="tl" rotWithShape="0">
+                    <a:schemeClr val="bg1">
+                      <a:alpha val="43000"/>
+                    </a:schemeClr>
+                  </a:outerShdw>
+                </a:effectLst>
               </a:defRPr>
             </a:lvl1pPr>
           </a:lstStyle>
@@ -3024,202 +5447,457 @@
     </p:spTree>
     <p:extLst>
       <p:ext uri="{BB962C8B-B14F-4D97-AF65-F5344CB8AC3E}">
-        <p14:creationId xmlns:p14="http://schemas.microsoft.com/office/powerpoint/2010/main" val="3422927986"/>
+        <p14:creationId xmlns:p14="http://schemas.microsoft.com/office/powerpoint/2010/main" val="2714002382"/>
       </p:ext>
     </p:extLst>
   </p:cSld>
-  <p:clrMap bg1="lt1" tx1="dk1" bg2="lt2" tx2="dk2" accent1="accent1" accent2="accent2" accent3="accent3" accent4="accent4" accent5="accent5" accent6="accent6" hlink="hlink" folHlink="folHlink"/>
+  <p:clrMap bg1="dk1" tx1="lt1" bg2="dk2" tx2="lt2" accent1="accent1" accent2="accent2" accent3="accent3" accent4="accent4" accent5="accent5" accent6="accent6" hlink="hlink" folHlink="folHlink"/>
   <p:sldLayoutIdLst>
-    <p:sldLayoutId id="2147483649" r:id="rId1"/>
-    <p:sldLayoutId id="2147483650" r:id="rId2"/>
-    <p:sldLayoutId id="2147483651" r:id="rId3"/>
-    <p:sldLayoutId id="2147483652" r:id="rId4"/>
-    <p:sldLayoutId id="2147483653" r:id="rId5"/>
-    <p:sldLayoutId id="2147483654" r:id="rId6"/>
-    <p:sldLayoutId id="2147483655" r:id="rId7"/>
-    <p:sldLayoutId id="2147483656" r:id="rId8"/>
-    <p:sldLayoutId id="2147483657" r:id="rId9"/>
-    <p:sldLayoutId id="2147483658" r:id="rId10"/>
-    <p:sldLayoutId id="2147483659" r:id="rId11"/>
+    <p:sldLayoutId id="2147483661" r:id="rId1"/>
+    <p:sldLayoutId id="2147483662" r:id="rId2"/>
+    <p:sldLayoutId id="2147483663" r:id="rId3"/>
+    <p:sldLayoutId id="2147483664" r:id="rId4"/>
+    <p:sldLayoutId id="2147483665" r:id="rId5"/>
+    <p:sldLayoutId id="2147483666" r:id="rId6"/>
+    <p:sldLayoutId id="2147483667" r:id="rId7"/>
+    <p:sldLayoutId id="2147483668" r:id="rId8"/>
+    <p:sldLayoutId id="2147483669" r:id="rId9"/>
+    <p:sldLayoutId id="2147483670" r:id="rId10"/>
+    <p:sldLayoutId id="2147483671" r:id="rId11"/>
+    <p:sldLayoutId id="2147483672" r:id="rId12"/>
+    <p:sldLayoutId id="2147483673" r:id="rId13"/>
+    <p:sldLayoutId id="2147483674" r:id="rId14"/>
+    <p:sldLayoutId id="2147483675" r:id="rId15"/>
+    <p:sldLayoutId id="2147483676" r:id="rId16"/>
+    <p:sldLayoutId id="2147483677" r:id="rId17"/>
   </p:sldLayoutIdLst>
   <p:txStyles>
     <p:titleStyle>
-      <a:lvl1pPr algn="l" defTabSz="914400" rtl="0" eaLnBrk="1" latinLnBrk="0" hangingPunct="1">
-        <a:lnSpc>
-          <a:spcPct val="90000"/>
-        </a:lnSpc>
+      <a:lvl1pPr algn="ctr" defTabSz="457200" rtl="0" eaLnBrk="1" latinLnBrk="0" hangingPunct="1">
         <a:spcBef>
           <a:spcPct val="0"/>
         </a:spcBef>
         <a:buNone/>
-        <a:defRPr sz="4400" kern="1200">
+        <a:defRPr sz="4000" kern="1200">
+          <a:ln>
+            <a:solidFill>
+              <a:schemeClr val="bg1">
+                <a:lumMod val="75000"/>
+                <a:lumOff val="25000"/>
+                <a:alpha val="10000"/>
+              </a:schemeClr>
+            </a:solidFill>
+          </a:ln>
           <a:solidFill>
-            <a:schemeClr val="tx1"/>
+            <a:schemeClr val="tx2"/>
           </a:solidFill>
+          <a:effectLst>
+            <a:outerShdw blurRad="9525" dist="25400" dir="14640000" algn="tl" rotWithShape="0">
+              <a:schemeClr val="bg1">
+                <a:alpha val="30000"/>
+              </a:schemeClr>
+            </a:outerShdw>
+          </a:effectLst>
           <a:latin typeface="+mj-lt"/>
           <a:ea typeface="+mj-ea"/>
-          <a:cs typeface="+mj-cs"/>
+          <a:cs typeface="Trebuchet MS"/>
         </a:defRPr>
       </a:lvl1pPr>
+      <a:lvl2pPr eaLnBrk="1" hangingPunct="1">
+        <a:defRPr>
+          <a:solidFill>
+            <a:schemeClr val="tx2"/>
+          </a:solidFill>
+        </a:defRPr>
+      </a:lvl2pPr>
+      <a:lvl3pPr eaLnBrk="1" hangingPunct="1">
+        <a:defRPr>
+          <a:solidFill>
+            <a:schemeClr val="tx2"/>
+          </a:solidFill>
+        </a:defRPr>
+      </a:lvl3pPr>
+      <a:lvl4pPr eaLnBrk="1" hangingPunct="1">
+        <a:defRPr>
+          <a:solidFill>
+            <a:schemeClr val="tx2"/>
+          </a:solidFill>
+        </a:defRPr>
+      </a:lvl4pPr>
+      <a:lvl5pPr eaLnBrk="1" hangingPunct="1">
+        <a:defRPr>
+          <a:solidFill>
+            <a:schemeClr val="tx2"/>
+          </a:solidFill>
+        </a:defRPr>
+      </a:lvl5pPr>
+      <a:lvl6pPr eaLnBrk="1" hangingPunct="1">
+        <a:defRPr>
+          <a:solidFill>
+            <a:schemeClr val="tx2"/>
+          </a:solidFill>
+        </a:defRPr>
+      </a:lvl6pPr>
+      <a:lvl7pPr eaLnBrk="1" hangingPunct="1">
+        <a:defRPr>
+          <a:solidFill>
+            <a:schemeClr val="tx2"/>
+          </a:solidFill>
+        </a:defRPr>
+      </a:lvl7pPr>
+      <a:lvl8pPr eaLnBrk="1" hangingPunct="1">
+        <a:defRPr>
+          <a:solidFill>
+            <a:schemeClr val="tx2"/>
+          </a:solidFill>
+        </a:defRPr>
+      </a:lvl8pPr>
+      <a:lvl9pPr eaLnBrk="1" hangingPunct="1">
+        <a:defRPr>
+          <a:solidFill>
+            <a:schemeClr val="tx2"/>
+          </a:solidFill>
+        </a:defRPr>
+      </a:lvl9pPr>
     </p:titleStyle>
     <p:bodyStyle>
-      <a:lvl1pPr marL="228600" indent="-228600" algn="l" defTabSz="914400" rtl="0" eaLnBrk="1" latinLnBrk="0" hangingPunct="1">
-        <a:lnSpc>
-          <a:spcPct val="90000"/>
-        </a:lnSpc>
+      <a:lvl1pPr marL="342900" indent="-306000" algn="l" defTabSz="457200" rtl="0" eaLnBrk="1" latinLnBrk="0" hangingPunct="1">
         <a:spcBef>
-          <a:spcPts val="1000"/>
+          <a:spcPct val="20000"/>
         </a:spcBef>
-        <a:buFont typeface="Arial" panose="020B0604020202020204" pitchFamily="34" charset="0"/>
-        <a:buChar char="•"/>
-        <a:defRPr sz="2800" kern="1200">
+        <a:spcAft>
+          <a:spcPts val="600"/>
+        </a:spcAft>
+        <a:buClr>
+          <a:schemeClr val="tx2"/>
+        </a:buClr>
+        <a:buSzPct val="70000"/>
+        <a:buFont typeface="Wingdings 2" charset="2"/>
+        <a:buChar char=""/>
+        <a:defRPr sz="2000" kern="1200">
+          <a:ln>
+            <a:solidFill>
+              <a:schemeClr val="bg1">
+                <a:lumMod val="75000"/>
+                <a:lumOff val="25000"/>
+                <a:alpha val="10000"/>
+              </a:schemeClr>
+            </a:solidFill>
+          </a:ln>
           <a:solidFill>
-            <a:schemeClr val="tx1"/>
+            <a:schemeClr val="tx2"/>
           </a:solidFill>
+          <a:effectLst>
+            <a:outerShdw blurRad="9525" dist="25400" dir="14640000" algn="tl" rotWithShape="0">
+              <a:schemeClr val="bg1">
+                <a:alpha val="30000"/>
+              </a:schemeClr>
+            </a:outerShdw>
+          </a:effectLst>
           <a:latin typeface="+mn-lt"/>
           <a:ea typeface="+mn-ea"/>
           <a:cs typeface="+mn-cs"/>
         </a:defRPr>
       </a:lvl1pPr>
-      <a:lvl2pPr marL="685800" indent="-228600" algn="l" defTabSz="914400" rtl="0" eaLnBrk="1" latinLnBrk="0" hangingPunct="1">
-        <a:lnSpc>
-          <a:spcPct val="90000"/>
-        </a:lnSpc>
+      <a:lvl2pPr marL="720000" indent="-270000" algn="l" defTabSz="457200" rtl="0" eaLnBrk="1" latinLnBrk="0" hangingPunct="1">
         <a:spcBef>
-          <a:spcPts val="500"/>
+          <a:spcPct val="20000"/>
         </a:spcBef>
-        <a:buFont typeface="Arial" panose="020B0604020202020204" pitchFamily="34" charset="0"/>
-        <a:buChar char="•"/>
-        <a:defRPr sz="2400" kern="1200">
+        <a:spcAft>
+          <a:spcPts val="600"/>
+        </a:spcAft>
+        <a:buClr>
+          <a:schemeClr val="tx2"/>
+        </a:buClr>
+        <a:buSzPct val="70000"/>
+        <a:buFont typeface="Wingdings 2" charset="2"/>
+        <a:buChar char=""/>
+        <a:defRPr sz="1800" kern="1200">
+          <a:ln>
+            <a:solidFill>
+              <a:schemeClr val="bg1">
+                <a:lumMod val="75000"/>
+                <a:lumOff val="25000"/>
+                <a:alpha val="10000"/>
+              </a:schemeClr>
+            </a:solidFill>
+          </a:ln>
           <a:solidFill>
-            <a:schemeClr val="tx1"/>
+            <a:schemeClr val="tx2"/>
           </a:solidFill>
+          <a:effectLst>
+            <a:outerShdw blurRad="9525" dist="25400" dir="14640000" algn="tl" rotWithShape="0">
+              <a:schemeClr val="bg1">
+                <a:alpha val="30000"/>
+              </a:schemeClr>
+            </a:outerShdw>
+          </a:effectLst>
           <a:latin typeface="+mn-lt"/>
           <a:ea typeface="+mn-ea"/>
           <a:cs typeface="+mn-cs"/>
         </a:defRPr>
       </a:lvl2pPr>
-      <a:lvl3pPr marL="1143000" indent="-228600" algn="l" defTabSz="914400" rtl="0" eaLnBrk="1" latinLnBrk="0" hangingPunct="1">
-        <a:lnSpc>
-          <a:spcPct val="90000"/>
-        </a:lnSpc>
+      <a:lvl3pPr marL="1026000" indent="-216000" algn="l" defTabSz="457200" rtl="0" eaLnBrk="1" latinLnBrk="0" hangingPunct="1">
         <a:spcBef>
-          <a:spcPts val="500"/>
+          <a:spcPct val="20000"/>
         </a:spcBef>
-        <a:buFont typeface="Arial" panose="020B0604020202020204" pitchFamily="34" charset="0"/>
-        <a:buChar char="•"/>
-        <a:defRPr sz="2000" kern="1200">
+        <a:spcAft>
+          <a:spcPts val="600"/>
+        </a:spcAft>
+        <a:buClr>
+          <a:schemeClr val="tx2"/>
+        </a:buClr>
+        <a:buSzPct val="70000"/>
+        <a:buFont typeface="Wingdings 2" charset="2"/>
+        <a:buChar char=""/>
+        <a:defRPr sz="1600" kern="1200">
+          <a:ln>
+            <a:solidFill>
+              <a:schemeClr val="bg1">
+                <a:lumMod val="75000"/>
+                <a:lumOff val="25000"/>
+                <a:alpha val="10000"/>
+              </a:schemeClr>
+            </a:solidFill>
+          </a:ln>
           <a:solidFill>
-            <a:schemeClr val="tx1"/>
+            <a:schemeClr val="tx2"/>
           </a:solidFill>
+          <a:effectLst>
+            <a:outerShdw blurRad="9525" dist="25400" dir="14640000" algn="tl" rotWithShape="0">
+              <a:schemeClr val="bg1">
+                <a:alpha val="30000"/>
+              </a:schemeClr>
+            </a:outerShdw>
+          </a:effectLst>
           <a:latin typeface="+mn-lt"/>
           <a:ea typeface="+mn-ea"/>
           <a:cs typeface="+mn-cs"/>
         </a:defRPr>
       </a:lvl3pPr>
-      <a:lvl4pPr marL="1600200" indent="-228600" algn="l" defTabSz="914400" rtl="0" eaLnBrk="1" latinLnBrk="0" hangingPunct="1">
-        <a:lnSpc>
-          <a:spcPct val="90000"/>
-        </a:lnSpc>
+      <a:lvl4pPr marL="1386000" indent="-216000" algn="l" defTabSz="457200" rtl="0" eaLnBrk="1" latinLnBrk="0" hangingPunct="1">
         <a:spcBef>
-          <a:spcPts val="500"/>
+          <a:spcPct val="20000"/>
         </a:spcBef>
-        <a:buFont typeface="Arial" panose="020B0604020202020204" pitchFamily="34" charset="0"/>
-        <a:buChar char="•"/>
-        <a:defRPr sz="1800" kern="1200">
+        <a:spcAft>
+          <a:spcPts val="600"/>
+        </a:spcAft>
+        <a:buClr>
+          <a:schemeClr val="tx2"/>
+        </a:buClr>
+        <a:buSzPct val="70000"/>
+        <a:buFont typeface="Wingdings 2" charset="2"/>
+        <a:buChar char=""/>
+        <a:defRPr sz="1400" kern="1200">
+          <a:ln>
+            <a:solidFill>
+              <a:schemeClr val="bg1">
+                <a:lumMod val="75000"/>
+                <a:lumOff val="25000"/>
+                <a:alpha val="10000"/>
+              </a:schemeClr>
+            </a:solidFill>
+          </a:ln>
           <a:solidFill>
-            <a:schemeClr val="tx1"/>
+            <a:schemeClr val="tx2"/>
           </a:solidFill>
+          <a:effectLst>
+            <a:outerShdw blurRad="9525" dist="25400" dir="14640000" algn="tl" rotWithShape="0">
+              <a:schemeClr val="bg1">
+                <a:alpha val="30000"/>
+              </a:schemeClr>
+            </a:outerShdw>
+          </a:effectLst>
           <a:latin typeface="+mn-lt"/>
           <a:ea typeface="+mn-ea"/>
           <a:cs typeface="+mn-cs"/>
         </a:defRPr>
       </a:lvl4pPr>
-      <a:lvl5pPr marL="2057400" indent="-228600" algn="l" defTabSz="914400" rtl="0" eaLnBrk="1" latinLnBrk="0" hangingPunct="1">
-        <a:lnSpc>
-          <a:spcPct val="90000"/>
-        </a:lnSpc>
+      <a:lvl5pPr marL="1674000" indent="-216000" algn="l" defTabSz="457200" rtl="0" eaLnBrk="1" latinLnBrk="0" hangingPunct="1">
         <a:spcBef>
-          <a:spcPts val="500"/>
+          <a:spcPct val="20000"/>
         </a:spcBef>
-        <a:buFont typeface="Arial" panose="020B0604020202020204" pitchFamily="34" charset="0"/>
-        <a:buChar char="•"/>
-        <a:defRPr sz="1800" kern="1200">
+        <a:spcAft>
+          <a:spcPts val="600"/>
+        </a:spcAft>
+        <a:buClr>
+          <a:schemeClr val="tx2"/>
+        </a:buClr>
+        <a:buSzPct val="70000"/>
+        <a:buFont typeface="Wingdings 2" charset="2"/>
+        <a:buChar char=""/>
+        <a:defRPr sz="1400" kern="1200">
+          <a:ln>
+            <a:solidFill>
+              <a:schemeClr val="bg1">
+                <a:lumMod val="75000"/>
+                <a:lumOff val="25000"/>
+                <a:alpha val="10000"/>
+              </a:schemeClr>
+            </a:solidFill>
+          </a:ln>
           <a:solidFill>
-            <a:schemeClr val="tx1"/>
+            <a:schemeClr val="tx2"/>
           </a:solidFill>
+          <a:effectLst>
+            <a:outerShdw blurRad="9525" dist="25400" dir="14640000" algn="tl" rotWithShape="0">
+              <a:schemeClr val="bg1">
+                <a:alpha val="30000"/>
+              </a:schemeClr>
+            </a:outerShdw>
+          </a:effectLst>
           <a:latin typeface="+mn-lt"/>
           <a:ea typeface="+mn-ea"/>
           <a:cs typeface="+mn-cs"/>
         </a:defRPr>
       </a:lvl5pPr>
-      <a:lvl6pPr marL="2514600" indent="-228600" algn="l" defTabSz="914400" rtl="0" eaLnBrk="1" latinLnBrk="0" hangingPunct="1">
-        <a:lnSpc>
-          <a:spcPct val="90000"/>
-        </a:lnSpc>
+      <a:lvl6pPr marL="2014600" indent="-228600" algn="l" defTabSz="457200" rtl="0" eaLnBrk="1" latinLnBrk="0" hangingPunct="1">
         <a:spcBef>
-          <a:spcPts val="500"/>
+          <a:spcPct val="20000"/>
         </a:spcBef>
-        <a:buFont typeface="Arial" panose="020B0604020202020204" pitchFamily="34" charset="0"/>
-        <a:buChar char="•"/>
-        <a:defRPr sz="1800" kern="1200">
+        <a:spcAft>
+          <a:spcPts val="600"/>
+        </a:spcAft>
+        <a:buClr>
+          <a:schemeClr val="tx2"/>
+        </a:buClr>
+        <a:buSzPct val="70000"/>
+        <a:buFont typeface="Wingdings 2" charset="2"/>
+        <a:buChar char=""/>
+        <a:defRPr sz="1400" kern="1200">
+          <a:ln>
+            <a:solidFill>
+              <a:schemeClr val="bg1">
+                <a:lumMod val="75000"/>
+                <a:lumOff val="25000"/>
+                <a:alpha val="10000"/>
+              </a:schemeClr>
+            </a:solidFill>
+          </a:ln>
           <a:solidFill>
-            <a:schemeClr val="tx1"/>
+            <a:schemeClr val="tx2"/>
           </a:solidFill>
+          <a:effectLst>
+            <a:outerShdw blurRad="9525" dist="25400" dir="14640000" algn="tl" rotWithShape="0">
+              <a:schemeClr val="bg1">
+                <a:alpha val="30000"/>
+              </a:schemeClr>
+            </a:outerShdw>
+          </a:effectLst>
           <a:latin typeface="+mn-lt"/>
           <a:ea typeface="+mn-ea"/>
           <a:cs typeface="+mn-cs"/>
         </a:defRPr>
       </a:lvl6pPr>
-      <a:lvl7pPr marL="2971800" indent="-228600" algn="l" defTabSz="914400" rtl="0" eaLnBrk="1" latinLnBrk="0" hangingPunct="1">
-        <a:lnSpc>
-          <a:spcPct val="90000"/>
-        </a:lnSpc>
+      <a:lvl7pPr marL="2401800" indent="-228600" algn="l" defTabSz="457200" rtl="0" eaLnBrk="1" latinLnBrk="0" hangingPunct="1">
         <a:spcBef>
-          <a:spcPts val="500"/>
+          <a:spcPct val="20000"/>
         </a:spcBef>
-        <a:buFont typeface="Arial" panose="020B0604020202020204" pitchFamily="34" charset="0"/>
-        <a:buChar char="•"/>
-        <a:defRPr sz="1800" kern="1200">
+        <a:spcAft>
+          <a:spcPts val="600"/>
+        </a:spcAft>
+        <a:buClr>
+          <a:schemeClr val="tx2"/>
+        </a:buClr>
+        <a:buSzPct val="70000"/>
+        <a:buFont typeface="Wingdings 2" charset="2"/>
+        <a:buChar char=""/>
+        <a:defRPr sz="1400" kern="1200">
+          <a:ln>
+            <a:solidFill>
+              <a:schemeClr val="bg1">
+                <a:lumMod val="75000"/>
+                <a:lumOff val="25000"/>
+                <a:alpha val="10000"/>
+              </a:schemeClr>
+            </a:solidFill>
+          </a:ln>
           <a:solidFill>
-            <a:schemeClr val="tx1"/>
+            <a:schemeClr val="tx2"/>
           </a:solidFill>
+          <a:effectLst>
+            <a:outerShdw blurRad="9525" dist="25400" dir="14640000" algn="tl" rotWithShape="0">
+              <a:schemeClr val="bg1">
+                <a:alpha val="30000"/>
+              </a:schemeClr>
+            </a:outerShdw>
+          </a:effectLst>
           <a:latin typeface="+mn-lt"/>
           <a:ea typeface="+mn-ea"/>
           <a:cs typeface="+mn-cs"/>
         </a:defRPr>
       </a:lvl7pPr>
-      <a:lvl8pPr marL="3429000" indent="-228600" algn="l" defTabSz="914400" rtl="0" eaLnBrk="1" latinLnBrk="0" hangingPunct="1">
-        <a:lnSpc>
-          <a:spcPct val="90000"/>
-        </a:lnSpc>
+      <a:lvl8pPr marL="2789000" indent="-228600" algn="l" defTabSz="457200" rtl="0" eaLnBrk="1" latinLnBrk="0" hangingPunct="1">
         <a:spcBef>
-          <a:spcPts val="500"/>
+          <a:spcPct val="20000"/>
         </a:spcBef>
-        <a:buFont typeface="Arial" panose="020B0604020202020204" pitchFamily="34" charset="0"/>
-        <a:buChar char="•"/>
-        <a:defRPr sz="1800" kern="1200">
+        <a:spcAft>
+          <a:spcPts val="600"/>
+        </a:spcAft>
+        <a:buClr>
+          <a:schemeClr val="tx2"/>
+        </a:buClr>
+        <a:buSzPct val="70000"/>
+        <a:buFont typeface="Wingdings 2" charset="2"/>
+        <a:buChar char=""/>
+        <a:defRPr sz="1400" kern="1200">
+          <a:ln>
+            <a:solidFill>
+              <a:schemeClr val="bg1">
+                <a:lumMod val="75000"/>
+                <a:lumOff val="25000"/>
+                <a:alpha val="10000"/>
+              </a:schemeClr>
+            </a:solidFill>
+          </a:ln>
           <a:solidFill>
-            <a:schemeClr val="tx1"/>
+            <a:schemeClr val="tx2"/>
           </a:solidFill>
+          <a:effectLst>
+            <a:outerShdw blurRad="9525" dist="25400" dir="14640000" algn="tl" rotWithShape="0">
+              <a:schemeClr val="bg1">
+                <a:alpha val="30000"/>
+              </a:schemeClr>
+            </a:outerShdw>
+          </a:effectLst>
           <a:latin typeface="+mn-lt"/>
           <a:ea typeface="+mn-ea"/>
           <a:cs typeface="+mn-cs"/>
         </a:defRPr>
       </a:lvl8pPr>
-      <a:lvl9pPr marL="3886200" indent="-228600" algn="l" defTabSz="914400" rtl="0" eaLnBrk="1" latinLnBrk="0" hangingPunct="1">
-        <a:lnSpc>
-          <a:spcPct val="90000"/>
-        </a:lnSpc>
+      <a:lvl9pPr marL="3106200" indent="-228600" algn="l" defTabSz="457200" rtl="0" eaLnBrk="1" latinLnBrk="0" hangingPunct="1">
         <a:spcBef>
-          <a:spcPts val="500"/>
+          <a:spcPct val="20000"/>
         </a:spcBef>
-        <a:buFont typeface="Arial" panose="020B0604020202020204" pitchFamily="34" charset="0"/>
-        <a:buChar char="•"/>
-        <a:defRPr sz="1800" kern="1200">
+        <a:spcAft>
+          <a:spcPts val="600"/>
+        </a:spcAft>
+        <a:buClr>
+          <a:schemeClr val="tx2"/>
+        </a:buClr>
+        <a:buSzPct val="70000"/>
+        <a:buFont typeface="Wingdings 2" charset="2"/>
+        <a:buChar char=""/>
+        <a:defRPr sz="1400" kern="1200">
+          <a:ln>
+            <a:solidFill>
+              <a:schemeClr val="bg1">
+                <a:lumMod val="75000"/>
+                <a:lumOff val="25000"/>
+                <a:alpha val="10000"/>
+              </a:schemeClr>
+            </a:solidFill>
+          </a:ln>
           <a:solidFill>
-            <a:schemeClr val="tx1"/>
+            <a:schemeClr val="tx2"/>
           </a:solidFill>
+          <a:effectLst>
+            <a:outerShdw blurRad="9525" dist="25400" dir="14640000" algn="tl" rotWithShape="0">
+              <a:schemeClr val="bg1">
+                <a:alpha val="30000"/>
+              </a:schemeClr>
+            </a:outerShdw>
+          </a:effectLst>
           <a:latin typeface="+mn-lt"/>
           <a:ea typeface="+mn-ea"/>
           <a:cs typeface="+mn-cs"/>
@@ -3230,7 +5908,7 @@
       <a:defPPr>
         <a:defRPr lang="en-US"/>
       </a:defPPr>
-      <a:lvl1pPr marL="0" algn="l" defTabSz="914400" rtl="0" eaLnBrk="1" latinLnBrk="0" hangingPunct="1">
+      <a:lvl1pPr marL="0" algn="l" defTabSz="457200" rtl="0" eaLnBrk="1" latinLnBrk="0" hangingPunct="1">
         <a:defRPr sz="1800" kern="1200">
           <a:solidFill>
             <a:schemeClr val="tx1"/>
@@ -3240,7 +5918,7 @@
           <a:cs typeface="+mn-cs"/>
         </a:defRPr>
       </a:lvl1pPr>
-      <a:lvl2pPr marL="457200" algn="l" defTabSz="914400" rtl="0" eaLnBrk="1" latinLnBrk="0" hangingPunct="1">
+      <a:lvl2pPr marL="457200" algn="l" defTabSz="457200" rtl="0" eaLnBrk="1" latinLnBrk="0" hangingPunct="1">
         <a:defRPr sz="1800" kern="1200">
           <a:solidFill>
             <a:schemeClr val="tx1"/>
@@ -3250,7 +5928,7 @@
           <a:cs typeface="+mn-cs"/>
         </a:defRPr>
       </a:lvl2pPr>
-      <a:lvl3pPr marL="914400" algn="l" defTabSz="914400" rtl="0" eaLnBrk="1" latinLnBrk="0" hangingPunct="1">
+      <a:lvl3pPr marL="914400" algn="l" defTabSz="457200" rtl="0" eaLnBrk="1" latinLnBrk="0" hangingPunct="1">
         <a:defRPr sz="1800" kern="1200">
           <a:solidFill>
             <a:schemeClr val="tx1"/>
@@ -3260,7 +5938,7 @@
           <a:cs typeface="+mn-cs"/>
         </a:defRPr>
       </a:lvl3pPr>
-      <a:lvl4pPr marL="1371600" algn="l" defTabSz="914400" rtl="0" eaLnBrk="1" latinLnBrk="0" hangingPunct="1">
+      <a:lvl4pPr marL="1371600" algn="l" defTabSz="457200" rtl="0" eaLnBrk="1" latinLnBrk="0" hangingPunct="1">
         <a:defRPr sz="1800" kern="1200">
           <a:solidFill>
             <a:schemeClr val="tx1"/>
@@ -3270,7 +5948,7 @@
           <a:cs typeface="+mn-cs"/>
         </a:defRPr>
       </a:lvl4pPr>
-      <a:lvl5pPr marL="1828800" algn="l" defTabSz="914400" rtl="0" eaLnBrk="1" latinLnBrk="0" hangingPunct="1">
+      <a:lvl5pPr marL="1828800" algn="l" defTabSz="457200" rtl="0" eaLnBrk="1" latinLnBrk="0" hangingPunct="1">
         <a:defRPr sz="1800" kern="1200">
           <a:solidFill>
             <a:schemeClr val="tx1"/>
@@ -3280,7 +5958,7 @@
           <a:cs typeface="+mn-cs"/>
         </a:defRPr>
       </a:lvl5pPr>
-      <a:lvl6pPr marL="2286000" algn="l" defTabSz="914400" rtl="0" eaLnBrk="1" latinLnBrk="0" hangingPunct="1">
+      <a:lvl6pPr marL="2286000" algn="l" defTabSz="457200" rtl="0" eaLnBrk="1" latinLnBrk="0" hangingPunct="1">
         <a:defRPr sz="1800" kern="1200">
           <a:solidFill>
             <a:schemeClr val="tx1"/>
@@ -3290,7 +5968,7 @@
           <a:cs typeface="+mn-cs"/>
         </a:defRPr>
       </a:lvl6pPr>
-      <a:lvl7pPr marL="2743200" algn="l" defTabSz="914400" rtl="0" eaLnBrk="1" latinLnBrk="0" hangingPunct="1">
+      <a:lvl7pPr marL="2743200" algn="l" defTabSz="457200" rtl="0" eaLnBrk="1" latinLnBrk="0" hangingPunct="1">
         <a:defRPr sz="1800" kern="1200">
           <a:solidFill>
             <a:schemeClr val="tx1"/>
@@ -3300,7 +5978,7 @@
           <a:cs typeface="+mn-cs"/>
         </a:defRPr>
       </a:lvl7pPr>
-      <a:lvl8pPr marL="3200400" algn="l" defTabSz="914400" rtl="0" eaLnBrk="1" latinLnBrk="0" hangingPunct="1">
+      <a:lvl8pPr marL="3200400" algn="l" defTabSz="457200" rtl="0" eaLnBrk="1" latinLnBrk="0" hangingPunct="1">
         <a:defRPr sz="1800" kern="1200">
           <a:solidFill>
             <a:schemeClr val="tx1"/>
@@ -3310,7 +5988,7 @@
           <a:cs typeface="+mn-cs"/>
         </a:defRPr>
       </a:lvl8pPr>
-      <a:lvl9pPr marL="3657600" algn="l" defTabSz="914400" rtl="0" eaLnBrk="1" latinLnBrk="0" hangingPunct="1">
+      <a:lvl9pPr marL="3657600" algn="l" defTabSz="457200" rtl="0" eaLnBrk="1" latinLnBrk="0" hangingPunct="1">
         <a:defRPr sz="1800" kern="1200">
           <a:solidFill>
             <a:schemeClr val="tx1"/>
@@ -3350,66 +6028,6 @@
           <a:chExt cx="0" cy="0"/>
         </a:xfrm>
       </p:grpSpPr>
-      <p:sp useBgFill="1">
-        <p:nvSpPr>
-          <p:cNvPr id="10" name="Rectangle 9">
-            <a:extLst>
-              <a:ext uri="{FF2B5EF4-FFF2-40B4-BE49-F238E27FC236}">
-                <a16:creationId xmlns:a16="http://schemas.microsoft.com/office/drawing/2014/main" id="{0671A8AE-40A1-4631-A6B8-581AFF065482}"/>
-              </a:ext>
-              <a:ext uri="{C183D7F6-B498-43B3-948B-1728B52AA6E4}">
-                <adec:decorative xmlns:adec="http://schemas.microsoft.com/office/drawing/2017/decorative" val="1"/>
-              </a:ext>
-            </a:extLst>
-          </p:cNvPr>
-          <p:cNvSpPr>
-            <a:spLocks noGrp="1" noRot="1" noChangeAspect="1" noMove="1" noResize="1" noEditPoints="1" noAdjustHandles="1" noChangeArrowheads="1" noChangeShapeType="1" noTextEdit="1"/>
-          </p:cNvSpPr>
-          <p:nvPr>
-            <p:extLst>
-              <p:ext uri="{386F3935-93C4-4BCD-93E2-E3B085C9AB24}">
-                <p16:designElem xmlns:p16="http://schemas.microsoft.com/office/powerpoint/2015/main" val="1"/>
-              </p:ext>
-            </p:extLst>
-          </p:nvPr>
-        </p:nvSpPr>
-        <p:spPr>
-          <a:xfrm>
-            <a:off x="0" y="0"/>
-            <a:ext cx="12192000" cy="6858000"/>
-          </a:xfrm>
-          <a:prstGeom prst="rect">
-            <a:avLst/>
-          </a:prstGeom>
-          <a:ln>
-            <a:noFill/>
-          </a:ln>
-        </p:spPr>
-        <p:style>
-          <a:lnRef idx="2">
-            <a:schemeClr val="accent1">
-              <a:shade val="50000"/>
-            </a:schemeClr>
-          </a:lnRef>
-          <a:fillRef idx="1">
-            <a:schemeClr val="accent1"/>
-          </a:fillRef>
-          <a:effectRef idx="0">
-            <a:schemeClr val="accent1"/>
-          </a:effectRef>
-          <a:fontRef idx="minor">
-            <a:schemeClr val="lt1"/>
-          </a:fontRef>
-        </p:style>
-        <p:txBody>
-          <a:bodyPr rtlCol="0" anchor="ctr"/>
-          <a:lstStyle/>
-          <a:p>
-            <a:pPr algn="ctr"/>
-            <a:endParaRPr lang="en-US"/>
-          </a:p>
-        </p:txBody>
-      </p:sp>
       <p:pic>
         <p:nvPicPr>
           <p:cNvPr id="5" name="Image 4" descr="Une image contenant texte, habits, posant&#10;&#10;Description générée automatiquement">
@@ -3437,95 +6055,14 @@
         </p:blipFill>
         <p:spPr>
           <a:xfrm>
-            <a:off x="3523488" y="10"/>
-            <a:ext cx="8668512" cy="6857990"/>
+            <a:off x="4267200" y="10"/>
+            <a:ext cx="7924800" cy="6857990"/>
           </a:xfrm>
           <a:prstGeom prst="rect">
             <a:avLst/>
           </a:prstGeom>
         </p:spPr>
       </p:pic>
-      <p:sp>
-        <p:nvSpPr>
-          <p:cNvPr id="12" name="Rectangle 11">
-            <a:extLst>
-              <a:ext uri="{FF2B5EF4-FFF2-40B4-BE49-F238E27FC236}">
-                <a16:creationId xmlns:a16="http://schemas.microsoft.com/office/drawing/2014/main" id="{AB58EF07-17C2-48CF-ABB0-EEF1F17CB8F0}"/>
-              </a:ext>
-              <a:ext uri="{C183D7F6-B498-43B3-948B-1728B52AA6E4}">
-                <adec:decorative xmlns:adec="http://schemas.microsoft.com/office/drawing/2017/decorative" val="1"/>
-              </a:ext>
-            </a:extLst>
-          </p:cNvPr>
-          <p:cNvSpPr>
-            <a:spLocks noGrp="1" noRot="1" noChangeAspect="1" noMove="1" noResize="1" noEditPoints="1" noAdjustHandles="1" noChangeArrowheads="1" noChangeShapeType="1" noTextEdit="1"/>
-          </p:cNvSpPr>
-          <p:nvPr>
-            <p:extLst>
-              <p:ext uri="{386F3935-93C4-4BCD-93E2-E3B085C9AB24}">
-                <p16:designElem xmlns:p16="http://schemas.microsoft.com/office/powerpoint/2015/main" val="1"/>
-              </p:ext>
-            </p:extLst>
-          </p:nvPr>
-        </p:nvSpPr>
-        <p:spPr>
-          <a:xfrm>
-            <a:off x="3" y="0"/>
-            <a:ext cx="9339206" cy="6858000"/>
-          </a:xfrm>
-          <a:prstGeom prst="rect">
-            <a:avLst/>
-          </a:prstGeom>
-          <a:gradFill>
-            <a:gsLst>
-              <a:gs pos="58000">
-                <a:schemeClr val="bg1"/>
-              </a:gs>
-              <a:gs pos="33000">
-                <a:schemeClr val="bg1">
-                  <a:alpha val="64000"/>
-                </a:schemeClr>
-              </a:gs>
-              <a:gs pos="0">
-                <a:schemeClr val="bg1">
-                  <a:alpha val="0"/>
-                </a:schemeClr>
-              </a:gs>
-              <a:gs pos="100000">
-                <a:schemeClr val="bg1"/>
-              </a:gs>
-            </a:gsLst>
-            <a:lin ang="10800000" scaled="0"/>
-          </a:gradFill>
-          <a:ln>
-            <a:noFill/>
-          </a:ln>
-        </p:spPr>
-        <p:style>
-          <a:lnRef idx="2">
-            <a:schemeClr val="accent1">
-              <a:shade val="50000"/>
-            </a:schemeClr>
-          </a:lnRef>
-          <a:fillRef idx="1">
-            <a:schemeClr val="accent1"/>
-          </a:fillRef>
-          <a:effectRef idx="0">
-            <a:schemeClr val="accent1"/>
-          </a:effectRef>
-          <a:fontRef idx="minor">
-            <a:schemeClr val="lt1"/>
-          </a:fontRef>
-        </p:style>
-        <p:txBody>
-          <a:bodyPr rtlCol="0" anchor="ctr"/>
-          <a:lstStyle/>
-          <a:p>
-            <a:pPr algn="ctr"/>
-            <a:endParaRPr lang="en-US" dirty="0"/>
-          </a:p>
-        </p:txBody>
-      </p:sp>
       <p:sp>
         <p:nvSpPr>
           <p:cNvPr id="2" name="Titre 1">
@@ -3649,179 +6186,18 @@
               <a:t>novel</a:t>
             </a:r>
             <a:r>
-              <a:rPr lang="fr-FR" sz="2000"/>
+              <a:rPr lang="fr-FR" sz="2000" dirty="0"/>
               <a:t> </a:t>
             </a:r>
             <a:r>
-              <a:rPr lang="fr-FR" sz="2000" i="1"/>
+              <a:rPr lang="fr-FR" sz="2000" i="1" dirty="0"/>
               <a:t>Jane Eyre</a:t>
             </a:r>
             <a:r>
-              <a:rPr lang="fr-FR" sz="2000"/>
+              <a:rPr lang="fr-FR" sz="2000" dirty="0"/>
               <a:t>.</a:t>
             </a:r>
-            <a:endParaRPr lang="en-US" sz="2000"/>
-          </a:p>
-        </p:txBody>
-      </p:sp>
-      <p:sp>
-        <p:nvSpPr>
-          <p:cNvPr id="14" name="Rectangle 13">
-            <a:extLst>
-              <a:ext uri="{FF2B5EF4-FFF2-40B4-BE49-F238E27FC236}">
-                <a16:creationId xmlns:a16="http://schemas.microsoft.com/office/drawing/2014/main" id="{AF2F604E-43BE-4DC3-B983-E071523364F8}"/>
-              </a:ext>
-              <a:ext uri="{C183D7F6-B498-43B3-948B-1728B52AA6E4}">
-                <adec:decorative xmlns:adec="http://schemas.microsoft.com/office/drawing/2017/decorative" val="1"/>
-              </a:ext>
-            </a:extLst>
-          </p:cNvPr>
-          <p:cNvSpPr>
-            <a:spLocks noGrp="1" noRot="1" noChangeAspect="1" noMove="1" noResize="1" noEditPoints="1" noAdjustHandles="1" noChangeArrowheads="1" noChangeShapeType="1" noTextEdit="1"/>
-          </p:cNvSpPr>
-          <p:nvPr>
-            <p:extLst>
-              <p:ext uri="{386F3935-93C4-4BCD-93E2-E3B085C9AB24}">
-                <p16:designElem xmlns:p16="http://schemas.microsoft.com/office/powerpoint/2015/main" val="1"/>
-              </p:ext>
-            </p:extLst>
-          </p:nvPr>
-        </p:nvSpPr>
-        <p:spPr>
-          <a:xfrm rot="5400000">
-            <a:off x="759921" y="346791"/>
-            <a:ext cx="146304" cy="704088"/>
-          </a:xfrm>
-          <a:prstGeom prst="rect">
-            <a:avLst/>
-          </a:prstGeom>
-          <a:solidFill>
-            <a:schemeClr val="accent2"/>
-          </a:solidFill>
-          <a:ln>
-            <a:noFill/>
-          </a:ln>
-        </p:spPr>
-        <p:style>
-          <a:lnRef idx="2">
-            <a:schemeClr val="accent1">
-              <a:shade val="50000"/>
-            </a:schemeClr>
-          </a:lnRef>
-          <a:fillRef idx="1">
-            <a:schemeClr val="accent1"/>
-          </a:fillRef>
-          <a:effectRef idx="0">
-            <a:schemeClr val="accent1"/>
-          </a:effectRef>
-          <a:fontRef idx="minor">
-            <a:schemeClr val="lt1"/>
-          </a:fontRef>
-        </p:style>
-        <p:txBody>
-          <a:bodyPr rtlCol="0" anchor="ctr"/>
-          <a:lstStyle/>
-          <a:p>
-            <a:pPr algn="ctr"/>
-            <a:endParaRPr lang="en-US">
-              <a:solidFill>
-                <a:prstClr val="white"/>
-              </a:solidFill>
-              <a:latin typeface="Calibri" panose="020F0502020204030204"/>
-            </a:endParaRPr>
-          </a:p>
-        </p:txBody>
-      </p:sp>
-      <p:sp>
-        <p:nvSpPr>
-          <p:cNvPr id="16" name="Rectangle 15">
-            <a:extLst>
-              <a:ext uri="{FF2B5EF4-FFF2-40B4-BE49-F238E27FC236}">
-                <a16:creationId xmlns:a16="http://schemas.microsoft.com/office/drawing/2014/main" id="{08C9B587-E65E-4B52-B37C-ABEBB6E87928}"/>
-              </a:ext>
-              <a:ext uri="{C183D7F6-B498-43B3-948B-1728B52AA6E4}">
-                <adec:decorative xmlns:adec="http://schemas.microsoft.com/office/drawing/2017/decorative" val="1"/>
-              </a:ext>
-            </a:extLst>
-          </p:cNvPr>
-          <p:cNvSpPr>
-            <a:spLocks noGrp="1" noRot="1" noChangeAspect="1" noMove="1" noResize="1" noEditPoints="1" noAdjustHandles="1" noChangeArrowheads="1" noChangeShapeType="1" noTextEdit="1"/>
-          </p:cNvSpPr>
-          <p:nvPr>
-            <p:extLst>
-              <p:ext uri="{386F3935-93C4-4BCD-93E2-E3B085C9AB24}">
-                <p16:designElem xmlns:p16="http://schemas.microsoft.com/office/powerpoint/2015/main" val="1"/>
-              </p:ext>
-            </p:extLst>
-          </p:nvPr>
-        </p:nvSpPr>
-        <p:spPr>
-          <a:xfrm>
-            <a:off x="481029" y="4546920"/>
-            <a:ext cx="3977640" cy="18288"/>
-          </a:xfrm>
-          <a:prstGeom prst="rect">
-            <a:avLst/>
-          </a:prstGeom>
-          <a:solidFill>
-            <a:schemeClr val="tx1"/>
-          </a:solidFill>
-          <a:ln w="3175">
-            <a:noFill/>
-          </a:ln>
-          <a:effectLst/>
-        </p:spPr>
-        <p:style>
-          <a:lnRef idx="2">
-            <a:schemeClr val="accent1">
-              <a:shade val="50000"/>
-            </a:schemeClr>
-          </a:lnRef>
-          <a:fillRef idx="1">
-            <a:schemeClr val="accent1"/>
-          </a:fillRef>
-          <a:effectRef idx="0">
-            <a:schemeClr val="accent1"/>
-          </a:effectRef>
-          <a:fontRef idx="minor">
-            <a:schemeClr val="lt1"/>
-          </a:fontRef>
-        </p:style>
-        <p:txBody>
-          <a:bodyPr rtlCol="0" anchor="ctr"/>
-          <a:lstStyle/>
-          <a:p>
-            <a:pPr marL="0" marR="0" lvl="0" indent="0" algn="ctr" defTabSz="914400" rtl="0" eaLnBrk="1" fontAlgn="auto" latinLnBrk="0" hangingPunct="1">
-              <a:lnSpc>
-                <a:spcPct val="100000"/>
-              </a:lnSpc>
-              <a:spcBef>
-                <a:spcPts val="0"/>
-              </a:spcBef>
-              <a:spcAft>
-                <a:spcPts val="0"/>
-              </a:spcAft>
-              <a:buClrTx/>
-              <a:buSzTx/>
-              <a:buFontTx/>
-              <a:buNone/>
-              <a:tabLst/>
-              <a:defRPr/>
-            </a:pPr>
-            <a:endParaRPr kumimoji="0" lang="en-US" sz="1800" b="0" i="0" u="none" strike="noStrike" kern="1200" cap="none" spc="0" normalizeH="0" baseline="0" noProof="0">
-              <a:ln>
-                <a:noFill/>
-              </a:ln>
-              <a:solidFill>
-                <a:prstClr val="white"/>
-              </a:solidFill>
-              <a:effectLst/>
-              <a:uLnTx/>
-              <a:uFillTx/>
-              <a:latin typeface="Calibri" panose="020F0502020204030204"/>
-              <a:ea typeface="+mn-ea"/>
-              <a:cs typeface="+mn-cs"/>
-            </a:endParaRPr>
+            <a:endParaRPr lang="en-US" sz="2000" dirty="0"/>
           </a:p>
         </p:txBody>
       </p:sp>
@@ -3838,10 +6214,646 @@
 </p:sld>
 </file>
 
+<file path=ppt/slides/slide2.xml><?xml version="1.0" encoding="utf-8"?>
+<p:sld xmlns:a="http://schemas.openxmlformats.org/drawingml/2006/main" xmlns:r="http://schemas.openxmlformats.org/officeDocument/2006/relationships" xmlns:p="http://schemas.openxmlformats.org/presentationml/2006/main">
+  <p:cSld>
+    <p:spTree>
+      <p:nvGrpSpPr>
+        <p:cNvPr id="1" name=""/>
+        <p:cNvGrpSpPr/>
+        <p:nvPr/>
+      </p:nvGrpSpPr>
+      <p:grpSpPr>
+        <a:xfrm>
+          <a:off x="0" y="0"/>
+          <a:ext cx="0" cy="0"/>
+          <a:chOff x="0" y="0"/>
+          <a:chExt cx="0" cy="0"/>
+        </a:xfrm>
+      </p:grpSpPr>
+      <p:sp>
+        <p:nvSpPr>
+          <p:cNvPr id="2" name="Titre 1">
+            <a:extLst>
+              <a:ext uri="{FF2B5EF4-FFF2-40B4-BE49-F238E27FC236}">
+                <a16:creationId xmlns:a16="http://schemas.microsoft.com/office/drawing/2014/main" id="{3A8B61AE-3246-4020-8B9B-B63A180B0E08}"/>
+              </a:ext>
+            </a:extLst>
+          </p:cNvPr>
+          <p:cNvSpPr>
+            <a:spLocks noGrp="1"/>
+          </p:cNvSpPr>
+          <p:nvPr>
+            <p:ph type="title"/>
+          </p:nvPr>
+        </p:nvSpPr>
+        <p:spPr/>
+        <p:txBody>
+          <a:bodyPr/>
+          <a:lstStyle/>
+          <a:p>
+            <a:r>
+              <a:rPr lang="fr-FR" dirty="0"/>
+              <a:t>The type of </a:t>
+            </a:r>
+            <a:r>
+              <a:rPr lang="fr-FR" dirty="0" err="1"/>
+              <a:t>narrator</a:t>
+            </a:r>
+            <a:endParaRPr lang="en-US" dirty="0"/>
+          </a:p>
+        </p:txBody>
+      </p:sp>
+      <p:pic>
+        <p:nvPicPr>
+          <p:cNvPr id="6" name="Espace réservé du contenu 5" descr="Une image contenant texte, habits, posant&#10;&#10;Description générée automatiquement">
+            <a:extLst>
+              <a:ext uri="{FF2B5EF4-FFF2-40B4-BE49-F238E27FC236}">
+                <a16:creationId xmlns:a16="http://schemas.microsoft.com/office/drawing/2014/main" id="{E976161B-9CDA-4788-8DBB-4061F0C0F740}"/>
+              </a:ext>
+            </a:extLst>
+          </p:cNvPr>
+          <p:cNvPicPr>
+            <a:picLocks noGrp="1" noChangeAspect="1"/>
+          </p:cNvPicPr>
+          <p:nvPr>
+            <p:ph sz="half" idx="1"/>
+          </p:nvPr>
+        </p:nvPicPr>
+        <p:blipFill>
+          <a:blip r:embed="rId2">
+            <a:extLst>
+              <a:ext uri="{28A0092B-C50C-407E-A947-70E740481C1C}">
+                <a14:useLocalDpi xmlns:a14="http://schemas.microsoft.com/office/drawing/2010/main" val="0"/>
+              </a:ext>
+            </a:extLst>
+          </a:blip>
+          <a:stretch>
+            <a:fillRect/>
+          </a:stretch>
+        </p:blipFill>
+        <p:spPr>
+          <a:xfrm>
+            <a:off x="231234" y="1732449"/>
+            <a:ext cx="5064665" cy="3798498"/>
+          </a:xfrm>
+        </p:spPr>
+      </p:pic>
+      <p:sp>
+        <p:nvSpPr>
+          <p:cNvPr id="4" name="Espace réservé du contenu 3">
+            <a:extLst>
+              <a:ext uri="{FF2B5EF4-FFF2-40B4-BE49-F238E27FC236}">
+                <a16:creationId xmlns:a16="http://schemas.microsoft.com/office/drawing/2014/main" id="{3EE08F52-65D8-4020-8863-F5466B522731}"/>
+              </a:ext>
+            </a:extLst>
+          </p:cNvPr>
+          <p:cNvSpPr>
+            <a:spLocks noGrp="1"/>
+          </p:cNvSpPr>
+          <p:nvPr>
+            <p:ph sz="half" idx="2"/>
+          </p:nvPr>
+        </p:nvSpPr>
+        <p:spPr>
+          <a:xfrm>
+            <a:off x="6202892" y="1732449"/>
+            <a:ext cx="5064665" cy="705951"/>
+          </a:xfrm>
+        </p:spPr>
+        <p:txBody>
+          <a:bodyPr>
+            <a:normAutofit/>
+          </a:bodyPr>
+          <a:lstStyle/>
+          <a:p>
+            <a:r>
+              <a:rPr lang="fr-FR" sz="3200" u="sng" dirty="0"/>
+              <a:t>A first </a:t>
+            </a:r>
+            <a:r>
+              <a:rPr lang="fr-FR" sz="3200" u="sng" dirty="0" err="1"/>
+              <a:t>person</a:t>
+            </a:r>
+            <a:r>
+              <a:rPr lang="fr-FR" sz="3200" u="sng" dirty="0"/>
+              <a:t> </a:t>
+            </a:r>
+            <a:r>
+              <a:rPr lang="fr-FR" sz="3200" u="sng" dirty="0" err="1"/>
+              <a:t>narrator</a:t>
+            </a:r>
+            <a:endParaRPr lang="fr-FR" sz="3200" u="sng" dirty="0"/>
+          </a:p>
+        </p:txBody>
+      </p:sp>
+      <p:sp>
+        <p:nvSpPr>
+          <p:cNvPr id="8" name="Espace réservé du contenu 3">
+            <a:extLst>
+              <a:ext uri="{FF2B5EF4-FFF2-40B4-BE49-F238E27FC236}">
+                <a16:creationId xmlns:a16="http://schemas.microsoft.com/office/drawing/2014/main" id="{AF159DA4-DC30-4D38-897C-FBA3A9C87105}"/>
+              </a:ext>
+            </a:extLst>
+          </p:cNvPr>
+          <p:cNvSpPr txBox="1">
+            <a:spLocks/>
+          </p:cNvSpPr>
+          <p:nvPr/>
+        </p:nvSpPr>
+        <p:spPr>
+          <a:xfrm>
+            <a:off x="6202892" y="2657258"/>
+            <a:ext cx="5064665" cy="2714842"/>
+          </a:xfrm>
+          <a:prstGeom prst="rect">
+            <a:avLst/>
+          </a:prstGeom>
+          <a:effectLst>
+            <a:outerShdw blurRad="25400" dir="17880000">
+              <a:srgbClr val="000000">
+                <a:alpha val="46000"/>
+              </a:srgbClr>
+            </a:outerShdw>
+          </a:effectLst>
+        </p:spPr>
+        <p:txBody>
+          <a:bodyPr vert="horz" lIns="91440" tIns="45720" rIns="91440" bIns="45720" rtlCol="0" anchor="t">
+            <a:normAutofit lnSpcReduction="10000"/>
+          </a:bodyPr>
+          <a:lstStyle>
+            <a:lvl1pPr marL="342900" indent="-306000" algn="l" defTabSz="457200" rtl="0" eaLnBrk="1" latinLnBrk="0" hangingPunct="1">
+              <a:spcBef>
+                <a:spcPct val="20000"/>
+              </a:spcBef>
+              <a:spcAft>
+                <a:spcPts val="600"/>
+              </a:spcAft>
+              <a:buClr>
+                <a:schemeClr val="tx2"/>
+              </a:buClr>
+              <a:buSzPct val="70000"/>
+              <a:buFont typeface="Wingdings 2" charset="2"/>
+              <a:buChar char=""/>
+              <a:defRPr sz="2000" kern="1200">
+                <a:ln>
+                  <a:solidFill>
+                    <a:schemeClr val="bg1">
+                      <a:lumMod val="75000"/>
+                      <a:lumOff val="25000"/>
+                      <a:alpha val="10000"/>
+                    </a:schemeClr>
+                  </a:solidFill>
+                </a:ln>
+                <a:solidFill>
+                  <a:schemeClr val="tx2"/>
+                </a:solidFill>
+                <a:effectLst>
+                  <a:outerShdw blurRad="9525" dist="25400" dir="14640000" algn="tl" rotWithShape="0">
+                    <a:schemeClr val="bg1">
+                      <a:alpha val="30000"/>
+                    </a:schemeClr>
+                  </a:outerShdw>
+                </a:effectLst>
+                <a:latin typeface="+mn-lt"/>
+                <a:ea typeface="+mn-ea"/>
+                <a:cs typeface="+mn-cs"/>
+              </a:defRPr>
+            </a:lvl1pPr>
+            <a:lvl2pPr marL="720000" indent="-270000" algn="l" defTabSz="457200" rtl="0" eaLnBrk="1" latinLnBrk="0" hangingPunct="1">
+              <a:spcBef>
+                <a:spcPct val="20000"/>
+              </a:spcBef>
+              <a:spcAft>
+                <a:spcPts val="600"/>
+              </a:spcAft>
+              <a:buClr>
+                <a:schemeClr val="tx2"/>
+              </a:buClr>
+              <a:buSzPct val="70000"/>
+              <a:buFont typeface="Wingdings 2" charset="2"/>
+              <a:buChar char=""/>
+              <a:defRPr sz="1800" kern="1200">
+                <a:ln>
+                  <a:solidFill>
+                    <a:schemeClr val="bg1">
+                      <a:lumMod val="75000"/>
+                      <a:lumOff val="25000"/>
+                      <a:alpha val="10000"/>
+                    </a:schemeClr>
+                  </a:solidFill>
+                </a:ln>
+                <a:solidFill>
+                  <a:schemeClr val="tx2"/>
+                </a:solidFill>
+                <a:effectLst>
+                  <a:outerShdw blurRad="9525" dist="25400" dir="14640000" algn="tl" rotWithShape="0">
+                    <a:schemeClr val="bg1">
+                      <a:alpha val="30000"/>
+                    </a:schemeClr>
+                  </a:outerShdw>
+                </a:effectLst>
+                <a:latin typeface="+mn-lt"/>
+                <a:ea typeface="+mn-ea"/>
+                <a:cs typeface="+mn-cs"/>
+              </a:defRPr>
+            </a:lvl2pPr>
+            <a:lvl3pPr marL="1026000" indent="-216000" algn="l" defTabSz="457200" rtl="0" eaLnBrk="1" latinLnBrk="0" hangingPunct="1">
+              <a:spcBef>
+                <a:spcPct val="20000"/>
+              </a:spcBef>
+              <a:spcAft>
+                <a:spcPts val="600"/>
+              </a:spcAft>
+              <a:buClr>
+                <a:schemeClr val="tx2"/>
+              </a:buClr>
+              <a:buSzPct val="70000"/>
+              <a:buFont typeface="Wingdings 2" charset="2"/>
+              <a:buChar char=""/>
+              <a:defRPr sz="1600" kern="1200">
+                <a:ln>
+                  <a:solidFill>
+                    <a:schemeClr val="bg1">
+                      <a:lumMod val="75000"/>
+                      <a:lumOff val="25000"/>
+                      <a:alpha val="10000"/>
+                    </a:schemeClr>
+                  </a:solidFill>
+                </a:ln>
+                <a:solidFill>
+                  <a:schemeClr val="tx2"/>
+                </a:solidFill>
+                <a:effectLst>
+                  <a:outerShdw blurRad="9525" dist="25400" dir="14640000" algn="tl" rotWithShape="0">
+                    <a:schemeClr val="bg1">
+                      <a:alpha val="30000"/>
+                    </a:schemeClr>
+                  </a:outerShdw>
+                </a:effectLst>
+                <a:latin typeface="+mn-lt"/>
+                <a:ea typeface="+mn-ea"/>
+                <a:cs typeface="+mn-cs"/>
+              </a:defRPr>
+            </a:lvl3pPr>
+            <a:lvl4pPr marL="1386000" indent="-216000" algn="l" defTabSz="457200" rtl="0" eaLnBrk="1" latinLnBrk="0" hangingPunct="1">
+              <a:spcBef>
+                <a:spcPct val="20000"/>
+              </a:spcBef>
+              <a:spcAft>
+                <a:spcPts val="600"/>
+              </a:spcAft>
+              <a:buClr>
+                <a:schemeClr val="tx2"/>
+              </a:buClr>
+              <a:buSzPct val="70000"/>
+              <a:buFont typeface="Wingdings 2" charset="2"/>
+              <a:buChar char=""/>
+              <a:defRPr sz="1400" kern="1200">
+                <a:ln>
+                  <a:solidFill>
+                    <a:schemeClr val="bg1">
+                      <a:lumMod val="75000"/>
+                      <a:lumOff val="25000"/>
+                      <a:alpha val="10000"/>
+                    </a:schemeClr>
+                  </a:solidFill>
+                </a:ln>
+                <a:solidFill>
+                  <a:schemeClr val="tx2"/>
+                </a:solidFill>
+                <a:effectLst>
+                  <a:outerShdw blurRad="9525" dist="25400" dir="14640000" algn="tl" rotWithShape="0">
+                    <a:schemeClr val="bg1">
+                      <a:alpha val="30000"/>
+                    </a:schemeClr>
+                  </a:outerShdw>
+                </a:effectLst>
+                <a:latin typeface="+mn-lt"/>
+                <a:ea typeface="+mn-ea"/>
+                <a:cs typeface="+mn-cs"/>
+              </a:defRPr>
+            </a:lvl4pPr>
+            <a:lvl5pPr marL="1674000" indent="-216000" algn="l" defTabSz="457200" rtl="0" eaLnBrk="1" latinLnBrk="0" hangingPunct="1">
+              <a:spcBef>
+                <a:spcPct val="20000"/>
+              </a:spcBef>
+              <a:spcAft>
+                <a:spcPts val="600"/>
+              </a:spcAft>
+              <a:buClr>
+                <a:schemeClr val="tx2"/>
+              </a:buClr>
+              <a:buSzPct val="70000"/>
+              <a:buFont typeface="Wingdings 2" charset="2"/>
+              <a:buChar char=""/>
+              <a:defRPr sz="1400" kern="1200">
+                <a:ln>
+                  <a:solidFill>
+                    <a:schemeClr val="bg1">
+                      <a:lumMod val="75000"/>
+                      <a:lumOff val="25000"/>
+                      <a:alpha val="10000"/>
+                    </a:schemeClr>
+                  </a:solidFill>
+                </a:ln>
+                <a:solidFill>
+                  <a:schemeClr val="tx2"/>
+                </a:solidFill>
+                <a:effectLst>
+                  <a:outerShdw blurRad="9525" dist="25400" dir="14640000" algn="tl" rotWithShape="0">
+                    <a:schemeClr val="bg1">
+                      <a:alpha val="30000"/>
+                    </a:schemeClr>
+                  </a:outerShdw>
+                </a:effectLst>
+                <a:latin typeface="+mn-lt"/>
+                <a:ea typeface="+mn-ea"/>
+                <a:cs typeface="+mn-cs"/>
+              </a:defRPr>
+            </a:lvl5pPr>
+            <a:lvl6pPr marL="2014600" indent="-228600" algn="l" defTabSz="457200" rtl="0" eaLnBrk="1" latinLnBrk="0" hangingPunct="1">
+              <a:spcBef>
+                <a:spcPct val="20000"/>
+              </a:spcBef>
+              <a:spcAft>
+                <a:spcPts val="600"/>
+              </a:spcAft>
+              <a:buClr>
+                <a:schemeClr val="tx2"/>
+              </a:buClr>
+              <a:buSzPct val="70000"/>
+              <a:buFont typeface="Wingdings 2" charset="2"/>
+              <a:buChar char=""/>
+              <a:defRPr sz="1400" kern="1200">
+                <a:ln>
+                  <a:solidFill>
+                    <a:schemeClr val="bg1">
+                      <a:lumMod val="75000"/>
+                      <a:lumOff val="25000"/>
+                      <a:alpha val="10000"/>
+                    </a:schemeClr>
+                  </a:solidFill>
+                </a:ln>
+                <a:solidFill>
+                  <a:schemeClr val="tx2"/>
+                </a:solidFill>
+                <a:effectLst>
+                  <a:outerShdw blurRad="9525" dist="25400" dir="14640000" algn="tl" rotWithShape="0">
+                    <a:schemeClr val="bg1">
+                      <a:alpha val="30000"/>
+                    </a:schemeClr>
+                  </a:outerShdw>
+                </a:effectLst>
+                <a:latin typeface="+mn-lt"/>
+                <a:ea typeface="+mn-ea"/>
+                <a:cs typeface="+mn-cs"/>
+              </a:defRPr>
+            </a:lvl6pPr>
+            <a:lvl7pPr marL="2401800" indent="-228600" algn="l" defTabSz="457200" rtl="0" eaLnBrk="1" latinLnBrk="0" hangingPunct="1">
+              <a:spcBef>
+                <a:spcPct val="20000"/>
+              </a:spcBef>
+              <a:spcAft>
+                <a:spcPts val="600"/>
+              </a:spcAft>
+              <a:buClr>
+                <a:schemeClr val="tx2"/>
+              </a:buClr>
+              <a:buSzPct val="70000"/>
+              <a:buFont typeface="Wingdings 2" charset="2"/>
+              <a:buChar char=""/>
+              <a:defRPr sz="1400" kern="1200">
+                <a:ln>
+                  <a:solidFill>
+                    <a:schemeClr val="bg1">
+                      <a:lumMod val="75000"/>
+                      <a:lumOff val="25000"/>
+                      <a:alpha val="10000"/>
+                    </a:schemeClr>
+                  </a:solidFill>
+                </a:ln>
+                <a:solidFill>
+                  <a:schemeClr val="tx2"/>
+                </a:solidFill>
+                <a:effectLst>
+                  <a:outerShdw blurRad="9525" dist="25400" dir="14640000" algn="tl" rotWithShape="0">
+                    <a:schemeClr val="bg1">
+                      <a:alpha val="30000"/>
+                    </a:schemeClr>
+                  </a:outerShdw>
+                </a:effectLst>
+                <a:latin typeface="+mn-lt"/>
+                <a:ea typeface="+mn-ea"/>
+                <a:cs typeface="+mn-cs"/>
+              </a:defRPr>
+            </a:lvl7pPr>
+            <a:lvl8pPr marL="2789000" indent="-228600" algn="l" defTabSz="457200" rtl="0" eaLnBrk="1" latinLnBrk="0" hangingPunct="1">
+              <a:spcBef>
+                <a:spcPct val="20000"/>
+              </a:spcBef>
+              <a:spcAft>
+                <a:spcPts val="600"/>
+              </a:spcAft>
+              <a:buClr>
+                <a:schemeClr val="tx2"/>
+              </a:buClr>
+              <a:buSzPct val="70000"/>
+              <a:buFont typeface="Wingdings 2" charset="2"/>
+              <a:buChar char=""/>
+              <a:defRPr sz="1400" kern="1200">
+                <a:ln>
+                  <a:solidFill>
+                    <a:schemeClr val="bg1">
+                      <a:lumMod val="75000"/>
+                      <a:lumOff val="25000"/>
+                      <a:alpha val="10000"/>
+                    </a:schemeClr>
+                  </a:solidFill>
+                </a:ln>
+                <a:solidFill>
+                  <a:schemeClr val="tx2"/>
+                </a:solidFill>
+                <a:effectLst>
+                  <a:outerShdw blurRad="9525" dist="25400" dir="14640000" algn="tl" rotWithShape="0">
+                    <a:schemeClr val="bg1">
+                      <a:alpha val="30000"/>
+                    </a:schemeClr>
+                  </a:outerShdw>
+                </a:effectLst>
+                <a:latin typeface="+mn-lt"/>
+                <a:ea typeface="+mn-ea"/>
+                <a:cs typeface="+mn-cs"/>
+              </a:defRPr>
+            </a:lvl8pPr>
+            <a:lvl9pPr marL="3106200" indent="-228600" algn="l" defTabSz="457200" rtl="0" eaLnBrk="1" latinLnBrk="0" hangingPunct="1">
+              <a:spcBef>
+                <a:spcPct val="20000"/>
+              </a:spcBef>
+              <a:spcAft>
+                <a:spcPts val="600"/>
+              </a:spcAft>
+              <a:buClr>
+                <a:schemeClr val="tx2"/>
+              </a:buClr>
+              <a:buSzPct val="70000"/>
+              <a:buFont typeface="Wingdings 2" charset="2"/>
+              <a:buChar char=""/>
+              <a:defRPr sz="1400" kern="1200">
+                <a:ln>
+                  <a:solidFill>
+                    <a:schemeClr val="bg1">
+                      <a:lumMod val="75000"/>
+                      <a:lumOff val="25000"/>
+                      <a:alpha val="10000"/>
+                    </a:schemeClr>
+                  </a:solidFill>
+                </a:ln>
+                <a:solidFill>
+                  <a:schemeClr val="tx2"/>
+                </a:solidFill>
+                <a:effectLst>
+                  <a:outerShdw blurRad="9525" dist="25400" dir="14640000" algn="tl" rotWithShape="0">
+                    <a:schemeClr val="bg1">
+                      <a:alpha val="30000"/>
+                    </a:schemeClr>
+                  </a:outerShdw>
+                </a:effectLst>
+                <a:latin typeface="+mn-lt"/>
+                <a:ea typeface="+mn-ea"/>
+                <a:cs typeface="+mn-cs"/>
+              </a:defRPr>
+            </a:lvl9pPr>
+          </a:lstStyle>
+          <a:p>
+            <a:r>
+              <a:rPr lang="fr-FR" sz="3200" u="sng" dirty="0"/>
+              <a:t>The </a:t>
+            </a:r>
+            <a:r>
+              <a:rPr lang="fr-FR" sz="3200" u="sng" dirty="0" err="1"/>
+              <a:t>effect</a:t>
+            </a:r>
+            <a:r>
+              <a:rPr lang="fr-FR" sz="3200" u="sng" dirty="0"/>
+              <a:t> </a:t>
+            </a:r>
+            <a:r>
+              <a:rPr lang="fr-FR" sz="3200" u="sng" dirty="0" err="1"/>
+              <a:t>produced</a:t>
+            </a:r>
+            <a:r>
+              <a:rPr lang="fr-FR" sz="3200" u="sng" dirty="0"/>
+              <a:t>:</a:t>
+            </a:r>
+          </a:p>
+          <a:p>
+            <a:pPr lvl="1"/>
+            <a:r>
+              <a:rPr lang="fr-FR" sz="3200" u="sng" dirty="0" err="1"/>
+              <a:t>We</a:t>
+            </a:r>
+            <a:r>
+              <a:rPr lang="fr-FR" sz="3200" u="sng" dirty="0"/>
+              <a:t> </a:t>
+            </a:r>
+            <a:r>
+              <a:rPr lang="fr-FR" sz="3200" u="sng" dirty="0" err="1"/>
+              <a:t>feel</a:t>
+            </a:r>
+            <a:r>
+              <a:rPr lang="fr-FR" sz="3200" u="sng" dirty="0"/>
+              <a:t> the </a:t>
+            </a:r>
+            <a:r>
+              <a:rPr lang="fr-FR" sz="3200" u="sng" dirty="0" err="1"/>
+              <a:t>same</a:t>
+            </a:r>
+            <a:r>
+              <a:rPr lang="fr-FR" sz="3200" u="sng" dirty="0"/>
+              <a:t> </a:t>
+            </a:r>
+            <a:r>
+              <a:rPr lang="fr-FR" sz="3200" u="sng" dirty="0" err="1"/>
+              <a:t>way</a:t>
+            </a:r>
+            <a:r>
+              <a:rPr lang="fr-FR" sz="3200" u="sng" dirty="0"/>
+              <a:t> </a:t>
+            </a:r>
+            <a:r>
+              <a:rPr lang="fr-FR" sz="3200" u="sng" dirty="0" err="1"/>
+              <a:t>than</a:t>
+            </a:r>
+            <a:r>
+              <a:rPr lang="fr-FR" sz="3200" u="sng" dirty="0"/>
+              <a:t> </a:t>
+            </a:r>
+            <a:r>
+              <a:rPr lang="fr-FR" sz="3200" u="sng" dirty="0" err="1"/>
+              <a:t>her</a:t>
+            </a:r>
+            <a:endParaRPr lang="fr-FR" sz="3200" u="sng" dirty="0"/>
+          </a:p>
+          <a:p>
+            <a:pPr lvl="1"/>
+            <a:r>
+              <a:rPr lang="fr-FR" sz="3200" u="sng" dirty="0" err="1"/>
+              <a:t>We</a:t>
+            </a:r>
+            <a:r>
+              <a:rPr lang="fr-FR" sz="3200" u="sng" dirty="0"/>
+              <a:t> </a:t>
+            </a:r>
+            <a:r>
+              <a:rPr lang="fr-FR" sz="3200" u="sng" dirty="0" err="1"/>
+              <a:t>see</a:t>
+            </a:r>
+            <a:r>
+              <a:rPr lang="fr-FR" sz="3200" u="sng" dirty="0"/>
+              <a:t> the </a:t>
+            </a:r>
+            <a:r>
+              <a:rPr lang="fr-FR" sz="3200" u="sng" dirty="0" err="1"/>
+              <a:t>same</a:t>
+            </a:r>
+            <a:r>
+              <a:rPr lang="fr-FR" sz="3200" u="sng" dirty="0"/>
+              <a:t> </a:t>
+            </a:r>
+            <a:r>
+              <a:rPr lang="fr-FR" sz="3200" u="sng" dirty="0" err="1"/>
+              <a:t>things</a:t>
+            </a:r>
+            <a:r>
+              <a:rPr lang="fr-FR" sz="3200" u="sng" dirty="0"/>
+              <a:t> as </a:t>
+            </a:r>
+            <a:r>
+              <a:rPr lang="fr-FR" sz="3200" u="sng" dirty="0" err="1"/>
+              <a:t>her</a:t>
+            </a:r>
+            <a:endParaRPr lang="fr-FR" sz="3200" u="sng" dirty="0"/>
+          </a:p>
+        </p:txBody>
+      </p:sp>
+    </p:spTree>
+    <p:extLst>
+      <p:ext uri="{BB962C8B-B14F-4D97-AF65-F5344CB8AC3E}">
+        <p14:creationId xmlns:p14="http://schemas.microsoft.com/office/powerpoint/2010/main" val="3091971703"/>
+      </p:ext>
+    </p:extLst>
+  </p:cSld>
+  <p:clrMapOvr>
+    <a:masterClrMapping/>
+  </p:clrMapOvr>
+</p:sld>
+</file>
+
 <file path=ppt/theme/theme1.xml><?xml version="1.0" encoding="utf-8"?>
-<a:theme xmlns:a="http://schemas.openxmlformats.org/drawingml/2006/main" name="Thème Office">
+<a:theme xmlns:a="http://schemas.openxmlformats.org/drawingml/2006/main" name="Ardoise">
   <a:themeElements>
-    <a:clrScheme name="Office">
+    <a:clrScheme name="Ardoise">
       <a:dk1>
         <a:sysClr val="windowText" lastClr="000000"/>
       </a:dk1>
@@ -3849,97 +6861,45 @@
         <a:sysClr val="window" lastClr="FFFFFF"/>
       </a:lt1>
       <a:dk2>
-        <a:srgbClr val="44546A"/>
+        <a:srgbClr val="212123"/>
       </a:dk2>
       <a:lt2>
-        <a:srgbClr val="E7E6E6"/>
+        <a:srgbClr val="DADADA"/>
       </a:lt2>
       <a:accent1>
-        <a:srgbClr val="4472C4"/>
+        <a:srgbClr val="BC451B"/>
       </a:accent1>
       <a:accent2>
-        <a:srgbClr val="ED7D31"/>
+        <a:srgbClr val="D3BA68"/>
       </a:accent2>
       <a:accent3>
-        <a:srgbClr val="A5A5A5"/>
+        <a:srgbClr val="BB8640"/>
       </a:accent3>
       <a:accent4>
-        <a:srgbClr val="FFC000"/>
+        <a:srgbClr val="AD9277"/>
       </a:accent4>
       <a:accent5>
-        <a:srgbClr val="5B9BD5"/>
+        <a:srgbClr val="A55A43"/>
       </a:accent5>
       <a:accent6>
-        <a:srgbClr val="70AD47"/>
+        <a:srgbClr val="AD9D7B"/>
       </a:accent6>
       <a:hlink>
-        <a:srgbClr val="0563C1"/>
+        <a:srgbClr val="E98052"/>
       </a:hlink>
       <a:folHlink>
-        <a:srgbClr val="954F72"/>
+        <a:srgbClr val="F4B69B"/>
       </a:folHlink>
     </a:clrScheme>
-    <a:fontScheme name="Office">
+    <a:fontScheme name="Ardoise">
       <a:majorFont>
-        <a:latin typeface="Calibri Light" panose="020F0302020204030204"/>
+        <a:latin typeface="Calisto MT" panose="02040603050505030304"/>
         <a:ea typeface=""/>
         <a:cs typeface=""/>
-        <a:font script="Jpan" typeface="游ゴシック Light"/>
-        <a:font script="Hang" typeface="맑은 고딕"/>
-        <a:font script="Hans" typeface="等线 Light"/>
-        <a:font script="Hant" typeface="新細明體"/>
-        <a:font script="Arab" typeface="Times New Roman"/>
-        <a:font script="Hebr" typeface="Times New Roman"/>
-        <a:font script="Thai" typeface="Angsana New"/>
-        <a:font script="Ethi" typeface="Nyala"/>
-        <a:font script="Beng" typeface="Vrinda"/>
-        <a:font script="Gujr" typeface="Shruti"/>
-        <a:font script="Khmr" typeface="MoolBoran"/>
-        <a:font script="Knda" typeface="Tunga"/>
-        <a:font script="Guru" typeface="Raavi"/>
-        <a:font script="Cans" typeface="Euphemia"/>
-        <a:font script="Cher" typeface="Plantagenet Cherokee"/>
-        <a:font script="Yiii" typeface="Microsoft Yi Baiti"/>
-        <a:font script="Tibt" typeface="Microsoft Himalaya"/>
-        <a:font script="Thaa" typeface="MV Boli"/>
-        <a:font script="Deva" typeface="Mangal"/>
-        <a:font script="Telu" typeface="Gautami"/>
-        <a:font script="Taml" typeface="Latha"/>
-        <a:font script="Syrc" typeface="Estrangelo Edessa"/>
-        <a:font script="Orya" typeface="Kalinga"/>
-        <a:font script="Mlym" typeface="Kartika"/>
-        <a:font script="Laoo" typeface="DokChampa"/>
-        <a:font script="Sinh" typeface="Iskoola Pota"/>
-        <a:font script="Mong" typeface="Mongolian Baiti"/>
-        <a:font script="Viet" typeface="Times New Roman"/>
-        <a:font script="Uigh" typeface="Microsoft Uighur"/>
-        <a:font script="Geor" typeface="Sylfaen"/>
-        <a:font script="Armn" typeface="Arial"/>
-        <a:font script="Bugi" typeface="Leelawadee UI"/>
-        <a:font script="Bopo" typeface="Microsoft JhengHei"/>
-        <a:font script="Java" typeface="Javanese Text"/>
-        <a:font script="Lisu" typeface="Segoe UI"/>
-        <a:font script="Mymr" typeface="Myanmar Text"/>
-        <a:font script="Nkoo" typeface="Ebrima"/>
-        <a:font script="Olck" typeface="Nirmala UI"/>
-        <a:font script="Osma" typeface="Ebrima"/>
-        <a:font script="Phag" typeface="Phagspa"/>
-        <a:font script="Syrn" typeface="Estrangelo Edessa"/>
-        <a:font script="Syrj" typeface="Estrangelo Edessa"/>
-        <a:font script="Syre" typeface="Estrangelo Edessa"/>
-        <a:font script="Sora" typeface="Nirmala UI"/>
-        <a:font script="Tale" typeface="Microsoft Tai Le"/>
-        <a:font script="Talu" typeface="Microsoft New Tai Lue"/>
-        <a:font script="Tfng" typeface="Ebrima"/>
-      </a:majorFont>
-      <a:minorFont>
-        <a:latin typeface="Calibri" panose="020F0502020204030204"/>
-        <a:ea typeface=""/>
-        <a:cs typeface=""/>
-        <a:font script="Jpan" typeface="游ゴシック"/>
-        <a:font script="Hang" typeface="맑은 고딕"/>
-        <a:font script="Hans" typeface="等线"/>
-        <a:font script="Hant" typeface="新細明體"/>
+        <a:font script="Jpan" typeface="ＭＳ Ｐゴシック"/>
+        <a:font script="Hang" typeface="돋움"/>
+        <a:font script="Hans" typeface="方正舒体"/>
+        <a:font script="Hant" typeface="微軟正黑體"/>
         <a:font script="Arab" typeface="Arial"/>
         <a:font script="Hebr" typeface="Arial"/>
         <a:font script="Thai" typeface="Cordia New"/>
@@ -3966,26 +6926,44 @@
         <a:font script="Viet" typeface="Arial"/>
         <a:font script="Uigh" typeface="Microsoft Uighur"/>
         <a:font script="Geor" typeface="Sylfaen"/>
-        <a:font script="Armn" typeface="Arial"/>
-        <a:font script="Bugi" typeface="Leelawadee UI"/>
-        <a:font script="Bopo" typeface="Microsoft JhengHei"/>
-        <a:font script="Java" typeface="Javanese Text"/>
-        <a:font script="Lisu" typeface="Segoe UI"/>
-        <a:font script="Mymr" typeface="Myanmar Text"/>
-        <a:font script="Nkoo" typeface="Ebrima"/>
-        <a:font script="Olck" typeface="Nirmala UI"/>
-        <a:font script="Osma" typeface="Ebrima"/>
-        <a:font script="Phag" typeface="Phagspa"/>
-        <a:font script="Syrn" typeface="Estrangelo Edessa"/>
-        <a:font script="Syrj" typeface="Estrangelo Edessa"/>
-        <a:font script="Syre" typeface="Estrangelo Edessa"/>
-        <a:font script="Sora" typeface="Nirmala UI"/>
-        <a:font script="Tale" typeface="Microsoft Tai Le"/>
-        <a:font script="Talu" typeface="Microsoft New Tai Lue"/>
-        <a:font script="Tfng" typeface="Ebrima"/>
+      </a:majorFont>
+      <a:minorFont>
+        <a:latin typeface="Calisto MT" panose="02040603050505030304"/>
+        <a:ea typeface=""/>
+        <a:cs typeface=""/>
+        <a:font script="Jpan" typeface="ＭＳ Ｐゴシック"/>
+        <a:font script="Hang" typeface="돋움"/>
+        <a:font script="Hans" typeface="方正舒体"/>
+        <a:font script="Hant" typeface="微軟正黑體"/>
+        <a:font script="Arab" typeface="Arial"/>
+        <a:font script="Hebr" typeface="Arial"/>
+        <a:font script="Thai" typeface="Cordia New"/>
+        <a:font script="Ethi" typeface="Nyala"/>
+        <a:font script="Beng" typeface="Vrinda"/>
+        <a:font script="Gujr" typeface="Shruti"/>
+        <a:font script="Khmr" typeface="DaunPenh"/>
+        <a:font script="Knda" typeface="Tunga"/>
+        <a:font script="Guru" typeface="Raavi"/>
+        <a:font script="Cans" typeface="Euphemia"/>
+        <a:font script="Cher" typeface="Plantagenet Cherokee"/>
+        <a:font script="Yiii" typeface="Microsoft Yi Baiti"/>
+        <a:font script="Tibt" typeface="Microsoft Himalaya"/>
+        <a:font script="Thaa" typeface="MV Boli"/>
+        <a:font script="Deva" typeface="Mangal"/>
+        <a:font script="Telu" typeface="Gautami"/>
+        <a:font script="Taml" typeface="Latha"/>
+        <a:font script="Syrc" typeface="Estrangelo Edessa"/>
+        <a:font script="Orya" typeface="Kalinga"/>
+        <a:font script="Mlym" typeface="Kartika"/>
+        <a:font script="Laoo" typeface="DokChampa"/>
+        <a:font script="Sinh" typeface="Iskoola Pota"/>
+        <a:font script="Mong" typeface="Mongolian Baiti"/>
+        <a:font script="Viet" typeface="Arial"/>
+        <a:font script="Uigh" typeface="Microsoft Uighur"/>
+        <a:font script="Geor" typeface="Sylfaen"/>
       </a:minorFont>
     </a:fontScheme>
-    <a:fmtScheme name="Office">
+    <a:fmtScheme name="Ardoise">
       <a:fillStyleLst>
         <a:solidFill>
           <a:schemeClr val="phClr"/>
@@ -3994,23 +6972,13 @@
           <a:gsLst>
             <a:gs pos="0">
               <a:schemeClr val="phClr">
+                <a:tint val="60000"/>
                 <a:lumMod val="110000"/>
-                <a:satMod val="105000"/>
-                <a:tint val="67000"/>
-              </a:schemeClr>
-            </a:gs>
-            <a:gs pos="50000">
-              <a:schemeClr val="phClr">
-                <a:lumMod val="105000"/>
-                <a:satMod val="103000"/>
-                <a:tint val="73000"/>
               </a:schemeClr>
             </a:gs>
             <a:gs pos="100000">
               <a:schemeClr val="phClr">
-                <a:lumMod val="105000"/>
-                <a:satMod val="109000"/>
-                <a:tint val="81000"/>
+                <a:tint val="88000"/>
               </a:schemeClr>
             </a:gs>
           </a:gsLst>
@@ -4020,23 +6988,14 @@
           <a:gsLst>
             <a:gs pos="0">
               <a:schemeClr val="phClr">
-                <a:satMod val="103000"/>
-                <a:lumMod val="102000"/>
-                <a:tint val="94000"/>
-              </a:schemeClr>
-            </a:gs>
-            <a:gs pos="50000">
-              <a:schemeClr val="phClr">
-                <a:satMod val="110000"/>
-                <a:lumMod val="100000"/>
-                <a:shade val="100000"/>
+                <a:tint val="96000"/>
+                <a:lumMod val="104000"/>
               </a:schemeClr>
             </a:gs>
             <a:gs pos="100000">
               <a:schemeClr val="phClr">
-                <a:lumMod val="99000"/>
-                <a:satMod val="120000"/>
-                <a:shade val="78000"/>
+                <a:shade val="90000"/>
+                <a:lumMod val="90000"/>
               </a:schemeClr>
             </a:gs>
           </a:gsLst>
@@ -4044,26 +7003,25 @@
         </a:gradFill>
       </a:fillStyleLst>
       <a:lnStyleLst>
-        <a:ln w="6350" cap="flat" cmpd="sng" algn="ctr">
+        <a:ln w="9525" cap="rnd" cmpd="sng" algn="ctr">
+          <a:solidFill>
+            <a:schemeClr val="phClr">
+              <a:shade val="90000"/>
+            </a:schemeClr>
+          </a:solidFill>
+          <a:prstDash val="solid"/>
+        </a:ln>
+        <a:ln w="15875" cap="rnd" cmpd="sng" algn="ctr">
           <a:solidFill>
             <a:schemeClr val="phClr"/>
           </a:solidFill>
           <a:prstDash val="solid"/>
-          <a:miter lim="800000"/>
         </a:ln>
-        <a:ln w="12700" cap="flat" cmpd="sng" algn="ctr">
+        <a:ln w="25400" cap="rnd" cmpd="sng" algn="ctr">
           <a:solidFill>
             <a:schemeClr val="phClr"/>
           </a:solidFill>
           <a:prstDash val="solid"/>
-          <a:miter lim="800000"/>
-        </a:ln>
-        <a:ln w="19050" cap="flat" cmpd="sng" algn="ctr">
-          <a:solidFill>
-            <a:schemeClr val="phClr"/>
-          </a:solidFill>
-          <a:prstDash val="solid"/>
-          <a:miter lim="800000"/>
         </a:ln>
       </a:lnStyleLst>
       <a:effectStyleLst>
@@ -4071,16 +7029,33 @@
           <a:effectLst/>
         </a:effectStyle>
         <a:effectStyle>
-          <a:effectLst/>
+          <a:effectLst>
+            <a:outerShdw blurRad="63500" dist="25400" dir="5400000" rotWithShape="0">
+              <a:srgbClr val="000000">
+                <a:alpha val="60000"/>
+              </a:srgbClr>
+            </a:outerShdw>
+          </a:effectLst>
         </a:effectStyle>
         <a:effectStyle>
           <a:effectLst>
-            <a:outerShdw blurRad="57150" dist="19050" dir="5400000" algn="ctr" rotWithShape="0">
+            <a:outerShdw blurRad="76200" dist="38100" dir="5400000" rotWithShape="0">
               <a:srgbClr val="000000">
-                <a:alpha val="63000"/>
+                <a:alpha val="75000"/>
               </a:srgbClr>
             </a:outerShdw>
           </a:effectLst>
+          <a:scene3d>
+            <a:camera prst="orthographicFront">
+              <a:rot lat="0" lon="0" rev="0"/>
+            </a:camera>
+            <a:lightRig rig="threePt" dir="t">
+              <a:rot lat="0" lon="0" rev="1200000"/>
+            </a:lightRig>
+          </a:scene3d>
+          <a:sp3d>
+            <a:bevelT w="63500" h="25400" prst="hardEdge"/>
+          </a:sp3d>
         </a:effectStyle>
       </a:effectStyleLst>
       <a:bgFillStyleLst>
@@ -4088,38 +7063,22 @@
           <a:schemeClr val="phClr"/>
         </a:solidFill>
         <a:solidFill>
-          <a:schemeClr val="phClr">
-            <a:tint val="95000"/>
-            <a:satMod val="170000"/>
-          </a:schemeClr>
+          <a:schemeClr val="phClr"/>
         </a:solidFill>
-        <a:gradFill rotWithShape="1">
-          <a:gsLst>
-            <a:gs pos="0">
+        <a:blipFill rotWithShape="1">
+          <a:blip xmlns:r="http://schemas.openxmlformats.org/officeDocument/2006/relationships" r:embed="rId1">
+            <a:duotone>
               <a:schemeClr val="phClr">
-                <a:tint val="93000"/>
-                <a:satMod val="150000"/>
-                <a:shade val="98000"/>
-                <a:lumMod val="102000"/>
+                <a:shade val="80000"/>
+                <a:lumMod val="80000"/>
               </a:schemeClr>
-            </a:gs>
-            <a:gs pos="50000">
               <a:schemeClr val="phClr">
                 <a:tint val="98000"/>
-                <a:satMod val="130000"/>
-                <a:shade val="90000"/>
-                <a:lumMod val="103000"/>
               </a:schemeClr>
-            </a:gs>
-            <a:gs pos="100000">
-              <a:schemeClr val="phClr">
-                <a:shade val="63000"/>
-                <a:satMod val="120000"/>
-              </a:schemeClr>
-            </a:gs>
-          </a:gsLst>
-          <a:lin ang="5400000" scaled="0"/>
-        </a:gradFill>
+            </a:duotone>
+          </a:blip>
+          <a:stretch/>
+        </a:blipFill>
       </a:bgFillStyleLst>
     </a:fmtScheme>
   </a:themeElements>
@@ -4127,7 +7086,7 @@
   <a:extraClrSchemeLst/>
   <a:extLst>
     <a:ext uri="{05A4C25C-085E-4340-85A3-A5531E510DB2}">
-      <thm15:themeFamily xmlns:thm15="http://schemas.microsoft.com/office/thememl/2012/main" name="Office Theme" id="{62F939B6-93AF-4DB8-9C6B-D6C7DFDC589F}" vid="{4A3C46E8-61CC-4603-A589-7422A47A8E4A}"/>
+      <thm15:themeFamily xmlns:thm15="http://schemas.microsoft.com/office/thememl/2012/main" name="Slate" id="{C3F70B94-7CE9-428E-ADC1-3269CC2C3385}" vid="{3F2DE9A5-64E6-437C-A389-CC4477E817E8}"/>
     </a:ext>
   </a:extLst>
 </a:theme>

--- a/Jane_Eyre_PPT.pptx
+++ b/Jane_Eyre_PPT.pptx
@@ -7,6 +7,7 @@
   <p:sldIdLst>
     <p:sldId id="256" r:id="rId2"/>
     <p:sldId id="257" r:id="rId3"/>
+    <p:sldId id="258" r:id="rId4"/>
   </p:sldIdLst>
   <p:sldSz cx="12192000" cy="6858000"/>
   <p:notesSz cx="6858000" cy="9144000"/>
@@ -6850,6 +6851,1410 @@
 </p:sld>
 </file>
 
+<file path=ppt/slides/slide3.xml><?xml version="1.0" encoding="utf-8"?>
+<p:sld xmlns:a="http://schemas.openxmlformats.org/drawingml/2006/main" xmlns:r="http://schemas.openxmlformats.org/officeDocument/2006/relationships" xmlns:p="http://schemas.openxmlformats.org/presentationml/2006/main">
+  <p:cSld>
+    <p:spTree>
+      <p:nvGrpSpPr>
+        <p:cNvPr id="1" name=""/>
+        <p:cNvGrpSpPr/>
+        <p:nvPr/>
+      </p:nvGrpSpPr>
+      <p:grpSpPr>
+        <a:xfrm>
+          <a:off x="0" y="0"/>
+          <a:ext cx="0" cy="0"/>
+          <a:chOff x="0" y="0"/>
+          <a:chExt cx="0" cy="0"/>
+        </a:xfrm>
+      </p:grpSpPr>
+      <p:sp>
+        <p:nvSpPr>
+          <p:cNvPr id="2" name="Titre 1">
+            <a:extLst>
+              <a:ext uri="{FF2B5EF4-FFF2-40B4-BE49-F238E27FC236}">
+                <a16:creationId xmlns:a16="http://schemas.microsoft.com/office/drawing/2014/main" id="{9CDF9F86-401B-4EC3-B9AD-BBFF00FF06AD}"/>
+              </a:ext>
+            </a:extLst>
+          </p:cNvPr>
+          <p:cNvSpPr>
+            <a:spLocks noGrp="1"/>
+          </p:cNvSpPr>
+          <p:nvPr>
+            <p:ph type="title"/>
+          </p:nvPr>
+        </p:nvSpPr>
+        <p:spPr/>
+        <p:txBody>
+          <a:bodyPr/>
+          <a:lstStyle/>
+          <a:p>
+            <a:r>
+              <a:rPr lang="fr-FR" dirty="0"/>
+              <a:t>The plot</a:t>
+            </a:r>
+            <a:endParaRPr lang="en-US" dirty="0"/>
+          </a:p>
+        </p:txBody>
+      </p:sp>
+      <p:sp>
+        <p:nvSpPr>
+          <p:cNvPr id="3" name="Espace réservé du contenu 2">
+            <a:extLst>
+              <a:ext uri="{FF2B5EF4-FFF2-40B4-BE49-F238E27FC236}">
+                <a16:creationId xmlns:a16="http://schemas.microsoft.com/office/drawing/2014/main" id="{13577A6C-D1B1-42EB-ADBC-C282B856AF3F}"/>
+              </a:ext>
+            </a:extLst>
+          </p:cNvPr>
+          <p:cNvSpPr>
+            <a:spLocks noGrp="1"/>
+          </p:cNvSpPr>
+          <p:nvPr>
+            <p:ph idx="1"/>
+          </p:nvPr>
+        </p:nvSpPr>
+        <p:spPr>
+          <a:xfrm>
+            <a:off x="913795" y="1732449"/>
+            <a:ext cx="3829655" cy="2382351"/>
+          </a:xfrm>
+        </p:spPr>
+        <p:txBody>
+          <a:bodyPr>
+            <a:normAutofit/>
+          </a:bodyPr>
+          <a:lstStyle/>
+          <a:p>
+            <a:r>
+              <a:rPr lang="en-US" sz="2400" dirty="0">
+                <a:effectLst/>
+              </a:rPr>
+              <a:t>Jane Eyre, the heroine, is penniless orphan left to the care of the horrible Mrs. Reed, a wealthy aunt of hers who bully her.</a:t>
+            </a:r>
+          </a:p>
+        </p:txBody>
+      </p:sp>
+      <p:sp>
+        <p:nvSpPr>
+          <p:cNvPr id="5" name="Flèche : droite 4">
+            <a:extLst>
+              <a:ext uri="{FF2B5EF4-FFF2-40B4-BE49-F238E27FC236}">
+                <a16:creationId xmlns:a16="http://schemas.microsoft.com/office/drawing/2014/main" id="{5330AB38-DC65-4B57-B3C2-25FF94DD7503}"/>
+              </a:ext>
+            </a:extLst>
+          </p:cNvPr>
+          <p:cNvSpPr/>
+          <p:nvPr/>
+        </p:nvSpPr>
+        <p:spPr>
+          <a:xfrm>
+            <a:off x="4743450" y="2286000"/>
+            <a:ext cx="2190750" cy="970450"/>
+          </a:xfrm>
+          <a:prstGeom prst="rightArrow">
+            <a:avLst/>
+          </a:prstGeom>
+        </p:spPr>
+        <p:style>
+          <a:lnRef idx="2">
+            <a:schemeClr val="accent1">
+              <a:shade val="50000"/>
+            </a:schemeClr>
+          </a:lnRef>
+          <a:fillRef idx="1">
+            <a:schemeClr val="accent1"/>
+          </a:fillRef>
+          <a:effectRef idx="0">
+            <a:schemeClr val="accent1"/>
+          </a:effectRef>
+          <a:fontRef idx="minor">
+            <a:schemeClr val="lt1"/>
+          </a:fontRef>
+        </p:style>
+        <p:txBody>
+          <a:bodyPr rtlCol="0" anchor="ctr"/>
+          <a:lstStyle/>
+          <a:p>
+            <a:pPr algn="ctr"/>
+            <a:endParaRPr lang="en-US"/>
+          </a:p>
+        </p:txBody>
+      </p:sp>
+      <p:sp>
+        <p:nvSpPr>
+          <p:cNvPr id="7" name="Espace réservé du contenu 2">
+            <a:extLst>
+              <a:ext uri="{FF2B5EF4-FFF2-40B4-BE49-F238E27FC236}">
+                <a16:creationId xmlns:a16="http://schemas.microsoft.com/office/drawing/2014/main" id="{A0C49DD7-C936-47E9-8538-83EA2A6E6F26}"/>
+              </a:ext>
+            </a:extLst>
+          </p:cNvPr>
+          <p:cNvSpPr txBox="1">
+            <a:spLocks/>
+          </p:cNvSpPr>
+          <p:nvPr/>
+        </p:nvSpPr>
+        <p:spPr>
+          <a:xfrm>
+            <a:off x="6934200" y="1731348"/>
+            <a:ext cx="4704743" cy="2210901"/>
+          </a:xfrm>
+          <a:prstGeom prst="rect">
+            <a:avLst/>
+          </a:prstGeom>
+          <a:effectLst>
+            <a:outerShdw blurRad="25400" dir="17880000">
+              <a:srgbClr val="000000">
+                <a:alpha val="46000"/>
+              </a:srgbClr>
+            </a:outerShdw>
+          </a:effectLst>
+        </p:spPr>
+        <p:txBody>
+          <a:bodyPr vert="horz" lIns="91440" tIns="45720" rIns="91440" bIns="45720" rtlCol="0" anchor="t">
+            <a:noAutofit/>
+          </a:bodyPr>
+          <a:lstStyle>
+            <a:lvl1pPr marL="342900" indent="-306000" algn="l" defTabSz="457200" rtl="0" eaLnBrk="1" latinLnBrk="0" hangingPunct="1">
+              <a:spcBef>
+                <a:spcPct val="20000"/>
+              </a:spcBef>
+              <a:spcAft>
+                <a:spcPts val="600"/>
+              </a:spcAft>
+              <a:buClr>
+                <a:schemeClr val="tx2"/>
+              </a:buClr>
+              <a:buSzPct val="70000"/>
+              <a:buFont typeface="Wingdings 2" charset="2"/>
+              <a:buChar char=""/>
+              <a:defRPr sz="2000" kern="1200">
+                <a:ln>
+                  <a:solidFill>
+                    <a:schemeClr val="bg1">
+                      <a:lumMod val="75000"/>
+                      <a:lumOff val="25000"/>
+                      <a:alpha val="10000"/>
+                    </a:schemeClr>
+                  </a:solidFill>
+                </a:ln>
+                <a:solidFill>
+                  <a:schemeClr val="tx2"/>
+                </a:solidFill>
+                <a:effectLst>
+                  <a:outerShdw blurRad="9525" dist="25400" dir="14640000" algn="tl" rotWithShape="0">
+                    <a:schemeClr val="bg1">
+                      <a:alpha val="30000"/>
+                    </a:schemeClr>
+                  </a:outerShdw>
+                </a:effectLst>
+                <a:latin typeface="+mn-lt"/>
+                <a:ea typeface="+mn-ea"/>
+                <a:cs typeface="+mn-cs"/>
+              </a:defRPr>
+            </a:lvl1pPr>
+            <a:lvl2pPr marL="720000" indent="-270000" algn="l" defTabSz="457200" rtl="0" eaLnBrk="1" latinLnBrk="0" hangingPunct="1">
+              <a:spcBef>
+                <a:spcPct val="20000"/>
+              </a:spcBef>
+              <a:spcAft>
+                <a:spcPts val="600"/>
+              </a:spcAft>
+              <a:buClr>
+                <a:schemeClr val="tx2"/>
+              </a:buClr>
+              <a:buSzPct val="70000"/>
+              <a:buFont typeface="Wingdings 2" charset="2"/>
+              <a:buChar char=""/>
+              <a:defRPr sz="1800" kern="1200">
+                <a:ln>
+                  <a:solidFill>
+                    <a:schemeClr val="bg1">
+                      <a:lumMod val="75000"/>
+                      <a:lumOff val="25000"/>
+                      <a:alpha val="10000"/>
+                    </a:schemeClr>
+                  </a:solidFill>
+                </a:ln>
+                <a:solidFill>
+                  <a:schemeClr val="tx2"/>
+                </a:solidFill>
+                <a:effectLst>
+                  <a:outerShdw blurRad="9525" dist="25400" dir="14640000" algn="tl" rotWithShape="0">
+                    <a:schemeClr val="bg1">
+                      <a:alpha val="30000"/>
+                    </a:schemeClr>
+                  </a:outerShdw>
+                </a:effectLst>
+                <a:latin typeface="+mn-lt"/>
+                <a:ea typeface="+mn-ea"/>
+                <a:cs typeface="+mn-cs"/>
+              </a:defRPr>
+            </a:lvl2pPr>
+            <a:lvl3pPr marL="1026000" indent="-216000" algn="l" defTabSz="457200" rtl="0" eaLnBrk="1" latinLnBrk="0" hangingPunct="1">
+              <a:spcBef>
+                <a:spcPct val="20000"/>
+              </a:spcBef>
+              <a:spcAft>
+                <a:spcPts val="600"/>
+              </a:spcAft>
+              <a:buClr>
+                <a:schemeClr val="tx2"/>
+              </a:buClr>
+              <a:buSzPct val="70000"/>
+              <a:buFont typeface="Wingdings 2" charset="2"/>
+              <a:buChar char=""/>
+              <a:defRPr sz="1600" kern="1200">
+                <a:ln>
+                  <a:solidFill>
+                    <a:schemeClr val="bg1">
+                      <a:lumMod val="75000"/>
+                      <a:lumOff val="25000"/>
+                      <a:alpha val="10000"/>
+                    </a:schemeClr>
+                  </a:solidFill>
+                </a:ln>
+                <a:solidFill>
+                  <a:schemeClr val="tx2"/>
+                </a:solidFill>
+                <a:effectLst>
+                  <a:outerShdw blurRad="9525" dist="25400" dir="14640000" algn="tl" rotWithShape="0">
+                    <a:schemeClr val="bg1">
+                      <a:alpha val="30000"/>
+                    </a:schemeClr>
+                  </a:outerShdw>
+                </a:effectLst>
+                <a:latin typeface="+mn-lt"/>
+                <a:ea typeface="+mn-ea"/>
+                <a:cs typeface="+mn-cs"/>
+              </a:defRPr>
+            </a:lvl3pPr>
+            <a:lvl4pPr marL="1386000" indent="-216000" algn="l" defTabSz="457200" rtl="0" eaLnBrk="1" latinLnBrk="0" hangingPunct="1">
+              <a:spcBef>
+                <a:spcPct val="20000"/>
+              </a:spcBef>
+              <a:spcAft>
+                <a:spcPts val="600"/>
+              </a:spcAft>
+              <a:buClr>
+                <a:schemeClr val="tx2"/>
+              </a:buClr>
+              <a:buSzPct val="70000"/>
+              <a:buFont typeface="Wingdings 2" charset="2"/>
+              <a:buChar char=""/>
+              <a:defRPr sz="1400" kern="1200">
+                <a:ln>
+                  <a:solidFill>
+                    <a:schemeClr val="bg1">
+                      <a:lumMod val="75000"/>
+                      <a:lumOff val="25000"/>
+                      <a:alpha val="10000"/>
+                    </a:schemeClr>
+                  </a:solidFill>
+                </a:ln>
+                <a:solidFill>
+                  <a:schemeClr val="tx2"/>
+                </a:solidFill>
+                <a:effectLst>
+                  <a:outerShdw blurRad="9525" dist="25400" dir="14640000" algn="tl" rotWithShape="0">
+                    <a:schemeClr val="bg1">
+                      <a:alpha val="30000"/>
+                    </a:schemeClr>
+                  </a:outerShdw>
+                </a:effectLst>
+                <a:latin typeface="+mn-lt"/>
+                <a:ea typeface="+mn-ea"/>
+                <a:cs typeface="+mn-cs"/>
+              </a:defRPr>
+            </a:lvl4pPr>
+            <a:lvl5pPr marL="1674000" indent="-216000" algn="l" defTabSz="457200" rtl="0" eaLnBrk="1" latinLnBrk="0" hangingPunct="1">
+              <a:spcBef>
+                <a:spcPct val="20000"/>
+              </a:spcBef>
+              <a:spcAft>
+                <a:spcPts val="600"/>
+              </a:spcAft>
+              <a:buClr>
+                <a:schemeClr val="tx2"/>
+              </a:buClr>
+              <a:buSzPct val="70000"/>
+              <a:buFont typeface="Wingdings 2" charset="2"/>
+              <a:buChar char=""/>
+              <a:defRPr sz="1400" kern="1200">
+                <a:ln>
+                  <a:solidFill>
+                    <a:schemeClr val="bg1">
+                      <a:lumMod val="75000"/>
+                      <a:lumOff val="25000"/>
+                      <a:alpha val="10000"/>
+                    </a:schemeClr>
+                  </a:solidFill>
+                </a:ln>
+                <a:solidFill>
+                  <a:schemeClr val="tx2"/>
+                </a:solidFill>
+                <a:effectLst>
+                  <a:outerShdw blurRad="9525" dist="25400" dir="14640000" algn="tl" rotWithShape="0">
+                    <a:schemeClr val="bg1">
+                      <a:alpha val="30000"/>
+                    </a:schemeClr>
+                  </a:outerShdw>
+                </a:effectLst>
+                <a:latin typeface="+mn-lt"/>
+                <a:ea typeface="+mn-ea"/>
+                <a:cs typeface="+mn-cs"/>
+              </a:defRPr>
+            </a:lvl5pPr>
+            <a:lvl6pPr marL="2014600" indent="-228600" algn="l" defTabSz="457200" rtl="0" eaLnBrk="1" latinLnBrk="0" hangingPunct="1">
+              <a:spcBef>
+                <a:spcPct val="20000"/>
+              </a:spcBef>
+              <a:spcAft>
+                <a:spcPts val="600"/>
+              </a:spcAft>
+              <a:buClr>
+                <a:schemeClr val="tx2"/>
+              </a:buClr>
+              <a:buSzPct val="70000"/>
+              <a:buFont typeface="Wingdings 2" charset="2"/>
+              <a:buChar char=""/>
+              <a:defRPr sz="1400" kern="1200">
+                <a:ln>
+                  <a:solidFill>
+                    <a:schemeClr val="bg1">
+                      <a:lumMod val="75000"/>
+                      <a:lumOff val="25000"/>
+                      <a:alpha val="10000"/>
+                    </a:schemeClr>
+                  </a:solidFill>
+                </a:ln>
+                <a:solidFill>
+                  <a:schemeClr val="tx2"/>
+                </a:solidFill>
+                <a:effectLst>
+                  <a:outerShdw blurRad="9525" dist="25400" dir="14640000" algn="tl" rotWithShape="0">
+                    <a:schemeClr val="bg1">
+                      <a:alpha val="30000"/>
+                    </a:schemeClr>
+                  </a:outerShdw>
+                </a:effectLst>
+                <a:latin typeface="+mn-lt"/>
+                <a:ea typeface="+mn-ea"/>
+                <a:cs typeface="+mn-cs"/>
+              </a:defRPr>
+            </a:lvl6pPr>
+            <a:lvl7pPr marL="2401800" indent="-228600" algn="l" defTabSz="457200" rtl="0" eaLnBrk="1" latinLnBrk="0" hangingPunct="1">
+              <a:spcBef>
+                <a:spcPct val="20000"/>
+              </a:spcBef>
+              <a:spcAft>
+                <a:spcPts val="600"/>
+              </a:spcAft>
+              <a:buClr>
+                <a:schemeClr val="tx2"/>
+              </a:buClr>
+              <a:buSzPct val="70000"/>
+              <a:buFont typeface="Wingdings 2" charset="2"/>
+              <a:buChar char=""/>
+              <a:defRPr sz="1400" kern="1200">
+                <a:ln>
+                  <a:solidFill>
+                    <a:schemeClr val="bg1">
+                      <a:lumMod val="75000"/>
+                      <a:lumOff val="25000"/>
+                      <a:alpha val="10000"/>
+                    </a:schemeClr>
+                  </a:solidFill>
+                </a:ln>
+                <a:solidFill>
+                  <a:schemeClr val="tx2"/>
+                </a:solidFill>
+                <a:effectLst>
+                  <a:outerShdw blurRad="9525" dist="25400" dir="14640000" algn="tl" rotWithShape="0">
+                    <a:schemeClr val="bg1">
+                      <a:alpha val="30000"/>
+                    </a:schemeClr>
+                  </a:outerShdw>
+                </a:effectLst>
+                <a:latin typeface="+mn-lt"/>
+                <a:ea typeface="+mn-ea"/>
+                <a:cs typeface="+mn-cs"/>
+              </a:defRPr>
+            </a:lvl7pPr>
+            <a:lvl8pPr marL="2789000" indent="-228600" algn="l" defTabSz="457200" rtl="0" eaLnBrk="1" latinLnBrk="0" hangingPunct="1">
+              <a:spcBef>
+                <a:spcPct val="20000"/>
+              </a:spcBef>
+              <a:spcAft>
+                <a:spcPts val="600"/>
+              </a:spcAft>
+              <a:buClr>
+                <a:schemeClr val="tx2"/>
+              </a:buClr>
+              <a:buSzPct val="70000"/>
+              <a:buFont typeface="Wingdings 2" charset="2"/>
+              <a:buChar char=""/>
+              <a:defRPr sz="1400" kern="1200">
+                <a:ln>
+                  <a:solidFill>
+                    <a:schemeClr val="bg1">
+                      <a:lumMod val="75000"/>
+                      <a:lumOff val="25000"/>
+                      <a:alpha val="10000"/>
+                    </a:schemeClr>
+                  </a:solidFill>
+                </a:ln>
+                <a:solidFill>
+                  <a:schemeClr val="tx2"/>
+                </a:solidFill>
+                <a:effectLst>
+                  <a:outerShdw blurRad="9525" dist="25400" dir="14640000" algn="tl" rotWithShape="0">
+                    <a:schemeClr val="bg1">
+                      <a:alpha val="30000"/>
+                    </a:schemeClr>
+                  </a:outerShdw>
+                </a:effectLst>
+                <a:latin typeface="+mn-lt"/>
+                <a:ea typeface="+mn-ea"/>
+                <a:cs typeface="+mn-cs"/>
+              </a:defRPr>
+            </a:lvl8pPr>
+            <a:lvl9pPr marL="3106200" indent="-228600" algn="l" defTabSz="457200" rtl="0" eaLnBrk="1" latinLnBrk="0" hangingPunct="1">
+              <a:spcBef>
+                <a:spcPct val="20000"/>
+              </a:spcBef>
+              <a:spcAft>
+                <a:spcPts val="600"/>
+              </a:spcAft>
+              <a:buClr>
+                <a:schemeClr val="tx2"/>
+              </a:buClr>
+              <a:buSzPct val="70000"/>
+              <a:buFont typeface="Wingdings 2" charset="2"/>
+              <a:buChar char=""/>
+              <a:defRPr sz="1400" kern="1200">
+                <a:ln>
+                  <a:solidFill>
+                    <a:schemeClr val="bg1">
+                      <a:lumMod val="75000"/>
+                      <a:lumOff val="25000"/>
+                      <a:alpha val="10000"/>
+                    </a:schemeClr>
+                  </a:solidFill>
+                </a:ln>
+                <a:solidFill>
+                  <a:schemeClr val="tx2"/>
+                </a:solidFill>
+                <a:effectLst>
+                  <a:outerShdw blurRad="9525" dist="25400" dir="14640000" algn="tl" rotWithShape="0">
+                    <a:schemeClr val="bg1">
+                      <a:alpha val="30000"/>
+                    </a:schemeClr>
+                  </a:outerShdw>
+                </a:effectLst>
+                <a:latin typeface="+mn-lt"/>
+                <a:ea typeface="+mn-ea"/>
+                <a:cs typeface="+mn-cs"/>
+              </a:defRPr>
+            </a:lvl9pPr>
+          </a:lstStyle>
+          <a:p>
+            <a:r>
+              <a:rPr lang="en-US" sz="2400" dirty="0">
+                <a:effectLst/>
+              </a:rPr>
+              <a:t>A few later, after a fit of temper, Jane is sent away to a charitable but austere institution, Lowood Asylum, where after some very unhappy years, she becomes a teacher.</a:t>
+            </a:r>
+          </a:p>
+        </p:txBody>
+      </p:sp>
+      <p:sp>
+        <p:nvSpPr>
+          <p:cNvPr id="9" name="Flèche : droite 8">
+            <a:extLst>
+              <a:ext uri="{FF2B5EF4-FFF2-40B4-BE49-F238E27FC236}">
+                <a16:creationId xmlns:a16="http://schemas.microsoft.com/office/drawing/2014/main" id="{8134287F-C618-4AB6-9864-A212483ADD8E}"/>
+              </a:ext>
+            </a:extLst>
+          </p:cNvPr>
+          <p:cNvSpPr/>
+          <p:nvPr/>
+        </p:nvSpPr>
+        <p:spPr>
+          <a:xfrm rot="5400000">
+            <a:off x="8691532" y="3804536"/>
+            <a:ext cx="1190077" cy="933204"/>
+          </a:xfrm>
+          <a:prstGeom prst="rightArrow">
+            <a:avLst/>
+          </a:prstGeom>
+        </p:spPr>
+        <p:style>
+          <a:lnRef idx="2">
+            <a:schemeClr val="accent1">
+              <a:shade val="50000"/>
+            </a:schemeClr>
+          </a:lnRef>
+          <a:fillRef idx="1">
+            <a:schemeClr val="accent1"/>
+          </a:fillRef>
+          <a:effectRef idx="0">
+            <a:schemeClr val="accent1"/>
+          </a:effectRef>
+          <a:fontRef idx="minor">
+            <a:schemeClr val="lt1"/>
+          </a:fontRef>
+        </p:style>
+        <p:txBody>
+          <a:bodyPr rtlCol="0" anchor="ctr"/>
+          <a:lstStyle/>
+          <a:p>
+            <a:pPr algn="ctr"/>
+            <a:endParaRPr lang="en-US"/>
+          </a:p>
+        </p:txBody>
+      </p:sp>
+      <p:sp>
+        <p:nvSpPr>
+          <p:cNvPr id="13" name="Espace réservé du contenu 2">
+            <a:extLst>
+              <a:ext uri="{FF2B5EF4-FFF2-40B4-BE49-F238E27FC236}">
+                <a16:creationId xmlns:a16="http://schemas.microsoft.com/office/drawing/2014/main" id="{5C71ABC5-EB2D-44B6-A19B-B3E39AE79A82}"/>
+              </a:ext>
+            </a:extLst>
+          </p:cNvPr>
+          <p:cNvSpPr txBox="1">
+            <a:spLocks/>
+          </p:cNvSpPr>
+          <p:nvPr/>
+        </p:nvSpPr>
+        <p:spPr>
+          <a:xfrm>
+            <a:off x="6980457" y="4866174"/>
+            <a:ext cx="4392148" cy="1847846"/>
+          </a:xfrm>
+          <a:prstGeom prst="rect">
+            <a:avLst/>
+          </a:prstGeom>
+          <a:effectLst>
+            <a:outerShdw blurRad="25400" dir="17880000">
+              <a:srgbClr val="000000">
+                <a:alpha val="46000"/>
+              </a:srgbClr>
+            </a:outerShdw>
+          </a:effectLst>
+        </p:spPr>
+        <p:txBody>
+          <a:bodyPr vert="horz" lIns="91440" tIns="45720" rIns="91440" bIns="45720" rtlCol="0" anchor="t">
+            <a:normAutofit lnSpcReduction="10000"/>
+          </a:bodyPr>
+          <a:lstStyle>
+            <a:lvl1pPr marL="342900" indent="-306000" algn="l" defTabSz="457200" rtl="0" eaLnBrk="1" latinLnBrk="0" hangingPunct="1">
+              <a:spcBef>
+                <a:spcPct val="20000"/>
+              </a:spcBef>
+              <a:spcAft>
+                <a:spcPts val="600"/>
+              </a:spcAft>
+              <a:buClr>
+                <a:schemeClr val="tx2"/>
+              </a:buClr>
+              <a:buSzPct val="70000"/>
+              <a:buFont typeface="Wingdings 2" charset="2"/>
+              <a:buChar char=""/>
+              <a:defRPr sz="2000" kern="1200">
+                <a:ln>
+                  <a:solidFill>
+                    <a:schemeClr val="bg1">
+                      <a:lumMod val="75000"/>
+                      <a:lumOff val="25000"/>
+                      <a:alpha val="10000"/>
+                    </a:schemeClr>
+                  </a:solidFill>
+                </a:ln>
+                <a:solidFill>
+                  <a:schemeClr val="tx2"/>
+                </a:solidFill>
+                <a:effectLst>
+                  <a:outerShdw blurRad="9525" dist="25400" dir="14640000" algn="tl" rotWithShape="0">
+                    <a:schemeClr val="bg1">
+                      <a:alpha val="30000"/>
+                    </a:schemeClr>
+                  </a:outerShdw>
+                </a:effectLst>
+                <a:latin typeface="+mn-lt"/>
+                <a:ea typeface="+mn-ea"/>
+                <a:cs typeface="+mn-cs"/>
+              </a:defRPr>
+            </a:lvl1pPr>
+            <a:lvl2pPr marL="720000" indent="-270000" algn="l" defTabSz="457200" rtl="0" eaLnBrk="1" latinLnBrk="0" hangingPunct="1">
+              <a:spcBef>
+                <a:spcPct val="20000"/>
+              </a:spcBef>
+              <a:spcAft>
+                <a:spcPts val="600"/>
+              </a:spcAft>
+              <a:buClr>
+                <a:schemeClr val="tx2"/>
+              </a:buClr>
+              <a:buSzPct val="70000"/>
+              <a:buFont typeface="Wingdings 2" charset="2"/>
+              <a:buChar char=""/>
+              <a:defRPr sz="1800" kern="1200">
+                <a:ln>
+                  <a:solidFill>
+                    <a:schemeClr val="bg1">
+                      <a:lumMod val="75000"/>
+                      <a:lumOff val="25000"/>
+                      <a:alpha val="10000"/>
+                    </a:schemeClr>
+                  </a:solidFill>
+                </a:ln>
+                <a:solidFill>
+                  <a:schemeClr val="tx2"/>
+                </a:solidFill>
+                <a:effectLst>
+                  <a:outerShdw blurRad="9525" dist="25400" dir="14640000" algn="tl" rotWithShape="0">
+                    <a:schemeClr val="bg1">
+                      <a:alpha val="30000"/>
+                    </a:schemeClr>
+                  </a:outerShdw>
+                </a:effectLst>
+                <a:latin typeface="+mn-lt"/>
+                <a:ea typeface="+mn-ea"/>
+                <a:cs typeface="+mn-cs"/>
+              </a:defRPr>
+            </a:lvl2pPr>
+            <a:lvl3pPr marL="1026000" indent="-216000" algn="l" defTabSz="457200" rtl="0" eaLnBrk="1" latinLnBrk="0" hangingPunct="1">
+              <a:spcBef>
+                <a:spcPct val="20000"/>
+              </a:spcBef>
+              <a:spcAft>
+                <a:spcPts val="600"/>
+              </a:spcAft>
+              <a:buClr>
+                <a:schemeClr val="tx2"/>
+              </a:buClr>
+              <a:buSzPct val="70000"/>
+              <a:buFont typeface="Wingdings 2" charset="2"/>
+              <a:buChar char=""/>
+              <a:defRPr sz="1600" kern="1200">
+                <a:ln>
+                  <a:solidFill>
+                    <a:schemeClr val="bg1">
+                      <a:lumMod val="75000"/>
+                      <a:lumOff val="25000"/>
+                      <a:alpha val="10000"/>
+                    </a:schemeClr>
+                  </a:solidFill>
+                </a:ln>
+                <a:solidFill>
+                  <a:schemeClr val="tx2"/>
+                </a:solidFill>
+                <a:effectLst>
+                  <a:outerShdw blurRad="9525" dist="25400" dir="14640000" algn="tl" rotWithShape="0">
+                    <a:schemeClr val="bg1">
+                      <a:alpha val="30000"/>
+                    </a:schemeClr>
+                  </a:outerShdw>
+                </a:effectLst>
+                <a:latin typeface="+mn-lt"/>
+                <a:ea typeface="+mn-ea"/>
+                <a:cs typeface="+mn-cs"/>
+              </a:defRPr>
+            </a:lvl3pPr>
+            <a:lvl4pPr marL="1386000" indent="-216000" algn="l" defTabSz="457200" rtl="0" eaLnBrk="1" latinLnBrk="0" hangingPunct="1">
+              <a:spcBef>
+                <a:spcPct val="20000"/>
+              </a:spcBef>
+              <a:spcAft>
+                <a:spcPts val="600"/>
+              </a:spcAft>
+              <a:buClr>
+                <a:schemeClr val="tx2"/>
+              </a:buClr>
+              <a:buSzPct val="70000"/>
+              <a:buFont typeface="Wingdings 2" charset="2"/>
+              <a:buChar char=""/>
+              <a:defRPr sz="1400" kern="1200">
+                <a:ln>
+                  <a:solidFill>
+                    <a:schemeClr val="bg1">
+                      <a:lumMod val="75000"/>
+                      <a:lumOff val="25000"/>
+                      <a:alpha val="10000"/>
+                    </a:schemeClr>
+                  </a:solidFill>
+                </a:ln>
+                <a:solidFill>
+                  <a:schemeClr val="tx2"/>
+                </a:solidFill>
+                <a:effectLst>
+                  <a:outerShdw blurRad="9525" dist="25400" dir="14640000" algn="tl" rotWithShape="0">
+                    <a:schemeClr val="bg1">
+                      <a:alpha val="30000"/>
+                    </a:schemeClr>
+                  </a:outerShdw>
+                </a:effectLst>
+                <a:latin typeface="+mn-lt"/>
+                <a:ea typeface="+mn-ea"/>
+                <a:cs typeface="+mn-cs"/>
+              </a:defRPr>
+            </a:lvl4pPr>
+            <a:lvl5pPr marL="1674000" indent="-216000" algn="l" defTabSz="457200" rtl="0" eaLnBrk="1" latinLnBrk="0" hangingPunct="1">
+              <a:spcBef>
+                <a:spcPct val="20000"/>
+              </a:spcBef>
+              <a:spcAft>
+                <a:spcPts val="600"/>
+              </a:spcAft>
+              <a:buClr>
+                <a:schemeClr val="tx2"/>
+              </a:buClr>
+              <a:buSzPct val="70000"/>
+              <a:buFont typeface="Wingdings 2" charset="2"/>
+              <a:buChar char=""/>
+              <a:defRPr sz="1400" kern="1200">
+                <a:ln>
+                  <a:solidFill>
+                    <a:schemeClr val="bg1">
+                      <a:lumMod val="75000"/>
+                      <a:lumOff val="25000"/>
+                      <a:alpha val="10000"/>
+                    </a:schemeClr>
+                  </a:solidFill>
+                </a:ln>
+                <a:solidFill>
+                  <a:schemeClr val="tx2"/>
+                </a:solidFill>
+                <a:effectLst>
+                  <a:outerShdw blurRad="9525" dist="25400" dir="14640000" algn="tl" rotWithShape="0">
+                    <a:schemeClr val="bg1">
+                      <a:alpha val="30000"/>
+                    </a:schemeClr>
+                  </a:outerShdw>
+                </a:effectLst>
+                <a:latin typeface="+mn-lt"/>
+                <a:ea typeface="+mn-ea"/>
+                <a:cs typeface="+mn-cs"/>
+              </a:defRPr>
+            </a:lvl5pPr>
+            <a:lvl6pPr marL="2014600" indent="-228600" algn="l" defTabSz="457200" rtl="0" eaLnBrk="1" latinLnBrk="0" hangingPunct="1">
+              <a:spcBef>
+                <a:spcPct val="20000"/>
+              </a:spcBef>
+              <a:spcAft>
+                <a:spcPts val="600"/>
+              </a:spcAft>
+              <a:buClr>
+                <a:schemeClr val="tx2"/>
+              </a:buClr>
+              <a:buSzPct val="70000"/>
+              <a:buFont typeface="Wingdings 2" charset="2"/>
+              <a:buChar char=""/>
+              <a:defRPr sz="1400" kern="1200">
+                <a:ln>
+                  <a:solidFill>
+                    <a:schemeClr val="bg1">
+                      <a:lumMod val="75000"/>
+                      <a:lumOff val="25000"/>
+                      <a:alpha val="10000"/>
+                    </a:schemeClr>
+                  </a:solidFill>
+                </a:ln>
+                <a:solidFill>
+                  <a:schemeClr val="tx2"/>
+                </a:solidFill>
+                <a:effectLst>
+                  <a:outerShdw blurRad="9525" dist="25400" dir="14640000" algn="tl" rotWithShape="0">
+                    <a:schemeClr val="bg1">
+                      <a:alpha val="30000"/>
+                    </a:schemeClr>
+                  </a:outerShdw>
+                </a:effectLst>
+                <a:latin typeface="+mn-lt"/>
+                <a:ea typeface="+mn-ea"/>
+                <a:cs typeface="+mn-cs"/>
+              </a:defRPr>
+            </a:lvl6pPr>
+            <a:lvl7pPr marL="2401800" indent="-228600" algn="l" defTabSz="457200" rtl="0" eaLnBrk="1" latinLnBrk="0" hangingPunct="1">
+              <a:spcBef>
+                <a:spcPct val="20000"/>
+              </a:spcBef>
+              <a:spcAft>
+                <a:spcPts val="600"/>
+              </a:spcAft>
+              <a:buClr>
+                <a:schemeClr val="tx2"/>
+              </a:buClr>
+              <a:buSzPct val="70000"/>
+              <a:buFont typeface="Wingdings 2" charset="2"/>
+              <a:buChar char=""/>
+              <a:defRPr sz="1400" kern="1200">
+                <a:ln>
+                  <a:solidFill>
+                    <a:schemeClr val="bg1">
+                      <a:lumMod val="75000"/>
+                      <a:lumOff val="25000"/>
+                      <a:alpha val="10000"/>
+                    </a:schemeClr>
+                  </a:solidFill>
+                </a:ln>
+                <a:solidFill>
+                  <a:schemeClr val="tx2"/>
+                </a:solidFill>
+                <a:effectLst>
+                  <a:outerShdw blurRad="9525" dist="25400" dir="14640000" algn="tl" rotWithShape="0">
+                    <a:schemeClr val="bg1">
+                      <a:alpha val="30000"/>
+                    </a:schemeClr>
+                  </a:outerShdw>
+                </a:effectLst>
+                <a:latin typeface="+mn-lt"/>
+                <a:ea typeface="+mn-ea"/>
+                <a:cs typeface="+mn-cs"/>
+              </a:defRPr>
+            </a:lvl7pPr>
+            <a:lvl8pPr marL="2789000" indent="-228600" algn="l" defTabSz="457200" rtl="0" eaLnBrk="1" latinLnBrk="0" hangingPunct="1">
+              <a:spcBef>
+                <a:spcPct val="20000"/>
+              </a:spcBef>
+              <a:spcAft>
+                <a:spcPts val="600"/>
+              </a:spcAft>
+              <a:buClr>
+                <a:schemeClr val="tx2"/>
+              </a:buClr>
+              <a:buSzPct val="70000"/>
+              <a:buFont typeface="Wingdings 2" charset="2"/>
+              <a:buChar char=""/>
+              <a:defRPr sz="1400" kern="1200">
+                <a:ln>
+                  <a:solidFill>
+                    <a:schemeClr val="bg1">
+                      <a:lumMod val="75000"/>
+                      <a:lumOff val="25000"/>
+                      <a:alpha val="10000"/>
+                    </a:schemeClr>
+                  </a:solidFill>
+                </a:ln>
+                <a:solidFill>
+                  <a:schemeClr val="tx2"/>
+                </a:solidFill>
+                <a:effectLst>
+                  <a:outerShdw blurRad="9525" dist="25400" dir="14640000" algn="tl" rotWithShape="0">
+                    <a:schemeClr val="bg1">
+                      <a:alpha val="30000"/>
+                    </a:schemeClr>
+                  </a:outerShdw>
+                </a:effectLst>
+                <a:latin typeface="+mn-lt"/>
+                <a:ea typeface="+mn-ea"/>
+                <a:cs typeface="+mn-cs"/>
+              </a:defRPr>
+            </a:lvl8pPr>
+            <a:lvl9pPr marL="3106200" indent="-228600" algn="l" defTabSz="457200" rtl="0" eaLnBrk="1" latinLnBrk="0" hangingPunct="1">
+              <a:spcBef>
+                <a:spcPct val="20000"/>
+              </a:spcBef>
+              <a:spcAft>
+                <a:spcPts val="600"/>
+              </a:spcAft>
+              <a:buClr>
+                <a:schemeClr val="tx2"/>
+              </a:buClr>
+              <a:buSzPct val="70000"/>
+              <a:buFont typeface="Wingdings 2" charset="2"/>
+              <a:buChar char=""/>
+              <a:defRPr sz="1400" kern="1200">
+                <a:ln>
+                  <a:solidFill>
+                    <a:schemeClr val="bg1">
+                      <a:lumMod val="75000"/>
+                      <a:lumOff val="25000"/>
+                      <a:alpha val="10000"/>
+                    </a:schemeClr>
+                  </a:solidFill>
+                </a:ln>
+                <a:solidFill>
+                  <a:schemeClr val="tx2"/>
+                </a:solidFill>
+                <a:effectLst>
+                  <a:outerShdw blurRad="9525" dist="25400" dir="14640000" algn="tl" rotWithShape="0">
+                    <a:schemeClr val="bg1">
+                      <a:alpha val="30000"/>
+                    </a:schemeClr>
+                  </a:outerShdw>
+                </a:effectLst>
+                <a:latin typeface="+mn-lt"/>
+                <a:ea typeface="+mn-ea"/>
+                <a:cs typeface="+mn-cs"/>
+              </a:defRPr>
+            </a:lvl9pPr>
+          </a:lstStyle>
+          <a:p>
+            <a:r>
+              <a:rPr lang="en-US" sz="2400" dirty="0">
+                <a:effectLst/>
+              </a:rPr>
+              <a:t>She later becomes a governess at Thornfield Hall, the mysterious home of her pupil’s father, the romantic Mr. Rochester.</a:t>
+            </a:r>
+            <a:endParaRPr lang="en-US" sz="2800" dirty="0">
+              <a:effectLst/>
+            </a:endParaRPr>
+          </a:p>
+        </p:txBody>
+      </p:sp>
+      <p:sp>
+        <p:nvSpPr>
+          <p:cNvPr id="14" name="Flèche : droite 13">
+            <a:extLst>
+              <a:ext uri="{FF2B5EF4-FFF2-40B4-BE49-F238E27FC236}">
+                <a16:creationId xmlns:a16="http://schemas.microsoft.com/office/drawing/2014/main" id="{EFDAA87D-D551-43AA-9DC6-5A02ABCFD456}"/>
+              </a:ext>
+            </a:extLst>
+          </p:cNvPr>
+          <p:cNvSpPr/>
+          <p:nvPr/>
+        </p:nvSpPr>
+        <p:spPr>
+          <a:xfrm rot="10800000">
+            <a:off x="4743450" y="5277950"/>
+            <a:ext cx="2190750" cy="970450"/>
+          </a:xfrm>
+          <a:prstGeom prst="rightArrow">
+            <a:avLst/>
+          </a:prstGeom>
+        </p:spPr>
+        <p:style>
+          <a:lnRef idx="2">
+            <a:schemeClr val="accent1">
+              <a:shade val="50000"/>
+            </a:schemeClr>
+          </a:lnRef>
+          <a:fillRef idx="1">
+            <a:schemeClr val="accent1"/>
+          </a:fillRef>
+          <a:effectRef idx="0">
+            <a:schemeClr val="accent1"/>
+          </a:effectRef>
+          <a:fontRef idx="minor">
+            <a:schemeClr val="lt1"/>
+          </a:fontRef>
+        </p:style>
+        <p:txBody>
+          <a:bodyPr rtlCol="0" anchor="ctr"/>
+          <a:lstStyle/>
+          <a:p>
+            <a:pPr algn="ctr"/>
+            <a:endParaRPr lang="en-US"/>
+          </a:p>
+        </p:txBody>
+      </p:sp>
+      <p:sp>
+        <p:nvSpPr>
+          <p:cNvPr id="15" name="Espace réservé du contenu 2">
+            <a:extLst>
+              <a:ext uri="{FF2B5EF4-FFF2-40B4-BE49-F238E27FC236}">
+                <a16:creationId xmlns:a16="http://schemas.microsoft.com/office/drawing/2014/main" id="{E83D4BB9-40CA-4DF8-AE40-1D02D961E40D}"/>
+              </a:ext>
+            </a:extLst>
+          </p:cNvPr>
+          <p:cNvSpPr txBox="1">
+            <a:spLocks/>
+          </p:cNvSpPr>
+          <p:nvPr/>
+        </p:nvSpPr>
+        <p:spPr>
+          <a:xfrm>
+            <a:off x="509116" y="4866174"/>
+            <a:ext cx="4392148" cy="1847846"/>
+          </a:xfrm>
+          <a:prstGeom prst="rect">
+            <a:avLst/>
+          </a:prstGeom>
+          <a:effectLst>
+            <a:outerShdw blurRad="25400" dir="17880000">
+              <a:srgbClr val="000000">
+                <a:alpha val="46000"/>
+              </a:srgbClr>
+            </a:outerShdw>
+          </a:effectLst>
+        </p:spPr>
+        <p:txBody>
+          <a:bodyPr vert="horz" lIns="91440" tIns="45720" rIns="91440" bIns="45720" rtlCol="0" anchor="t">
+            <a:normAutofit fontScale="92500" lnSpcReduction="20000"/>
+          </a:bodyPr>
+          <a:lstStyle>
+            <a:lvl1pPr marL="342900" indent="-306000" algn="l" defTabSz="457200" rtl="0" eaLnBrk="1" latinLnBrk="0" hangingPunct="1">
+              <a:spcBef>
+                <a:spcPct val="20000"/>
+              </a:spcBef>
+              <a:spcAft>
+                <a:spcPts val="600"/>
+              </a:spcAft>
+              <a:buClr>
+                <a:schemeClr val="tx2"/>
+              </a:buClr>
+              <a:buSzPct val="70000"/>
+              <a:buFont typeface="Wingdings 2" charset="2"/>
+              <a:buChar char=""/>
+              <a:defRPr sz="2000" kern="1200">
+                <a:ln>
+                  <a:solidFill>
+                    <a:schemeClr val="bg1">
+                      <a:lumMod val="75000"/>
+                      <a:lumOff val="25000"/>
+                      <a:alpha val="10000"/>
+                    </a:schemeClr>
+                  </a:solidFill>
+                </a:ln>
+                <a:solidFill>
+                  <a:schemeClr val="tx2"/>
+                </a:solidFill>
+                <a:effectLst>
+                  <a:outerShdw blurRad="9525" dist="25400" dir="14640000" algn="tl" rotWithShape="0">
+                    <a:schemeClr val="bg1">
+                      <a:alpha val="30000"/>
+                    </a:schemeClr>
+                  </a:outerShdw>
+                </a:effectLst>
+                <a:latin typeface="+mn-lt"/>
+                <a:ea typeface="+mn-ea"/>
+                <a:cs typeface="+mn-cs"/>
+              </a:defRPr>
+            </a:lvl1pPr>
+            <a:lvl2pPr marL="720000" indent="-270000" algn="l" defTabSz="457200" rtl="0" eaLnBrk="1" latinLnBrk="0" hangingPunct="1">
+              <a:spcBef>
+                <a:spcPct val="20000"/>
+              </a:spcBef>
+              <a:spcAft>
+                <a:spcPts val="600"/>
+              </a:spcAft>
+              <a:buClr>
+                <a:schemeClr val="tx2"/>
+              </a:buClr>
+              <a:buSzPct val="70000"/>
+              <a:buFont typeface="Wingdings 2" charset="2"/>
+              <a:buChar char=""/>
+              <a:defRPr sz="1800" kern="1200">
+                <a:ln>
+                  <a:solidFill>
+                    <a:schemeClr val="bg1">
+                      <a:lumMod val="75000"/>
+                      <a:lumOff val="25000"/>
+                      <a:alpha val="10000"/>
+                    </a:schemeClr>
+                  </a:solidFill>
+                </a:ln>
+                <a:solidFill>
+                  <a:schemeClr val="tx2"/>
+                </a:solidFill>
+                <a:effectLst>
+                  <a:outerShdw blurRad="9525" dist="25400" dir="14640000" algn="tl" rotWithShape="0">
+                    <a:schemeClr val="bg1">
+                      <a:alpha val="30000"/>
+                    </a:schemeClr>
+                  </a:outerShdw>
+                </a:effectLst>
+                <a:latin typeface="+mn-lt"/>
+                <a:ea typeface="+mn-ea"/>
+                <a:cs typeface="+mn-cs"/>
+              </a:defRPr>
+            </a:lvl2pPr>
+            <a:lvl3pPr marL="1026000" indent="-216000" algn="l" defTabSz="457200" rtl="0" eaLnBrk="1" latinLnBrk="0" hangingPunct="1">
+              <a:spcBef>
+                <a:spcPct val="20000"/>
+              </a:spcBef>
+              <a:spcAft>
+                <a:spcPts val="600"/>
+              </a:spcAft>
+              <a:buClr>
+                <a:schemeClr val="tx2"/>
+              </a:buClr>
+              <a:buSzPct val="70000"/>
+              <a:buFont typeface="Wingdings 2" charset="2"/>
+              <a:buChar char=""/>
+              <a:defRPr sz="1600" kern="1200">
+                <a:ln>
+                  <a:solidFill>
+                    <a:schemeClr val="bg1">
+                      <a:lumMod val="75000"/>
+                      <a:lumOff val="25000"/>
+                      <a:alpha val="10000"/>
+                    </a:schemeClr>
+                  </a:solidFill>
+                </a:ln>
+                <a:solidFill>
+                  <a:schemeClr val="tx2"/>
+                </a:solidFill>
+                <a:effectLst>
+                  <a:outerShdw blurRad="9525" dist="25400" dir="14640000" algn="tl" rotWithShape="0">
+                    <a:schemeClr val="bg1">
+                      <a:alpha val="30000"/>
+                    </a:schemeClr>
+                  </a:outerShdw>
+                </a:effectLst>
+                <a:latin typeface="+mn-lt"/>
+                <a:ea typeface="+mn-ea"/>
+                <a:cs typeface="+mn-cs"/>
+              </a:defRPr>
+            </a:lvl3pPr>
+            <a:lvl4pPr marL="1386000" indent="-216000" algn="l" defTabSz="457200" rtl="0" eaLnBrk="1" latinLnBrk="0" hangingPunct="1">
+              <a:spcBef>
+                <a:spcPct val="20000"/>
+              </a:spcBef>
+              <a:spcAft>
+                <a:spcPts val="600"/>
+              </a:spcAft>
+              <a:buClr>
+                <a:schemeClr val="tx2"/>
+              </a:buClr>
+              <a:buSzPct val="70000"/>
+              <a:buFont typeface="Wingdings 2" charset="2"/>
+              <a:buChar char=""/>
+              <a:defRPr sz="1400" kern="1200">
+                <a:ln>
+                  <a:solidFill>
+                    <a:schemeClr val="bg1">
+                      <a:lumMod val="75000"/>
+                      <a:lumOff val="25000"/>
+                      <a:alpha val="10000"/>
+                    </a:schemeClr>
+                  </a:solidFill>
+                </a:ln>
+                <a:solidFill>
+                  <a:schemeClr val="tx2"/>
+                </a:solidFill>
+                <a:effectLst>
+                  <a:outerShdw blurRad="9525" dist="25400" dir="14640000" algn="tl" rotWithShape="0">
+                    <a:schemeClr val="bg1">
+                      <a:alpha val="30000"/>
+                    </a:schemeClr>
+                  </a:outerShdw>
+                </a:effectLst>
+                <a:latin typeface="+mn-lt"/>
+                <a:ea typeface="+mn-ea"/>
+                <a:cs typeface="+mn-cs"/>
+              </a:defRPr>
+            </a:lvl4pPr>
+            <a:lvl5pPr marL="1674000" indent="-216000" algn="l" defTabSz="457200" rtl="0" eaLnBrk="1" latinLnBrk="0" hangingPunct="1">
+              <a:spcBef>
+                <a:spcPct val="20000"/>
+              </a:spcBef>
+              <a:spcAft>
+                <a:spcPts val="600"/>
+              </a:spcAft>
+              <a:buClr>
+                <a:schemeClr val="tx2"/>
+              </a:buClr>
+              <a:buSzPct val="70000"/>
+              <a:buFont typeface="Wingdings 2" charset="2"/>
+              <a:buChar char=""/>
+              <a:defRPr sz="1400" kern="1200">
+                <a:ln>
+                  <a:solidFill>
+                    <a:schemeClr val="bg1">
+                      <a:lumMod val="75000"/>
+                      <a:lumOff val="25000"/>
+                      <a:alpha val="10000"/>
+                    </a:schemeClr>
+                  </a:solidFill>
+                </a:ln>
+                <a:solidFill>
+                  <a:schemeClr val="tx2"/>
+                </a:solidFill>
+                <a:effectLst>
+                  <a:outerShdw blurRad="9525" dist="25400" dir="14640000" algn="tl" rotWithShape="0">
+                    <a:schemeClr val="bg1">
+                      <a:alpha val="30000"/>
+                    </a:schemeClr>
+                  </a:outerShdw>
+                </a:effectLst>
+                <a:latin typeface="+mn-lt"/>
+                <a:ea typeface="+mn-ea"/>
+                <a:cs typeface="+mn-cs"/>
+              </a:defRPr>
+            </a:lvl5pPr>
+            <a:lvl6pPr marL="2014600" indent="-228600" algn="l" defTabSz="457200" rtl="0" eaLnBrk="1" latinLnBrk="0" hangingPunct="1">
+              <a:spcBef>
+                <a:spcPct val="20000"/>
+              </a:spcBef>
+              <a:spcAft>
+                <a:spcPts val="600"/>
+              </a:spcAft>
+              <a:buClr>
+                <a:schemeClr val="tx2"/>
+              </a:buClr>
+              <a:buSzPct val="70000"/>
+              <a:buFont typeface="Wingdings 2" charset="2"/>
+              <a:buChar char=""/>
+              <a:defRPr sz="1400" kern="1200">
+                <a:ln>
+                  <a:solidFill>
+                    <a:schemeClr val="bg1">
+                      <a:lumMod val="75000"/>
+                      <a:lumOff val="25000"/>
+                      <a:alpha val="10000"/>
+                    </a:schemeClr>
+                  </a:solidFill>
+                </a:ln>
+                <a:solidFill>
+                  <a:schemeClr val="tx2"/>
+                </a:solidFill>
+                <a:effectLst>
+                  <a:outerShdw blurRad="9525" dist="25400" dir="14640000" algn="tl" rotWithShape="0">
+                    <a:schemeClr val="bg1">
+                      <a:alpha val="30000"/>
+                    </a:schemeClr>
+                  </a:outerShdw>
+                </a:effectLst>
+                <a:latin typeface="+mn-lt"/>
+                <a:ea typeface="+mn-ea"/>
+                <a:cs typeface="+mn-cs"/>
+              </a:defRPr>
+            </a:lvl6pPr>
+            <a:lvl7pPr marL="2401800" indent="-228600" algn="l" defTabSz="457200" rtl="0" eaLnBrk="1" latinLnBrk="0" hangingPunct="1">
+              <a:spcBef>
+                <a:spcPct val="20000"/>
+              </a:spcBef>
+              <a:spcAft>
+                <a:spcPts val="600"/>
+              </a:spcAft>
+              <a:buClr>
+                <a:schemeClr val="tx2"/>
+              </a:buClr>
+              <a:buSzPct val="70000"/>
+              <a:buFont typeface="Wingdings 2" charset="2"/>
+              <a:buChar char=""/>
+              <a:defRPr sz="1400" kern="1200">
+                <a:ln>
+                  <a:solidFill>
+                    <a:schemeClr val="bg1">
+                      <a:lumMod val="75000"/>
+                      <a:lumOff val="25000"/>
+                      <a:alpha val="10000"/>
+                    </a:schemeClr>
+                  </a:solidFill>
+                </a:ln>
+                <a:solidFill>
+                  <a:schemeClr val="tx2"/>
+                </a:solidFill>
+                <a:effectLst>
+                  <a:outerShdw blurRad="9525" dist="25400" dir="14640000" algn="tl" rotWithShape="0">
+                    <a:schemeClr val="bg1">
+                      <a:alpha val="30000"/>
+                    </a:schemeClr>
+                  </a:outerShdw>
+                </a:effectLst>
+                <a:latin typeface="+mn-lt"/>
+                <a:ea typeface="+mn-ea"/>
+                <a:cs typeface="+mn-cs"/>
+              </a:defRPr>
+            </a:lvl7pPr>
+            <a:lvl8pPr marL="2789000" indent="-228600" algn="l" defTabSz="457200" rtl="0" eaLnBrk="1" latinLnBrk="0" hangingPunct="1">
+              <a:spcBef>
+                <a:spcPct val="20000"/>
+              </a:spcBef>
+              <a:spcAft>
+                <a:spcPts val="600"/>
+              </a:spcAft>
+              <a:buClr>
+                <a:schemeClr val="tx2"/>
+              </a:buClr>
+              <a:buSzPct val="70000"/>
+              <a:buFont typeface="Wingdings 2" charset="2"/>
+              <a:buChar char=""/>
+              <a:defRPr sz="1400" kern="1200">
+                <a:ln>
+                  <a:solidFill>
+                    <a:schemeClr val="bg1">
+                      <a:lumMod val="75000"/>
+                      <a:lumOff val="25000"/>
+                      <a:alpha val="10000"/>
+                    </a:schemeClr>
+                  </a:solidFill>
+                </a:ln>
+                <a:solidFill>
+                  <a:schemeClr val="tx2"/>
+                </a:solidFill>
+                <a:effectLst>
+                  <a:outerShdw blurRad="9525" dist="25400" dir="14640000" algn="tl" rotWithShape="0">
+                    <a:schemeClr val="bg1">
+                      <a:alpha val="30000"/>
+                    </a:schemeClr>
+                  </a:outerShdw>
+                </a:effectLst>
+                <a:latin typeface="+mn-lt"/>
+                <a:ea typeface="+mn-ea"/>
+                <a:cs typeface="+mn-cs"/>
+              </a:defRPr>
+            </a:lvl8pPr>
+            <a:lvl9pPr marL="3106200" indent="-228600" algn="l" defTabSz="457200" rtl="0" eaLnBrk="1" latinLnBrk="0" hangingPunct="1">
+              <a:spcBef>
+                <a:spcPct val="20000"/>
+              </a:spcBef>
+              <a:spcAft>
+                <a:spcPts val="600"/>
+              </a:spcAft>
+              <a:buClr>
+                <a:schemeClr val="tx2"/>
+              </a:buClr>
+              <a:buSzPct val="70000"/>
+              <a:buFont typeface="Wingdings 2" charset="2"/>
+              <a:buChar char=""/>
+              <a:defRPr sz="1400" kern="1200">
+                <a:ln>
+                  <a:solidFill>
+                    <a:schemeClr val="bg1">
+                      <a:lumMod val="75000"/>
+                      <a:lumOff val="25000"/>
+                      <a:alpha val="10000"/>
+                    </a:schemeClr>
+                  </a:solidFill>
+                </a:ln>
+                <a:solidFill>
+                  <a:schemeClr val="tx2"/>
+                </a:solidFill>
+                <a:effectLst>
+                  <a:outerShdw blurRad="9525" dist="25400" dir="14640000" algn="tl" rotWithShape="0">
+                    <a:schemeClr val="bg1">
+                      <a:alpha val="30000"/>
+                    </a:schemeClr>
+                  </a:outerShdw>
+                </a:effectLst>
+                <a:latin typeface="+mn-lt"/>
+                <a:ea typeface="+mn-ea"/>
+                <a:cs typeface="+mn-cs"/>
+              </a:defRPr>
+            </a:lvl9pPr>
+          </a:lstStyle>
+          <a:p>
+            <a:r>
+              <a:rPr lang="en-US" sz="2800" dirty="0">
+                <a:effectLst/>
+              </a:rPr>
+              <a:t>They fall in love and plan to marry but on the day of their wedding it is reveal that Mr. Rochester already has a wife.</a:t>
+            </a:r>
+            <a:endParaRPr lang="en-US" sz="3200" dirty="0">
+              <a:effectLst/>
+            </a:endParaRPr>
+          </a:p>
+        </p:txBody>
+      </p:sp>
+    </p:spTree>
+    <p:extLst>
+      <p:ext uri="{BB962C8B-B14F-4D97-AF65-F5344CB8AC3E}">
+        <p14:creationId xmlns:p14="http://schemas.microsoft.com/office/powerpoint/2010/main" val="616635924"/>
+      </p:ext>
+    </p:extLst>
+  </p:cSld>
+  <p:clrMapOvr>
+    <a:masterClrMapping/>
+  </p:clrMapOvr>
+</p:sld>
+</file>
+
 <file path=ppt/theme/theme1.xml><?xml version="1.0" encoding="utf-8"?>
 <a:theme xmlns:a="http://schemas.openxmlformats.org/drawingml/2006/main" name="Ardoise">
   <a:themeElements>

--- a/Jane_Eyre_PPT.pptx
+++ b/Jane_Eyre_PPT.pptx
@@ -8,6 +8,7 @@
     <p:sldId id="256" r:id="rId2"/>
     <p:sldId id="257" r:id="rId3"/>
     <p:sldId id="258" r:id="rId4"/>
+    <p:sldId id="259" r:id="rId5"/>
   </p:sldIdLst>
   <p:sldSz cx="12192000" cy="6858000"/>
   <p:notesSz cx="6858000" cy="9144000"/>
@@ -6254,14 +6255,9 @@
           <a:lstStyle/>
           <a:p>
             <a:r>
-              <a:rPr lang="fr-FR" dirty="0"/>
-              <a:t>The type of </a:t>
-            </a:r>
-            <a:r>
-              <a:rPr lang="fr-FR" dirty="0" err="1"/>
-              <a:t>narrator</a:t>
-            </a:r>
-            <a:endParaRPr lang="en-US" dirty="0"/>
+              <a:rPr lang="en-US"/>
+              <a:t>The type of narrator</a:t>
+            </a:r>
           </a:p>
         </p:txBody>
       </p:sp>
@@ -6329,22 +6325,9 @@
           <a:lstStyle/>
           <a:p>
             <a:r>
-              <a:rPr lang="fr-FR" sz="3200" u="sng" dirty="0"/>
-              <a:t>A first </a:t>
-            </a:r>
-            <a:r>
-              <a:rPr lang="fr-FR" sz="3200" u="sng" dirty="0" err="1"/>
-              <a:t>person</a:t>
-            </a:r>
-            <a:r>
-              <a:rPr lang="fr-FR" sz="3200" u="sng" dirty="0"/>
-              <a:t> </a:t>
-            </a:r>
-            <a:r>
-              <a:rPr lang="fr-FR" sz="3200" u="sng" dirty="0" err="1"/>
-              <a:t>narrator</a:t>
-            </a:r>
-            <a:endParaRPr lang="fr-FR" sz="3200" u="sng" dirty="0"/>
+              <a:rPr lang="en-US" sz="3200" u="sng"/>
+              <a:t>A first person narrator</a:t>
+            </a:r>
           </a:p>
         </p:txBody>
       </p:sp>
@@ -6728,113 +6711,23 @@
           </a:lstStyle>
           <a:p>
             <a:r>
-              <a:rPr lang="fr-FR" sz="3200" u="sng" dirty="0"/>
-              <a:t>The </a:t>
-            </a:r>
-            <a:r>
-              <a:rPr lang="fr-FR" sz="3200" u="sng" dirty="0" err="1"/>
-              <a:t>effect</a:t>
-            </a:r>
-            <a:r>
-              <a:rPr lang="fr-FR" sz="3200" u="sng" dirty="0"/>
-              <a:t> </a:t>
-            </a:r>
-            <a:r>
-              <a:rPr lang="fr-FR" sz="3200" u="sng" dirty="0" err="1"/>
-              <a:t>produced</a:t>
-            </a:r>
-            <a:r>
-              <a:rPr lang="fr-FR" sz="3200" u="sng" dirty="0"/>
-              <a:t>:</a:t>
+              <a:rPr lang="en-US" sz="3200" u="sng" dirty="0"/>
+              <a:t>The effect on the reader:</a:t>
             </a:r>
           </a:p>
           <a:p>
             <a:pPr lvl="1"/>
             <a:r>
-              <a:rPr lang="fr-FR" sz="3200" u="sng" dirty="0" err="1"/>
-              <a:t>We</a:t>
-            </a:r>
-            <a:r>
-              <a:rPr lang="fr-FR" sz="3200" u="sng" dirty="0"/>
-              <a:t> </a:t>
-            </a:r>
-            <a:r>
-              <a:rPr lang="fr-FR" sz="3200" u="sng" dirty="0" err="1"/>
-              <a:t>feel</a:t>
-            </a:r>
-            <a:r>
-              <a:rPr lang="fr-FR" sz="3200" u="sng" dirty="0"/>
-              <a:t> the </a:t>
-            </a:r>
-            <a:r>
-              <a:rPr lang="fr-FR" sz="3200" u="sng" dirty="0" err="1"/>
-              <a:t>same</a:t>
-            </a:r>
-            <a:r>
-              <a:rPr lang="fr-FR" sz="3200" u="sng" dirty="0"/>
-              <a:t> </a:t>
-            </a:r>
-            <a:r>
-              <a:rPr lang="fr-FR" sz="3200" u="sng" dirty="0" err="1"/>
-              <a:t>way</a:t>
-            </a:r>
-            <a:r>
-              <a:rPr lang="fr-FR" sz="3200" u="sng" dirty="0"/>
-              <a:t> </a:t>
-            </a:r>
-            <a:r>
-              <a:rPr lang="fr-FR" sz="3200" u="sng" dirty="0" err="1"/>
-              <a:t>than</a:t>
-            </a:r>
-            <a:r>
-              <a:rPr lang="fr-FR" sz="3200" u="sng" dirty="0"/>
-              <a:t> </a:t>
-            </a:r>
-            <a:r>
-              <a:rPr lang="fr-FR" sz="3200" u="sng" dirty="0" err="1"/>
-              <a:t>her</a:t>
-            </a:r>
-            <a:endParaRPr lang="fr-FR" sz="3200" u="sng" dirty="0"/>
+              <a:rPr lang="en-US" sz="3200" u="sng" dirty="0"/>
+              <a:t>We feel the same way than her</a:t>
+            </a:r>
           </a:p>
           <a:p>
             <a:pPr lvl="1"/>
             <a:r>
-              <a:rPr lang="fr-FR" sz="3200" u="sng" dirty="0" err="1"/>
-              <a:t>We</a:t>
-            </a:r>
-            <a:r>
-              <a:rPr lang="fr-FR" sz="3200" u="sng" dirty="0"/>
-              <a:t> </a:t>
-            </a:r>
-            <a:r>
-              <a:rPr lang="fr-FR" sz="3200" u="sng" dirty="0" err="1"/>
-              <a:t>see</a:t>
-            </a:r>
-            <a:r>
-              <a:rPr lang="fr-FR" sz="3200" u="sng" dirty="0"/>
-              <a:t> the </a:t>
-            </a:r>
-            <a:r>
-              <a:rPr lang="fr-FR" sz="3200" u="sng" dirty="0" err="1"/>
-              <a:t>same</a:t>
-            </a:r>
-            <a:r>
-              <a:rPr lang="fr-FR" sz="3200" u="sng" dirty="0"/>
-              <a:t> </a:t>
-            </a:r>
-            <a:r>
-              <a:rPr lang="fr-FR" sz="3200" u="sng" dirty="0" err="1"/>
-              <a:t>things</a:t>
-            </a:r>
-            <a:r>
-              <a:rPr lang="fr-FR" sz="3200" u="sng" dirty="0"/>
-              <a:t> as </a:t>
-            </a:r>
-            <a:r>
-              <a:rPr lang="fr-FR" sz="3200" u="sng" dirty="0" err="1"/>
-              <a:t>her</a:t>
-            </a:r>
-            <a:endParaRPr lang="fr-FR" sz="3200" u="sng" dirty="0"/>
+              <a:rPr lang="en-US" sz="3200" u="sng" dirty="0"/>
+              <a:t>We see the same things as her</a:t>
+            </a:r>
           </a:p>
         </p:txBody>
       </p:sp>
@@ -8255,6 +8148,108 @@
 </p:sld>
 </file>
 
+<file path=ppt/slides/slide4.xml><?xml version="1.0" encoding="utf-8"?>
+<p:sld xmlns:a="http://schemas.openxmlformats.org/drawingml/2006/main" xmlns:r="http://schemas.openxmlformats.org/officeDocument/2006/relationships" xmlns:p="http://schemas.openxmlformats.org/presentationml/2006/main">
+  <p:cSld>
+    <p:spTree>
+      <p:nvGrpSpPr>
+        <p:cNvPr id="1" name=""/>
+        <p:cNvGrpSpPr/>
+        <p:nvPr/>
+      </p:nvGrpSpPr>
+      <p:grpSpPr>
+        <a:xfrm>
+          <a:off x="0" y="0"/>
+          <a:ext cx="0" cy="0"/>
+          <a:chOff x="0" y="0"/>
+          <a:chExt cx="0" cy="0"/>
+        </a:xfrm>
+      </p:grpSpPr>
+      <p:sp>
+        <p:nvSpPr>
+          <p:cNvPr id="2" name="Titre 1">
+            <a:extLst>
+              <a:ext uri="{FF2B5EF4-FFF2-40B4-BE49-F238E27FC236}">
+                <a16:creationId xmlns:a16="http://schemas.microsoft.com/office/drawing/2014/main" id="{F701BF67-12B0-4537-8EB2-2C3288BCC442}"/>
+              </a:ext>
+            </a:extLst>
+          </p:cNvPr>
+          <p:cNvSpPr>
+            <a:spLocks noGrp="1"/>
+          </p:cNvSpPr>
+          <p:nvPr>
+            <p:ph type="title"/>
+          </p:nvPr>
+        </p:nvSpPr>
+        <p:spPr/>
+        <p:txBody>
+          <a:bodyPr/>
+          <a:lstStyle/>
+          <a:p>
+            <a:r>
+              <a:rPr lang="en-US" dirty="0"/>
+              <a:t>The parallels</a:t>
+            </a:r>
+          </a:p>
+        </p:txBody>
+      </p:sp>
+      <p:sp>
+        <p:nvSpPr>
+          <p:cNvPr id="3" name="Espace réservé du contenu 2">
+            <a:extLst>
+              <a:ext uri="{FF2B5EF4-FFF2-40B4-BE49-F238E27FC236}">
+                <a16:creationId xmlns:a16="http://schemas.microsoft.com/office/drawing/2014/main" id="{65204EF3-8021-4657-A2DC-FDE42ACD5DB0}"/>
+              </a:ext>
+            </a:extLst>
+          </p:cNvPr>
+          <p:cNvSpPr>
+            <a:spLocks noGrp="1"/>
+          </p:cNvSpPr>
+          <p:nvPr>
+            <p:ph idx="1"/>
+          </p:nvPr>
+        </p:nvSpPr>
+        <p:spPr/>
+        <p:txBody>
+          <a:bodyPr/>
+          <a:lstStyle/>
+          <a:p>
+            <a:r>
+              <a:rPr lang="en-US" sz="2800" u="sng" dirty="0"/>
+              <a:t>The biography of Jane Eyre is similar to Charlotte Brontë’s one, due to the various parallels between Charlotte Brontë’s life, and the novel.</a:t>
+            </a:r>
+          </a:p>
+          <a:p>
+            <a:endParaRPr lang="en-US" dirty="0"/>
+          </a:p>
+          <a:p>
+            <a:r>
+              <a:rPr lang="en-US" sz="2800" u="sng" dirty="0"/>
+              <a:t>The effect on the reader:</a:t>
+            </a:r>
+          </a:p>
+          <a:p>
+            <a:pPr lvl="1"/>
+            <a:r>
+              <a:rPr lang="en-US" sz="2400" dirty="0"/>
+              <a:t>The reader could see Charlotte Brontë’s character, through Jane Eyre.</a:t>
+            </a:r>
+          </a:p>
+        </p:txBody>
+      </p:sp>
+    </p:spTree>
+    <p:extLst>
+      <p:ext uri="{BB962C8B-B14F-4D97-AF65-F5344CB8AC3E}">
+        <p14:creationId xmlns:p14="http://schemas.microsoft.com/office/powerpoint/2010/main" val="1557996987"/>
+      </p:ext>
+    </p:extLst>
+  </p:cSld>
+  <p:clrMapOvr>
+    <a:masterClrMapping/>
+  </p:clrMapOvr>
+</p:sld>
+</file>
+
 <file path=ppt/theme/theme1.xml><?xml version="1.0" encoding="utf-8"?>
 <a:theme xmlns:a="http://schemas.openxmlformats.org/drawingml/2006/main" name="Ardoise">
   <a:themeElements>

--- a/Jane_Eyre_PPT.pptx
+++ b/Jane_Eyre_PPT.pptx
@@ -9,6 +9,8 @@
     <p:sldId id="257" r:id="rId3"/>
     <p:sldId id="258" r:id="rId4"/>
     <p:sldId id="259" r:id="rId5"/>
+    <p:sldId id="260" r:id="rId6"/>
+    <p:sldId id="261" r:id="rId7"/>
   </p:sldIdLst>
   <p:sldSz cx="12192000" cy="6858000"/>
   <p:notesSz cx="6858000" cy="9144000"/>
@@ -8250,6 +8252,677 @@
 </p:sld>
 </file>
 
+<file path=ppt/slides/slide5.xml><?xml version="1.0" encoding="utf-8"?>
+<p:sld xmlns:a="http://schemas.openxmlformats.org/drawingml/2006/main" xmlns:r="http://schemas.openxmlformats.org/officeDocument/2006/relationships" xmlns:p="http://schemas.openxmlformats.org/presentationml/2006/main">
+  <p:cSld>
+    <p:spTree>
+      <p:nvGrpSpPr>
+        <p:cNvPr id="1" name=""/>
+        <p:cNvGrpSpPr/>
+        <p:nvPr/>
+      </p:nvGrpSpPr>
+      <p:grpSpPr>
+        <a:xfrm>
+          <a:off x="0" y="0"/>
+          <a:ext cx="0" cy="0"/>
+          <a:chOff x="0" y="0"/>
+          <a:chExt cx="0" cy="0"/>
+        </a:xfrm>
+      </p:grpSpPr>
+      <p:sp>
+        <p:nvSpPr>
+          <p:cNvPr id="2" name="Titre 1">
+            <a:extLst>
+              <a:ext uri="{FF2B5EF4-FFF2-40B4-BE49-F238E27FC236}">
+                <a16:creationId xmlns:a16="http://schemas.microsoft.com/office/drawing/2014/main" id="{9EEC58E3-8D47-4237-B4DE-531F6A3E31EA}"/>
+              </a:ext>
+            </a:extLst>
+          </p:cNvPr>
+          <p:cNvSpPr>
+            <a:spLocks noGrp="1"/>
+          </p:cNvSpPr>
+          <p:nvPr>
+            <p:ph type="title"/>
+          </p:nvPr>
+        </p:nvSpPr>
+        <p:spPr/>
+        <p:txBody>
+          <a:bodyPr>
+            <a:normAutofit/>
+          </a:bodyPr>
+          <a:lstStyle/>
+          <a:p>
+            <a:r>
+              <a:rPr lang="en-US" dirty="0"/>
+              <a:t>The Victorian England</a:t>
+            </a:r>
+          </a:p>
+        </p:txBody>
+      </p:sp>
+      <p:sp>
+        <p:nvSpPr>
+          <p:cNvPr id="3" name="Espace réservé du contenu 2">
+            <a:extLst>
+              <a:ext uri="{FF2B5EF4-FFF2-40B4-BE49-F238E27FC236}">
+                <a16:creationId xmlns:a16="http://schemas.microsoft.com/office/drawing/2014/main" id="{4769B861-9B4D-4418-B3FB-19493C5AB7B6}"/>
+              </a:ext>
+            </a:extLst>
+          </p:cNvPr>
+          <p:cNvSpPr>
+            <a:spLocks noGrp="1"/>
+          </p:cNvSpPr>
+          <p:nvPr>
+            <p:ph idx="1"/>
+          </p:nvPr>
+        </p:nvSpPr>
+        <p:spPr>
+          <a:xfrm>
+            <a:off x="913795" y="1732449"/>
+            <a:ext cx="9487505" cy="1563201"/>
+          </a:xfrm>
+        </p:spPr>
+        <p:txBody>
+          <a:bodyPr>
+            <a:normAutofit fontScale="77500" lnSpcReduction="20000"/>
+          </a:bodyPr>
+          <a:lstStyle/>
+          <a:p>
+            <a:r>
+              <a:rPr lang="en-US" sz="3600" u="sng" dirty="0"/>
+              <a:t>The role of women</a:t>
+            </a:r>
+          </a:p>
+          <a:p>
+            <a:pPr lvl="1"/>
+            <a:r>
+              <a:rPr lang="en-US" sz="2800" dirty="0"/>
+              <a:t>Many women became maids.</a:t>
+            </a:r>
+          </a:p>
+          <a:p>
+            <a:pPr lvl="2"/>
+            <a:r>
+              <a:rPr lang="en-US" sz="2400" dirty="0"/>
+              <a:t>These maids were subdivided in various groups, including the governesses.</a:t>
+            </a:r>
+          </a:p>
+          <a:p>
+            <a:pPr marL="810000" lvl="2" indent="0">
+              <a:buNone/>
+            </a:pPr>
+            <a:r>
+              <a:rPr lang="en-US" dirty="0"/>
+              <a:t> </a:t>
+            </a:r>
+          </a:p>
+        </p:txBody>
+      </p:sp>
+      <p:sp>
+        <p:nvSpPr>
+          <p:cNvPr id="5" name="Espace réservé du contenu 2">
+            <a:extLst>
+              <a:ext uri="{FF2B5EF4-FFF2-40B4-BE49-F238E27FC236}">
+                <a16:creationId xmlns:a16="http://schemas.microsoft.com/office/drawing/2014/main" id="{538A16F4-A08D-4FF3-9E94-B94E3491DC9F}"/>
+              </a:ext>
+            </a:extLst>
+          </p:cNvPr>
+          <p:cNvSpPr txBox="1">
+            <a:spLocks/>
+          </p:cNvSpPr>
+          <p:nvPr/>
+        </p:nvSpPr>
+        <p:spPr>
+          <a:xfrm>
+            <a:off x="913795" y="3295650"/>
+            <a:ext cx="10353762" cy="2953850"/>
+          </a:xfrm>
+          <a:prstGeom prst="rect">
+            <a:avLst/>
+          </a:prstGeom>
+          <a:effectLst>
+            <a:outerShdw blurRad="25400" dir="17880000">
+              <a:srgbClr val="000000">
+                <a:alpha val="46000"/>
+              </a:srgbClr>
+            </a:outerShdw>
+          </a:effectLst>
+        </p:spPr>
+        <p:txBody>
+          <a:bodyPr vert="horz" lIns="91440" tIns="45720" rIns="91440" bIns="45720" rtlCol="0" anchor="t">
+            <a:normAutofit fontScale="92500" lnSpcReduction="20000"/>
+          </a:bodyPr>
+          <a:lstStyle>
+            <a:lvl1pPr marL="342900" indent="-306000" algn="l" defTabSz="457200" rtl="0" eaLnBrk="1" latinLnBrk="0" hangingPunct="1">
+              <a:spcBef>
+                <a:spcPct val="20000"/>
+              </a:spcBef>
+              <a:spcAft>
+                <a:spcPts val="600"/>
+              </a:spcAft>
+              <a:buClr>
+                <a:schemeClr val="tx2"/>
+              </a:buClr>
+              <a:buSzPct val="70000"/>
+              <a:buFont typeface="Wingdings 2" charset="2"/>
+              <a:buChar char=""/>
+              <a:defRPr sz="2000" kern="1200">
+                <a:ln>
+                  <a:solidFill>
+                    <a:schemeClr val="bg1">
+                      <a:lumMod val="75000"/>
+                      <a:lumOff val="25000"/>
+                      <a:alpha val="10000"/>
+                    </a:schemeClr>
+                  </a:solidFill>
+                </a:ln>
+                <a:solidFill>
+                  <a:schemeClr val="tx2"/>
+                </a:solidFill>
+                <a:effectLst>
+                  <a:outerShdw blurRad="9525" dist="25400" dir="14640000" algn="tl" rotWithShape="0">
+                    <a:schemeClr val="bg1">
+                      <a:alpha val="30000"/>
+                    </a:schemeClr>
+                  </a:outerShdw>
+                </a:effectLst>
+                <a:latin typeface="+mn-lt"/>
+                <a:ea typeface="+mn-ea"/>
+                <a:cs typeface="+mn-cs"/>
+              </a:defRPr>
+            </a:lvl1pPr>
+            <a:lvl2pPr marL="720000" indent="-270000" algn="l" defTabSz="457200" rtl="0" eaLnBrk="1" latinLnBrk="0" hangingPunct="1">
+              <a:spcBef>
+                <a:spcPct val="20000"/>
+              </a:spcBef>
+              <a:spcAft>
+                <a:spcPts val="600"/>
+              </a:spcAft>
+              <a:buClr>
+                <a:schemeClr val="tx2"/>
+              </a:buClr>
+              <a:buSzPct val="70000"/>
+              <a:buFont typeface="Wingdings 2" charset="2"/>
+              <a:buChar char=""/>
+              <a:defRPr sz="1800" kern="1200">
+                <a:ln>
+                  <a:solidFill>
+                    <a:schemeClr val="bg1">
+                      <a:lumMod val="75000"/>
+                      <a:lumOff val="25000"/>
+                      <a:alpha val="10000"/>
+                    </a:schemeClr>
+                  </a:solidFill>
+                </a:ln>
+                <a:solidFill>
+                  <a:schemeClr val="tx2"/>
+                </a:solidFill>
+                <a:effectLst>
+                  <a:outerShdw blurRad="9525" dist="25400" dir="14640000" algn="tl" rotWithShape="0">
+                    <a:schemeClr val="bg1">
+                      <a:alpha val="30000"/>
+                    </a:schemeClr>
+                  </a:outerShdw>
+                </a:effectLst>
+                <a:latin typeface="+mn-lt"/>
+                <a:ea typeface="+mn-ea"/>
+                <a:cs typeface="+mn-cs"/>
+              </a:defRPr>
+            </a:lvl2pPr>
+            <a:lvl3pPr marL="1026000" indent="-216000" algn="l" defTabSz="457200" rtl="0" eaLnBrk="1" latinLnBrk="0" hangingPunct="1">
+              <a:spcBef>
+                <a:spcPct val="20000"/>
+              </a:spcBef>
+              <a:spcAft>
+                <a:spcPts val="600"/>
+              </a:spcAft>
+              <a:buClr>
+                <a:schemeClr val="tx2"/>
+              </a:buClr>
+              <a:buSzPct val="70000"/>
+              <a:buFont typeface="Wingdings 2" charset="2"/>
+              <a:buChar char=""/>
+              <a:defRPr sz="1600" kern="1200">
+                <a:ln>
+                  <a:solidFill>
+                    <a:schemeClr val="bg1">
+                      <a:lumMod val="75000"/>
+                      <a:lumOff val="25000"/>
+                      <a:alpha val="10000"/>
+                    </a:schemeClr>
+                  </a:solidFill>
+                </a:ln>
+                <a:solidFill>
+                  <a:schemeClr val="tx2"/>
+                </a:solidFill>
+                <a:effectLst>
+                  <a:outerShdw blurRad="9525" dist="25400" dir="14640000" algn="tl" rotWithShape="0">
+                    <a:schemeClr val="bg1">
+                      <a:alpha val="30000"/>
+                    </a:schemeClr>
+                  </a:outerShdw>
+                </a:effectLst>
+                <a:latin typeface="+mn-lt"/>
+                <a:ea typeface="+mn-ea"/>
+                <a:cs typeface="+mn-cs"/>
+              </a:defRPr>
+            </a:lvl3pPr>
+            <a:lvl4pPr marL="1386000" indent="-216000" algn="l" defTabSz="457200" rtl="0" eaLnBrk="1" latinLnBrk="0" hangingPunct="1">
+              <a:spcBef>
+                <a:spcPct val="20000"/>
+              </a:spcBef>
+              <a:spcAft>
+                <a:spcPts val="600"/>
+              </a:spcAft>
+              <a:buClr>
+                <a:schemeClr val="tx2"/>
+              </a:buClr>
+              <a:buSzPct val="70000"/>
+              <a:buFont typeface="Wingdings 2" charset="2"/>
+              <a:buChar char=""/>
+              <a:defRPr sz="1400" kern="1200">
+                <a:ln>
+                  <a:solidFill>
+                    <a:schemeClr val="bg1">
+                      <a:lumMod val="75000"/>
+                      <a:lumOff val="25000"/>
+                      <a:alpha val="10000"/>
+                    </a:schemeClr>
+                  </a:solidFill>
+                </a:ln>
+                <a:solidFill>
+                  <a:schemeClr val="tx2"/>
+                </a:solidFill>
+                <a:effectLst>
+                  <a:outerShdw blurRad="9525" dist="25400" dir="14640000" algn="tl" rotWithShape="0">
+                    <a:schemeClr val="bg1">
+                      <a:alpha val="30000"/>
+                    </a:schemeClr>
+                  </a:outerShdw>
+                </a:effectLst>
+                <a:latin typeface="+mn-lt"/>
+                <a:ea typeface="+mn-ea"/>
+                <a:cs typeface="+mn-cs"/>
+              </a:defRPr>
+            </a:lvl4pPr>
+            <a:lvl5pPr marL="1674000" indent="-216000" algn="l" defTabSz="457200" rtl="0" eaLnBrk="1" latinLnBrk="0" hangingPunct="1">
+              <a:spcBef>
+                <a:spcPct val="20000"/>
+              </a:spcBef>
+              <a:spcAft>
+                <a:spcPts val="600"/>
+              </a:spcAft>
+              <a:buClr>
+                <a:schemeClr val="tx2"/>
+              </a:buClr>
+              <a:buSzPct val="70000"/>
+              <a:buFont typeface="Wingdings 2" charset="2"/>
+              <a:buChar char=""/>
+              <a:defRPr sz="1400" kern="1200">
+                <a:ln>
+                  <a:solidFill>
+                    <a:schemeClr val="bg1">
+                      <a:lumMod val="75000"/>
+                      <a:lumOff val="25000"/>
+                      <a:alpha val="10000"/>
+                    </a:schemeClr>
+                  </a:solidFill>
+                </a:ln>
+                <a:solidFill>
+                  <a:schemeClr val="tx2"/>
+                </a:solidFill>
+                <a:effectLst>
+                  <a:outerShdw blurRad="9525" dist="25400" dir="14640000" algn="tl" rotWithShape="0">
+                    <a:schemeClr val="bg1">
+                      <a:alpha val="30000"/>
+                    </a:schemeClr>
+                  </a:outerShdw>
+                </a:effectLst>
+                <a:latin typeface="+mn-lt"/>
+                <a:ea typeface="+mn-ea"/>
+                <a:cs typeface="+mn-cs"/>
+              </a:defRPr>
+            </a:lvl5pPr>
+            <a:lvl6pPr marL="2014600" indent="-228600" algn="l" defTabSz="457200" rtl="0" eaLnBrk="1" latinLnBrk="0" hangingPunct="1">
+              <a:spcBef>
+                <a:spcPct val="20000"/>
+              </a:spcBef>
+              <a:spcAft>
+                <a:spcPts val="600"/>
+              </a:spcAft>
+              <a:buClr>
+                <a:schemeClr val="tx2"/>
+              </a:buClr>
+              <a:buSzPct val="70000"/>
+              <a:buFont typeface="Wingdings 2" charset="2"/>
+              <a:buChar char=""/>
+              <a:defRPr sz="1400" kern="1200">
+                <a:ln>
+                  <a:solidFill>
+                    <a:schemeClr val="bg1">
+                      <a:lumMod val="75000"/>
+                      <a:lumOff val="25000"/>
+                      <a:alpha val="10000"/>
+                    </a:schemeClr>
+                  </a:solidFill>
+                </a:ln>
+                <a:solidFill>
+                  <a:schemeClr val="tx2"/>
+                </a:solidFill>
+                <a:effectLst>
+                  <a:outerShdw blurRad="9525" dist="25400" dir="14640000" algn="tl" rotWithShape="0">
+                    <a:schemeClr val="bg1">
+                      <a:alpha val="30000"/>
+                    </a:schemeClr>
+                  </a:outerShdw>
+                </a:effectLst>
+                <a:latin typeface="+mn-lt"/>
+                <a:ea typeface="+mn-ea"/>
+                <a:cs typeface="+mn-cs"/>
+              </a:defRPr>
+            </a:lvl6pPr>
+            <a:lvl7pPr marL="2401800" indent="-228600" algn="l" defTabSz="457200" rtl="0" eaLnBrk="1" latinLnBrk="0" hangingPunct="1">
+              <a:spcBef>
+                <a:spcPct val="20000"/>
+              </a:spcBef>
+              <a:spcAft>
+                <a:spcPts val="600"/>
+              </a:spcAft>
+              <a:buClr>
+                <a:schemeClr val="tx2"/>
+              </a:buClr>
+              <a:buSzPct val="70000"/>
+              <a:buFont typeface="Wingdings 2" charset="2"/>
+              <a:buChar char=""/>
+              <a:defRPr sz="1400" kern="1200">
+                <a:ln>
+                  <a:solidFill>
+                    <a:schemeClr val="bg1">
+                      <a:lumMod val="75000"/>
+                      <a:lumOff val="25000"/>
+                      <a:alpha val="10000"/>
+                    </a:schemeClr>
+                  </a:solidFill>
+                </a:ln>
+                <a:solidFill>
+                  <a:schemeClr val="tx2"/>
+                </a:solidFill>
+                <a:effectLst>
+                  <a:outerShdw blurRad="9525" dist="25400" dir="14640000" algn="tl" rotWithShape="0">
+                    <a:schemeClr val="bg1">
+                      <a:alpha val="30000"/>
+                    </a:schemeClr>
+                  </a:outerShdw>
+                </a:effectLst>
+                <a:latin typeface="+mn-lt"/>
+                <a:ea typeface="+mn-ea"/>
+                <a:cs typeface="+mn-cs"/>
+              </a:defRPr>
+            </a:lvl7pPr>
+            <a:lvl8pPr marL="2789000" indent="-228600" algn="l" defTabSz="457200" rtl="0" eaLnBrk="1" latinLnBrk="0" hangingPunct="1">
+              <a:spcBef>
+                <a:spcPct val="20000"/>
+              </a:spcBef>
+              <a:spcAft>
+                <a:spcPts val="600"/>
+              </a:spcAft>
+              <a:buClr>
+                <a:schemeClr val="tx2"/>
+              </a:buClr>
+              <a:buSzPct val="70000"/>
+              <a:buFont typeface="Wingdings 2" charset="2"/>
+              <a:buChar char=""/>
+              <a:defRPr sz="1400" kern="1200">
+                <a:ln>
+                  <a:solidFill>
+                    <a:schemeClr val="bg1">
+                      <a:lumMod val="75000"/>
+                      <a:lumOff val="25000"/>
+                      <a:alpha val="10000"/>
+                    </a:schemeClr>
+                  </a:solidFill>
+                </a:ln>
+                <a:solidFill>
+                  <a:schemeClr val="tx2"/>
+                </a:solidFill>
+                <a:effectLst>
+                  <a:outerShdw blurRad="9525" dist="25400" dir="14640000" algn="tl" rotWithShape="0">
+                    <a:schemeClr val="bg1">
+                      <a:alpha val="30000"/>
+                    </a:schemeClr>
+                  </a:outerShdw>
+                </a:effectLst>
+                <a:latin typeface="+mn-lt"/>
+                <a:ea typeface="+mn-ea"/>
+                <a:cs typeface="+mn-cs"/>
+              </a:defRPr>
+            </a:lvl8pPr>
+            <a:lvl9pPr marL="3106200" indent="-228600" algn="l" defTabSz="457200" rtl="0" eaLnBrk="1" latinLnBrk="0" hangingPunct="1">
+              <a:spcBef>
+                <a:spcPct val="20000"/>
+              </a:spcBef>
+              <a:spcAft>
+                <a:spcPts val="600"/>
+              </a:spcAft>
+              <a:buClr>
+                <a:schemeClr val="tx2"/>
+              </a:buClr>
+              <a:buSzPct val="70000"/>
+              <a:buFont typeface="Wingdings 2" charset="2"/>
+              <a:buChar char=""/>
+              <a:defRPr sz="1400" kern="1200">
+                <a:ln>
+                  <a:solidFill>
+                    <a:schemeClr val="bg1">
+                      <a:lumMod val="75000"/>
+                      <a:lumOff val="25000"/>
+                      <a:alpha val="10000"/>
+                    </a:schemeClr>
+                  </a:solidFill>
+                </a:ln>
+                <a:solidFill>
+                  <a:schemeClr val="tx2"/>
+                </a:solidFill>
+                <a:effectLst>
+                  <a:outerShdw blurRad="9525" dist="25400" dir="14640000" algn="tl" rotWithShape="0">
+                    <a:schemeClr val="bg1">
+                      <a:alpha val="30000"/>
+                    </a:schemeClr>
+                  </a:outerShdw>
+                </a:effectLst>
+                <a:latin typeface="+mn-lt"/>
+                <a:ea typeface="+mn-ea"/>
+                <a:cs typeface="+mn-cs"/>
+              </a:defRPr>
+            </a:lvl9pPr>
+          </a:lstStyle>
+          <a:p>
+            <a:r>
+              <a:rPr lang="en-US" sz="3600" u="sng" dirty="0"/>
+              <a:t>The governesses </a:t>
+            </a:r>
+          </a:p>
+          <a:p>
+            <a:pPr lvl="1"/>
+            <a:r>
+              <a:rPr lang="en-US" sz="2000" dirty="0"/>
+              <a:t>They are young women.</a:t>
+            </a:r>
+          </a:p>
+          <a:p>
+            <a:pPr lvl="1"/>
+            <a:r>
+              <a:rPr lang="en-US" sz="2000" dirty="0"/>
+              <a:t>They come from the mid-class.</a:t>
+            </a:r>
+          </a:p>
+          <a:p>
+            <a:pPr lvl="1"/>
+            <a:r>
+              <a:rPr lang="en-US" sz="2000" dirty="0"/>
+              <a:t>They are dressed properly, despite their backgrounds.</a:t>
+            </a:r>
+          </a:p>
+          <a:p>
+            <a:pPr lvl="1"/>
+            <a:r>
+              <a:rPr lang="en-US" sz="2000" dirty="0"/>
+              <a:t>Are like the handmaids in the </a:t>
+            </a:r>
+            <a:r>
+              <a:rPr lang="en-US" sz="2000" i="1" dirty="0"/>
+              <a:t>Handmaid’s Tale </a:t>
+            </a:r>
+            <a:r>
+              <a:rPr lang="en-US" sz="2000" dirty="0"/>
+              <a:t>: they cannot have children, and they go from a family to another.</a:t>
+            </a:r>
+          </a:p>
+          <a:p>
+            <a:pPr lvl="1"/>
+            <a:r>
+              <a:rPr lang="en-US" sz="2400" dirty="0"/>
+              <a:t>They made children do extra-work, such as learning languages (French, for instance).</a:t>
+            </a:r>
+          </a:p>
+        </p:txBody>
+      </p:sp>
+    </p:spTree>
+    <p:extLst>
+      <p:ext uri="{BB962C8B-B14F-4D97-AF65-F5344CB8AC3E}">
+        <p14:creationId xmlns:p14="http://schemas.microsoft.com/office/powerpoint/2010/main" val="2805521113"/>
+      </p:ext>
+    </p:extLst>
+  </p:cSld>
+  <p:clrMapOvr>
+    <a:masterClrMapping/>
+  </p:clrMapOvr>
+</p:sld>
+</file>
+
+<file path=ppt/slides/slide6.xml><?xml version="1.0" encoding="utf-8"?>
+<p:sld xmlns:a="http://schemas.openxmlformats.org/drawingml/2006/main" xmlns:r="http://schemas.openxmlformats.org/officeDocument/2006/relationships" xmlns:p="http://schemas.openxmlformats.org/presentationml/2006/main">
+  <p:cSld>
+    <p:spTree>
+      <p:nvGrpSpPr>
+        <p:cNvPr id="1" name=""/>
+        <p:cNvGrpSpPr/>
+        <p:nvPr/>
+      </p:nvGrpSpPr>
+      <p:grpSpPr>
+        <a:xfrm>
+          <a:off x="0" y="0"/>
+          <a:ext cx="0" cy="0"/>
+          <a:chOff x="0" y="0"/>
+          <a:chExt cx="0" cy="0"/>
+        </a:xfrm>
+      </p:grpSpPr>
+      <p:sp>
+        <p:nvSpPr>
+          <p:cNvPr id="2" name="Titre 1">
+            <a:extLst>
+              <a:ext uri="{FF2B5EF4-FFF2-40B4-BE49-F238E27FC236}">
+                <a16:creationId xmlns:a16="http://schemas.microsoft.com/office/drawing/2014/main" id="{71EB36A2-5E5D-4451-85B1-232E9FA02B3F}"/>
+              </a:ext>
+            </a:extLst>
+          </p:cNvPr>
+          <p:cNvSpPr>
+            <a:spLocks noGrp="1"/>
+          </p:cNvSpPr>
+          <p:nvPr>
+            <p:ph type="title"/>
+          </p:nvPr>
+        </p:nvSpPr>
+        <p:spPr/>
+        <p:txBody>
+          <a:bodyPr/>
+          <a:lstStyle/>
+          <a:p>
+            <a:r>
+              <a:rPr lang="en-US" dirty="0"/>
+              <a:t>The Victorian England | Part 2</a:t>
+            </a:r>
+          </a:p>
+        </p:txBody>
+      </p:sp>
+      <p:sp>
+        <p:nvSpPr>
+          <p:cNvPr id="3" name="Espace réservé du contenu 2">
+            <a:extLst>
+              <a:ext uri="{FF2B5EF4-FFF2-40B4-BE49-F238E27FC236}">
+                <a16:creationId xmlns:a16="http://schemas.microsoft.com/office/drawing/2014/main" id="{8D59BC6C-1B1F-441A-B24D-5C487852924C}"/>
+              </a:ext>
+            </a:extLst>
+          </p:cNvPr>
+          <p:cNvSpPr>
+            <a:spLocks noGrp="1"/>
+          </p:cNvSpPr>
+          <p:nvPr>
+            <p:ph idx="1"/>
+          </p:nvPr>
+        </p:nvSpPr>
+        <p:spPr>
+          <a:xfrm>
+            <a:off x="913795" y="1732449"/>
+            <a:ext cx="10353761" cy="4515951"/>
+          </a:xfrm>
+        </p:spPr>
+        <p:txBody>
+          <a:bodyPr>
+            <a:normAutofit fontScale="92500" lnSpcReduction="10000"/>
+          </a:bodyPr>
+          <a:lstStyle/>
+          <a:p>
+            <a:r>
+              <a:rPr lang="fr-FR" sz="2800" u="sng" dirty="0"/>
+              <a:t>The </a:t>
+            </a:r>
+            <a:r>
+              <a:rPr lang="en-US" sz="2800" u="sng" dirty="0"/>
+              <a:t>education</a:t>
+            </a:r>
+            <a:r>
+              <a:rPr lang="fr-FR" sz="2800" u="sng" dirty="0"/>
+              <a:t>:</a:t>
+            </a:r>
+          </a:p>
+          <a:p>
+            <a:pPr lvl="1"/>
+            <a:r>
+              <a:rPr lang="en-US" sz="2400" dirty="0">
+                <a:effectLst/>
+              </a:rPr>
+              <a:t>In 1870, the Forster Elementary Education Act: it enabled some boarding schools to develop, although those schools demanded fees, that some families couldn’t afford. It ended up in the creation of ragged schools (free), and Dame schools (not free, and ran by illiterate women).</a:t>
+            </a:r>
+            <a:endParaRPr lang="fr-FR" sz="2400" dirty="0"/>
+          </a:p>
+          <a:p>
+            <a:r>
+              <a:rPr lang="en-US" sz="2800" u="sng" dirty="0"/>
+              <a:t>As for women… :</a:t>
+            </a:r>
+          </a:p>
+          <a:p>
+            <a:pPr lvl="1"/>
+            <a:r>
+              <a:rPr lang="en-US" sz="2600" dirty="0"/>
+              <a:t>They was not allowed to attend the university, though a character, named Sophia Jex-Blake wanted to change it all. Indeed, she attended a medical school, illegally. Eventually, women could attend medical schools, but they couldn’t be graduated. So, Sophia had opened her own hospital, for poor patients. Finally, in 1892, the Edinburgh University admitted women as “undergraduates”.</a:t>
+            </a:r>
+          </a:p>
+        </p:txBody>
+      </p:sp>
+    </p:spTree>
+    <p:extLst>
+      <p:ext uri="{BB962C8B-B14F-4D97-AF65-F5344CB8AC3E}">
+        <p14:creationId xmlns:p14="http://schemas.microsoft.com/office/powerpoint/2010/main" val="1958757116"/>
+      </p:ext>
+    </p:extLst>
+  </p:cSld>
+  <p:clrMapOvr>
+    <a:masterClrMapping/>
+  </p:clrMapOvr>
+</p:sld>
+</file>
+
 <file path=ppt/theme/theme1.xml><?xml version="1.0" encoding="utf-8"?>
 <a:theme xmlns:a="http://schemas.openxmlformats.org/drawingml/2006/main" name="Ardoise">
   <a:themeElements>

--- a/Jane_Eyre_PPT.pptx
+++ b/Jane_Eyre_PPT.pptx
@@ -6,11 +6,16 @@
   </p:sldMasterIdLst>
   <p:sldIdLst>
     <p:sldId id="256" r:id="rId2"/>
-    <p:sldId id="257" r:id="rId3"/>
-    <p:sldId id="258" r:id="rId4"/>
-    <p:sldId id="259" r:id="rId5"/>
-    <p:sldId id="260" r:id="rId6"/>
-    <p:sldId id="261" r:id="rId7"/>
+    <p:sldId id="266" r:id="rId3"/>
+    <p:sldId id="262" r:id="rId4"/>
+    <p:sldId id="263" r:id="rId5"/>
+    <p:sldId id="267" r:id="rId6"/>
+    <p:sldId id="265" r:id="rId7"/>
+    <p:sldId id="257" r:id="rId8"/>
+    <p:sldId id="258" r:id="rId9"/>
+    <p:sldId id="259" r:id="rId10"/>
+    <p:sldId id="260" r:id="rId11"/>
+    <p:sldId id="261" r:id="rId12"/>
   </p:sldIdLst>
   <p:sldSz cx="12192000" cy="6858000"/>
   <p:notesSz cx="6858000" cy="9144000"/>
@@ -302,7 +307,7 @@
           <a:p>
             <a:fld id="{5DEBCE38-401C-4D22-BACF-253FC7924B21}" type="datetimeFigureOut">
               <a:rPr lang="en-US" smtClean="0"/>
-              <a:t>3/5/2021</a:t>
+              <a:t>3/8/2021</a:t>
             </a:fld>
             <a:endParaRPr lang="en-US"/>
           </a:p>
@@ -600,7 +605,7 @@
           <a:p>
             <a:fld id="{5DEBCE38-401C-4D22-BACF-253FC7924B21}" type="datetimeFigureOut">
               <a:rPr lang="en-US" smtClean="0"/>
-              <a:t>3/5/2021</a:t>
+              <a:t>3/8/2021</a:t>
             </a:fld>
             <a:endParaRPr lang="en-US"/>
           </a:p>
@@ -792,7 +797,7 @@
           <a:p>
             <a:fld id="{5DEBCE38-401C-4D22-BACF-253FC7924B21}" type="datetimeFigureOut">
               <a:rPr lang="en-US" smtClean="0"/>
-              <a:t>3/5/2021</a:t>
+              <a:t>3/8/2021</a:t>
             </a:fld>
             <a:endParaRPr lang="en-US"/>
           </a:p>
@@ -1053,7 +1058,7 @@
           <a:p>
             <a:fld id="{5DEBCE38-401C-4D22-BACF-253FC7924B21}" type="datetimeFigureOut">
               <a:rPr lang="en-US" smtClean="0"/>
-              <a:t>3/5/2021</a:t>
+              <a:t>3/8/2021</a:t>
             </a:fld>
             <a:endParaRPr lang="en-US"/>
           </a:p>
@@ -1477,7 +1482,7 @@
           <a:p>
             <a:fld id="{5DEBCE38-401C-4D22-BACF-253FC7924B21}" type="datetimeFigureOut">
               <a:rPr lang="en-US" smtClean="0"/>
-              <a:t>3/5/2021</a:t>
+              <a:t>3/8/2021</a:t>
             </a:fld>
             <a:endParaRPr lang="en-US"/>
           </a:p>
@@ -2014,7 +2019,7 @@
           <a:p>
             <a:fld id="{5DEBCE38-401C-4D22-BACF-253FC7924B21}" type="datetimeFigureOut">
               <a:rPr lang="en-US" smtClean="0"/>
-              <a:t>3/5/2021</a:t>
+              <a:t>3/8/2021</a:t>
             </a:fld>
             <a:endParaRPr lang="en-US"/>
           </a:p>
@@ -2878,7 +2883,7 @@
           <a:p>
             <a:fld id="{5DEBCE38-401C-4D22-BACF-253FC7924B21}" type="datetimeFigureOut">
               <a:rPr lang="en-US" smtClean="0"/>
-              <a:t>3/5/2021</a:t>
+              <a:t>3/8/2021</a:t>
             </a:fld>
             <a:endParaRPr lang="en-US"/>
           </a:p>
@@ -3048,7 +3053,7 @@
           <a:p>
             <a:fld id="{5DEBCE38-401C-4D22-BACF-253FC7924B21}" type="datetimeFigureOut">
               <a:rPr lang="en-US" smtClean="0"/>
-              <a:t>3/5/2021</a:t>
+              <a:t>3/8/2021</a:t>
             </a:fld>
             <a:endParaRPr lang="en-US"/>
           </a:p>
@@ -3232,7 +3237,7 @@
           <a:p>
             <a:fld id="{5DEBCE38-401C-4D22-BACF-253FC7924B21}" type="datetimeFigureOut">
               <a:rPr lang="en-US" smtClean="0"/>
-              <a:t>3/5/2021</a:t>
+              <a:t>3/8/2021</a:t>
             </a:fld>
             <a:endParaRPr lang="en-US"/>
           </a:p>
@@ -3402,7 +3407,7 @@
           <a:p>
             <a:fld id="{5DEBCE38-401C-4D22-BACF-253FC7924B21}" type="datetimeFigureOut">
               <a:rPr lang="en-US" smtClean="0"/>
-              <a:t>3/5/2021</a:t>
+              <a:t>3/8/2021</a:t>
             </a:fld>
             <a:endParaRPr lang="en-US"/>
           </a:p>
@@ -3646,7 +3651,7 @@
           <a:p>
             <a:fld id="{5DEBCE38-401C-4D22-BACF-253FC7924B21}" type="datetimeFigureOut">
               <a:rPr lang="en-US" smtClean="0"/>
-              <a:t>3/5/2021</a:t>
+              <a:t>3/8/2021</a:t>
             </a:fld>
             <a:endParaRPr lang="en-US"/>
           </a:p>
@@ -3882,7 +3887,7 @@
           <a:p>
             <a:fld id="{5DEBCE38-401C-4D22-BACF-253FC7924B21}" type="datetimeFigureOut">
               <a:rPr lang="en-US" smtClean="0"/>
-              <a:t>3/5/2021</a:t>
+              <a:t>3/8/2021</a:t>
             </a:fld>
             <a:endParaRPr lang="en-US"/>
           </a:p>
@@ -4348,7 +4353,7 @@
           <a:p>
             <a:fld id="{5DEBCE38-401C-4D22-BACF-253FC7924B21}" type="datetimeFigureOut">
               <a:rPr lang="en-US" smtClean="0"/>
-              <a:t>3/5/2021</a:t>
+              <a:t>3/8/2021</a:t>
             </a:fld>
             <a:endParaRPr lang="en-US"/>
           </a:p>
@@ -4466,7 +4471,7 @@
           <a:p>
             <a:fld id="{5DEBCE38-401C-4D22-BACF-253FC7924B21}" type="datetimeFigureOut">
               <a:rPr lang="en-US" smtClean="0"/>
-              <a:t>3/5/2021</a:t>
+              <a:t>3/8/2021</a:t>
             </a:fld>
             <a:endParaRPr lang="en-US"/>
           </a:p>
@@ -4561,7 +4566,7 @@
           <a:p>
             <a:fld id="{5DEBCE38-401C-4D22-BACF-253FC7924B21}" type="datetimeFigureOut">
               <a:rPr lang="en-US" smtClean="0"/>
-              <a:t>3/5/2021</a:t>
+              <a:t>3/8/2021</a:t>
             </a:fld>
             <a:endParaRPr lang="en-US"/>
           </a:p>
@@ -4816,7 +4821,7 @@
           <a:p>
             <a:fld id="{5DEBCE38-401C-4D22-BACF-253FC7924B21}" type="datetimeFigureOut">
               <a:rPr lang="en-US" smtClean="0"/>
-              <a:t>3/5/2021</a:t>
+              <a:t>3/8/2021</a:t>
             </a:fld>
             <a:endParaRPr lang="en-US"/>
           </a:p>
@@ -5116,7 +5121,7 @@
           <a:p>
             <a:fld id="{5DEBCE38-401C-4D22-BACF-253FC7924B21}" type="datetimeFigureOut">
               <a:rPr lang="en-US" smtClean="0"/>
-              <a:t>3/5/2021</a:t>
+              <a:t>3/8/2021</a:t>
             </a:fld>
             <a:endParaRPr lang="en-US"/>
           </a:p>
@@ -5350,7 +5355,7 @@
           <a:p>
             <a:fld id="{5DEBCE38-401C-4D22-BACF-253FC7924B21}" type="datetimeFigureOut">
               <a:rPr lang="en-US" smtClean="0"/>
-              <a:t>3/5/2021</a:t>
+              <a:t>3/8/2021</a:t>
             </a:fld>
             <a:endParaRPr lang="en-US"/>
           </a:p>
@@ -6032,12 +6037,101 @@
           <a:chExt cx="0" cy="0"/>
         </a:xfrm>
       </p:grpSpPr>
+      <p:sp>
+        <p:nvSpPr>
+          <p:cNvPr id="3" name="Sous-titre 2">
+            <a:extLst>
+              <a:ext uri="{FF2B5EF4-FFF2-40B4-BE49-F238E27FC236}">
+                <a16:creationId xmlns:a16="http://schemas.microsoft.com/office/drawing/2014/main" id="{2C6B671C-A68C-4F17-B29C-A8BF4E8062D8}"/>
+              </a:ext>
+            </a:extLst>
+          </p:cNvPr>
+          <p:cNvSpPr>
+            <a:spLocks noGrp="1"/>
+          </p:cNvSpPr>
+          <p:nvPr>
+            <p:ph type="subTitle" idx="1"/>
+          </p:nvPr>
+        </p:nvSpPr>
+        <p:spPr>
+          <a:xfrm>
+            <a:off x="5347065" y="489608"/>
+            <a:ext cx="5901507" cy="1237592"/>
+          </a:xfrm>
+        </p:spPr>
+        <p:txBody>
+          <a:bodyPr>
+            <a:noAutofit/>
+          </a:bodyPr>
+          <a:lstStyle/>
+          <a:p>
+            <a:pPr algn="l"/>
+            <a:r>
+              <a:rPr lang="fr-FR" sz="2800" dirty="0" err="1"/>
+              <a:t>Let’s</a:t>
+            </a:r>
+            <a:r>
+              <a:rPr lang="fr-FR" sz="2800" dirty="0"/>
+              <a:t> </a:t>
+            </a:r>
+            <a:r>
+              <a:rPr lang="fr-FR" sz="2800" dirty="0" err="1"/>
+              <a:t>learn</a:t>
+            </a:r>
+            <a:r>
+              <a:rPr lang="fr-FR" sz="2800" dirty="0"/>
+              <a:t> about the </a:t>
+            </a:r>
+            <a:r>
+              <a:rPr lang="fr-FR" sz="2800" dirty="0" err="1"/>
+              <a:t>mystical</a:t>
+            </a:r>
+            <a:r>
+              <a:rPr lang="fr-FR" sz="2800" dirty="0"/>
+              <a:t> </a:t>
+            </a:r>
+            <a:r>
+              <a:rPr lang="fr-FR" sz="2800" dirty="0" err="1"/>
+              <a:t>environment</a:t>
+            </a:r>
+            <a:r>
+              <a:rPr lang="fr-FR" sz="2800" dirty="0"/>
+              <a:t> of the </a:t>
+            </a:r>
+            <a:r>
+              <a:rPr lang="fr-FR" sz="2800" dirty="0" err="1"/>
+              <a:t>famous</a:t>
+            </a:r>
+            <a:r>
+              <a:rPr lang="fr-FR" sz="2800" dirty="0"/>
+              <a:t> </a:t>
+            </a:r>
+            <a:r>
+              <a:rPr lang="fr-FR" sz="2800" dirty="0" err="1"/>
+              <a:t>novel</a:t>
+            </a:r>
+            <a:r>
+              <a:rPr lang="fr-FR" sz="2800" dirty="0"/>
+              <a:t> </a:t>
+            </a:r>
+            <a:r>
+              <a:rPr lang="fr-FR" sz="2800" i="1" dirty="0"/>
+              <a:t>Jane Eyre</a:t>
+            </a:r>
+            <a:r>
+              <a:rPr lang="fr-FR" sz="2800" dirty="0"/>
+              <a:t>.</a:t>
+            </a:r>
+            <a:endParaRPr lang="en-US" sz="2800" dirty="0"/>
+          </a:p>
+        </p:txBody>
+      </p:sp>
       <p:pic>
         <p:nvPicPr>
-          <p:cNvPr id="5" name="Image 4" descr="Une image contenant texte, habits, posant&#10;&#10;Description générée automatiquement">
+          <p:cNvPr id="6" name="Image 5">
             <a:extLst>
               <a:ext uri="{FF2B5EF4-FFF2-40B4-BE49-F238E27FC236}">
-                <a16:creationId xmlns:a16="http://schemas.microsoft.com/office/drawing/2014/main" id="{EA53B57A-D375-4F64-B49E-447645861545}"/>
+                <a16:creationId xmlns:a16="http://schemas.microsoft.com/office/drawing/2014/main" id="{A508840F-AABE-411F-896B-191606FF0829}"/>
               </a:ext>
             </a:extLst>
           </p:cNvPr>
@@ -6046,165 +6140,22 @@
           </p:cNvPicPr>
           <p:nvPr/>
         </p:nvPicPr>
-        <p:blipFill rotWithShape="1">
-          <a:blip r:embed="rId2">
-            <a:extLst>
-              <a:ext uri="{28A0092B-C50C-407E-A947-70E740481C1C}">
-                <a14:useLocalDpi xmlns:a14="http://schemas.microsoft.com/office/drawing/2010/main" val="0"/>
-              </a:ext>
-            </a:extLst>
-          </a:blip>
-          <a:srcRect r="5200"/>
-          <a:stretch/>
+        <p:blipFill>
+          <a:blip r:embed="rId2"/>
+          <a:stretch>
+            <a:fillRect/>
+          </a:stretch>
         </p:blipFill>
         <p:spPr>
           <a:xfrm>
-            <a:off x="4267200" y="10"/>
-            <a:ext cx="7924800" cy="6857990"/>
+            <a:off x="0" y="0"/>
+            <a:ext cx="4775200" cy="6860920"/>
           </a:xfrm>
           <a:prstGeom prst="rect">
             <a:avLst/>
           </a:prstGeom>
         </p:spPr>
       </p:pic>
-      <p:sp>
-        <p:nvSpPr>
-          <p:cNvPr id="2" name="Titre 1">
-            <a:extLst>
-              <a:ext uri="{FF2B5EF4-FFF2-40B4-BE49-F238E27FC236}">
-                <a16:creationId xmlns:a16="http://schemas.microsoft.com/office/drawing/2014/main" id="{A8DF7FBD-BC35-4EED-8C71-F5340F789D37}"/>
-              </a:ext>
-            </a:extLst>
-          </p:cNvPr>
-          <p:cNvSpPr>
-            <a:spLocks noGrp="1"/>
-          </p:cNvSpPr>
-          <p:nvPr>
-            <p:ph type="ctrTitle"/>
-          </p:nvPr>
-        </p:nvSpPr>
-        <p:spPr>
-          <a:xfrm>
-            <a:off x="477981" y="1122363"/>
-            <a:ext cx="4023360" cy="3204134"/>
-          </a:xfrm>
-        </p:spPr>
-        <p:txBody>
-          <a:bodyPr anchor="b">
-            <a:normAutofit/>
-          </a:bodyPr>
-          <a:lstStyle/>
-          <a:p>
-            <a:pPr algn="l"/>
-            <a:r>
-              <a:rPr lang="fr-FR" sz="4800" i="1" dirty="0"/>
-              <a:t>Jane Eyre</a:t>
-            </a:r>
-            <a:r>
-              <a:rPr lang="pt-PT" sz="4800" i="1" dirty="0"/>
-              <a:t>, </a:t>
-            </a:r>
-            <a:r>
-              <a:rPr lang="pt-PT" sz="4800" dirty="0"/>
-              <a:t>Charlotte</a:t>
-            </a:r>
-            <a:r>
-              <a:rPr lang="fr-FR" sz="4800" dirty="0"/>
-              <a:t> Brontë</a:t>
-            </a:r>
-            <a:endParaRPr lang="en-US" sz="4800" dirty="0"/>
-          </a:p>
-        </p:txBody>
-      </p:sp>
-      <p:sp>
-        <p:nvSpPr>
-          <p:cNvPr id="3" name="Sous-titre 2">
-            <a:extLst>
-              <a:ext uri="{FF2B5EF4-FFF2-40B4-BE49-F238E27FC236}">
-                <a16:creationId xmlns:a16="http://schemas.microsoft.com/office/drawing/2014/main" id="{2C6B671C-A68C-4F17-B29C-A8BF4E8062D8}"/>
-              </a:ext>
-            </a:extLst>
-          </p:cNvPr>
-          <p:cNvSpPr>
-            <a:spLocks noGrp="1"/>
-          </p:cNvSpPr>
-          <p:nvPr>
-            <p:ph type="subTitle" idx="1"/>
-          </p:nvPr>
-        </p:nvSpPr>
-        <p:spPr>
-          <a:xfrm>
-            <a:off x="477980" y="4872922"/>
-            <a:ext cx="4023359" cy="1208141"/>
-          </a:xfrm>
-        </p:spPr>
-        <p:txBody>
-          <a:bodyPr>
-            <a:normAutofit/>
-          </a:bodyPr>
-          <a:lstStyle/>
-          <a:p>
-            <a:pPr algn="l"/>
-            <a:r>
-              <a:rPr lang="fr-FR" sz="2000" dirty="0" err="1"/>
-              <a:t>Let’s</a:t>
-            </a:r>
-            <a:r>
-              <a:rPr lang="fr-FR" sz="2000" dirty="0"/>
-              <a:t> </a:t>
-            </a:r>
-            <a:r>
-              <a:rPr lang="fr-FR" sz="2000" dirty="0" err="1"/>
-              <a:t>learn</a:t>
-            </a:r>
-            <a:r>
-              <a:rPr lang="fr-FR" sz="2000" dirty="0"/>
-              <a:t> about the </a:t>
-            </a:r>
-            <a:r>
-              <a:rPr lang="fr-FR" sz="2000" dirty="0" err="1"/>
-              <a:t>mystical</a:t>
-            </a:r>
-            <a:r>
-              <a:rPr lang="fr-FR" sz="2000" dirty="0"/>
-              <a:t> </a:t>
-            </a:r>
-            <a:r>
-              <a:rPr lang="fr-FR" sz="2000" dirty="0" err="1"/>
-              <a:t>environment</a:t>
-            </a:r>
-            <a:r>
-              <a:rPr lang="fr-FR" sz="2000" dirty="0"/>
-              <a:t> of the </a:t>
-            </a:r>
-            <a:r>
-              <a:rPr lang="fr-FR" sz="2000" dirty="0" err="1"/>
-              <a:t>famous</a:t>
-            </a:r>
-            <a:r>
-              <a:rPr lang="fr-FR" sz="2000" dirty="0"/>
-              <a:t> </a:t>
-            </a:r>
-            <a:r>
-              <a:rPr lang="fr-FR" sz="2000" dirty="0" err="1"/>
-              <a:t>novel</a:t>
-            </a:r>
-            <a:r>
-              <a:rPr lang="fr-FR" sz="2000" dirty="0"/>
-              <a:t> </a:t>
-            </a:r>
-            <a:r>
-              <a:rPr lang="fr-FR" sz="2000" i="1" dirty="0"/>
-              <a:t>Jane Eyre</a:t>
-            </a:r>
-            <a:r>
-              <a:rPr lang="fr-FR" sz="2000" dirty="0"/>
-              <a:t>.</a:t>
-            </a:r>
-            <a:endParaRPr lang="en-US" sz="2000" dirty="0"/>
-          </a:p>
-        </p:txBody>
-      </p:sp>
     </p:spTree>
     <p:extLst>
       <p:ext uri="{BB962C8B-B14F-4D97-AF65-F5344CB8AC3E}">
@@ -6218,7 +6169,7 @@
 </p:sld>
 </file>
 
-<file path=ppt/slides/slide2.xml><?xml version="1.0" encoding="utf-8"?>
+<file path=ppt/slides/slide10.xml><?xml version="1.0" encoding="utf-8"?>
 <p:sld xmlns:a="http://schemas.openxmlformats.org/drawingml/2006/main" xmlns:r="http://schemas.openxmlformats.org/officeDocument/2006/relationships" xmlns:p="http://schemas.openxmlformats.org/presentationml/2006/main">
   <p:cSld>
     <p:spTree>
@@ -6240,7 +6191,7 @@
           <p:cNvPr id="2" name="Titre 1">
             <a:extLst>
               <a:ext uri="{FF2B5EF4-FFF2-40B4-BE49-F238E27FC236}">
-                <a16:creationId xmlns:a16="http://schemas.microsoft.com/office/drawing/2014/main" id="{3A8B61AE-3246-4020-8B9B-B63A180B0E08}"/>
+                <a16:creationId xmlns:a16="http://schemas.microsoft.com/office/drawing/2014/main" id="{9EEC58E3-8D47-4237-B4DE-531F6A3E31EA}"/>
               </a:ext>
             </a:extLst>
           </p:cNvPr>
@@ -6252,74 +6203,6 @@
           </p:nvPr>
         </p:nvSpPr>
         <p:spPr/>
-        <p:txBody>
-          <a:bodyPr/>
-          <a:lstStyle/>
-          <a:p>
-            <a:r>
-              <a:rPr lang="en-US"/>
-              <a:t>The type of narrator</a:t>
-            </a:r>
-          </a:p>
-        </p:txBody>
-      </p:sp>
-      <p:pic>
-        <p:nvPicPr>
-          <p:cNvPr id="6" name="Espace réservé du contenu 5" descr="Une image contenant texte, habits, posant&#10;&#10;Description générée automatiquement">
-            <a:extLst>
-              <a:ext uri="{FF2B5EF4-FFF2-40B4-BE49-F238E27FC236}">
-                <a16:creationId xmlns:a16="http://schemas.microsoft.com/office/drawing/2014/main" id="{E976161B-9CDA-4788-8DBB-4061F0C0F740}"/>
-              </a:ext>
-            </a:extLst>
-          </p:cNvPr>
-          <p:cNvPicPr>
-            <a:picLocks noGrp="1" noChangeAspect="1"/>
-          </p:cNvPicPr>
-          <p:nvPr>
-            <p:ph sz="half" idx="1"/>
-          </p:nvPr>
-        </p:nvPicPr>
-        <p:blipFill>
-          <a:blip r:embed="rId2">
-            <a:extLst>
-              <a:ext uri="{28A0092B-C50C-407E-A947-70E740481C1C}">
-                <a14:useLocalDpi xmlns:a14="http://schemas.microsoft.com/office/drawing/2010/main" val="0"/>
-              </a:ext>
-            </a:extLst>
-          </a:blip>
-          <a:stretch>
-            <a:fillRect/>
-          </a:stretch>
-        </p:blipFill>
-        <p:spPr>
-          <a:xfrm>
-            <a:off x="231234" y="1732449"/>
-            <a:ext cx="5064665" cy="3798498"/>
-          </a:xfrm>
-        </p:spPr>
-      </p:pic>
-      <p:sp>
-        <p:nvSpPr>
-          <p:cNvPr id="4" name="Espace réservé du contenu 3">
-            <a:extLst>
-              <a:ext uri="{FF2B5EF4-FFF2-40B4-BE49-F238E27FC236}">
-                <a16:creationId xmlns:a16="http://schemas.microsoft.com/office/drawing/2014/main" id="{3EE08F52-65D8-4020-8863-F5466B522731}"/>
-              </a:ext>
-            </a:extLst>
-          </p:cNvPr>
-          <p:cNvSpPr>
-            <a:spLocks noGrp="1"/>
-          </p:cNvSpPr>
-          <p:nvPr>
-            <p:ph sz="half" idx="2"/>
-          </p:nvPr>
-        </p:nvSpPr>
-        <p:spPr>
-          <a:xfrm>
-            <a:off x="6202892" y="1732449"/>
-            <a:ext cx="5064665" cy="705951"/>
-          </a:xfrm>
-        </p:spPr>
         <p:txBody>
           <a:bodyPr>
             <a:normAutofit/>
@@ -6327,18 +6210,92 @@
           <a:lstStyle/>
           <a:p>
             <a:r>
-              <a:rPr lang="en-US" sz="3200" u="sng"/>
-              <a:t>A first person narrator</a:t>
-            </a:r>
-          </a:p>
-        </p:txBody>
-      </p:sp>
-      <p:sp>
-        <p:nvSpPr>
-          <p:cNvPr id="8" name="Espace réservé du contenu 3">
+              <a:rPr lang="en-US" b="1" dirty="0">
+                <a:solidFill>
+                  <a:schemeClr val="tx1"/>
+                </a:solidFill>
+              </a:rPr>
+              <a:t>The Victorian England</a:t>
+            </a:r>
+          </a:p>
+        </p:txBody>
+      </p:sp>
+      <p:sp>
+        <p:nvSpPr>
+          <p:cNvPr id="3" name="Espace réservé du contenu 2">
             <a:extLst>
               <a:ext uri="{FF2B5EF4-FFF2-40B4-BE49-F238E27FC236}">
-                <a16:creationId xmlns:a16="http://schemas.microsoft.com/office/drawing/2014/main" id="{AF159DA4-DC30-4D38-897C-FBA3A9C87105}"/>
+                <a16:creationId xmlns:a16="http://schemas.microsoft.com/office/drawing/2014/main" id="{4769B861-9B4D-4418-B3FB-19493C5AB7B6}"/>
+              </a:ext>
+            </a:extLst>
+          </p:cNvPr>
+          <p:cNvSpPr>
+            <a:spLocks noGrp="1"/>
+          </p:cNvSpPr>
+          <p:nvPr>
+            <p:ph idx="1"/>
+          </p:nvPr>
+        </p:nvSpPr>
+        <p:spPr>
+          <a:xfrm>
+            <a:off x="913795" y="1732449"/>
+            <a:ext cx="9487505" cy="1563201"/>
+          </a:xfrm>
+        </p:spPr>
+        <p:txBody>
+          <a:bodyPr>
+            <a:normAutofit fontScale="77500" lnSpcReduction="20000"/>
+          </a:bodyPr>
+          <a:lstStyle/>
+          <a:p>
+            <a:r>
+              <a:rPr lang="en-US" sz="3600" u="sng" dirty="0">
+                <a:solidFill>
+                  <a:schemeClr val="tx1"/>
+                </a:solidFill>
+              </a:rPr>
+              <a:t>The role of women</a:t>
+            </a:r>
+          </a:p>
+          <a:p>
+            <a:pPr lvl="1"/>
+            <a:r>
+              <a:rPr lang="en-US" sz="2800" dirty="0">
+                <a:solidFill>
+                  <a:schemeClr val="tx1"/>
+                </a:solidFill>
+              </a:rPr>
+              <a:t>Many women became maids.</a:t>
+            </a:r>
+          </a:p>
+          <a:p>
+            <a:pPr lvl="2"/>
+            <a:r>
+              <a:rPr lang="en-US" sz="2400" dirty="0">
+                <a:solidFill>
+                  <a:schemeClr val="tx1"/>
+                </a:solidFill>
+              </a:rPr>
+              <a:t>These maids were subdivided in various groups, including the governesses.</a:t>
+            </a:r>
+          </a:p>
+          <a:p>
+            <a:pPr marL="810000" lvl="2" indent="0">
+              <a:buNone/>
+            </a:pPr>
+            <a:r>
+              <a:rPr lang="en-US" dirty="0"/>
+              <a:t> </a:t>
+            </a:r>
+          </a:p>
+        </p:txBody>
+      </p:sp>
+      <p:sp>
+        <p:nvSpPr>
+          <p:cNvPr id="5" name="Espace réservé du contenu 2">
+            <a:extLst>
+              <a:ext uri="{FF2B5EF4-FFF2-40B4-BE49-F238E27FC236}">
+                <a16:creationId xmlns:a16="http://schemas.microsoft.com/office/drawing/2014/main" id="{538A16F4-A08D-4FF3-9E94-B94E3491DC9F}"/>
               </a:ext>
             </a:extLst>
           </p:cNvPr>
@@ -6349,8 +6306,8 @@
         </p:nvSpPr>
         <p:spPr>
           <a:xfrm>
-            <a:off x="6202892" y="2657258"/>
-            <a:ext cx="5064665" cy="2714842"/>
+            <a:off x="913795" y="3295650"/>
+            <a:ext cx="10353762" cy="2953850"/>
           </a:xfrm>
           <a:prstGeom prst="rect">
             <a:avLst/>
@@ -6365,7 +6322,7 @@
         </p:spPr>
         <p:txBody>
           <a:bodyPr vert="horz" lIns="91440" tIns="45720" rIns="91440" bIns="45720" rtlCol="0" anchor="t">
-            <a:normAutofit lnSpcReduction="10000"/>
+            <a:normAutofit fontScale="92500" lnSpcReduction="20000"/>
           </a:bodyPr>
           <a:lstStyle>
             <a:lvl1pPr marL="342900" indent="-306000" algn="l" defTabSz="457200" rtl="0" eaLnBrk="1" latinLnBrk="0" hangingPunct="1">
@@ -6713,22 +6670,83 @@
           </a:lstStyle>
           <a:p>
             <a:r>
-              <a:rPr lang="en-US" sz="3200" u="sng" dirty="0"/>
-              <a:t>The effect on the reader:</a:t>
+              <a:rPr lang="en-US" sz="3600" u="sng" dirty="0">
+                <a:solidFill>
+                  <a:schemeClr val="tx1"/>
+                </a:solidFill>
+              </a:rPr>
+              <a:t>The governesses </a:t>
             </a:r>
           </a:p>
           <a:p>
             <a:pPr lvl="1"/>
             <a:r>
-              <a:rPr lang="en-US" sz="3200" u="sng" dirty="0"/>
-              <a:t>We feel the same way than her</a:t>
+              <a:rPr lang="en-US" sz="2000" dirty="0">
+                <a:solidFill>
+                  <a:schemeClr val="tx1"/>
+                </a:solidFill>
+              </a:rPr>
+              <a:t>They are young women.</a:t>
             </a:r>
           </a:p>
           <a:p>
             <a:pPr lvl="1"/>
             <a:r>
-              <a:rPr lang="en-US" sz="3200" u="sng" dirty="0"/>
-              <a:t>We see the same things as her</a:t>
+              <a:rPr lang="en-US" sz="2000" dirty="0">
+                <a:solidFill>
+                  <a:schemeClr val="tx1"/>
+                </a:solidFill>
+              </a:rPr>
+              <a:t>They come from the mid-class.</a:t>
+            </a:r>
+          </a:p>
+          <a:p>
+            <a:pPr lvl="1"/>
+            <a:r>
+              <a:rPr lang="en-US" sz="2000" dirty="0">
+                <a:solidFill>
+                  <a:schemeClr val="tx1"/>
+                </a:solidFill>
+              </a:rPr>
+              <a:t>They are dressed properly, despite their backgrounds.</a:t>
+            </a:r>
+          </a:p>
+          <a:p>
+            <a:pPr lvl="1"/>
+            <a:r>
+              <a:rPr lang="en-US" sz="2000" dirty="0">
+                <a:solidFill>
+                  <a:schemeClr val="tx1"/>
+                </a:solidFill>
+              </a:rPr>
+              <a:t>Are like the handmaids in the </a:t>
+            </a:r>
+            <a:r>
+              <a:rPr lang="en-US" sz="2000" i="1" dirty="0">
+                <a:solidFill>
+                  <a:schemeClr val="tx1"/>
+                </a:solidFill>
+              </a:rPr>
+              <a:t>Handmaid’s Tale </a:t>
+            </a:r>
+            <a:r>
+              <a:rPr lang="en-US" sz="2000" dirty="0">
+                <a:solidFill>
+                  <a:schemeClr val="tx1"/>
+                </a:solidFill>
+              </a:rPr>
+              <a:t>: they cannot have children, and they go from a family to another.</a:t>
+            </a:r>
+          </a:p>
+          <a:p>
+            <a:pPr lvl="1"/>
+            <a:r>
+              <a:rPr lang="en-US" sz="2400" dirty="0">
+                <a:solidFill>
+                  <a:schemeClr val="tx1"/>
+                </a:solidFill>
+              </a:rPr>
+              <a:t>They made children do extra-work, such as learning languages (French, for instance).</a:t>
             </a:r>
           </a:p>
         </p:txBody>
@@ -6736,7 +6754,426 @@
     </p:spTree>
     <p:extLst>
       <p:ext uri="{BB962C8B-B14F-4D97-AF65-F5344CB8AC3E}">
-        <p14:creationId xmlns:p14="http://schemas.microsoft.com/office/powerpoint/2010/main" val="3091971703"/>
+        <p14:creationId xmlns:p14="http://schemas.microsoft.com/office/powerpoint/2010/main" val="2805521113"/>
+      </p:ext>
+    </p:extLst>
+  </p:cSld>
+  <p:clrMapOvr>
+    <a:masterClrMapping/>
+  </p:clrMapOvr>
+</p:sld>
+</file>
+
+<file path=ppt/slides/slide11.xml><?xml version="1.0" encoding="utf-8"?>
+<p:sld xmlns:a="http://schemas.openxmlformats.org/drawingml/2006/main" xmlns:r="http://schemas.openxmlformats.org/officeDocument/2006/relationships" xmlns:p="http://schemas.openxmlformats.org/presentationml/2006/main">
+  <p:cSld>
+    <p:spTree>
+      <p:nvGrpSpPr>
+        <p:cNvPr id="1" name=""/>
+        <p:cNvGrpSpPr/>
+        <p:nvPr/>
+      </p:nvGrpSpPr>
+      <p:grpSpPr>
+        <a:xfrm>
+          <a:off x="0" y="0"/>
+          <a:ext cx="0" cy="0"/>
+          <a:chOff x="0" y="0"/>
+          <a:chExt cx="0" cy="0"/>
+        </a:xfrm>
+      </p:grpSpPr>
+      <p:sp>
+        <p:nvSpPr>
+          <p:cNvPr id="2" name="Titre 1">
+            <a:extLst>
+              <a:ext uri="{FF2B5EF4-FFF2-40B4-BE49-F238E27FC236}">
+                <a16:creationId xmlns:a16="http://schemas.microsoft.com/office/drawing/2014/main" id="{71EB36A2-5E5D-4451-85B1-232E9FA02B3F}"/>
+              </a:ext>
+            </a:extLst>
+          </p:cNvPr>
+          <p:cNvSpPr>
+            <a:spLocks noGrp="1"/>
+          </p:cNvSpPr>
+          <p:nvPr>
+            <p:ph type="title"/>
+          </p:nvPr>
+        </p:nvSpPr>
+        <p:spPr/>
+        <p:txBody>
+          <a:bodyPr/>
+          <a:lstStyle/>
+          <a:p>
+            <a:r>
+              <a:rPr lang="en-US" b="1" dirty="0">
+                <a:solidFill>
+                  <a:schemeClr val="tx1"/>
+                </a:solidFill>
+              </a:rPr>
+              <a:t>The Victorian England | Part 2</a:t>
+            </a:r>
+          </a:p>
+        </p:txBody>
+      </p:sp>
+      <p:sp>
+        <p:nvSpPr>
+          <p:cNvPr id="3" name="Espace réservé du contenu 2">
+            <a:extLst>
+              <a:ext uri="{FF2B5EF4-FFF2-40B4-BE49-F238E27FC236}">
+                <a16:creationId xmlns:a16="http://schemas.microsoft.com/office/drawing/2014/main" id="{8D59BC6C-1B1F-441A-B24D-5C487852924C}"/>
+              </a:ext>
+            </a:extLst>
+          </p:cNvPr>
+          <p:cNvSpPr>
+            <a:spLocks noGrp="1"/>
+          </p:cNvSpPr>
+          <p:nvPr>
+            <p:ph idx="1"/>
+          </p:nvPr>
+        </p:nvSpPr>
+        <p:spPr>
+          <a:xfrm>
+            <a:off x="913795" y="1732449"/>
+            <a:ext cx="10353761" cy="4515951"/>
+          </a:xfrm>
+        </p:spPr>
+        <p:txBody>
+          <a:bodyPr>
+            <a:normAutofit fontScale="92500" lnSpcReduction="10000"/>
+          </a:bodyPr>
+          <a:lstStyle/>
+          <a:p>
+            <a:r>
+              <a:rPr lang="fr-FR" sz="2800" u="sng" dirty="0">
+                <a:solidFill>
+                  <a:schemeClr val="tx1"/>
+                </a:solidFill>
+              </a:rPr>
+              <a:t>The </a:t>
+            </a:r>
+            <a:r>
+              <a:rPr lang="en-US" sz="2800" u="sng" dirty="0">
+                <a:solidFill>
+                  <a:schemeClr val="tx1"/>
+                </a:solidFill>
+              </a:rPr>
+              <a:t>education</a:t>
+            </a:r>
+            <a:r>
+              <a:rPr lang="fr-FR" sz="2800" u="sng" dirty="0">
+                <a:solidFill>
+                  <a:schemeClr val="tx1"/>
+                </a:solidFill>
+              </a:rPr>
+              <a:t>:</a:t>
+            </a:r>
+          </a:p>
+          <a:p>
+            <a:pPr lvl="1"/>
+            <a:r>
+              <a:rPr lang="en-US" sz="2400" dirty="0">
+                <a:solidFill>
+                  <a:schemeClr val="tx1"/>
+                </a:solidFill>
+                <a:effectLst/>
+              </a:rPr>
+              <a:t>In 1870, the Forster Elementary Education Act: it enabled some boarding schools to develop, although those schools demanded fees, that some families couldn’t afford. It ended up in the creation of ragged schools (free), and Dame schools (not free, and ran by illiterate women).</a:t>
+            </a:r>
+            <a:endParaRPr lang="fr-FR" sz="2400" dirty="0">
+              <a:solidFill>
+                <a:schemeClr val="tx1"/>
+              </a:solidFill>
+            </a:endParaRPr>
+          </a:p>
+          <a:p>
+            <a:r>
+              <a:rPr lang="en-US" sz="2800" u="sng" dirty="0">
+                <a:solidFill>
+                  <a:schemeClr val="tx1"/>
+                </a:solidFill>
+              </a:rPr>
+              <a:t>As for women… :</a:t>
+            </a:r>
+          </a:p>
+          <a:p>
+            <a:pPr lvl="1"/>
+            <a:r>
+              <a:rPr lang="en-US" sz="2600" dirty="0">
+                <a:solidFill>
+                  <a:schemeClr val="tx1"/>
+                </a:solidFill>
+              </a:rPr>
+              <a:t>They was not allowed to attend the university, though a character, named Sophia Jex-Blake wanted to change it all. Indeed, she attended a medical school, illegally. Eventually, women could attend medical schools, but they couldn’t be graduated. So, Sophia had opened her own hospital, for poor patients. Finally, in 1892, the Edinburgh University admitted women as “undergraduates”.</a:t>
+            </a:r>
+          </a:p>
+        </p:txBody>
+      </p:sp>
+    </p:spTree>
+    <p:extLst>
+      <p:ext uri="{BB962C8B-B14F-4D97-AF65-F5344CB8AC3E}">
+        <p14:creationId xmlns:p14="http://schemas.microsoft.com/office/powerpoint/2010/main" val="1958757116"/>
+      </p:ext>
+    </p:extLst>
+  </p:cSld>
+  <p:clrMapOvr>
+    <a:masterClrMapping/>
+  </p:clrMapOvr>
+</p:sld>
+</file>
+
+<file path=ppt/slides/slide2.xml><?xml version="1.0" encoding="utf-8"?>
+<p:sld xmlns:a="http://schemas.openxmlformats.org/drawingml/2006/main" xmlns:r="http://schemas.openxmlformats.org/officeDocument/2006/relationships" xmlns:p="http://schemas.openxmlformats.org/presentationml/2006/main">
+  <p:cSld>
+    <p:spTree>
+      <p:nvGrpSpPr>
+        <p:cNvPr id="1" name=""/>
+        <p:cNvGrpSpPr/>
+        <p:nvPr/>
+      </p:nvGrpSpPr>
+      <p:grpSpPr>
+        <a:xfrm>
+          <a:off x="0" y="0"/>
+          <a:ext cx="0" cy="0"/>
+          <a:chOff x="0" y="0"/>
+          <a:chExt cx="0" cy="0"/>
+        </a:xfrm>
+      </p:grpSpPr>
+      <p:sp>
+        <p:nvSpPr>
+          <p:cNvPr id="10" name="Rectangle 9">
+            <a:extLst>
+              <a:ext uri="{FF2B5EF4-FFF2-40B4-BE49-F238E27FC236}">
+                <a16:creationId xmlns:a16="http://schemas.microsoft.com/office/drawing/2014/main" id="{6D8A3461-DBE3-4296-A733-40D256FA984B}"/>
+              </a:ext>
+            </a:extLst>
+          </p:cNvPr>
+          <p:cNvSpPr/>
+          <p:nvPr/>
+        </p:nvSpPr>
+        <p:spPr>
+          <a:xfrm>
+            <a:off x="299187" y="1673883"/>
+            <a:ext cx="5474584" cy="3410857"/>
+          </a:xfrm>
+          <a:prstGeom prst="rect">
+            <a:avLst/>
+          </a:prstGeom>
+        </p:spPr>
+        <p:style>
+          <a:lnRef idx="2">
+            <a:schemeClr val="accent6"/>
+          </a:lnRef>
+          <a:fillRef idx="1">
+            <a:schemeClr val="lt1"/>
+          </a:fillRef>
+          <a:effectRef idx="0">
+            <a:schemeClr val="accent6"/>
+          </a:effectRef>
+          <a:fontRef idx="minor">
+            <a:schemeClr val="dk1"/>
+          </a:fontRef>
+        </p:style>
+        <p:txBody>
+          <a:bodyPr rtlCol="0" anchor="ctr"/>
+          <a:lstStyle/>
+          <a:p>
+            <a:pPr algn="ctr"/>
+            <a:endParaRPr lang="fr-FR"/>
+          </a:p>
+        </p:txBody>
+      </p:sp>
+      <p:sp>
+        <p:nvSpPr>
+          <p:cNvPr id="2" name="Titre 1">
+            <a:extLst>
+              <a:ext uri="{FF2B5EF4-FFF2-40B4-BE49-F238E27FC236}">
+                <a16:creationId xmlns:a16="http://schemas.microsoft.com/office/drawing/2014/main" id="{93D2F677-648D-4523-98A1-4F7105256DAD}"/>
+              </a:ext>
+            </a:extLst>
+          </p:cNvPr>
+          <p:cNvSpPr>
+            <a:spLocks noGrp="1"/>
+          </p:cNvSpPr>
+          <p:nvPr>
+            <p:ph type="title"/>
+          </p:nvPr>
+        </p:nvSpPr>
+        <p:spPr>
+          <a:xfrm>
+            <a:off x="-2288457" y="434624"/>
+            <a:ext cx="10353762" cy="970450"/>
+          </a:xfrm>
+        </p:spPr>
+        <p:txBody>
+          <a:bodyPr/>
+          <a:lstStyle/>
+          <a:p>
+            <a:r>
+              <a:rPr lang="fr-FR" b="1" dirty="0">
+                <a:solidFill>
+                  <a:schemeClr val="tx1"/>
+                </a:solidFill>
+              </a:rPr>
+              <a:t>The Brontë </a:t>
+            </a:r>
+            <a:r>
+              <a:rPr lang="fr-FR" b="1" dirty="0" err="1">
+                <a:solidFill>
+                  <a:schemeClr val="tx1"/>
+                </a:solidFill>
+              </a:rPr>
+              <a:t>family</a:t>
+            </a:r>
+            <a:endParaRPr lang="fr-FR" b="1" dirty="0">
+              <a:solidFill>
+                <a:schemeClr val="tx1"/>
+              </a:solidFill>
+            </a:endParaRPr>
+          </a:p>
+        </p:txBody>
+      </p:sp>
+      <p:pic>
+        <p:nvPicPr>
+          <p:cNvPr id="4" name="Image 3">
+            <a:extLst>
+              <a:ext uri="{FF2B5EF4-FFF2-40B4-BE49-F238E27FC236}">
+                <a16:creationId xmlns:a16="http://schemas.microsoft.com/office/drawing/2014/main" id="{A7E5D4C9-995A-4AEA-A427-CF6CF1795CFB}"/>
+              </a:ext>
+            </a:extLst>
+          </p:cNvPr>
+          <p:cNvPicPr>
+            <a:picLocks noChangeAspect="1"/>
+          </p:cNvPicPr>
+          <p:nvPr/>
+        </p:nvPicPr>
+        <p:blipFill>
+          <a:blip r:embed="rId2"/>
+          <a:stretch>
+            <a:fillRect/>
+          </a:stretch>
+        </p:blipFill>
+        <p:spPr>
+          <a:xfrm>
+            <a:off x="7615803" y="372357"/>
+            <a:ext cx="4279299" cy="6113285"/>
+          </a:xfrm>
+          <a:prstGeom prst="rect">
+            <a:avLst/>
+          </a:prstGeom>
+        </p:spPr>
+      </p:pic>
+      <p:pic>
+        <p:nvPicPr>
+          <p:cNvPr id="5" name="Image 4">
+            <a:extLst>
+              <a:ext uri="{FF2B5EF4-FFF2-40B4-BE49-F238E27FC236}">
+                <a16:creationId xmlns:a16="http://schemas.microsoft.com/office/drawing/2014/main" id="{5650C7B4-D29B-4161-9C1B-0D680B3AB5B9}"/>
+              </a:ext>
+            </a:extLst>
+          </p:cNvPr>
+          <p:cNvPicPr>
+            <a:picLocks noChangeAspect="1"/>
+          </p:cNvPicPr>
+          <p:nvPr/>
+        </p:nvPicPr>
+        <p:blipFill>
+          <a:blip r:embed="rId3"/>
+          <a:stretch>
+            <a:fillRect/>
+          </a:stretch>
+        </p:blipFill>
+        <p:spPr>
+          <a:xfrm>
+            <a:off x="403695" y="1795606"/>
+            <a:ext cx="5265568" cy="3167410"/>
+          </a:xfrm>
+          <a:prstGeom prst="rect">
+            <a:avLst/>
+          </a:prstGeom>
+        </p:spPr>
+      </p:pic>
+      <p:sp>
+        <p:nvSpPr>
+          <p:cNvPr id="7" name="ZoneTexte 6">
+            <a:extLst>
+              <a:ext uri="{FF2B5EF4-FFF2-40B4-BE49-F238E27FC236}">
+                <a16:creationId xmlns:a16="http://schemas.microsoft.com/office/drawing/2014/main" id="{05B667D3-C7F5-4D55-8DE9-345627FA634E}"/>
+              </a:ext>
+            </a:extLst>
+          </p:cNvPr>
+          <p:cNvSpPr txBox="1"/>
+          <p:nvPr/>
+        </p:nvSpPr>
+        <p:spPr>
+          <a:xfrm>
+            <a:off x="403695" y="5353549"/>
+            <a:ext cx="4969459" cy="646331"/>
+          </a:xfrm>
+          <a:prstGeom prst="rect">
+            <a:avLst/>
+          </a:prstGeom>
+          <a:noFill/>
+        </p:spPr>
+        <p:txBody>
+          <a:bodyPr wrap="square">
+            <a:spAutoFit/>
+          </a:bodyPr>
+          <a:lstStyle/>
+          <a:p>
+            <a:pPr marL="285750" indent="-285750">
+              <a:buFont typeface="Wingdings" panose="05000000000000000000" pitchFamily="2" charset="2"/>
+              <a:buChar char="Ø"/>
+            </a:pPr>
+            <a:r>
+              <a:rPr lang="en-US" dirty="0"/>
+              <a:t>In 1820 the family moved to the Parsonage in Haworth </a:t>
+            </a:r>
+          </a:p>
+        </p:txBody>
+      </p:sp>
+      <p:cxnSp>
+        <p:nvCxnSpPr>
+          <p:cNvPr id="9" name="Connecteur droit 8">
+            <a:extLst>
+              <a:ext uri="{FF2B5EF4-FFF2-40B4-BE49-F238E27FC236}">
+                <a16:creationId xmlns:a16="http://schemas.microsoft.com/office/drawing/2014/main" id="{8B3D008E-79A4-40CC-BBF0-CBE5F5041415}"/>
+              </a:ext>
+            </a:extLst>
+          </p:cNvPr>
+          <p:cNvCxnSpPr/>
+          <p:nvPr/>
+        </p:nvCxnSpPr>
+        <p:spPr>
+          <a:xfrm>
+            <a:off x="6604000" y="434624"/>
+            <a:ext cx="0" cy="5988752"/>
+          </a:xfrm>
+          <a:prstGeom prst="line">
+            <a:avLst/>
+          </a:prstGeom>
+          <a:ln>
+            <a:solidFill>
+              <a:schemeClr val="tx1"/>
+            </a:solidFill>
+          </a:ln>
+        </p:spPr>
+        <p:style>
+          <a:lnRef idx="2">
+            <a:schemeClr val="accent6"/>
+          </a:lnRef>
+          <a:fillRef idx="0">
+            <a:schemeClr val="accent6"/>
+          </a:fillRef>
+          <a:effectRef idx="1">
+            <a:schemeClr val="accent6"/>
+          </a:effectRef>
+          <a:fontRef idx="minor">
+            <a:schemeClr val="tx1"/>
+          </a:fontRef>
+        </p:style>
+      </p:cxnSp>
+    </p:spTree>
+    <p:extLst>
+      <p:ext uri="{BB962C8B-B14F-4D97-AF65-F5344CB8AC3E}">
+        <p14:creationId xmlns:p14="http://schemas.microsoft.com/office/powerpoint/2010/main" val="3822371569"/>
       </p:ext>
     </p:extLst>
   </p:cSld>
@@ -6768,7 +7205,7 @@
           <p:cNvPr id="2" name="Titre 1">
             <a:extLst>
               <a:ext uri="{FF2B5EF4-FFF2-40B4-BE49-F238E27FC236}">
-                <a16:creationId xmlns:a16="http://schemas.microsoft.com/office/drawing/2014/main" id="{9CDF9F86-401B-4EC3-B9AD-BBFF00FF06AD}"/>
+                <a16:creationId xmlns:a16="http://schemas.microsoft.com/office/drawing/2014/main" id="{31E7B7B4-DA74-4EBF-A3B1-6BAE5BA2DE8D}"/>
               </a:ext>
             </a:extLst>
           </p:cNvPr>
@@ -6779,25 +7216,62 @@
             <p:ph type="title"/>
           </p:nvPr>
         </p:nvSpPr>
-        <p:spPr/>
+        <p:spPr>
+          <a:xfrm>
+            <a:off x="0" y="415665"/>
+            <a:ext cx="6144412" cy="970450"/>
+          </a:xfrm>
+        </p:spPr>
         <p:txBody>
           <a:bodyPr/>
           <a:lstStyle/>
           <a:p>
             <a:r>
-              <a:rPr lang="fr-FR" dirty="0"/>
-              <a:t>The plot</a:t>
-            </a:r>
-            <a:endParaRPr lang="en-US" dirty="0"/>
-          </a:p>
-        </p:txBody>
-      </p:sp>
-      <p:sp>
-        <p:nvSpPr>
-          <p:cNvPr id="3" name="Espace réservé du contenu 2">
+              <a:rPr lang="fr-FR" b="1" dirty="0" err="1">
+                <a:solidFill>
+                  <a:schemeClr val="tx1"/>
+                </a:solidFill>
+              </a:rPr>
+              <a:t>Bront</a:t>
+            </a:r>
+            <a:r>
+              <a:rPr lang="fr-FR" sz="4400" b="1" dirty="0" err="1">
+                <a:solidFill>
+                  <a:schemeClr val="tx1"/>
+                </a:solidFill>
+              </a:rPr>
+              <a:t>ë’s</a:t>
+            </a:r>
+            <a:r>
+              <a:rPr lang="fr-FR" sz="4400" b="1" dirty="0">
+                <a:solidFill>
+                  <a:schemeClr val="tx1"/>
+                </a:solidFill>
+              </a:rPr>
+              <a:t> </a:t>
+            </a:r>
+            <a:r>
+              <a:rPr lang="fr-FR" sz="4400" b="1" dirty="0" err="1">
+                <a:solidFill>
+                  <a:schemeClr val="tx1"/>
+                </a:solidFill>
+              </a:rPr>
+              <a:t>biography</a:t>
+            </a:r>
+            <a:endParaRPr lang="fr-FR" b="1" dirty="0">
+              <a:solidFill>
+                <a:schemeClr val="tx1"/>
+              </a:solidFill>
+            </a:endParaRPr>
+          </a:p>
+        </p:txBody>
+      </p:sp>
+      <p:sp>
+        <p:nvSpPr>
+          <p:cNvPr id="4" name="Espace réservé du contenu 3">
             <a:extLst>
               <a:ext uri="{FF2B5EF4-FFF2-40B4-BE49-F238E27FC236}">
-                <a16:creationId xmlns:a16="http://schemas.microsoft.com/office/drawing/2014/main" id="{13577A6C-D1B1-42EB-ADBC-C282B856AF3F}"/>
+                <a16:creationId xmlns:a16="http://schemas.microsoft.com/office/drawing/2014/main" id="{A762E62E-9E5E-4D9D-AA56-EDD7149BE318}"/>
               </a:ext>
             </a:extLst>
           </p:cNvPr>
@@ -6805,13 +7279,13 @@
             <a:spLocks noGrp="1"/>
           </p:cNvSpPr>
           <p:nvPr>
-            <p:ph idx="1"/>
+            <p:ph sz="half" idx="2"/>
           </p:nvPr>
         </p:nvSpPr>
         <p:spPr>
           <a:xfrm>
-            <a:off x="913795" y="1732449"/>
-            <a:ext cx="3829655" cy="2382351"/>
+            <a:off x="481357" y="1906620"/>
+            <a:ext cx="10941385" cy="3884580"/>
           </a:xfrm>
         </p:spPr>
         <p:txBody>
@@ -6820,67 +7294,1247 @@
           </a:bodyPr>
           <a:lstStyle/>
           <a:p>
-            <a:r>
-              <a:rPr lang="en-US" sz="2400" dirty="0">
+            <a:pPr>
+              <a:lnSpc>
+                <a:spcPct val="150000"/>
+              </a:lnSpc>
+            </a:pPr>
+            <a:r>
+              <a:rPr lang="en-US" dirty="0">
+                <a:solidFill>
+                  <a:schemeClr val="tx1"/>
+                </a:solidFill>
                 <a:effectLst/>
+                <a:ea typeface="Calibri" panose="020F0502020204030204" pitchFamily="34" charset="0"/>
+                <a:cs typeface="OpenSans-Regular"/>
               </a:rPr>
-              <a:t>Jane Eyre, the heroine, is penniless orphan left to the care of the horrible Mrs. Reed, a wealthy aunt of hers who bully her.</a:t>
-            </a:r>
-          </a:p>
-        </p:txBody>
-      </p:sp>
-      <p:sp>
-        <p:nvSpPr>
-          <p:cNvPr id="5" name="Flèche : droite 4">
+              <a:t>Mother’s death : the father became alcoholic, and the brother after some years.</a:t>
+            </a:r>
+          </a:p>
+          <a:p>
+            <a:pPr lvl="1">
+              <a:lnSpc>
+                <a:spcPct val="150000"/>
+              </a:lnSpc>
+              <a:buFont typeface="Wingdings" panose="05000000000000000000" pitchFamily="2" charset="2"/>
+              <a:buChar char="Ø"/>
+            </a:pPr>
+            <a:r>
+              <a:rPr lang="en-US" sz="2000" dirty="0">
+                <a:solidFill>
+                  <a:schemeClr val="tx1"/>
+                </a:solidFill>
+                <a:effectLst/>
+                <a:ea typeface="Calibri" panose="020F0502020204030204" pitchFamily="34" charset="0"/>
+                <a:cs typeface="OpenSans-Regular"/>
+              </a:rPr>
+              <a:t>Fear that the bed burn.	</a:t>
+            </a:r>
+          </a:p>
+          <a:p>
+            <a:pPr>
+              <a:lnSpc>
+                <a:spcPct val="150000"/>
+              </a:lnSpc>
+            </a:pPr>
+            <a:r>
+              <a:rPr lang="en-US" dirty="0">
+                <a:solidFill>
+                  <a:schemeClr val="tx1"/>
+                </a:solidFill>
+                <a:effectLst/>
+                <a:ea typeface="Calibri" panose="020F0502020204030204" pitchFamily="34" charset="0"/>
+                <a:cs typeface="OpenSans-Regular"/>
+              </a:rPr>
+              <a:t>Emily and Charlotte go to the Pensionnat </a:t>
+            </a:r>
+            <a:r>
+              <a:rPr lang="en-US" dirty="0" err="1">
+                <a:solidFill>
+                  <a:schemeClr val="tx1"/>
+                </a:solidFill>
+                <a:effectLst/>
+                <a:ea typeface="Calibri" panose="020F0502020204030204" pitchFamily="34" charset="0"/>
+                <a:cs typeface="OpenSans-Regular"/>
+              </a:rPr>
+              <a:t>Heger</a:t>
+            </a:r>
+            <a:r>
+              <a:rPr lang="fr-FR" dirty="0">
+                <a:solidFill>
+                  <a:schemeClr val="tx1"/>
+                </a:solidFill>
+                <a:effectLst/>
+                <a:ea typeface="Calibri" panose="020F0502020204030204" pitchFamily="34" charset="0"/>
+                <a:cs typeface="OpenSans-Regular"/>
+              </a:rPr>
+              <a:t>, </a:t>
+            </a:r>
+            <a:r>
+              <a:rPr lang="fr-FR" dirty="0" err="1">
+                <a:solidFill>
+                  <a:schemeClr val="tx1"/>
+                </a:solidFill>
+                <a:effectLst/>
+                <a:ea typeface="Calibri" panose="020F0502020204030204" pitchFamily="34" charset="0"/>
+                <a:cs typeface="OpenSans-Regular"/>
+              </a:rPr>
+              <a:t>then</a:t>
+            </a:r>
+            <a:r>
+              <a:rPr lang="fr-FR" dirty="0">
+                <a:solidFill>
+                  <a:schemeClr val="tx1"/>
+                </a:solidFill>
+                <a:effectLst/>
+                <a:ea typeface="Calibri" panose="020F0502020204030204" pitchFamily="34" charset="0"/>
+                <a:cs typeface="OpenSans-Regular"/>
+              </a:rPr>
+              <a:t> Charlotte </a:t>
+            </a:r>
+            <a:r>
+              <a:rPr lang="fr-FR" dirty="0" err="1">
+                <a:solidFill>
+                  <a:schemeClr val="tx1"/>
+                </a:solidFill>
+                <a:effectLst/>
+                <a:ea typeface="Calibri" panose="020F0502020204030204" pitchFamily="34" charset="0"/>
+                <a:cs typeface="OpenSans-Regular"/>
+              </a:rPr>
+              <a:t>turn</a:t>
+            </a:r>
+            <a:r>
+              <a:rPr lang="fr-FR" dirty="0">
+                <a:solidFill>
+                  <a:schemeClr val="tx1"/>
+                </a:solidFill>
+                <a:effectLst/>
+                <a:ea typeface="Calibri" panose="020F0502020204030204" pitchFamily="34" charset="0"/>
+                <a:cs typeface="OpenSans-Regular"/>
+              </a:rPr>
+              <a:t> </a:t>
+            </a:r>
+            <a:r>
+              <a:rPr lang="fr-FR" dirty="0" err="1">
+                <a:solidFill>
+                  <a:schemeClr val="tx1"/>
+                </a:solidFill>
+                <a:effectLst/>
+                <a:ea typeface="Calibri" panose="020F0502020204030204" pitchFamily="34" charset="0"/>
+                <a:cs typeface="OpenSans-Regular"/>
+              </a:rPr>
+              <a:t>into</a:t>
+            </a:r>
+            <a:r>
+              <a:rPr lang="fr-FR" dirty="0">
+                <a:solidFill>
+                  <a:schemeClr val="tx1"/>
+                </a:solidFill>
+                <a:effectLst/>
+                <a:ea typeface="Calibri" panose="020F0502020204030204" pitchFamily="34" charset="0"/>
+                <a:cs typeface="OpenSans-Regular"/>
+              </a:rPr>
+              <a:t> </a:t>
+            </a:r>
+            <a:r>
+              <a:rPr lang="fr-FR" dirty="0" err="1">
+                <a:solidFill>
+                  <a:schemeClr val="tx1"/>
+                </a:solidFill>
+                <a:effectLst/>
+                <a:ea typeface="Calibri" panose="020F0502020204030204" pitchFamily="34" charset="0"/>
+                <a:cs typeface="OpenSans-Regular"/>
+              </a:rPr>
+              <a:t>teacher</a:t>
+            </a:r>
+            <a:r>
+              <a:rPr lang="fr-FR" dirty="0">
+                <a:solidFill>
+                  <a:schemeClr val="tx1"/>
+                </a:solidFill>
+                <a:effectLst/>
+                <a:ea typeface="Calibri" panose="020F0502020204030204" pitchFamily="34" charset="0"/>
+                <a:cs typeface="OpenSans-Regular"/>
+              </a:rPr>
+              <a:t> in the institution.</a:t>
+            </a:r>
+          </a:p>
+          <a:p>
+            <a:r>
+              <a:rPr lang="en-US" dirty="0">
+                <a:solidFill>
+                  <a:schemeClr val="tx1"/>
+                </a:solidFill>
+                <a:effectLst/>
+                <a:ea typeface="Calibri" panose="020F0502020204030204" pitchFamily="34" charset="0"/>
+                <a:cs typeface="OpenSans-Regular"/>
+              </a:rPr>
+              <a:t>Marriage between Charlotte and the Reverend Arthur Bell Nicholls</a:t>
+            </a:r>
+            <a:endParaRPr lang="fr-FR" dirty="0">
+              <a:solidFill>
+                <a:schemeClr val="tx1"/>
+              </a:solidFill>
+              <a:effectLst/>
+              <a:ea typeface="Calibri" panose="020F0502020204030204" pitchFamily="34" charset="0"/>
+              <a:cs typeface="Times New Roman" panose="02020603050405020304" pitchFamily="18" charset="0"/>
+            </a:endParaRPr>
+          </a:p>
+          <a:p>
+            <a:pPr>
+              <a:lnSpc>
+                <a:spcPct val="107000"/>
+              </a:lnSpc>
+              <a:spcAft>
+                <a:spcPts val="800"/>
+              </a:spcAft>
+            </a:pPr>
+            <a:r>
+              <a:rPr lang="en-US" dirty="0">
+                <a:solidFill>
+                  <a:schemeClr val="tx1"/>
+                </a:solidFill>
+                <a:effectLst/>
+                <a:ea typeface="Calibri" panose="020F0502020204030204" pitchFamily="34" charset="0"/>
+                <a:cs typeface="OpenSans-Regular"/>
+              </a:rPr>
+              <a:t>Death of Anne and Emily (again tuberculosis) : end of sister’s ritual, which consist to talk about their novel story at night.</a:t>
+            </a:r>
+            <a:endParaRPr lang="fr-FR" dirty="0">
+              <a:solidFill>
+                <a:schemeClr val="tx1"/>
+              </a:solidFill>
+              <a:effectLst/>
+              <a:ea typeface="Calibri" panose="020F0502020204030204" pitchFamily="34" charset="0"/>
+              <a:cs typeface="OpenSans-Regular"/>
+            </a:endParaRPr>
+          </a:p>
+        </p:txBody>
+      </p:sp>
+    </p:spTree>
+    <p:extLst>
+      <p:ext uri="{BB962C8B-B14F-4D97-AF65-F5344CB8AC3E}">
+        <p14:creationId xmlns:p14="http://schemas.microsoft.com/office/powerpoint/2010/main" val="3020484780"/>
+      </p:ext>
+    </p:extLst>
+  </p:cSld>
+  <p:clrMapOvr>
+    <a:masterClrMapping/>
+  </p:clrMapOvr>
+</p:sld>
+</file>
+
+<file path=ppt/slides/slide4.xml><?xml version="1.0" encoding="utf-8"?>
+<p:sld xmlns:a="http://schemas.openxmlformats.org/drawingml/2006/main" xmlns:r="http://schemas.openxmlformats.org/officeDocument/2006/relationships" xmlns:p="http://schemas.openxmlformats.org/presentationml/2006/main">
+  <p:cSld>
+    <p:spTree>
+      <p:nvGrpSpPr>
+        <p:cNvPr id="1" name=""/>
+        <p:cNvGrpSpPr/>
+        <p:nvPr/>
+      </p:nvGrpSpPr>
+      <p:grpSpPr>
+        <a:xfrm>
+          <a:off x="0" y="0"/>
+          <a:ext cx="0" cy="0"/>
+          <a:chOff x="0" y="0"/>
+          <a:chExt cx="0" cy="0"/>
+        </a:xfrm>
+      </p:grpSpPr>
+      <p:sp>
+        <p:nvSpPr>
+          <p:cNvPr id="2" name="Titre 1">
             <a:extLst>
               <a:ext uri="{FF2B5EF4-FFF2-40B4-BE49-F238E27FC236}">
-                <a16:creationId xmlns:a16="http://schemas.microsoft.com/office/drawing/2014/main" id="{5330AB38-DC65-4B57-B3C2-25FF94DD7503}"/>
+                <a16:creationId xmlns:a16="http://schemas.microsoft.com/office/drawing/2014/main" id="{CC16A088-AE7A-44D4-ABCA-E884A2FC877B}"/>
               </a:ext>
             </a:extLst>
           </p:cNvPr>
-          <p:cNvSpPr/>
-          <p:nvPr/>
+          <p:cNvSpPr>
+            <a:spLocks noGrp="1"/>
+          </p:cNvSpPr>
+          <p:nvPr>
+            <p:ph type="title"/>
+          </p:nvPr>
         </p:nvSpPr>
         <p:spPr>
           <a:xfrm>
-            <a:off x="4743450" y="2286000"/>
-            <a:ext cx="2190750" cy="970450"/>
+            <a:off x="919119" y="609600"/>
+            <a:ext cx="10353762" cy="970450"/>
           </a:xfrm>
-          <a:prstGeom prst="rightArrow">
+        </p:spPr>
+        <p:txBody>
+          <a:bodyPr>
+            <a:normAutofit/>
+          </a:bodyPr>
+          <a:lstStyle/>
+          <a:p>
+            <a:r>
+              <a:rPr lang="en-GB" b="1" dirty="0">
+                <a:solidFill>
+                  <a:srgbClr val="00B050"/>
+                </a:solidFill>
+                <a:effectLst/>
+                <a:ea typeface="Calibri" panose="020F0502020204030204" pitchFamily="34" charset="0"/>
+                <a:cs typeface="Times New Roman" panose="02020603050405020304" pitchFamily="18" charset="0"/>
+              </a:rPr>
+              <a:t>Bildungsroman</a:t>
+            </a:r>
+            <a:endParaRPr lang="fr-FR" b="1" dirty="0">
+              <a:solidFill>
+                <a:srgbClr val="00B050"/>
+              </a:solidFill>
+            </a:endParaRPr>
+          </a:p>
+        </p:txBody>
+      </p:sp>
+      <p:sp>
+        <p:nvSpPr>
+          <p:cNvPr id="3" name="Espace réservé du contenu 2">
+            <a:extLst>
+              <a:ext uri="{FF2B5EF4-FFF2-40B4-BE49-F238E27FC236}">
+                <a16:creationId xmlns:a16="http://schemas.microsoft.com/office/drawing/2014/main" id="{7F714A8B-90CB-464E-942A-DD0BBA755836}"/>
+              </a:ext>
+            </a:extLst>
+          </p:cNvPr>
+          <p:cNvSpPr>
+            <a:spLocks noGrp="1"/>
+          </p:cNvSpPr>
+          <p:nvPr>
+            <p:ph sz="half" idx="1"/>
+          </p:nvPr>
+        </p:nvSpPr>
+        <p:spPr>
+          <a:xfrm>
+            <a:off x="478367" y="2477926"/>
+            <a:ext cx="3890434" cy="3028237"/>
+          </a:xfrm>
+        </p:spPr>
+        <p:txBody>
+          <a:bodyPr/>
+          <a:lstStyle/>
+          <a:p>
+            <a:r>
+              <a:rPr lang="fr-FR" sz="2400" dirty="0" err="1">
+                <a:solidFill>
+                  <a:schemeClr val="tx1"/>
+                </a:solidFill>
+              </a:rPr>
+              <a:t>Dictionary</a:t>
+            </a:r>
+            <a:r>
+              <a:rPr lang="fr-FR" sz="2400" dirty="0">
+                <a:solidFill>
+                  <a:schemeClr val="tx1"/>
+                </a:solidFill>
+              </a:rPr>
+              <a:t> : </a:t>
+            </a:r>
+            <a:r>
+              <a:rPr lang="en-US" sz="2400" i="1" dirty="0">
+                <a:solidFill>
+                  <a:schemeClr val="tx1"/>
+                </a:solidFill>
+                <a:effectLst/>
+                <a:ea typeface="Calibri" panose="020F0502020204030204" pitchFamily="34" charset="0"/>
+                <a:cs typeface="OpenSans-Regular"/>
+              </a:rPr>
+              <a:t>a literary genre that focuses on coming of age stories, following a character’s progression towards adulthood.</a:t>
+            </a:r>
+            <a:endParaRPr lang="fr-FR" sz="2400" i="1" dirty="0">
+              <a:solidFill>
+                <a:schemeClr val="tx1"/>
+              </a:solidFill>
+              <a:effectLst/>
+              <a:ea typeface="Calibri" panose="020F0502020204030204" pitchFamily="34" charset="0"/>
+              <a:cs typeface="OpenSans-Regular"/>
+            </a:endParaRPr>
+          </a:p>
+          <a:p>
+            <a:endParaRPr lang="fr-FR" dirty="0"/>
+          </a:p>
+        </p:txBody>
+      </p:sp>
+      <p:sp>
+        <p:nvSpPr>
+          <p:cNvPr id="4" name="Espace réservé du contenu 3">
+            <a:extLst>
+              <a:ext uri="{FF2B5EF4-FFF2-40B4-BE49-F238E27FC236}">
+                <a16:creationId xmlns:a16="http://schemas.microsoft.com/office/drawing/2014/main" id="{D21270BF-C06C-4DAE-B0CC-3A758EE414A4}"/>
+              </a:ext>
+            </a:extLst>
+          </p:cNvPr>
+          <p:cNvSpPr>
+            <a:spLocks noGrp="1"/>
+          </p:cNvSpPr>
+          <p:nvPr>
+            <p:ph sz="half" idx="2"/>
+          </p:nvPr>
+        </p:nvSpPr>
+        <p:spPr>
+          <a:xfrm>
+            <a:off x="7478723" y="2465420"/>
+            <a:ext cx="3890434" cy="4029723"/>
+          </a:xfrm>
+        </p:spPr>
+        <p:txBody>
+          <a:bodyPr>
+            <a:normAutofit/>
+          </a:bodyPr>
+          <a:lstStyle/>
+          <a:p>
+            <a:r>
+              <a:rPr lang="fr-FR" sz="2400" dirty="0">
+                <a:solidFill>
+                  <a:schemeClr val="tx1"/>
+                </a:solidFill>
+              </a:rPr>
+              <a:t>Novel : </a:t>
+            </a:r>
+            <a:r>
+              <a:rPr lang="en-US" sz="2400" dirty="0">
+                <a:solidFill>
+                  <a:schemeClr val="tx1"/>
+                </a:solidFill>
+                <a:effectLst/>
+                <a:ea typeface="Calibri" panose="020F0502020204030204" pitchFamily="34" charset="0"/>
+                <a:cs typeface="OpenSans-Regular"/>
+              </a:rPr>
+              <a:t>We follow the childhood of Jane Eyre but also when she is adult in many years: evolution in the novel as when we grow up.</a:t>
+            </a:r>
+            <a:endParaRPr lang="fr-FR" sz="2400" dirty="0">
+              <a:solidFill>
+                <a:schemeClr val="tx1"/>
+              </a:solidFill>
+              <a:effectLst/>
+              <a:ea typeface="Calibri" panose="020F0502020204030204" pitchFamily="34" charset="0"/>
+              <a:cs typeface="Times New Roman" panose="02020603050405020304" pitchFamily="18" charset="0"/>
+            </a:endParaRPr>
+          </a:p>
+        </p:txBody>
+      </p:sp>
+      <p:cxnSp>
+        <p:nvCxnSpPr>
+          <p:cNvPr id="6" name="Connecteur droit 5">
+            <a:extLst>
+              <a:ext uri="{FF2B5EF4-FFF2-40B4-BE49-F238E27FC236}">
+                <a16:creationId xmlns:a16="http://schemas.microsoft.com/office/drawing/2014/main" id="{5066DDC7-42B5-426C-80DC-1097237F49C9}"/>
+              </a:ext>
+            </a:extLst>
+          </p:cNvPr>
+          <p:cNvCxnSpPr/>
+          <p:nvPr/>
+        </p:nvCxnSpPr>
+        <p:spPr>
+          <a:xfrm flipV="1">
+            <a:off x="4513943" y="2583543"/>
+            <a:ext cx="1146628" cy="1896738"/>
+          </a:xfrm>
+          <a:prstGeom prst="line">
             <a:avLst/>
           </a:prstGeom>
+          <a:ln>
+            <a:solidFill>
+              <a:schemeClr val="tx1"/>
+            </a:solidFill>
+          </a:ln>
         </p:spPr>
         <p:style>
-          <a:lnRef idx="2">
-            <a:schemeClr val="accent1">
-              <a:shade val="50000"/>
-            </a:schemeClr>
+          <a:lnRef idx="1">
+            <a:schemeClr val="accent6"/>
           </a:lnRef>
-          <a:fillRef idx="1">
-            <a:schemeClr val="accent1"/>
+          <a:fillRef idx="0">
+            <a:schemeClr val="accent6"/>
           </a:fillRef>
           <a:effectRef idx="0">
-            <a:schemeClr val="accent1"/>
+            <a:schemeClr val="accent6"/>
           </a:effectRef>
           <a:fontRef idx="minor">
-            <a:schemeClr val="lt1"/>
+            <a:schemeClr val="tx1"/>
           </a:fontRef>
         </p:style>
-        <p:txBody>
-          <a:bodyPr rtlCol="0" anchor="ctr"/>
-          <a:lstStyle/>
-          <a:p>
-            <a:pPr algn="ctr"/>
-            <a:endParaRPr lang="en-US"/>
-          </a:p>
-        </p:txBody>
-      </p:sp>
-      <p:sp>
-        <p:nvSpPr>
-          <p:cNvPr id="7" name="Espace réservé du contenu 2">
+      </p:cxnSp>
+      <p:cxnSp>
+        <p:nvCxnSpPr>
+          <p:cNvPr id="7" name="Connecteur droit 6">
             <a:extLst>
               <a:ext uri="{FF2B5EF4-FFF2-40B4-BE49-F238E27FC236}">
-                <a16:creationId xmlns:a16="http://schemas.microsoft.com/office/drawing/2014/main" id="{A0C49DD7-C936-47E9-8538-83EA2A6E6F26}"/>
+                <a16:creationId xmlns:a16="http://schemas.microsoft.com/office/drawing/2014/main" id="{5A9F66BE-EAA7-4D9F-AD0B-18BE7A5E1ABA}"/>
+              </a:ext>
+            </a:extLst>
+          </p:cNvPr>
+          <p:cNvCxnSpPr/>
+          <p:nvPr/>
+        </p:nvCxnSpPr>
+        <p:spPr>
+          <a:xfrm flipV="1">
+            <a:off x="5613639" y="2583543"/>
+            <a:ext cx="1146628" cy="1896738"/>
+          </a:xfrm>
+          <a:prstGeom prst="line">
+            <a:avLst/>
+          </a:prstGeom>
+          <a:ln>
+            <a:solidFill>
+              <a:schemeClr val="tx1"/>
+            </a:solidFill>
+          </a:ln>
+        </p:spPr>
+        <p:style>
+          <a:lnRef idx="1">
+            <a:schemeClr val="accent6"/>
+          </a:lnRef>
+          <a:fillRef idx="0">
+            <a:schemeClr val="accent6"/>
+          </a:fillRef>
+          <a:effectRef idx="0">
+            <a:schemeClr val="accent6"/>
+          </a:effectRef>
+          <a:fontRef idx="minor">
+            <a:schemeClr val="tx1"/>
+          </a:fontRef>
+        </p:style>
+      </p:cxnSp>
+    </p:spTree>
+    <p:extLst>
+      <p:ext uri="{BB962C8B-B14F-4D97-AF65-F5344CB8AC3E}">
+        <p14:creationId xmlns:p14="http://schemas.microsoft.com/office/powerpoint/2010/main" val="1449974416"/>
+      </p:ext>
+    </p:extLst>
+  </p:cSld>
+  <p:clrMapOvr>
+    <a:masterClrMapping/>
+  </p:clrMapOvr>
+</p:sld>
+</file>
+
+<file path=ppt/slides/slide5.xml><?xml version="1.0" encoding="utf-8"?>
+<p:sld xmlns:a="http://schemas.openxmlformats.org/drawingml/2006/main" xmlns:r="http://schemas.openxmlformats.org/officeDocument/2006/relationships" xmlns:p="http://schemas.openxmlformats.org/presentationml/2006/main">
+  <p:cSld>
+    <p:spTree>
+      <p:nvGrpSpPr>
+        <p:cNvPr id="1" name=""/>
+        <p:cNvGrpSpPr/>
+        <p:nvPr/>
+      </p:nvGrpSpPr>
+      <p:grpSpPr>
+        <a:xfrm>
+          <a:off x="0" y="0"/>
+          <a:ext cx="0" cy="0"/>
+          <a:chOff x="0" y="0"/>
+          <a:chExt cx="0" cy="0"/>
+        </a:xfrm>
+      </p:grpSpPr>
+      <p:sp>
+        <p:nvSpPr>
+          <p:cNvPr id="2" name="Titre 1">
+            <a:extLst>
+              <a:ext uri="{FF2B5EF4-FFF2-40B4-BE49-F238E27FC236}">
+                <a16:creationId xmlns:a16="http://schemas.microsoft.com/office/drawing/2014/main" id="{CC16A088-AE7A-44D4-ABCA-E884A2FC877B}"/>
+              </a:ext>
+            </a:extLst>
+          </p:cNvPr>
+          <p:cNvSpPr>
+            <a:spLocks noGrp="1"/>
+          </p:cNvSpPr>
+          <p:nvPr>
+            <p:ph type="title"/>
+          </p:nvPr>
+        </p:nvSpPr>
+        <p:spPr>
+          <a:xfrm>
+            <a:off x="919119" y="609600"/>
+            <a:ext cx="10353762" cy="970450"/>
+          </a:xfrm>
+        </p:spPr>
+        <p:txBody>
+          <a:bodyPr>
+            <a:normAutofit/>
+          </a:bodyPr>
+          <a:lstStyle/>
+          <a:p>
+            <a:r>
+              <a:rPr lang="fr-FR" b="1" dirty="0">
+                <a:solidFill>
+                  <a:srgbClr val="00B050"/>
+                </a:solidFill>
+              </a:rPr>
+              <a:t>Gothic Romance</a:t>
+            </a:r>
+          </a:p>
+        </p:txBody>
+      </p:sp>
+      <p:sp>
+        <p:nvSpPr>
+          <p:cNvPr id="3" name="Espace réservé du contenu 2">
+            <a:extLst>
+              <a:ext uri="{FF2B5EF4-FFF2-40B4-BE49-F238E27FC236}">
+                <a16:creationId xmlns:a16="http://schemas.microsoft.com/office/drawing/2014/main" id="{7F714A8B-90CB-464E-942A-DD0BBA755836}"/>
+              </a:ext>
+            </a:extLst>
+          </p:cNvPr>
+          <p:cNvSpPr>
+            <a:spLocks noGrp="1"/>
+          </p:cNvSpPr>
+          <p:nvPr>
+            <p:ph sz="half" idx="1"/>
+          </p:nvPr>
+        </p:nvSpPr>
+        <p:spPr>
+          <a:xfrm>
+            <a:off x="478367" y="2477926"/>
+            <a:ext cx="3890434" cy="3028237"/>
+          </a:xfrm>
+        </p:spPr>
+        <p:txBody>
+          <a:bodyPr/>
+          <a:lstStyle/>
+          <a:p>
+            <a:r>
+              <a:rPr lang="fr-FR" sz="2400" dirty="0" err="1">
+                <a:solidFill>
+                  <a:schemeClr val="tx1"/>
+                </a:solidFill>
+              </a:rPr>
+              <a:t>Dictionary</a:t>
+            </a:r>
+            <a:r>
+              <a:rPr lang="fr-FR" sz="2400" dirty="0">
+                <a:solidFill>
+                  <a:schemeClr val="tx1"/>
+                </a:solidFill>
+              </a:rPr>
+              <a:t> : </a:t>
+            </a:r>
+            <a:r>
+              <a:rPr lang="en-US" sz="2400" i="1" dirty="0">
+                <a:solidFill>
+                  <a:schemeClr val="tx1"/>
+                </a:solidFill>
+                <a:effectLst/>
+                <a:ea typeface="Calibri" panose="020F0502020204030204" pitchFamily="34" charset="0"/>
+                <a:cs typeface="Noto Serif" panose="02020502060505020204" pitchFamily="18"/>
+              </a:rPr>
+              <a:t>usually in the form of the hero rescuing a damsel in distress.</a:t>
+            </a:r>
+            <a:endParaRPr lang="fr-FR" sz="2400" i="1" dirty="0">
+              <a:solidFill>
+                <a:schemeClr val="tx1"/>
+              </a:solidFill>
+            </a:endParaRPr>
+          </a:p>
+        </p:txBody>
+      </p:sp>
+      <p:sp>
+        <p:nvSpPr>
+          <p:cNvPr id="4" name="Espace réservé du contenu 3">
+            <a:extLst>
+              <a:ext uri="{FF2B5EF4-FFF2-40B4-BE49-F238E27FC236}">
+                <a16:creationId xmlns:a16="http://schemas.microsoft.com/office/drawing/2014/main" id="{D21270BF-C06C-4DAE-B0CC-3A758EE414A4}"/>
+              </a:ext>
+            </a:extLst>
+          </p:cNvPr>
+          <p:cNvSpPr>
+            <a:spLocks noGrp="1"/>
+          </p:cNvSpPr>
+          <p:nvPr>
+            <p:ph sz="half" idx="2"/>
+          </p:nvPr>
+        </p:nvSpPr>
+        <p:spPr>
+          <a:xfrm>
+            <a:off x="7478723" y="2465420"/>
+            <a:ext cx="3890434" cy="4029723"/>
+          </a:xfrm>
+        </p:spPr>
+        <p:txBody>
+          <a:bodyPr>
+            <a:normAutofit/>
+          </a:bodyPr>
+          <a:lstStyle/>
+          <a:p>
+            <a:r>
+              <a:rPr lang="fr-FR" sz="2400" dirty="0">
+                <a:solidFill>
+                  <a:schemeClr val="tx1"/>
+                </a:solidFill>
+              </a:rPr>
+              <a:t>Novel : </a:t>
+            </a:r>
+            <a:r>
+              <a:rPr lang="en-US" sz="2400" dirty="0">
+                <a:solidFill>
+                  <a:schemeClr val="tx1"/>
+                </a:solidFill>
+                <a:effectLst/>
+                <a:ea typeface="Calibri" panose="020F0502020204030204" pitchFamily="34" charset="0"/>
+                <a:cs typeface="OpenSans-Regular"/>
+              </a:rPr>
+              <a:t>Mr. Rochester rescued Jane Eyre: first time of the Pensionnat with the teacher job, and second time he saved her from the boring time and the non-sense of the life.</a:t>
+            </a:r>
+            <a:endParaRPr lang="fr-FR" sz="2400" dirty="0">
+              <a:solidFill>
+                <a:schemeClr val="tx1"/>
+              </a:solidFill>
+              <a:effectLst/>
+              <a:ea typeface="Calibri" panose="020F0502020204030204" pitchFamily="34" charset="0"/>
+              <a:cs typeface="Times New Roman" panose="02020603050405020304" pitchFamily="18" charset="0"/>
+            </a:endParaRPr>
+          </a:p>
+        </p:txBody>
+      </p:sp>
+      <p:cxnSp>
+        <p:nvCxnSpPr>
+          <p:cNvPr id="6" name="Connecteur droit 5">
+            <a:extLst>
+              <a:ext uri="{FF2B5EF4-FFF2-40B4-BE49-F238E27FC236}">
+                <a16:creationId xmlns:a16="http://schemas.microsoft.com/office/drawing/2014/main" id="{5066DDC7-42B5-426C-80DC-1097237F49C9}"/>
+              </a:ext>
+            </a:extLst>
+          </p:cNvPr>
+          <p:cNvCxnSpPr/>
+          <p:nvPr/>
+        </p:nvCxnSpPr>
+        <p:spPr>
+          <a:xfrm flipV="1">
+            <a:off x="4513943" y="2583543"/>
+            <a:ext cx="1146628" cy="1896738"/>
+          </a:xfrm>
+          <a:prstGeom prst="line">
+            <a:avLst/>
+          </a:prstGeom>
+          <a:ln>
+            <a:solidFill>
+              <a:schemeClr val="tx1"/>
+            </a:solidFill>
+          </a:ln>
+        </p:spPr>
+        <p:style>
+          <a:lnRef idx="1">
+            <a:schemeClr val="accent6"/>
+          </a:lnRef>
+          <a:fillRef idx="0">
+            <a:schemeClr val="accent6"/>
+          </a:fillRef>
+          <a:effectRef idx="0">
+            <a:schemeClr val="accent6"/>
+          </a:effectRef>
+          <a:fontRef idx="minor">
+            <a:schemeClr val="tx1"/>
+          </a:fontRef>
+        </p:style>
+      </p:cxnSp>
+      <p:cxnSp>
+        <p:nvCxnSpPr>
+          <p:cNvPr id="7" name="Connecteur droit 6">
+            <a:extLst>
+              <a:ext uri="{FF2B5EF4-FFF2-40B4-BE49-F238E27FC236}">
+                <a16:creationId xmlns:a16="http://schemas.microsoft.com/office/drawing/2014/main" id="{5A9F66BE-EAA7-4D9F-AD0B-18BE7A5E1ABA}"/>
+              </a:ext>
+            </a:extLst>
+          </p:cNvPr>
+          <p:cNvCxnSpPr/>
+          <p:nvPr/>
+        </p:nvCxnSpPr>
+        <p:spPr>
+          <a:xfrm flipV="1">
+            <a:off x="5613639" y="2583543"/>
+            <a:ext cx="1146628" cy="1896738"/>
+          </a:xfrm>
+          <a:prstGeom prst="line">
+            <a:avLst/>
+          </a:prstGeom>
+          <a:ln>
+            <a:solidFill>
+              <a:schemeClr val="tx1"/>
+            </a:solidFill>
+          </a:ln>
+        </p:spPr>
+        <p:style>
+          <a:lnRef idx="1">
+            <a:schemeClr val="accent6"/>
+          </a:lnRef>
+          <a:fillRef idx="0">
+            <a:schemeClr val="accent6"/>
+          </a:fillRef>
+          <a:effectRef idx="0">
+            <a:schemeClr val="accent6"/>
+          </a:effectRef>
+          <a:fontRef idx="minor">
+            <a:schemeClr val="tx1"/>
+          </a:fontRef>
+        </p:style>
+      </p:cxnSp>
+    </p:spTree>
+    <p:extLst>
+      <p:ext uri="{BB962C8B-B14F-4D97-AF65-F5344CB8AC3E}">
+        <p14:creationId xmlns:p14="http://schemas.microsoft.com/office/powerpoint/2010/main" val="2257316818"/>
+      </p:ext>
+    </p:extLst>
+  </p:cSld>
+  <p:clrMapOvr>
+    <a:masterClrMapping/>
+  </p:clrMapOvr>
+</p:sld>
+</file>
+
+<file path=ppt/slides/slide6.xml><?xml version="1.0" encoding="utf-8"?>
+<p:sld xmlns:a="http://schemas.openxmlformats.org/drawingml/2006/main" xmlns:r="http://schemas.openxmlformats.org/officeDocument/2006/relationships" xmlns:p="http://schemas.openxmlformats.org/presentationml/2006/main">
+  <p:cSld>
+    <p:spTree>
+      <p:nvGrpSpPr>
+        <p:cNvPr id="1" name=""/>
+        <p:cNvGrpSpPr/>
+        <p:nvPr/>
+      </p:nvGrpSpPr>
+      <p:grpSpPr>
+        <a:xfrm>
+          <a:off x="0" y="0"/>
+          <a:ext cx="0" cy="0"/>
+          <a:chOff x="0" y="0"/>
+          <a:chExt cx="0" cy="0"/>
+        </a:xfrm>
+      </p:grpSpPr>
+      <p:sp>
+        <p:nvSpPr>
+          <p:cNvPr id="2" name="Titre 1">
+            <a:extLst>
+              <a:ext uri="{FF2B5EF4-FFF2-40B4-BE49-F238E27FC236}">
+                <a16:creationId xmlns:a16="http://schemas.microsoft.com/office/drawing/2014/main" id="{EA5672C2-90AE-4BC5-A1D6-50E47E5DEB35}"/>
+              </a:ext>
+            </a:extLst>
+          </p:cNvPr>
+          <p:cNvSpPr>
+            <a:spLocks noGrp="1"/>
+          </p:cNvSpPr>
+          <p:nvPr>
+            <p:ph type="title"/>
+          </p:nvPr>
+        </p:nvSpPr>
+        <p:spPr>
+          <a:xfrm>
+            <a:off x="913795" y="391886"/>
+            <a:ext cx="10353762" cy="970450"/>
+          </a:xfrm>
+        </p:spPr>
+        <p:txBody>
+          <a:bodyPr/>
+          <a:lstStyle/>
+          <a:p>
+            <a:r>
+              <a:rPr lang="fr-FR" b="1" dirty="0">
+                <a:solidFill>
+                  <a:schemeClr val="tx1"/>
+                </a:solidFill>
+              </a:rPr>
+              <a:t>The narrative structure</a:t>
+            </a:r>
+          </a:p>
+        </p:txBody>
+      </p:sp>
+      <p:sp>
+        <p:nvSpPr>
+          <p:cNvPr id="3" name="Espace réservé du contenu 2">
+            <a:extLst>
+              <a:ext uri="{FF2B5EF4-FFF2-40B4-BE49-F238E27FC236}">
+                <a16:creationId xmlns:a16="http://schemas.microsoft.com/office/drawing/2014/main" id="{6F9083BD-361B-4DB1-971E-7198CCDB94A0}"/>
+              </a:ext>
+            </a:extLst>
+          </p:cNvPr>
+          <p:cNvSpPr>
+            <a:spLocks noGrp="1"/>
+          </p:cNvSpPr>
+          <p:nvPr>
+            <p:ph sz="half" idx="1"/>
+          </p:nvPr>
+        </p:nvSpPr>
+        <p:spPr>
+          <a:xfrm>
+            <a:off x="913795" y="1732448"/>
+            <a:ext cx="10146091" cy="4363551"/>
+          </a:xfrm>
+        </p:spPr>
+        <p:txBody>
+          <a:bodyPr>
+            <a:normAutofit/>
+          </a:bodyPr>
+          <a:lstStyle/>
+          <a:p>
+            <a:pPr marL="342900" lvl="0" indent="-342900">
+              <a:lnSpc>
+                <a:spcPct val="107000"/>
+              </a:lnSpc>
+              <a:spcAft>
+                <a:spcPts val="800"/>
+              </a:spcAft>
+              <a:buFont typeface="Courier New" panose="02070309020205020404" pitchFamily="49" charset="0"/>
+              <a:buChar char="o"/>
+              <a:tabLst>
+                <a:tab pos="630555" algn="l"/>
+              </a:tabLst>
+            </a:pPr>
+            <a:r>
+              <a:rPr lang="en-US" b="1" dirty="0">
+                <a:solidFill>
+                  <a:schemeClr val="tx1"/>
+                </a:solidFill>
+                <a:effectLst/>
+                <a:ea typeface="Calibri" panose="020F0502020204030204" pitchFamily="34" charset="0"/>
+                <a:cs typeface="Times New Roman" panose="02020603050405020304" pitchFamily="18" charset="0"/>
+              </a:rPr>
+              <a:t>Exposition:</a:t>
+            </a:r>
+            <a:r>
+              <a:rPr lang="en-US" dirty="0">
+                <a:solidFill>
+                  <a:schemeClr val="tx1"/>
+                </a:solidFill>
+                <a:effectLst/>
+                <a:ea typeface="Calibri" panose="020F0502020204030204" pitchFamily="34" charset="0"/>
+                <a:cs typeface="Times New Roman" panose="02020603050405020304" pitchFamily="18" charset="0"/>
+              </a:rPr>
+              <a:t> We follow the story of Jane Eyre, a 10-year-old child who lives at Mrs. Reed’s house, her aunt who treats her badly.</a:t>
+            </a:r>
+            <a:endParaRPr lang="fr-FR" dirty="0">
+              <a:solidFill>
+                <a:schemeClr val="tx1"/>
+              </a:solidFill>
+              <a:effectLst/>
+              <a:ea typeface="Calibri" panose="020F0502020204030204" pitchFamily="34" charset="0"/>
+              <a:cs typeface="Times New Roman" panose="02020603050405020304" pitchFamily="18" charset="0"/>
+            </a:endParaRPr>
+          </a:p>
+          <a:p>
+            <a:pPr marL="342900" lvl="0" indent="-342900">
+              <a:lnSpc>
+                <a:spcPct val="107000"/>
+              </a:lnSpc>
+              <a:spcAft>
+                <a:spcPts val="800"/>
+              </a:spcAft>
+              <a:buFont typeface="Courier New" panose="02070309020205020404" pitchFamily="49" charset="0"/>
+              <a:buChar char="o"/>
+              <a:tabLst>
+                <a:tab pos="630555" algn="l"/>
+              </a:tabLst>
+            </a:pPr>
+            <a:r>
+              <a:rPr lang="en-GB" b="1" dirty="0">
+                <a:solidFill>
+                  <a:schemeClr val="tx1"/>
+                </a:solidFill>
+                <a:effectLst/>
+                <a:ea typeface="Calibri" panose="020F0502020204030204" pitchFamily="34" charset="0"/>
+                <a:cs typeface="Times New Roman" panose="02020603050405020304" pitchFamily="18" charset="0"/>
+              </a:rPr>
+              <a:t>Rising action:</a:t>
+            </a:r>
+            <a:r>
+              <a:rPr lang="en-GB" dirty="0">
+                <a:solidFill>
+                  <a:schemeClr val="tx1"/>
+                </a:solidFill>
+                <a:effectLst/>
+                <a:ea typeface="Calibri" panose="020F0502020204030204" pitchFamily="34" charset="0"/>
+                <a:cs typeface="Times New Roman" panose="02020603050405020304" pitchFamily="18" charset="0"/>
+              </a:rPr>
+              <a:t> Jane arrives in a boarding school, Lowood. After a long time, she becomes teacher in this place. Then, she goes and continues to be teacher but at Mr. Rochester’s house, where she meets him and falls in love. But he wants to marry Mrs. Ingram. Finally, it was a test for Jane and he admits his feelings and demand her in marriage.</a:t>
+            </a:r>
+            <a:endParaRPr lang="fr-FR" dirty="0">
+              <a:solidFill>
+                <a:schemeClr val="tx1"/>
+              </a:solidFill>
+              <a:effectLst/>
+              <a:ea typeface="Calibri" panose="020F0502020204030204" pitchFamily="34" charset="0"/>
+              <a:cs typeface="Times New Roman" panose="02020603050405020304" pitchFamily="18" charset="0"/>
+            </a:endParaRPr>
+          </a:p>
+          <a:p>
+            <a:pPr marL="342900" lvl="0" indent="-342900">
+              <a:lnSpc>
+                <a:spcPct val="107000"/>
+              </a:lnSpc>
+              <a:spcAft>
+                <a:spcPts val="800"/>
+              </a:spcAft>
+              <a:buFont typeface="Courier New" panose="02070309020205020404" pitchFamily="49" charset="0"/>
+              <a:buChar char="o"/>
+              <a:tabLst>
+                <a:tab pos="630555" algn="l"/>
+              </a:tabLst>
+            </a:pPr>
+            <a:r>
+              <a:rPr lang="en-GB" b="1" dirty="0">
+                <a:solidFill>
+                  <a:schemeClr val="tx1"/>
+                </a:solidFill>
+                <a:effectLst/>
+                <a:ea typeface="Calibri" panose="020F0502020204030204" pitchFamily="34" charset="0"/>
+                <a:cs typeface="Times New Roman" panose="02020603050405020304" pitchFamily="18" charset="0"/>
+              </a:rPr>
+              <a:t>Climax: </a:t>
+            </a:r>
+            <a:r>
+              <a:rPr lang="en-GB" dirty="0">
+                <a:solidFill>
+                  <a:schemeClr val="tx1"/>
+                </a:solidFill>
+                <a:effectLst/>
+                <a:ea typeface="Calibri" panose="020F0502020204030204" pitchFamily="34" charset="0"/>
+                <a:cs typeface="Times New Roman" panose="02020603050405020304" pitchFamily="18" charset="0"/>
+              </a:rPr>
+              <a:t>We learn at the marriage of Jane that Mr. Rochester has already a wife! </a:t>
+            </a:r>
+            <a:endParaRPr lang="fr-FR" dirty="0">
+              <a:solidFill>
+                <a:schemeClr val="tx1"/>
+              </a:solidFill>
+              <a:effectLst/>
+              <a:ea typeface="Calibri" panose="020F0502020204030204" pitchFamily="34" charset="0"/>
+              <a:cs typeface="Times New Roman" panose="02020603050405020304" pitchFamily="18" charset="0"/>
+            </a:endParaRPr>
+          </a:p>
+          <a:p>
+            <a:pPr marL="342900" lvl="0" indent="-342900">
+              <a:lnSpc>
+                <a:spcPct val="107000"/>
+              </a:lnSpc>
+              <a:spcAft>
+                <a:spcPts val="800"/>
+              </a:spcAft>
+              <a:buFont typeface="Courier New" panose="02070309020205020404" pitchFamily="49" charset="0"/>
+              <a:buChar char="o"/>
+              <a:tabLst>
+                <a:tab pos="630555" algn="l"/>
+              </a:tabLst>
+            </a:pPr>
+            <a:r>
+              <a:rPr lang="en-GB" b="1" dirty="0">
+                <a:solidFill>
+                  <a:schemeClr val="tx1"/>
+                </a:solidFill>
+                <a:effectLst/>
+                <a:ea typeface="Calibri" panose="020F0502020204030204" pitchFamily="34" charset="0"/>
+                <a:cs typeface="Times New Roman" panose="02020603050405020304" pitchFamily="18" charset="0"/>
+              </a:rPr>
+              <a:t>Falling action: </a:t>
+            </a:r>
+            <a:r>
+              <a:rPr lang="en-GB" dirty="0">
+                <a:solidFill>
+                  <a:schemeClr val="tx1"/>
+                </a:solidFill>
+                <a:effectLst/>
+                <a:ea typeface="Calibri" panose="020F0502020204030204" pitchFamily="34" charset="0"/>
+                <a:cs typeface="Times New Roman" panose="02020603050405020304" pitchFamily="18" charset="0"/>
+              </a:rPr>
+              <a:t>Jane decides to go away.</a:t>
+            </a:r>
+            <a:endParaRPr lang="fr-FR" dirty="0">
+              <a:solidFill>
+                <a:schemeClr val="tx1"/>
+              </a:solidFill>
+              <a:effectLst/>
+              <a:ea typeface="Calibri" panose="020F0502020204030204" pitchFamily="34" charset="0"/>
+              <a:cs typeface="Times New Roman" panose="02020603050405020304" pitchFamily="18" charset="0"/>
+            </a:endParaRPr>
+          </a:p>
+          <a:p>
+            <a:pPr marL="342900" lvl="0" indent="-342900">
+              <a:lnSpc>
+                <a:spcPct val="107000"/>
+              </a:lnSpc>
+              <a:spcAft>
+                <a:spcPts val="800"/>
+              </a:spcAft>
+              <a:buFont typeface="Courier New" panose="02070309020205020404" pitchFamily="49" charset="0"/>
+              <a:buChar char="o"/>
+              <a:tabLst>
+                <a:tab pos="630555" algn="l"/>
+              </a:tabLst>
+            </a:pPr>
+            <a:r>
+              <a:rPr lang="en-GB" b="1" dirty="0">
+                <a:solidFill>
+                  <a:schemeClr val="tx1"/>
+                </a:solidFill>
+                <a:effectLst/>
+                <a:ea typeface="Calibri" panose="020F0502020204030204" pitchFamily="34" charset="0"/>
+                <a:cs typeface="Times New Roman" panose="02020603050405020304" pitchFamily="18" charset="0"/>
+              </a:rPr>
+              <a:t>Resolution: </a:t>
+            </a:r>
+            <a:r>
+              <a:rPr lang="en-GB" dirty="0">
+                <a:solidFill>
+                  <a:schemeClr val="tx1"/>
+                </a:solidFill>
+                <a:effectLst/>
+                <a:ea typeface="Calibri" panose="020F0502020204030204" pitchFamily="34" charset="0"/>
+                <a:cs typeface="Times New Roman" panose="02020603050405020304" pitchFamily="18" charset="0"/>
+              </a:rPr>
+              <a:t>Finally, Jane goes back and finds Mr. Rochester. They decided to get married, and they have a happy ending together.</a:t>
+            </a:r>
+            <a:endParaRPr lang="fr-FR" dirty="0">
+              <a:solidFill>
+                <a:schemeClr val="tx1"/>
+              </a:solidFill>
+              <a:effectLst/>
+              <a:ea typeface="Calibri" panose="020F0502020204030204" pitchFamily="34" charset="0"/>
+              <a:cs typeface="Times New Roman" panose="02020603050405020304" pitchFamily="18" charset="0"/>
+            </a:endParaRPr>
+          </a:p>
+          <a:p>
+            <a:endParaRPr lang="fr-FR" dirty="0"/>
+          </a:p>
+        </p:txBody>
+      </p:sp>
+    </p:spTree>
+    <p:extLst>
+      <p:ext uri="{BB962C8B-B14F-4D97-AF65-F5344CB8AC3E}">
+        <p14:creationId xmlns:p14="http://schemas.microsoft.com/office/powerpoint/2010/main" val="1490038059"/>
+      </p:ext>
+    </p:extLst>
+  </p:cSld>
+  <p:clrMapOvr>
+    <a:masterClrMapping/>
+  </p:clrMapOvr>
+</p:sld>
+</file>
+
+<file path=ppt/slides/slide7.xml><?xml version="1.0" encoding="utf-8"?>
+<p:sld xmlns:a="http://schemas.openxmlformats.org/drawingml/2006/main" xmlns:r="http://schemas.openxmlformats.org/officeDocument/2006/relationships" xmlns:p="http://schemas.openxmlformats.org/presentationml/2006/main">
+  <p:cSld>
+    <p:spTree>
+      <p:nvGrpSpPr>
+        <p:cNvPr id="1" name=""/>
+        <p:cNvGrpSpPr/>
+        <p:nvPr/>
+      </p:nvGrpSpPr>
+      <p:grpSpPr>
+        <a:xfrm>
+          <a:off x="0" y="0"/>
+          <a:ext cx="0" cy="0"/>
+          <a:chOff x="0" y="0"/>
+          <a:chExt cx="0" cy="0"/>
+        </a:xfrm>
+      </p:grpSpPr>
+      <p:sp>
+        <p:nvSpPr>
+          <p:cNvPr id="2" name="Titre 1">
+            <a:extLst>
+              <a:ext uri="{FF2B5EF4-FFF2-40B4-BE49-F238E27FC236}">
+                <a16:creationId xmlns:a16="http://schemas.microsoft.com/office/drawing/2014/main" id="{3A8B61AE-3246-4020-8B9B-B63A180B0E08}"/>
+              </a:ext>
+            </a:extLst>
+          </p:cNvPr>
+          <p:cNvSpPr>
+            <a:spLocks noGrp="1"/>
+          </p:cNvSpPr>
+          <p:nvPr>
+            <p:ph type="title"/>
+          </p:nvPr>
+        </p:nvSpPr>
+        <p:spPr>
+          <a:xfrm>
+            <a:off x="913795" y="509392"/>
+            <a:ext cx="10353762" cy="970450"/>
+          </a:xfrm>
+        </p:spPr>
+        <p:txBody>
+          <a:bodyPr/>
+          <a:lstStyle/>
+          <a:p>
+            <a:r>
+              <a:rPr lang="en-US" b="1" dirty="0">
+                <a:solidFill>
+                  <a:schemeClr val="tx1"/>
+                </a:solidFill>
+              </a:rPr>
+              <a:t>The type of narrator</a:t>
+            </a:r>
+          </a:p>
+        </p:txBody>
+      </p:sp>
+      <p:pic>
+        <p:nvPicPr>
+          <p:cNvPr id="6" name="Espace réservé du contenu 5" descr="Une image contenant texte, habits, posant&#10;&#10;Description générée automatiquement">
+            <a:extLst>
+              <a:ext uri="{FF2B5EF4-FFF2-40B4-BE49-F238E27FC236}">
+                <a16:creationId xmlns:a16="http://schemas.microsoft.com/office/drawing/2014/main" id="{E976161B-9CDA-4788-8DBB-4061F0C0F740}"/>
+              </a:ext>
+            </a:extLst>
+          </p:cNvPr>
+          <p:cNvPicPr>
+            <a:picLocks noGrp="1" noChangeAspect="1"/>
+          </p:cNvPicPr>
+          <p:nvPr>
+            <p:ph sz="half" idx="1"/>
+          </p:nvPr>
+        </p:nvPicPr>
+        <p:blipFill rotWithShape="1">
+          <a:blip r:embed="rId2">
+            <a:extLst>
+              <a:ext uri="{28A0092B-C50C-407E-A947-70E740481C1C}">
+                <a14:useLocalDpi xmlns:a14="http://schemas.microsoft.com/office/drawing/2010/main" val="0"/>
+              </a:ext>
+            </a:extLst>
+          </a:blip>
+          <a:srcRect l="1865" r="1680"/>
+          <a:stretch/>
+        </p:blipFill>
+        <p:spPr>
+          <a:xfrm>
+            <a:off x="325677" y="1845184"/>
+            <a:ext cx="4885150" cy="3798498"/>
+          </a:xfrm>
+        </p:spPr>
+      </p:pic>
+      <p:sp>
+        <p:nvSpPr>
+          <p:cNvPr id="4" name="Espace réservé du contenu 3">
+            <a:extLst>
+              <a:ext uri="{FF2B5EF4-FFF2-40B4-BE49-F238E27FC236}">
+                <a16:creationId xmlns:a16="http://schemas.microsoft.com/office/drawing/2014/main" id="{3EE08F52-65D8-4020-8863-F5466B522731}"/>
+              </a:ext>
+            </a:extLst>
+          </p:cNvPr>
+          <p:cNvSpPr>
+            <a:spLocks noGrp="1"/>
+          </p:cNvSpPr>
+          <p:nvPr>
+            <p:ph sz="half" idx="2"/>
+          </p:nvPr>
+        </p:nvSpPr>
+        <p:spPr>
+          <a:xfrm>
+            <a:off x="6202892" y="1826219"/>
+            <a:ext cx="5064665" cy="705951"/>
+          </a:xfrm>
+        </p:spPr>
+        <p:txBody>
+          <a:bodyPr>
+            <a:normAutofit/>
+          </a:bodyPr>
+          <a:lstStyle/>
+          <a:p>
+            <a:r>
+              <a:rPr lang="en-US" sz="3200" u="sng" dirty="0">
+                <a:solidFill>
+                  <a:schemeClr val="tx1"/>
+                </a:solidFill>
+              </a:rPr>
+              <a:t>A first person narrator</a:t>
+            </a:r>
+          </a:p>
+        </p:txBody>
+      </p:sp>
+      <p:sp>
+        <p:nvSpPr>
+          <p:cNvPr id="8" name="Espace réservé du contenu 3">
+            <a:extLst>
+              <a:ext uri="{FF2B5EF4-FFF2-40B4-BE49-F238E27FC236}">
+                <a16:creationId xmlns:a16="http://schemas.microsoft.com/office/drawing/2014/main" id="{AF159DA4-DC30-4D38-897C-FBA3A9C87105}"/>
               </a:ext>
             </a:extLst>
           </p:cNvPr>
@@ -6891,8 +8545,8 @@
         </p:nvSpPr>
         <p:spPr>
           <a:xfrm>
-            <a:off x="6934200" y="1731348"/>
-            <a:ext cx="4704743" cy="2210901"/>
+            <a:off x="6202892" y="2778339"/>
+            <a:ext cx="5064665" cy="2714842"/>
           </a:xfrm>
           <a:prstGeom prst="rect">
             <a:avLst/>
@@ -6907,7 +8561,7 @@
         </p:spPr>
         <p:txBody>
           <a:bodyPr vert="horz" lIns="91440" tIns="45720" rIns="91440" bIns="45720" rtlCol="0" anchor="t">
-            <a:noAutofit/>
+            <a:normAutofit lnSpcReduction="10000"/>
           </a:bodyPr>
           <a:lstStyle>
             <a:lvl1pPr marL="342900" indent="-306000" algn="l" defTabSz="457200" rtl="0" eaLnBrk="1" latinLnBrk="0" hangingPunct="1">
@@ -7255,20 +8909,158 @@
           </a:lstStyle>
           <a:p>
             <a:r>
-              <a:rPr lang="en-US" sz="2400" dirty="0">
+              <a:rPr lang="en-US" sz="3200" u="sng" dirty="0">
+                <a:solidFill>
+                  <a:schemeClr val="tx1"/>
+                </a:solidFill>
+              </a:rPr>
+              <a:t>The effect on the reader:</a:t>
+            </a:r>
+          </a:p>
+          <a:p>
+            <a:pPr lvl="1"/>
+            <a:r>
+              <a:rPr lang="en-US" sz="3200" dirty="0">
+                <a:solidFill>
+                  <a:schemeClr val="tx1"/>
+                </a:solidFill>
                 <a:effectLst/>
               </a:rPr>
-              <a:t>A few later, after a fit of temper, Jane is sent away to a charitable but austere institution, Lowood Asylum, where after some very unhappy years, she becomes a teacher.</a:t>
-            </a:r>
-          </a:p>
-        </p:txBody>
-      </p:sp>
-      <p:sp>
-        <p:nvSpPr>
-          <p:cNvPr id="9" name="Flèche : droite 8">
+              <a:t>We feel the same way than her</a:t>
+            </a:r>
+          </a:p>
+          <a:p>
+            <a:pPr lvl="1"/>
+            <a:r>
+              <a:rPr lang="en-US" sz="3200" dirty="0">
+                <a:solidFill>
+                  <a:schemeClr val="tx1"/>
+                </a:solidFill>
+                <a:effectLst/>
+              </a:rPr>
+              <a:t>We see the same things as her</a:t>
+            </a:r>
+          </a:p>
+        </p:txBody>
+      </p:sp>
+    </p:spTree>
+    <p:extLst>
+      <p:ext uri="{BB962C8B-B14F-4D97-AF65-F5344CB8AC3E}">
+        <p14:creationId xmlns:p14="http://schemas.microsoft.com/office/powerpoint/2010/main" val="3091971703"/>
+      </p:ext>
+    </p:extLst>
+  </p:cSld>
+  <p:clrMapOvr>
+    <a:masterClrMapping/>
+  </p:clrMapOvr>
+</p:sld>
+</file>
+
+<file path=ppt/slides/slide8.xml><?xml version="1.0" encoding="utf-8"?>
+<p:sld xmlns:a="http://schemas.openxmlformats.org/drawingml/2006/main" xmlns:r="http://schemas.openxmlformats.org/officeDocument/2006/relationships" xmlns:p="http://schemas.openxmlformats.org/presentationml/2006/main">
+  <p:cSld>
+    <p:spTree>
+      <p:nvGrpSpPr>
+        <p:cNvPr id="1" name=""/>
+        <p:cNvGrpSpPr/>
+        <p:nvPr/>
+      </p:nvGrpSpPr>
+      <p:grpSpPr>
+        <a:xfrm>
+          <a:off x="0" y="0"/>
+          <a:ext cx="0" cy="0"/>
+          <a:chOff x="0" y="0"/>
+          <a:chExt cx="0" cy="0"/>
+        </a:xfrm>
+      </p:grpSpPr>
+      <p:sp>
+        <p:nvSpPr>
+          <p:cNvPr id="2" name="Titre 1">
             <a:extLst>
               <a:ext uri="{FF2B5EF4-FFF2-40B4-BE49-F238E27FC236}">
-                <a16:creationId xmlns:a16="http://schemas.microsoft.com/office/drawing/2014/main" id="{8134287F-C618-4AB6-9864-A212483ADD8E}"/>
+                <a16:creationId xmlns:a16="http://schemas.microsoft.com/office/drawing/2014/main" id="{9CDF9F86-401B-4EC3-B9AD-BBFF00FF06AD}"/>
+              </a:ext>
+            </a:extLst>
+          </p:cNvPr>
+          <p:cNvSpPr>
+            <a:spLocks noGrp="1"/>
+          </p:cNvSpPr>
+          <p:nvPr>
+            <p:ph type="title"/>
+          </p:nvPr>
+        </p:nvSpPr>
+        <p:spPr>
+          <a:xfrm>
+            <a:off x="913795" y="171999"/>
+            <a:ext cx="10353762" cy="970450"/>
+          </a:xfrm>
+        </p:spPr>
+        <p:txBody>
+          <a:bodyPr/>
+          <a:lstStyle/>
+          <a:p>
+            <a:r>
+              <a:rPr lang="fr-FR" b="1" dirty="0">
+                <a:solidFill>
+                  <a:schemeClr val="tx1"/>
+                </a:solidFill>
+              </a:rPr>
+              <a:t>The plot</a:t>
+            </a:r>
+            <a:endParaRPr lang="en-US" b="1" dirty="0">
+              <a:solidFill>
+                <a:schemeClr val="tx1"/>
+              </a:solidFill>
+            </a:endParaRPr>
+          </a:p>
+        </p:txBody>
+      </p:sp>
+      <p:sp>
+        <p:nvSpPr>
+          <p:cNvPr id="3" name="Espace réservé du contenu 2">
+            <a:extLst>
+              <a:ext uri="{FF2B5EF4-FFF2-40B4-BE49-F238E27FC236}">
+                <a16:creationId xmlns:a16="http://schemas.microsoft.com/office/drawing/2014/main" id="{13577A6C-D1B1-42EB-ADBC-C282B856AF3F}"/>
+              </a:ext>
+            </a:extLst>
+          </p:cNvPr>
+          <p:cNvSpPr>
+            <a:spLocks noGrp="1"/>
+          </p:cNvSpPr>
+          <p:nvPr>
+            <p:ph idx="1"/>
+          </p:nvPr>
+        </p:nvSpPr>
+        <p:spPr>
+          <a:xfrm>
+            <a:off x="913795" y="1218098"/>
+            <a:ext cx="3829655" cy="2382351"/>
+          </a:xfrm>
+        </p:spPr>
+        <p:txBody>
+          <a:bodyPr>
+            <a:normAutofit/>
+          </a:bodyPr>
+          <a:lstStyle/>
+          <a:p>
+            <a:r>
+              <a:rPr lang="en-US" sz="2400" dirty="0">
+                <a:solidFill>
+                  <a:schemeClr val="tx1"/>
+                </a:solidFill>
+                <a:effectLst/>
+              </a:rPr>
+              <a:t>Jane Eyre, the heroine, is penniless orphan left to the care of the horrible Mrs. Reed, a wealthy aunt of hers who bully her.</a:t>
+            </a:r>
+          </a:p>
+        </p:txBody>
+      </p:sp>
+      <p:sp>
+        <p:nvSpPr>
+          <p:cNvPr id="5" name="Flèche : droite 4">
+            <a:extLst>
+              <a:ext uri="{FF2B5EF4-FFF2-40B4-BE49-F238E27FC236}">
+                <a16:creationId xmlns:a16="http://schemas.microsoft.com/office/drawing/2014/main" id="{5330AB38-DC65-4B57-B3C2-25FF94DD7503}"/>
               </a:ext>
             </a:extLst>
           </p:cNvPr>
@@ -7276,9 +9068,9 @@
           <p:nvPr/>
         </p:nvSpPr>
         <p:spPr>
-          <a:xfrm rot="5400000">
-            <a:off x="8691532" y="3804536"/>
-            <a:ext cx="1190077" cy="933204"/>
+          <a:xfrm>
+            <a:off x="4776561" y="1711240"/>
+            <a:ext cx="2190750" cy="970450"/>
           </a:xfrm>
           <a:prstGeom prst="rightArrow">
             <a:avLst/>
@@ -7311,10 +9103,10 @@
       </p:sp>
       <p:sp>
         <p:nvSpPr>
-          <p:cNvPr id="13" name="Espace réservé du contenu 2">
+          <p:cNvPr id="7" name="Espace réservé du contenu 2">
             <a:extLst>
               <a:ext uri="{FF2B5EF4-FFF2-40B4-BE49-F238E27FC236}">
-                <a16:creationId xmlns:a16="http://schemas.microsoft.com/office/drawing/2014/main" id="{5C71ABC5-EB2D-44B6-A19B-B3E39AE79A82}"/>
+                <a16:creationId xmlns:a16="http://schemas.microsoft.com/office/drawing/2014/main" id="{A0C49DD7-C936-47E9-8538-83EA2A6E6F26}"/>
               </a:ext>
             </a:extLst>
           </p:cNvPr>
@@ -7325,8 +9117,8 @@
         </p:nvSpPr>
         <p:spPr>
           <a:xfrm>
-            <a:off x="6980457" y="4866174"/>
-            <a:ext cx="4392148" cy="1847846"/>
+            <a:off x="6934197" y="1158214"/>
+            <a:ext cx="4704743" cy="2210901"/>
           </a:xfrm>
           <a:prstGeom prst="rect">
             <a:avLst/>
@@ -7341,7 +9133,7 @@
         </p:spPr>
         <p:txBody>
           <a:bodyPr vert="horz" lIns="91440" tIns="45720" rIns="91440" bIns="45720" rtlCol="0" anchor="t">
-            <a:normAutofit lnSpcReduction="10000"/>
+            <a:noAutofit/>
           </a:bodyPr>
           <a:lstStyle>
             <a:lvl1pPr marL="342900" indent="-306000" algn="l" defTabSz="457200" rtl="0" eaLnBrk="1" latinLnBrk="0" hangingPunct="1">
@@ -7690,22 +9482,22 @@
           <a:p>
             <a:r>
               <a:rPr lang="en-US" sz="2400" dirty="0">
+                <a:solidFill>
+                  <a:schemeClr val="tx1"/>
+                </a:solidFill>
                 <a:effectLst/>
               </a:rPr>
-              <a:t>She later becomes a governess at Thornfield Hall, the mysterious home of her pupil’s father, the romantic Mr. Rochester.</a:t>
-            </a:r>
-            <a:endParaRPr lang="en-US" sz="2800" dirty="0">
-              <a:effectLst/>
-            </a:endParaRPr>
-          </a:p>
-        </p:txBody>
-      </p:sp>
-      <p:sp>
-        <p:nvSpPr>
-          <p:cNvPr id="14" name="Flèche : droite 13">
+              <a:t>A few later, after a fit of temper, Jane is sent away to a charitable but austere institution, Lowood Asylum, where after some very unhappy years, she becomes a teacher.</a:t>
+            </a:r>
+          </a:p>
+        </p:txBody>
+      </p:sp>
+      <p:sp>
+        <p:nvSpPr>
+          <p:cNvPr id="9" name="Flèche : droite 8">
             <a:extLst>
               <a:ext uri="{FF2B5EF4-FFF2-40B4-BE49-F238E27FC236}">
-                <a16:creationId xmlns:a16="http://schemas.microsoft.com/office/drawing/2014/main" id="{EFDAA87D-D551-43AA-9DC6-5A02ABCFD456}"/>
+                <a16:creationId xmlns:a16="http://schemas.microsoft.com/office/drawing/2014/main" id="{8134287F-C618-4AB6-9864-A212483ADD8E}"/>
               </a:ext>
             </a:extLst>
           </p:cNvPr>
@@ -7713,9 +9505,9 @@
           <p:nvPr/>
         </p:nvSpPr>
         <p:spPr>
-          <a:xfrm rot="10800000">
-            <a:off x="4743450" y="5277950"/>
-            <a:ext cx="2190750" cy="970450"/>
+          <a:xfrm rot="5400000">
+            <a:off x="8691529" y="3372489"/>
+            <a:ext cx="1190077" cy="933204"/>
           </a:xfrm>
           <a:prstGeom prst="rightArrow">
             <a:avLst/>
@@ -7748,10 +9540,10 @@
       </p:sp>
       <p:sp>
         <p:nvSpPr>
-          <p:cNvPr id="15" name="Espace réservé du contenu 2">
+          <p:cNvPr id="13" name="Espace réservé du contenu 2">
             <a:extLst>
               <a:ext uri="{FF2B5EF4-FFF2-40B4-BE49-F238E27FC236}">
-                <a16:creationId xmlns:a16="http://schemas.microsoft.com/office/drawing/2014/main" id="{E83D4BB9-40CA-4DF8-AE40-1D02D961E40D}"/>
+                <a16:creationId xmlns:a16="http://schemas.microsoft.com/office/drawing/2014/main" id="{5C71ABC5-EB2D-44B6-A19B-B3E39AE79A82}"/>
               </a:ext>
             </a:extLst>
           </p:cNvPr>
@@ -7762,7 +9554,7 @@
         </p:nvSpPr>
         <p:spPr>
           <a:xfrm>
-            <a:off x="509116" y="4866174"/>
+            <a:off x="7090496" y="4690525"/>
             <a:ext cx="4392148" cy="1847846"/>
           </a:xfrm>
           <a:prstGeom prst="rect">
@@ -7778,7 +9570,7 @@
         </p:spPr>
         <p:txBody>
           <a:bodyPr vert="horz" lIns="91440" tIns="45720" rIns="91440" bIns="45720" rtlCol="0" anchor="t">
-            <a:normAutofit fontScale="92500" lnSpcReduction="20000"/>
+            <a:normAutofit lnSpcReduction="10000"/>
           </a:bodyPr>
           <a:lstStyle>
             <a:lvl1pPr marL="342900" indent="-306000" algn="l" defTabSz="457200" rtl="0" eaLnBrk="1" latinLnBrk="0" hangingPunct="1">
@@ -8126,243 +9918,75 @@
           </a:lstStyle>
           <a:p>
             <a:r>
-              <a:rPr lang="en-US" sz="2800" dirty="0">
+              <a:rPr lang="en-US" sz="2400" dirty="0">
+                <a:solidFill>
+                  <a:schemeClr val="tx1"/>
+                </a:solidFill>
                 <a:effectLst/>
               </a:rPr>
-              <a:t>They fall in love and plan to marry but on the day of their wedding it is reveal that Mr. Rochester already has a wife.</a:t>
-            </a:r>
-            <a:endParaRPr lang="en-US" sz="3200" dirty="0">
+              <a:t>She later becomes a governess at Thornfield Hall, the mysterious home of her pupil’s father, the romantic Mr. Rochester.</a:t>
+            </a:r>
+            <a:endParaRPr lang="en-US" sz="2800" dirty="0">
+              <a:solidFill>
+                <a:schemeClr val="tx1"/>
+              </a:solidFill>
               <a:effectLst/>
             </a:endParaRPr>
           </a:p>
         </p:txBody>
       </p:sp>
-    </p:spTree>
-    <p:extLst>
-      <p:ext uri="{BB962C8B-B14F-4D97-AF65-F5344CB8AC3E}">
-        <p14:creationId xmlns:p14="http://schemas.microsoft.com/office/powerpoint/2010/main" val="616635924"/>
-      </p:ext>
-    </p:extLst>
-  </p:cSld>
-  <p:clrMapOvr>
-    <a:masterClrMapping/>
-  </p:clrMapOvr>
-</p:sld>
-</file>
-
-<file path=ppt/slides/slide4.xml><?xml version="1.0" encoding="utf-8"?>
-<p:sld xmlns:a="http://schemas.openxmlformats.org/drawingml/2006/main" xmlns:r="http://schemas.openxmlformats.org/officeDocument/2006/relationships" xmlns:p="http://schemas.openxmlformats.org/presentationml/2006/main">
-  <p:cSld>
-    <p:spTree>
-      <p:nvGrpSpPr>
-        <p:cNvPr id="1" name=""/>
-        <p:cNvGrpSpPr/>
-        <p:nvPr/>
-      </p:nvGrpSpPr>
-      <p:grpSpPr>
-        <a:xfrm>
-          <a:off x="0" y="0"/>
-          <a:ext cx="0" cy="0"/>
-          <a:chOff x="0" y="0"/>
-          <a:chExt cx="0" cy="0"/>
-        </a:xfrm>
-      </p:grpSpPr>
-      <p:sp>
-        <p:nvSpPr>
-          <p:cNvPr id="2" name="Titre 1">
+      <p:sp>
+        <p:nvSpPr>
+          <p:cNvPr id="14" name="Flèche : droite 13">
             <a:extLst>
               <a:ext uri="{FF2B5EF4-FFF2-40B4-BE49-F238E27FC236}">
-                <a16:creationId xmlns:a16="http://schemas.microsoft.com/office/drawing/2014/main" id="{F701BF67-12B0-4537-8EB2-2C3288BCC442}"/>
+                <a16:creationId xmlns:a16="http://schemas.microsoft.com/office/drawing/2014/main" id="{EFDAA87D-D551-43AA-9DC6-5A02ABCFD456}"/>
               </a:ext>
             </a:extLst>
           </p:cNvPr>
-          <p:cNvSpPr>
-            <a:spLocks noGrp="1"/>
-          </p:cNvSpPr>
-          <p:nvPr>
-            <p:ph type="title"/>
-          </p:nvPr>
-        </p:nvSpPr>
-        <p:spPr/>
-        <p:txBody>
-          <a:bodyPr/>
+          <p:cNvSpPr/>
+          <p:nvPr/>
+        </p:nvSpPr>
+        <p:spPr>
+          <a:xfrm rot="10800000">
+            <a:off x="4776561" y="5068374"/>
+            <a:ext cx="2190750" cy="970450"/>
+          </a:xfrm>
+          <a:prstGeom prst="rightArrow">
+            <a:avLst/>
+          </a:prstGeom>
+        </p:spPr>
+        <p:style>
+          <a:lnRef idx="2">
+            <a:schemeClr val="accent1">
+              <a:shade val="50000"/>
+            </a:schemeClr>
+          </a:lnRef>
+          <a:fillRef idx="1">
+            <a:schemeClr val="accent1"/>
+          </a:fillRef>
+          <a:effectRef idx="0">
+            <a:schemeClr val="accent1"/>
+          </a:effectRef>
+          <a:fontRef idx="minor">
+            <a:schemeClr val="lt1"/>
+          </a:fontRef>
+        </p:style>
+        <p:txBody>
+          <a:bodyPr rtlCol="0" anchor="ctr"/>
           <a:lstStyle/>
           <a:p>
-            <a:r>
-              <a:rPr lang="en-US" dirty="0"/>
-              <a:t>The parallels</a:t>
-            </a:r>
-          </a:p>
-        </p:txBody>
-      </p:sp>
-      <p:sp>
-        <p:nvSpPr>
-          <p:cNvPr id="3" name="Espace réservé du contenu 2">
+            <a:pPr algn="ctr"/>
+            <a:endParaRPr lang="en-US"/>
+          </a:p>
+        </p:txBody>
+      </p:sp>
+      <p:sp>
+        <p:nvSpPr>
+          <p:cNvPr id="15" name="Espace réservé du contenu 2">
             <a:extLst>
               <a:ext uri="{FF2B5EF4-FFF2-40B4-BE49-F238E27FC236}">
-                <a16:creationId xmlns:a16="http://schemas.microsoft.com/office/drawing/2014/main" id="{65204EF3-8021-4657-A2DC-FDE42ACD5DB0}"/>
-              </a:ext>
-            </a:extLst>
-          </p:cNvPr>
-          <p:cNvSpPr>
-            <a:spLocks noGrp="1"/>
-          </p:cNvSpPr>
-          <p:nvPr>
-            <p:ph idx="1"/>
-          </p:nvPr>
-        </p:nvSpPr>
-        <p:spPr/>
-        <p:txBody>
-          <a:bodyPr/>
-          <a:lstStyle/>
-          <a:p>
-            <a:r>
-              <a:rPr lang="en-US" sz="2800" u="sng" dirty="0"/>
-              <a:t>The biography of Jane Eyre is similar to Charlotte Brontë’s one, due to the various parallels between Charlotte Brontë’s life, and the novel.</a:t>
-            </a:r>
-          </a:p>
-          <a:p>
-            <a:endParaRPr lang="en-US" dirty="0"/>
-          </a:p>
-          <a:p>
-            <a:r>
-              <a:rPr lang="en-US" sz="2800" u="sng" dirty="0"/>
-              <a:t>The effect on the reader:</a:t>
-            </a:r>
-          </a:p>
-          <a:p>
-            <a:pPr lvl="1"/>
-            <a:r>
-              <a:rPr lang="en-US" sz="2400" dirty="0"/>
-              <a:t>The reader could see Charlotte Brontë’s character, through Jane Eyre.</a:t>
-            </a:r>
-          </a:p>
-        </p:txBody>
-      </p:sp>
-    </p:spTree>
-    <p:extLst>
-      <p:ext uri="{BB962C8B-B14F-4D97-AF65-F5344CB8AC3E}">
-        <p14:creationId xmlns:p14="http://schemas.microsoft.com/office/powerpoint/2010/main" val="1557996987"/>
-      </p:ext>
-    </p:extLst>
-  </p:cSld>
-  <p:clrMapOvr>
-    <a:masterClrMapping/>
-  </p:clrMapOvr>
-</p:sld>
-</file>
-
-<file path=ppt/slides/slide5.xml><?xml version="1.0" encoding="utf-8"?>
-<p:sld xmlns:a="http://schemas.openxmlformats.org/drawingml/2006/main" xmlns:r="http://schemas.openxmlformats.org/officeDocument/2006/relationships" xmlns:p="http://schemas.openxmlformats.org/presentationml/2006/main">
-  <p:cSld>
-    <p:spTree>
-      <p:nvGrpSpPr>
-        <p:cNvPr id="1" name=""/>
-        <p:cNvGrpSpPr/>
-        <p:nvPr/>
-      </p:nvGrpSpPr>
-      <p:grpSpPr>
-        <a:xfrm>
-          <a:off x="0" y="0"/>
-          <a:ext cx="0" cy="0"/>
-          <a:chOff x="0" y="0"/>
-          <a:chExt cx="0" cy="0"/>
-        </a:xfrm>
-      </p:grpSpPr>
-      <p:sp>
-        <p:nvSpPr>
-          <p:cNvPr id="2" name="Titre 1">
-            <a:extLst>
-              <a:ext uri="{FF2B5EF4-FFF2-40B4-BE49-F238E27FC236}">
-                <a16:creationId xmlns:a16="http://schemas.microsoft.com/office/drawing/2014/main" id="{9EEC58E3-8D47-4237-B4DE-531F6A3E31EA}"/>
-              </a:ext>
-            </a:extLst>
-          </p:cNvPr>
-          <p:cNvSpPr>
-            <a:spLocks noGrp="1"/>
-          </p:cNvSpPr>
-          <p:nvPr>
-            <p:ph type="title"/>
-          </p:nvPr>
-        </p:nvSpPr>
-        <p:spPr/>
-        <p:txBody>
-          <a:bodyPr>
-            <a:normAutofit/>
-          </a:bodyPr>
-          <a:lstStyle/>
-          <a:p>
-            <a:r>
-              <a:rPr lang="en-US" dirty="0"/>
-              <a:t>The Victorian England</a:t>
-            </a:r>
-          </a:p>
-        </p:txBody>
-      </p:sp>
-      <p:sp>
-        <p:nvSpPr>
-          <p:cNvPr id="3" name="Espace réservé du contenu 2">
-            <a:extLst>
-              <a:ext uri="{FF2B5EF4-FFF2-40B4-BE49-F238E27FC236}">
-                <a16:creationId xmlns:a16="http://schemas.microsoft.com/office/drawing/2014/main" id="{4769B861-9B4D-4418-B3FB-19493C5AB7B6}"/>
-              </a:ext>
-            </a:extLst>
-          </p:cNvPr>
-          <p:cNvSpPr>
-            <a:spLocks noGrp="1"/>
-          </p:cNvSpPr>
-          <p:nvPr>
-            <p:ph idx="1"/>
-          </p:nvPr>
-        </p:nvSpPr>
-        <p:spPr>
-          <a:xfrm>
-            <a:off x="913795" y="1732449"/>
-            <a:ext cx="9487505" cy="1563201"/>
-          </a:xfrm>
-        </p:spPr>
-        <p:txBody>
-          <a:bodyPr>
-            <a:normAutofit fontScale="77500" lnSpcReduction="20000"/>
-          </a:bodyPr>
-          <a:lstStyle/>
-          <a:p>
-            <a:r>
-              <a:rPr lang="en-US" sz="3600" u="sng" dirty="0"/>
-              <a:t>The role of women</a:t>
-            </a:r>
-          </a:p>
-          <a:p>
-            <a:pPr lvl="1"/>
-            <a:r>
-              <a:rPr lang="en-US" sz="2800" dirty="0"/>
-              <a:t>Many women became maids.</a:t>
-            </a:r>
-          </a:p>
-          <a:p>
-            <a:pPr lvl="2"/>
-            <a:r>
-              <a:rPr lang="en-US" sz="2400" dirty="0"/>
-              <a:t>These maids were subdivided in various groups, including the governesses.</a:t>
-            </a:r>
-          </a:p>
-          <a:p>
-            <a:pPr marL="810000" lvl="2" indent="0">
-              <a:buNone/>
-            </a:pPr>
-            <a:r>
-              <a:rPr lang="en-US" dirty="0"/>
-              <a:t> </a:t>
-            </a:r>
-          </a:p>
-        </p:txBody>
-      </p:sp>
-      <p:sp>
-        <p:nvSpPr>
-          <p:cNvPr id="5" name="Espace réservé du contenu 2">
-            <a:extLst>
-              <a:ext uri="{FF2B5EF4-FFF2-40B4-BE49-F238E27FC236}">
-                <a16:creationId xmlns:a16="http://schemas.microsoft.com/office/drawing/2014/main" id="{538A16F4-A08D-4FF3-9E94-B94E3491DC9F}"/>
+                <a16:creationId xmlns:a16="http://schemas.microsoft.com/office/drawing/2014/main" id="{E83D4BB9-40CA-4DF8-AE40-1D02D961E40D}"/>
               </a:ext>
             </a:extLst>
           </p:cNvPr>
@@ -8373,8 +9997,8 @@
         </p:nvSpPr>
         <p:spPr>
           <a:xfrm>
-            <a:off x="913795" y="3295650"/>
-            <a:ext cx="10353762" cy="2953850"/>
+            <a:off x="440682" y="4753480"/>
+            <a:ext cx="4392148" cy="1847846"/>
           </a:xfrm>
           <a:prstGeom prst="rect">
             <a:avLst/>
@@ -8737,59 +10361,27 @@
           </a:lstStyle>
           <a:p>
             <a:r>
-              <a:rPr lang="en-US" sz="3600" u="sng" dirty="0"/>
-              <a:t>The governesses </a:t>
-            </a:r>
-          </a:p>
-          <a:p>
-            <a:pPr lvl="1"/>
-            <a:r>
-              <a:rPr lang="en-US" sz="2000" dirty="0"/>
-              <a:t>They are young women.</a:t>
-            </a:r>
-          </a:p>
-          <a:p>
-            <a:pPr lvl="1"/>
-            <a:r>
-              <a:rPr lang="en-US" sz="2000" dirty="0"/>
-              <a:t>They come from the mid-class.</a:t>
-            </a:r>
-          </a:p>
-          <a:p>
-            <a:pPr lvl="1"/>
-            <a:r>
-              <a:rPr lang="en-US" sz="2000" dirty="0"/>
-              <a:t>They are dressed properly, despite their backgrounds.</a:t>
-            </a:r>
-          </a:p>
-          <a:p>
-            <a:pPr lvl="1"/>
-            <a:r>
-              <a:rPr lang="en-US" sz="2000" dirty="0"/>
-              <a:t>Are like the handmaids in the </a:t>
-            </a:r>
-            <a:r>
-              <a:rPr lang="en-US" sz="2000" i="1" dirty="0"/>
-              <a:t>Handmaid’s Tale </a:t>
-            </a:r>
-            <a:r>
-              <a:rPr lang="en-US" sz="2000" dirty="0"/>
-              <a:t>: they cannot have children, and they go from a family to another.</a:t>
-            </a:r>
-          </a:p>
-          <a:p>
-            <a:pPr lvl="1"/>
-            <a:r>
-              <a:rPr lang="en-US" sz="2400" dirty="0"/>
-              <a:t>They made children do extra-work, such as learning languages (French, for instance).</a:t>
-            </a:r>
+              <a:rPr lang="en-US" sz="2800" dirty="0">
+                <a:solidFill>
+                  <a:schemeClr val="tx1"/>
+                </a:solidFill>
+                <a:effectLst/>
+              </a:rPr>
+              <a:t>They fall in love and plan to marry but on the day of their wedding it is reveal that Mr. Rochester already has a wife.</a:t>
+            </a:r>
+            <a:endParaRPr lang="en-US" sz="3200" dirty="0">
+              <a:solidFill>
+                <a:schemeClr val="tx1"/>
+              </a:solidFill>
+              <a:effectLst/>
+            </a:endParaRPr>
           </a:p>
         </p:txBody>
       </p:sp>
     </p:spTree>
     <p:extLst>
       <p:ext uri="{BB962C8B-B14F-4D97-AF65-F5344CB8AC3E}">
-        <p14:creationId xmlns:p14="http://schemas.microsoft.com/office/powerpoint/2010/main" val="2805521113"/>
+        <p14:creationId xmlns:p14="http://schemas.microsoft.com/office/powerpoint/2010/main" val="616635924"/>
       </p:ext>
     </p:extLst>
   </p:cSld>
@@ -8799,7 +10391,7 @@
 </p:sld>
 </file>
 
-<file path=ppt/slides/slide6.xml><?xml version="1.0" encoding="utf-8"?>
+<file path=ppt/slides/slide9.xml><?xml version="1.0" encoding="utf-8"?>
 <p:sld xmlns:a="http://schemas.openxmlformats.org/drawingml/2006/main" xmlns:r="http://schemas.openxmlformats.org/officeDocument/2006/relationships" xmlns:p="http://schemas.openxmlformats.org/presentationml/2006/main">
   <p:cSld>
     <p:spTree>
@@ -8821,7 +10413,7 @@
           <p:cNvPr id="2" name="Titre 1">
             <a:extLst>
               <a:ext uri="{FF2B5EF4-FFF2-40B4-BE49-F238E27FC236}">
-                <a16:creationId xmlns:a16="http://schemas.microsoft.com/office/drawing/2014/main" id="{71EB36A2-5E5D-4451-85B1-232E9FA02B3F}"/>
+                <a16:creationId xmlns:a16="http://schemas.microsoft.com/office/drawing/2014/main" id="{F701BF67-12B0-4537-8EB2-2C3288BCC442}"/>
               </a:ext>
             </a:extLst>
           </p:cNvPr>
@@ -8838,8 +10430,12 @@
           <a:lstStyle/>
           <a:p>
             <a:r>
-              <a:rPr lang="en-US" dirty="0"/>
-              <a:t>The Victorian England | Part 2</a:t>
+              <a:rPr lang="en-US" b="1" dirty="0">
+                <a:solidFill>
+                  <a:schemeClr val="tx1"/>
+                </a:solidFill>
+              </a:rPr>
+              <a:t>The parallels</a:t>
             </a:r>
           </a:p>
         </p:txBody>
@@ -8849,7 +10445,7 @@
           <p:cNvPr id="3" name="Espace réservé du contenu 2">
             <a:extLst>
               <a:ext uri="{FF2B5EF4-FFF2-40B4-BE49-F238E27FC236}">
-                <a16:creationId xmlns:a16="http://schemas.microsoft.com/office/drawing/2014/main" id="{8D59BC6C-1B1F-441A-B24D-5C487852924C}"/>
+                <a16:creationId xmlns:a16="http://schemas.microsoft.com/office/drawing/2014/main" id="{65204EF3-8021-4657-A2DC-FDE42ACD5DB0}"/>
               </a:ext>
             </a:extLst>
           </p:cNvPr>
@@ -8860,52 +10456,42 @@
             <p:ph idx="1"/>
           </p:nvPr>
         </p:nvSpPr>
-        <p:spPr>
-          <a:xfrm>
-            <a:off x="913795" y="1732449"/>
-            <a:ext cx="10353761" cy="4515951"/>
-          </a:xfrm>
-        </p:spPr>
-        <p:txBody>
-          <a:bodyPr>
-            <a:normAutofit fontScale="92500" lnSpcReduction="10000"/>
-          </a:bodyPr>
+        <p:spPr/>
+        <p:txBody>
+          <a:bodyPr/>
           <a:lstStyle/>
           <a:p>
             <a:r>
-              <a:rPr lang="fr-FR" sz="2800" u="sng" dirty="0"/>
-              <a:t>The </a:t>
-            </a:r>
-            <a:r>
-              <a:rPr lang="en-US" sz="2800" u="sng" dirty="0"/>
-              <a:t>education</a:t>
-            </a:r>
-            <a:r>
-              <a:rPr lang="fr-FR" sz="2800" u="sng" dirty="0"/>
-              <a:t>:</a:t>
+              <a:rPr lang="en-US" sz="2800" u="sng" dirty="0">
+                <a:solidFill>
+                  <a:schemeClr val="tx1"/>
+                </a:solidFill>
+              </a:rPr>
+              <a:t>The biography of Jane Eyre is similar to Charlotte Brontë’s one, due to the various parallels between Charlotte Brontë’s life, and the novel.</a:t>
+            </a:r>
+          </a:p>
+          <a:p>
+            <a:endParaRPr lang="en-US" dirty="0"/>
+          </a:p>
+          <a:p>
+            <a:r>
+              <a:rPr lang="en-US" sz="2800" u="sng" dirty="0">
+                <a:solidFill>
+                  <a:schemeClr val="tx1"/>
+                </a:solidFill>
+              </a:rPr>
+              <a:t>The effect on the reader:</a:t>
             </a:r>
           </a:p>
           <a:p>
             <a:pPr lvl="1"/>
             <a:r>
               <a:rPr lang="en-US" sz="2400" dirty="0">
-                <a:effectLst/>
+                <a:solidFill>
+                  <a:schemeClr val="tx1"/>
+                </a:solidFill>
               </a:rPr>
-              <a:t>In 1870, the Forster Elementary Education Act: it enabled some boarding schools to develop, although those schools demanded fees, that some families couldn’t afford. It ended up in the creation of ragged schools (free), and Dame schools (not free, and ran by illiterate women).</a:t>
-            </a:r>
-            <a:endParaRPr lang="fr-FR" sz="2400" dirty="0"/>
-          </a:p>
-          <a:p>
-            <a:r>
-              <a:rPr lang="en-US" sz="2800" u="sng" dirty="0"/>
-              <a:t>As for women… :</a:t>
-            </a:r>
-          </a:p>
-          <a:p>
-            <a:pPr lvl="1"/>
-            <a:r>
-              <a:rPr lang="en-US" sz="2600" dirty="0"/>
-              <a:t>They was not allowed to attend the university, though a character, named Sophia Jex-Blake wanted to change it all. Indeed, she attended a medical school, illegally. Eventually, women could attend medical schools, but they couldn’t be graduated. So, Sophia had opened her own hospital, for poor patients. Finally, in 1892, the Edinburgh University admitted women as “undergraduates”.</a:t>
+              <a:t>The reader could see Charlotte Brontë’s character, through Jane Eyre.</a:t>
             </a:r>
           </a:p>
         </p:txBody>
@@ -8913,7 +10499,7 @@
     </p:spTree>
     <p:extLst>
       <p:ext uri="{BB962C8B-B14F-4D97-AF65-F5344CB8AC3E}">
-        <p14:creationId xmlns:p14="http://schemas.microsoft.com/office/powerpoint/2010/main" val="1958757116"/>
+        <p14:creationId xmlns:p14="http://schemas.microsoft.com/office/powerpoint/2010/main" val="1557996987"/>
       </p:ext>
     </p:extLst>
   </p:cSld>

--- a/Jane_Eyre_PPT.pptx
+++ b/Jane_Eyre_PPT.pptx
@@ -16,6 +16,9 @@
     <p:sldId id="259" r:id="rId10"/>
     <p:sldId id="260" r:id="rId11"/>
     <p:sldId id="261" r:id="rId12"/>
+    <p:sldId id="268" r:id="rId13"/>
+    <p:sldId id="269" r:id="rId14"/>
+    <p:sldId id="270" r:id="rId15"/>
   </p:sldIdLst>
   <p:sldSz cx="12192000" cy="6858000"/>
   <p:notesSz cx="6858000" cy="9144000"/>
@@ -6919,6 +6922,446 @@
 </p:sld>
 </file>
 
+<file path=ppt/slides/slide12.xml><?xml version="1.0" encoding="utf-8"?>
+<p:sld xmlns:a="http://schemas.openxmlformats.org/drawingml/2006/main" xmlns:r="http://schemas.openxmlformats.org/officeDocument/2006/relationships" xmlns:p="http://schemas.openxmlformats.org/presentationml/2006/main">
+  <p:cSld>
+    <p:spTree>
+      <p:nvGrpSpPr>
+        <p:cNvPr id="1" name=""/>
+        <p:cNvGrpSpPr/>
+        <p:nvPr/>
+      </p:nvGrpSpPr>
+      <p:grpSpPr>
+        <a:xfrm>
+          <a:off x="0" y="0"/>
+          <a:ext cx="0" cy="0"/>
+          <a:chOff x="0" y="0"/>
+          <a:chExt cx="0" cy="0"/>
+        </a:xfrm>
+      </p:grpSpPr>
+      <p:sp>
+        <p:nvSpPr>
+          <p:cNvPr id="2" name="Titre 1">
+            <a:extLst>
+              <a:ext uri="{FF2B5EF4-FFF2-40B4-BE49-F238E27FC236}">
+                <a16:creationId xmlns:a16="http://schemas.microsoft.com/office/drawing/2014/main" id="{E80A4393-8ECA-4BC5-9D80-37536F96FE73}"/>
+              </a:ext>
+            </a:extLst>
+          </p:cNvPr>
+          <p:cNvSpPr>
+            <a:spLocks noGrp="1"/>
+          </p:cNvSpPr>
+          <p:nvPr>
+            <p:ph type="title"/>
+          </p:nvPr>
+        </p:nvSpPr>
+        <p:spPr>
+          <a:xfrm>
+            <a:off x="919119" y="223838"/>
+            <a:ext cx="10353762" cy="970450"/>
+          </a:xfrm>
+        </p:spPr>
+        <p:txBody>
+          <a:bodyPr/>
+          <a:lstStyle/>
+          <a:p>
+            <a:r>
+              <a:rPr lang="en-US" dirty="0"/>
+              <a:t>A character map</a:t>
+            </a:r>
+          </a:p>
+        </p:txBody>
+      </p:sp>
+      <p:pic>
+        <p:nvPicPr>
+          <p:cNvPr id="5" name="Espace réservé du contenu 4">
+            <a:extLst>
+              <a:ext uri="{FF2B5EF4-FFF2-40B4-BE49-F238E27FC236}">
+                <a16:creationId xmlns:a16="http://schemas.microsoft.com/office/drawing/2014/main" id="{8B65EE28-0CA5-4820-8251-5CE212F3B7E3}"/>
+              </a:ext>
+            </a:extLst>
+          </p:cNvPr>
+          <p:cNvPicPr>
+            <a:picLocks noGrp="1" noChangeAspect="1"/>
+          </p:cNvPicPr>
+          <p:nvPr>
+            <p:ph idx="1"/>
+          </p:nvPr>
+        </p:nvPicPr>
+        <p:blipFill>
+          <a:blip r:embed="rId2">
+            <a:extLst>
+              <a:ext uri="{28A0092B-C50C-407E-A947-70E740481C1C}">
+                <a14:useLocalDpi xmlns:a14="http://schemas.microsoft.com/office/drawing/2010/main" val="0"/>
+              </a:ext>
+            </a:extLst>
+          </a:blip>
+          <a:stretch>
+            <a:fillRect/>
+          </a:stretch>
+        </p:blipFill>
+        <p:spPr>
+          <a:xfrm>
+            <a:off x="3395377" y="1194288"/>
+            <a:ext cx="5401246" cy="5610948"/>
+          </a:xfrm>
+        </p:spPr>
+      </p:pic>
+    </p:spTree>
+    <p:extLst>
+      <p:ext uri="{BB962C8B-B14F-4D97-AF65-F5344CB8AC3E}">
+        <p14:creationId xmlns:p14="http://schemas.microsoft.com/office/powerpoint/2010/main" val="4238034929"/>
+      </p:ext>
+    </p:extLst>
+  </p:cSld>
+  <p:clrMapOvr>
+    <a:masterClrMapping/>
+  </p:clrMapOvr>
+</p:sld>
+</file>
+
+<file path=ppt/slides/slide13.xml><?xml version="1.0" encoding="utf-8"?>
+<p:sld xmlns:a="http://schemas.openxmlformats.org/drawingml/2006/main" xmlns:r="http://schemas.openxmlformats.org/officeDocument/2006/relationships" xmlns:p="http://schemas.openxmlformats.org/presentationml/2006/main">
+  <p:cSld>
+    <p:spTree>
+      <p:nvGrpSpPr>
+        <p:cNvPr id="1" name=""/>
+        <p:cNvGrpSpPr/>
+        <p:nvPr/>
+      </p:nvGrpSpPr>
+      <p:grpSpPr>
+        <a:xfrm>
+          <a:off x="0" y="0"/>
+          <a:ext cx="0" cy="0"/>
+          <a:chOff x="0" y="0"/>
+          <a:chExt cx="0" cy="0"/>
+        </a:xfrm>
+      </p:grpSpPr>
+      <p:sp>
+        <p:nvSpPr>
+          <p:cNvPr id="2" name="Titre 1">
+            <a:extLst>
+              <a:ext uri="{FF2B5EF4-FFF2-40B4-BE49-F238E27FC236}">
+                <a16:creationId xmlns:a16="http://schemas.microsoft.com/office/drawing/2014/main" id="{056254C8-A8D2-45C3-9F63-F66FCCBF52B6}"/>
+              </a:ext>
+            </a:extLst>
+          </p:cNvPr>
+          <p:cNvSpPr>
+            <a:spLocks noGrp="1"/>
+          </p:cNvSpPr>
+          <p:nvPr>
+            <p:ph type="title"/>
+          </p:nvPr>
+        </p:nvSpPr>
+        <p:spPr/>
+        <p:txBody>
+          <a:bodyPr/>
+          <a:lstStyle/>
+          <a:p>
+            <a:r>
+              <a:rPr lang="en-US" dirty="0"/>
+              <a:t>Themes in </a:t>
+            </a:r>
+            <a:r>
+              <a:rPr lang="en-US" i="1" dirty="0"/>
+              <a:t>Jane Eyre</a:t>
+            </a:r>
+            <a:endParaRPr lang="en-US" dirty="0"/>
+          </a:p>
+        </p:txBody>
+      </p:sp>
+      <p:sp>
+        <p:nvSpPr>
+          <p:cNvPr id="3" name="Espace réservé du contenu 2">
+            <a:extLst>
+              <a:ext uri="{FF2B5EF4-FFF2-40B4-BE49-F238E27FC236}">
+                <a16:creationId xmlns:a16="http://schemas.microsoft.com/office/drawing/2014/main" id="{0E04891D-66A8-49A4-9CC0-00EC3F8F69C0}"/>
+              </a:ext>
+            </a:extLst>
+          </p:cNvPr>
+          <p:cNvSpPr>
+            <a:spLocks noGrp="1"/>
+          </p:cNvSpPr>
+          <p:nvPr>
+            <p:ph idx="1"/>
+          </p:nvPr>
+        </p:nvSpPr>
+        <p:spPr>
+          <a:xfrm>
+            <a:off x="913794" y="1732449"/>
+            <a:ext cx="10487983" cy="4515951"/>
+          </a:xfrm>
+        </p:spPr>
+        <p:txBody>
+          <a:bodyPr>
+            <a:normAutofit/>
+          </a:bodyPr>
+          <a:lstStyle/>
+          <a:p>
+            <a:r>
+              <a:rPr lang="en-US" sz="1800" dirty="0"/>
+              <a:t>We can notice several themes in this novel, as following:</a:t>
+            </a:r>
+          </a:p>
+          <a:p>
+            <a:pPr lvl="1"/>
+            <a:r>
+              <a:rPr lang="en-US" sz="1600" dirty="0"/>
+              <a:t>Family: Jane is searching for a family, in order to belong to something, as she is an orphan at the beginning of the novel.</a:t>
+            </a:r>
+          </a:p>
+          <a:p>
+            <a:pPr lvl="1"/>
+            <a:r>
+              <a:rPr lang="en-US" sz="1600" dirty="0"/>
+              <a:t>Religion: Three models of Christianism can be seen throughout the novel:</a:t>
+            </a:r>
+          </a:p>
+          <a:p>
+            <a:pPr lvl="2"/>
+            <a:r>
+              <a:rPr lang="en-US" sz="1400" dirty="0">
+                <a:effectLst/>
+              </a:rPr>
+              <a:t>Evangelicalism</a:t>
+            </a:r>
+            <a:endParaRPr lang="en-US" sz="1400" dirty="0"/>
+          </a:p>
+          <a:p>
+            <a:pPr lvl="2"/>
+            <a:r>
+              <a:rPr lang="en-US" sz="1400" dirty="0"/>
+              <a:t>The forgiveness</a:t>
+            </a:r>
+          </a:p>
+          <a:p>
+            <a:pPr lvl="2"/>
+            <a:r>
+              <a:rPr lang="en-US" sz="1400" dirty="0"/>
+              <a:t>The righteousness</a:t>
+            </a:r>
+          </a:p>
+          <a:p>
+            <a:pPr lvl="1"/>
+            <a:r>
+              <a:rPr lang="en-US" sz="1600" dirty="0"/>
+              <a:t>Social position: Brontë uses the character of Jane Eyre, to express her critique of the Victorian Era, as Jane Eyre is poor and lives in a well-off environment.</a:t>
+            </a:r>
+          </a:p>
+          <a:p>
+            <a:pPr lvl="1"/>
+            <a:r>
+              <a:rPr lang="en-US" sz="1600" dirty="0"/>
+              <a:t>Gender inequality: The author also benefits from this novel by criticizing the gender equality, with Jane Eyre imprisonment in the “red-room” at the beginning of the novel.</a:t>
+            </a:r>
+          </a:p>
+          <a:p>
+            <a:pPr lvl="1"/>
+            <a:r>
+              <a:rPr lang="en-US" sz="1600" dirty="0"/>
+              <a:t>External beauty vs. Internal beauty: we can see that both character Bertha Mason and Blanche Ingram are seen as really beautiful, whereas they act in a really mean way.</a:t>
+            </a:r>
+          </a:p>
+        </p:txBody>
+      </p:sp>
+    </p:spTree>
+    <p:extLst>
+      <p:ext uri="{BB962C8B-B14F-4D97-AF65-F5344CB8AC3E}">
+        <p14:creationId xmlns:p14="http://schemas.microsoft.com/office/powerpoint/2010/main" val="3306937310"/>
+      </p:ext>
+    </p:extLst>
+  </p:cSld>
+  <p:clrMapOvr>
+    <a:masterClrMapping/>
+  </p:clrMapOvr>
+</p:sld>
+</file>
+
+<file path=ppt/slides/slide14.xml><?xml version="1.0" encoding="utf-8"?>
+<p:sld xmlns:a="http://schemas.openxmlformats.org/drawingml/2006/main" xmlns:r="http://schemas.openxmlformats.org/officeDocument/2006/relationships" xmlns:p="http://schemas.openxmlformats.org/presentationml/2006/main">
+  <p:cSld>
+    <p:spTree>
+      <p:nvGrpSpPr>
+        <p:cNvPr id="1" name=""/>
+        <p:cNvGrpSpPr/>
+        <p:nvPr/>
+      </p:nvGrpSpPr>
+      <p:grpSpPr>
+        <a:xfrm>
+          <a:off x="0" y="0"/>
+          <a:ext cx="0" cy="0"/>
+          <a:chOff x="0" y="0"/>
+          <a:chExt cx="0" cy="0"/>
+        </a:xfrm>
+      </p:grpSpPr>
+      <p:sp>
+        <p:nvSpPr>
+          <p:cNvPr id="2" name="Titre 1">
+            <a:extLst>
+              <a:ext uri="{FF2B5EF4-FFF2-40B4-BE49-F238E27FC236}">
+                <a16:creationId xmlns:a16="http://schemas.microsoft.com/office/drawing/2014/main" id="{1314AB80-80EC-4EB6-97AA-680A19C553C2}"/>
+              </a:ext>
+            </a:extLst>
+          </p:cNvPr>
+          <p:cNvSpPr>
+            <a:spLocks noGrp="1"/>
+          </p:cNvSpPr>
+          <p:nvPr>
+            <p:ph type="title"/>
+          </p:nvPr>
+        </p:nvSpPr>
+        <p:spPr/>
+        <p:txBody>
+          <a:bodyPr/>
+          <a:lstStyle/>
+          <a:p>
+            <a:r>
+              <a:rPr lang="en-US" i="1" dirty="0"/>
+              <a:t>Jane Eyre</a:t>
+            </a:r>
+            <a:r>
+              <a:rPr lang="en-US" dirty="0"/>
+              <a:t> at the cinema!</a:t>
+            </a:r>
+            <a:endParaRPr lang="en-US" i="1" dirty="0"/>
+          </a:p>
+        </p:txBody>
+      </p:sp>
+      <p:sp>
+        <p:nvSpPr>
+          <p:cNvPr id="3" name="Espace réservé du contenu 2">
+            <a:extLst>
+              <a:ext uri="{FF2B5EF4-FFF2-40B4-BE49-F238E27FC236}">
+                <a16:creationId xmlns:a16="http://schemas.microsoft.com/office/drawing/2014/main" id="{9FEB30C3-C317-42BA-B373-A779AFEE6F8B}"/>
+              </a:ext>
+            </a:extLst>
+          </p:cNvPr>
+          <p:cNvSpPr>
+            <a:spLocks noGrp="1"/>
+          </p:cNvSpPr>
+          <p:nvPr>
+            <p:ph idx="1"/>
+          </p:nvPr>
+        </p:nvSpPr>
+        <p:spPr/>
+        <p:txBody>
+          <a:bodyPr/>
+          <a:lstStyle/>
+          <a:p>
+            <a:r>
+              <a:rPr lang="en-US" dirty="0"/>
+              <a:t>The novel </a:t>
+            </a:r>
+            <a:r>
+              <a:rPr lang="en-US" i="1" dirty="0"/>
+              <a:t>Jane Eyre</a:t>
+            </a:r>
+            <a:r>
+              <a:rPr lang="en-US" dirty="0"/>
+              <a:t> has become so famous, that some film directors decided to make a film version! You can see below a few version movies based on the novel, in the chronological order:</a:t>
+            </a:r>
+          </a:p>
+          <a:p>
+            <a:pPr lvl="1"/>
+            <a:r>
+              <a:rPr lang="it-IT" i="1" dirty="0"/>
+              <a:t>Jane Eyre – 1934  |</a:t>
+            </a:r>
+            <a:r>
+              <a:rPr lang="it-IT" dirty="0"/>
+              <a:t> Starring Virgina BRUCE &amp; Colin CLIVE</a:t>
+            </a:r>
+          </a:p>
+          <a:p>
+            <a:pPr lvl="1"/>
+            <a:r>
+              <a:rPr lang="it-IT" i="1" dirty="0"/>
+              <a:t>Jane Eyre</a:t>
+            </a:r>
+            <a:r>
+              <a:rPr lang="it-IT" dirty="0"/>
+              <a:t> – 1943 | Starring Orson  WELLES &amp; Joan FONTAINER</a:t>
+            </a:r>
+          </a:p>
+          <a:p>
+            <a:pPr lvl="1"/>
+            <a:r>
+              <a:rPr lang="it-IT" i="1" dirty="0"/>
+              <a:t>Jane Eyre – </a:t>
+            </a:r>
+            <a:r>
+              <a:rPr lang="it-IT" dirty="0"/>
+              <a:t>1970 | Starring Susannah YORK &amp; George C. SCOTT</a:t>
+            </a:r>
+          </a:p>
+          <a:p>
+            <a:pPr lvl="1"/>
+            <a:r>
+              <a:rPr lang="it-IT" i="1" dirty="0"/>
+              <a:t>Jane Eyre</a:t>
+            </a:r>
+            <a:r>
+              <a:rPr lang="it-IT" dirty="0"/>
+              <a:t> – 1983 | Starring Zelah CLARKE &amp; Timothy DALTON</a:t>
+            </a:r>
+          </a:p>
+          <a:p>
+            <a:pPr lvl="1"/>
+            <a:r>
+              <a:rPr lang="it-IT" i="1" dirty="0"/>
+              <a:t>Jane Eyre</a:t>
+            </a:r>
+            <a:r>
+              <a:rPr lang="it-IT" dirty="0"/>
+              <a:t> – 1997 | Starring Samantha MORTON &amp;  Ciaran HINDS</a:t>
+            </a:r>
+          </a:p>
+          <a:p>
+            <a:pPr lvl="1"/>
+            <a:r>
+              <a:rPr lang="it-IT" i="1" dirty="0"/>
+              <a:t>Jane Eyre</a:t>
+            </a:r>
+            <a:r>
+              <a:rPr lang="it-IT" dirty="0"/>
+              <a:t> – 2003 | Starring Ruth WILSON &amp; Toby STEPHENS</a:t>
+            </a:r>
+          </a:p>
+          <a:p>
+            <a:pPr lvl="1"/>
+            <a:r>
+              <a:rPr lang="it-IT" i="1" dirty="0"/>
+              <a:t>Jane Eyre</a:t>
+            </a:r>
+            <a:r>
+              <a:rPr lang="it-IT" dirty="0"/>
+              <a:t> – 2011 | Starring Mia WASIKOWSKA &amp; Michael FASSBENDER</a:t>
+            </a:r>
+            <a:endParaRPr lang="it-IT" i="1" dirty="0"/>
+          </a:p>
+          <a:p>
+            <a:pPr lvl="1"/>
+            <a:endParaRPr lang="it-IT" dirty="0"/>
+          </a:p>
+          <a:p>
+            <a:pPr lvl="1"/>
+            <a:endParaRPr lang="en-US" dirty="0"/>
+          </a:p>
+        </p:txBody>
+      </p:sp>
+    </p:spTree>
+    <p:extLst>
+      <p:ext uri="{BB962C8B-B14F-4D97-AF65-F5344CB8AC3E}">
+        <p14:creationId xmlns:p14="http://schemas.microsoft.com/office/powerpoint/2010/main" val="4221220892"/>
+      </p:ext>
+    </p:extLst>
+  </p:cSld>
+  <p:clrMapOvr>
+    <a:masterClrMapping/>
+  </p:clrMapOvr>
+</p:sld>
+</file>
+
 <file path=ppt/slides/slide2.xml><?xml version="1.0" encoding="utf-8"?>
 <p:sld xmlns:a="http://schemas.openxmlformats.org/drawingml/2006/main" xmlns:r="http://schemas.openxmlformats.org/officeDocument/2006/relationships" xmlns:p="http://schemas.openxmlformats.org/presentationml/2006/main">
   <p:cSld>
@@ -7346,7 +7789,7 @@
                 <a:ea typeface="Calibri" panose="020F0502020204030204" pitchFamily="34" charset="0"/>
                 <a:cs typeface="OpenSans-Regular"/>
               </a:rPr>
-              <a:t>Emily and Charlotte go to the Pensionnat </a:t>
+              <a:t>Emily and Charlotte went to the Pensionnat </a:t>
             </a:r>
             <a:r>
               <a:rPr lang="en-US" dirty="0" err="1">
@@ -7371,7 +7814,7 @@
               <a:t>, </a:t>
             </a:r>
             <a:r>
-              <a:rPr lang="fr-FR" dirty="0" err="1">
+              <a:rPr lang="en-US" dirty="0">
                 <a:solidFill>
                   <a:schemeClr val="tx1"/>
                 </a:solidFill>
@@ -7393,7 +7836,7 @@
               <a:t> Charlotte </a:t>
             </a:r>
             <a:r>
-              <a:rPr lang="fr-FR" dirty="0" err="1">
+              <a:rPr lang="en-US" dirty="0">
                 <a:solidFill>
                   <a:schemeClr val="tx1"/>
                 </a:solidFill>
@@ -7401,7 +7844,7 @@
                 <a:ea typeface="Calibri" panose="020F0502020204030204" pitchFamily="34" charset="0"/>
                 <a:cs typeface="OpenSans-Regular"/>
               </a:rPr>
-              <a:t>turn</a:t>
+              <a:t>turned</a:t>
             </a:r>
             <a:r>
               <a:rPr lang="fr-FR" dirty="0">
@@ -7415,7 +7858,7 @@
               <a:t> </a:t>
             </a:r>
             <a:r>
-              <a:rPr lang="fr-FR" dirty="0" err="1">
+              <a:rPr lang="en-US" dirty="0">
                 <a:solidFill>
                   <a:schemeClr val="tx1"/>
                 </a:solidFill>
@@ -7434,10 +7877,10 @@
                 <a:ea typeface="Calibri" panose="020F0502020204030204" pitchFamily="34" charset="0"/>
                 <a:cs typeface="OpenSans-Regular"/>
               </a:rPr>
-              <a:t> </a:t>
-            </a:r>
-            <a:r>
-              <a:rPr lang="fr-FR" dirty="0" err="1">
+              <a:t> a </a:t>
+            </a:r>
+            <a:r>
+              <a:rPr lang="en-US" dirty="0">
                 <a:solidFill>
                   <a:schemeClr val="tx1"/>
                 </a:solidFill>
@@ -7498,7 +7941,7 @@
                 <a:ea typeface="Calibri" panose="020F0502020204030204" pitchFamily="34" charset="0"/>
                 <a:cs typeface="OpenSans-Regular"/>
               </a:rPr>
-              <a:t>Death of Anne and Emily (again tuberculosis) : end of sister’s ritual, which consist to talk about their novel story at night.</a:t>
+              <a:t>Death of Anne and Emily (again tuberculosis) : end of sister’s ritual, which consists to talk about their novel story at night.</a:t>
             </a:r>
             <a:endParaRPr lang="fr-FR" dirty="0">
               <a:solidFill>
@@ -7615,7 +8058,7 @@
           <a:lstStyle/>
           <a:p>
             <a:r>
-              <a:rPr lang="fr-FR" sz="2400" dirty="0" err="1">
+              <a:rPr lang="en-US" sz="2400" dirty="0">
                 <a:solidFill>
                   <a:schemeClr val="tx1"/>
                 </a:solidFill>
@@ -7639,7 +8082,7 @@
                 <a:ea typeface="Calibri" panose="020F0502020204030204" pitchFamily="34" charset="0"/>
                 <a:cs typeface="OpenSans-Regular"/>
               </a:rPr>
-              <a:t>a literary genre that focuses on coming of age stories, following a character’s progression towards adulthood.</a:t>
+              <a:t>a literary genre that focuses on coming-of-age stories, following a character’s progression towards adulthood.</a:t>
             </a:r>
             <a:endParaRPr lang="fr-FR" sz="2400" i="1" dirty="0">
               <a:solidFill>
@@ -7891,7 +8334,7 @@
           <a:lstStyle/>
           <a:p>
             <a:r>
-              <a:rPr lang="fr-FR" sz="2400" dirty="0" err="1">
+              <a:rPr lang="en-US" sz="2400" dirty="0">
                 <a:solidFill>
                   <a:schemeClr val="tx1"/>
                 </a:solidFill>
@@ -8238,7 +8681,7 @@
                 <a:ea typeface="Calibri" panose="020F0502020204030204" pitchFamily="34" charset="0"/>
                 <a:cs typeface="Times New Roman" panose="02020603050405020304" pitchFamily="18" charset="0"/>
               </a:rPr>
-              <a:t> Jane arrives in a boarding school, Lowood. After a long time, she becomes teacher in this place. Then, she goes and continues to be teacher but at Mr. Rochester’s house, where she meets him and falls in love. But he wants to marry Mrs. Ingram. Finally, it was a test for Jane and he admits his feelings and demand her in marriage.</a:t>
+              <a:t> Jane arrives in a boarding school, Lowood. After a long time, she has become a teacher there. Then, she continues to be a teacher but at Mr. Rochester’s house, where she met him and fell in love. But he wants to marry Mrs. Ingram. Finally, it was a test for Jane, and he admitted his feelings and demanded her in marriage.</a:t>
             </a:r>
             <a:endParaRPr lang="fr-FR" dirty="0">
               <a:solidFill>
